--- a/game dev examen.pptx
+++ b/game dev examen.pptx
@@ -2,11 +2,24 @@
 <file path=ppt/presentation.xml><?xml version="1.0" encoding="utf-8"?>
 <p:presentation xmlns:a="http://schemas.openxmlformats.org/drawingml/2006/main" xmlns:r="http://schemas.openxmlformats.org/officeDocument/2006/relationships" xmlns:p="http://schemas.openxmlformats.org/presentationml/2006/main" saveSubsetFonts="1">
   <p:sldMasterIdLst>
-    <p:sldMasterId id="2147483648" r:id="rId1"/>
+    <p:sldMasterId id="2147483689" r:id="rId1"/>
   </p:sldMasterIdLst>
   <p:sldIdLst>
     <p:sldId id="256" r:id="rId2"/>
     <p:sldId id="257" r:id="rId3"/>
+    <p:sldId id="258" r:id="rId4"/>
+    <p:sldId id="259" r:id="rId5"/>
+    <p:sldId id="260" r:id="rId6"/>
+    <p:sldId id="261" r:id="rId7"/>
+    <p:sldId id="262" r:id="rId8"/>
+    <p:sldId id="263" r:id="rId9"/>
+    <p:sldId id="264" r:id="rId10"/>
+    <p:sldId id="265" r:id="rId11"/>
+    <p:sldId id="266" r:id="rId12"/>
+    <p:sldId id="267" r:id="rId13"/>
+    <p:sldId id="268" r:id="rId14"/>
+    <p:sldId id="269" r:id="rId15"/>
+    <p:sldId id="270" r:id="rId16"/>
   </p:sldIdLst>
   <p:sldSz cx="12192000" cy="6858000"/>
   <p:notesSz cx="6858000" cy="9144000"/>
@@ -105,7 +118,208 @@
       </a:defRPr>
     </a:lvl9pPr>
   </p:defaultTextStyle>
+  <p:extLst>
+    <p:ext uri="{EFAFB233-063F-42B5-8137-9DF3F51BA10A}">
+      <p15:sldGuideLst xmlns:p15="http://schemas.microsoft.com/office/powerpoint/2012/main"/>
+    </p:ext>
+  </p:extLst>
 </p:presentation>
+</file>
+
+<file path=ppt/ink/ink1.xml><?xml version="1.0" encoding="utf-8"?>
+<inkml:ink xmlns:inkml="http://www.w3.org/2003/InkML">
+  <inkml:definitions>
+    <inkml:context xml:id="ctx0">
+      <inkml:inkSource xml:id="inkSrc0">
+        <inkml:traceFormat>
+          <inkml:channel name="X" type="integer" min="-2.14748E9" max="2.14748E9" units="cm"/>
+          <inkml:channel name="Y" type="integer" min="-2.14748E9" max="2.14748E9" units="cm"/>
+          <inkml:channel name="F" type="integer" max="32767" units="dev"/>
+        </inkml:traceFormat>
+        <inkml:channelProperties>
+          <inkml:channelProperty channel="X" name="resolution" value="1000" units="1/cm"/>
+          <inkml:channelProperty channel="Y" name="resolution" value="1000" units="1/cm"/>
+          <inkml:channelProperty channel="F" name="resolution" value="0" units="1/dev"/>
+        </inkml:channelProperties>
+      </inkml:inkSource>
+      <inkml:timestamp xml:id="ts0" timeString="2022-06-08T07:23:47.809"/>
+    </inkml:context>
+    <inkml:brush xml:id="br0">
+      <inkml:brushProperty name="width" value="0.05" units="cm"/>
+      <inkml:brushProperty name="height" value="0.05" units="cm"/>
+      <inkml:brushProperty name="color" value="#E71224"/>
+    </inkml:brush>
+  </inkml:definitions>
+  <inkml:trace contextRef="#ctx0" brushRef="#br0">2395 0 24575,'-4'68'0,"-2"-1"0,-4 0 0,-21 78 0,9-57 0,-50 122 0,-54 82 0,48-117 0,-566 1273 0,479-1069-222,-81 170-165,-75 193 387,-98 438 0,277-723 0,110-323 0,-21 204 0,29 93 0,26-315 0,27 196 0,-21-265 0,1-1 0,3 0 0,26 66 0,-28-90 0,0-1 0,2 1 0,0-2 0,1 0 0,1 0 0,1-1 0,1-1 0,28 25 0,-15-19 3,2-2 1,0-1 0,2-2-1,0-1 1,1-2 0,67 23-1,225 44-79,-254-68 21,168 31 69,3-11 1,1-11 0,419-12 0,-545-14 398,81-4-1535,-126 0-5704</inkml:trace>
+</inkml:ink>
+</file>
+
+<file path=ppt/ink/ink2.xml><?xml version="1.0" encoding="utf-8"?>
+<inkml:ink xmlns:inkml="http://www.w3.org/2003/InkML">
+  <inkml:definitions>
+    <inkml:context xml:id="ctx0">
+      <inkml:inkSource xml:id="inkSrc0">
+        <inkml:traceFormat>
+          <inkml:channel name="X" type="integer" min="-2.14748E9" max="2.14748E9" units="cm"/>
+          <inkml:channel name="Y" type="integer" min="-2.14748E9" max="2.14748E9" units="cm"/>
+          <inkml:channel name="F" type="integer" max="32767" units="dev"/>
+        </inkml:traceFormat>
+        <inkml:channelProperties>
+          <inkml:channelProperty channel="X" name="resolution" value="1000" units="1/cm"/>
+          <inkml:channelProperty channel="Y" name="resolution" value="1000" units="1/cm"/>
+          <inkml:channelProperty channel="F" name="resolution" value="0" units="1/dev"/>
+        </inkml:channelProperties>
+      </inkml:inkSource>
+      <inkml:timestamp xml:id="ts0" timeString="2022-06-08T07:23:48.480"/>
+    </inkml:context>
+    <inkml:brush xml:id="br0">
+      <inkml:brushProperty name="width" value="0.05" units="cm"/>
+      <inkml:brushProperty name="height" value="0.05" units="cm"/>
+      <inkml:brushProperty name="color" value="#E71224"/>
+    </inkml:brush>
+  </inkml:definitions>
+  <inkml:trace contextRef="#ctx0" brushRef="#br0">1 11 24575,'0'-4'0,"23"-3"0,26 11 0,32 8 0,26 11 0,30 7 0,35 7 0,19-2 0,-9-8 0,-12-8 0,-22-7 0,-17-6 0,-21-4 0,-26-2 0,-27-1-8191</inkml:trace>
+</inkml:ink>
+</file>
+
+<file path=ppt/ink/ink3.xml><?xml version="1.0" encoding="utf-8"?>
+<inkml:ink xmlns:inkml="http://www.w3.org/2003/InkML">
+  <inkml:definitions>
+    <inkml:context xml:id="ctx0">
+      <inkml:inkSource xml:id="inkSrc0">
+        <inkml:traceFormat>
+          <inkml:channel name="X" type="integer" min="-2.14748E9" max="2.14748E9" units="cm"/>
+          <inkml:channel name="Y" type="integer" min="-2.14748E9" max="2.14748E9" units="cm"/>
+          <inkml:channel name="F" type="integer" max="32767" units="dev"/>
+        </inkml:traceFormat>
+        <inkml:channelProperties>
+          <inkml:channelProperty channel="X" name="resolution" value="1000" units="1/cm"/>
+          <inkml:channelProperty channel="Y" name="resolution" value="1000" units="1/cm"/>
+          <inkml:channelProperty channel="F" name="resolution" value="0" units="1/dev"/>
+        </inkml:channelProperties>
+      </inkml:inkSource>
+      <inkml:timestamp xml:id="ts0" timeString="2022-06-08T07:23:49.699"/>
+    </inkml:context>
+    <inkml:brush xml:id="br0">
+      <inkml:brushProperty name="width" value="0.05" units="cm"/>
+      <inkml:brushProperty name="height" value="0.05" units="cm"/>
+      <inkml:brushProperty name="color" value="#E71224"/>
+    </inkml:brush>
+  </inkml:definitions>
+  <inkml:trace contextRef="#ctx0" brushRef="#br0">0 1 24575,'23'64'0,"-4"-14"0,1 25 0,-4 0 0,6 83 0,16 81 0,45 98-168,49 246-806,-81-233 189,4 360 1,-43 359-1036,-12-985 1427,-11 2465-6,11-2547 404,-5 580-890,-26-10 780,26-513 759,-25 112-1,30-168-607,-1-1-1,1 0 0,-1 0 0,1 0 0,-1 0 0,0 0 1,0 0-1,0-1 0,0 1 0,0 0 0,0 0 1,0-1-1,0 1 0,-3 2 0,-3-10 668,2-17 207,-2-43-16,2-67-1,5 106-668,0-67-250,5 1 0,3 0 0,5 0 0,3 1 0,33-101-1,124-284-74,38 4 97,16 30-7,-167 343 0,5 2 0,94-111 0,-138 185 0,0 1 0,47-39 0,-59 56 0,0-1 0,0 1 0,1 1 0,0 0 0,0 0 0,0 1 0,0 0 0,1 1 0,0 0 0,-1 1 0,18-2 0,-11 4 8,0 0 1,0 2-1,0 0 0,0 1 1,0 0-1,-1 2 0,1 0 1,20 9-1,13 9 297,58 37 0,-41-16-282,-2 2 0,-2 3 0,-3 3 0,-1 3-1,62 76 1,-90-92-23,-1 2 0,-3 1 0,-1 1 0,-2 1 0,-2 1 0,-2 1 0,18 64 0,-9-6 0,-5 2 0,14 142 0,-9 233 0,-34 3 0,0-209 0,3 155-1365,2-375-5461</inkml:trace>
+</inkml:ink>
+</file>
+
+<file path=ppt/ink/ink4.xml><?xml version="1.0" encoding="utf-8"?>
+<inkml:ink xmlns:inkml="http://www.w3.org/2003/InkML">
+  <inkml:definitions>
+    <inkml:context xml:id="ctx0">
+      <inkml:inkSource xml:id="inkSrc0">
+        <inkml:traceFormat>
+          <inkml:channel name="X" type="integer" min="-2.14748E9" max="2.14748E9" units="cm"/>
+          <inkml:channel name="Y" type="integer" min="-2.14748E9" max="2.14748E9" units="cm"/>
+          <inkml:channel name="F" type="integer" max="32767" units="dev"/>
+        </inkml:traceFormat>
+        <inkml:channelProperties>
+          <inkml:channelProperty channel="X" name="resolution" value="1000" units="1/cm"/>
+          <inkml:channelProperty channel="Y" name="resolution" value="1000" units="1/cm"/>
+          <inkml:channelProperty channel="F" name="resolution" value="0" units="1/dev"/>
+        </inkml:channelProperties>
+      </inkml:inkSource>
+      <inkml:timestamp xml:id="ts0" timeString="2022-06-08T07:23:53.789"/>
+    </inkml:context>
+    <inkml:brush xml:id="br0">
+      <inkml:brushProperty name="width" value="0.05" units="cm"/>
+      <inkml:brushProperty name="height" value="0.05" units="cm"/>
+      <inkml:brushProperty name="color" value="#E71224"/>
+    </inkml:brush>
+  </inkml:definitions>
+  <inkml:trace contextRef="#ctx0" brushRef="#br0">211 2653 24575,'-1'1'0,"0"0"0,1 0 0,-1 0 0,0 1 0,1-1 0,-1 0 0,1 0 0,-1 1 0,1-1 0,0 0 0,-1 0 0,1 1 0,0-1 0,0 0 0,0 1 0,0-1 0,0 0 0,0 1 0,0-1 0,1 0 0,-1 1 0,0-1 0,1 0 0,-1 0 0,1 1 0,0-1 0,-1 0 0,1 0 0,0 0 0,-1 0 0,1 0 0,0 0 0,0 0 0,0 0 0,0 0 0,0 0 0,2 1 0,5 5 0,0 0 0,1-1 0,14 8 0,8 3 0,1-2 0,0-2 0,68 19 0,116 14 0,-165-36 0,122 22-258,2-7 0,0-8-1,251-8 1,-333-14 262,-1-4 0,0-4 0,-1-3 0,0-5 0,-2-4 0,0-4 0,-2-3 0,103-55 0,-105 38-107,-3-4-1,-2-4 1,142-129-1,179-234-1015,-369 385 1115,73-81-1,218-246 17,-28-18-84,-248 312 1,-4-2 0,39-87 0,-68 129 58,-3-2 1,0 0-1,-2 0 0,-1-1 1,-1 0-1,-2 0 0,-1-1 0,0-48 1,-5 65 76,-1 0 0,-1 0 0,0 0 1,-1 0-1,-1 1 0,0-1 0,-1 1 1,0 0-1,-1 1 0,-1 0 0,0 0 1,-1 0-1,0 1 0,-1 1 0,0-1 0,-1 2 1,0-1-1,-23-15 0,4 5 127,-1 2-1,-1 2 0,0 0 1,-1 3-1,-1 0 0,-67-16 1,39 17-222,0 2 0,-1 4 1,0 2-1,0 3 0,0 3 1,-106 15-1,38 6-78,0 6 0,-137 49 0,110-21-64,3 7 0,2 7 0,-192 120 0,-388 330-519,-9 152 637,680-609-84,-95 124 0,130-149 163,2 2 0,2 0 0,1 2 0,2 0 0,-15 50 1,-106 386 670,139-468-694,-43 159-1,9 2 0,-18 199 0,50-332 0,2 0 0,1-1 0,3 1 0,0-1 0,3 1 0,1-1 0,21 71 0,-6-53 46,1 0 0,3-1 1,3-1-1,1-2 0,3-1 1,45 54-1,-32-52 8,2-1 0,2-3 0,2-1 0,2-3 0,72 46 0,-35-36-229,111 51-1,-21-28-649,4-8 1,2-8-1,328 61 0,591 8-718,-737-112-312</inkml:trace>
+</inkml:ink>
+</file>
+
+<file path=ppt/ink/ink5.xml><?xml version="1.0" encoding="utf-8"?>
+<inkml:ink xmlns:inkml="http://www.w3.org/2003/InkML">
+  <inkml:definitions>
+    <inkml:context xml:id="ctx0">
+      <inkml:inkSource xml:id="inkSrc0">
+        <inkml:traceFormat>
+          <inkml:channel name="X" type="integer" min="-2.14748E9" max="2.14748E9" units="cm"/>
+          <inkml:channel name="Y" type="integer" min="-2.14748E9" max="2.14748E9" units="cm"/>
+          <inkml:channel name="F" type="integer" max="32767" units="dev"/>
+        </inkml:traceFormat>
+        <inkml:channelProperties>
+          <inkml:channelProperty channel="X" name="resolution" value="1000" units="1/cm"/>
+          <inkml:channelProperty channel="Y" name="resolution" value="1000" units="1/cm"/>
+          <inkml:channelProperty channel="F" name="resolution" value="0" units="1/dev"/>
+        </inkml:channelProperties>
+      </inkml:inkSource>
+      <inkml:timestamp xml:id="ts0" timeString="2022-06-08T07:23:59.295"/>
+    </inkml:context>
+    <inkml:brush xml:id="br0">
+      <inkml:brushProperty name="width" value="0.05" units="cm"/>
+      <inkml:brushProperty name="height" value="0.05" units="cm"/>
+      <inkml:brushProperty name="color" value="#E71224"/>
+    </inkml:brush>
+  </inkml:definitions>
+  <inkml:trace contextRef="#ctx0" brushRef="#br0">59 2436 24575,'0'1'0,"0"0"0,1 0 0,-1 0 0,1 0 0,-1 0 0,1 0 0,-1 0 0,1 0 0,0 0 0,0 0 0,-1-1 0,1 1 0,0 0 0,0-1 0,0 1 0,0 0 0,0-1 0,0 1 0,0-1 0,0 1 0,0-1 0,0 0 0,0 1 0,2-1 0,33 9 0,-31-9 0,80 12 0,151 0 0,-175-11 0,147 2-235,273-29 0,-394 15 156,0-4 1,-2-4 0,0-4-1,-1-3 1,157-72 0,-154 51 78,-3-4 0,-2-3 0,145-125 0,-134 92 0,-4-4 0,121-161 0,-165 188 62,-2-3 0,-4-1 0,-2-1 1,-4-2-1,-2-2 0,34-128 0,-43 113 18,-5-1-1,-3-1 1,-4-1 0,-4 0-1,-9-131 1,3 212-71,-1-4-4,0-1 0,-1 1 0,-4-17 0,5 27-5,0 1 0,-1-1 0,1 0 0,-1 0-1,0 1 1,0-1 0,0 1 0,0-1 0,-1 1 0,0 0 0,1 0 0,-1 0 0,0 0 0,0 1-1,0-1 1,-5-2 0,-13-4 0,-1 1 0,1 1 0,-1 0 0,-1 2 0,-22-2 0,19 2 0,-60-10 0,0 4 0,-155 0 0,182 13 0,0 3 0,0 2 0,1 3 0,0 2 0,-64 23 0,35-1 0,1 3 0,2 5 0,2 2 0,-135 100 0,86-42 0,-212 214 0,292-264 0,2 2 0,3 2 0,2 2 0,-43 77 0,-210 403 0,226-400 0,7 4 0,6 1 0,6 4 0,6 1 0,7 2 0,-26 208 0,34 11 0,31-319 0,2 1 0,2-1 0,2 0 0,3-1 0,19 65 0,-3-46 0,2-1 0,45 78 0,89 115 0,-132-220 4,2-1 0,1-2 0,2-1 0,2-1 0,1-2 0,65 45 0,-31-34-91,2-2-1,1-4 1,93 35-1,153 42-1201,104 17 365,93 6-1481,658 89-942,-639-152 3443</inkml:trace>
+</inkml:ink>
+</file>
+
+<file path=ppt/ink/ink6.xml><?xml version="1.0" encoding="utf-8"?>
+<inkml:ink xmlns:inkml="http://www.w3.org/2003/InkML">
+  <inkml:definitions>
+    <inkml:context xml:id="ctx0">
+      <inkml:inkSource xml:id="inkSrc0">
+        <inkml:traceFormat>
+          <inkml:channel name="X" type="integer" min="-2.14748E9" max="2.14748E9" units="cm"/>
+          <inkml:channel name="Y" type="integer" min="-2.14748E9" max="2.14748E9" units="cm"/>
+          <inkml:channel name="F" type="integer" max="32767" units="dev"/>
+        </inkml:traceFormat>
+        <inkml:channelProperties>
+          <inkml:channelProperty channel="X" name="resolution" value="1000" units="1/cm"/>
+          <inkml:channelProperty channel="Y" name="resolution" value="1000" units="1/cm"/>
+          <inkml:channelProperty channel="F" name="resolution" value="0" units="1/dev"/>
+        </inkml:channelProperties>
+      </inkml:inkSource>
+      <inkml:timestamp xml:id="ts0" timeString="2022-06-08T07:24:01.567"/>
+    </inkml:context>
+    <inkml:brush xml:id="br0">
+      <inkml:brushProperty name="width" value="0.05" units="cm"/>
+      <inkml:brushProperty name="height" value="0.05" units="cm"/>
+      <inkml:brushProperty name="color" value="#E71224"/>
+    </inkml:brush>
+  </inkml:definitions>
+  <inkml:trace contextRef="#ctx0" brushRef="#br0">58 0 24575,'-1'19'0,"-1"0"0,-7 32 0,-1 7 0,-23 434 11,30 10-88,4-328-67,33 785-998,-4-657 1187,79 348 0,-1-231-201,-23-96 50,-67-235 278,-3 0 1,4 148-1,-23 179 650,-1-188-637,6-136-185,-5 86 0,-2-155 0,6-22 0,-1 1 0,1-1 0,0 0 0,0 0 0,0 1 0,0-1 0,0 0 0,-1 0 0,1 1 0,0-1 0,0 0 0,0 0 0,-1 0 0,1 1 0,0-1 0,0 0 0,-1 0 0,1 0 0,0 0 0,0 1 0,-1-1 0,1 0 0,0 0 0,0 0 0,-1 0 0,1 0 0,0 0 0,-1 0 0,1 0 0,0 0 0,-1 0 0,1 0 0,0 0 0,0 0 0,-1 0 0,1 0 0,0 0 0,-1 0 0,1 0 0,0-1 0,0 1 0,-1 0 0,1 0 0,0 0 0,0 0 0,-1-1 0,1 1 0,0 0 0,0 0 0,0-1 0,-1 1 0,1 0 0,0 0 0,0-1 0,0 1 0,0 0 0,-1 0 0,1-1 0,0 1 0,0-1 0,-4-9 0,0 0 0,0 0 0,1 0 0,0 0 0,1-1 0,-1-14 0,0 9 0,-38-223 0,-42-288 0,43 88 9,-18-155-184,53 558 145,-72-565-497,27-4 250,44-443 249,6 994 28,0 52 0,0-13 59,1-1-1,0 0 1,1 1 0,4-18 0,-5 28-27,1 1-1,0-1 1,0 1 0,0-1-1,0 1 1,1 0 0,0 0-1,0 0 1,0 0 0,0 0-1,0 1 1,1-1-1,0 1 1,0 0 0,0 0-1,8-4 1,5-1-8,1 1 0,0 1 0,0 1 0,0 1 0,1 0-1,0 1 1,35-1 0,500-27-19,-433 22-5,691-24 0,-789 33 0,-1 2 0,1 0 0,0 2 0,0 0 0,-1 2 0,0 0 0,26 13 0,-22-7 0,-1 1 0,-1 2 0,0 1 0,-1 0 0,30 29 0,-13-7 0,-1 3 0,62 84 0,48 103 0,-46-66 0,81 87 0,-10-16 0,-135-174 0,-2 2 0,32 70 0,-33-44 0,-3 2 0,-4 1 0,21 117 0,-26-68 0,8 220 0,-26-197 0,39 538 0,-6-414 0,-35-249 35,-2 0 1,-4 71-1,-19 72-1107,18-160 673,-5 37-6427</inkml:trace>
+</inkml:ink>
+</file>
+
+<file path=ppt/ink/ink7.xml><?xml version="1.0" encoding="utf-8"?>
+<inkml:ink xmlns:inkml="http://www.w3.org/2003/InkML">
+  <inkml:definitions>
+    <inkml:context xml:id="ctx0">
+      <inkml:inkSource xml:id="inkSrc0">
+        <inkml:traceFormat>
+          <inkml:channel name="X" type="integer" min="-2.14748E9" max="2.14748E9" units="cm"/>
+          <inkml:channel name="Y" type="integer" min="-2.14748E9" max="2.14748E9" units="cm"/>
+          <inkml:channel name="F" type="integer" max="32767" units="dev"/>
+        </inkml:traceFormat>
+        <inkml:channelProperties>
+          <inkml:channelProperty channel="X" name="resolution" value="1000" units="1/cm"/>
+          <inkml:channelProperty channel="Y" name="resolution" value="1000" units="1/cm"/>
+          <inkml:channelProperty channel="F" name="resolution" value="0" units="1/dev"/>
+        </inkml:channelProperties>
+      </inkml:inkSource>
+      <inkml:timestamp xml:id="ts0" timeString="2022-06-08T07:24:17.923"/>
+    </inkml:context>
+    <inkml:brush xml:id="br0">
+      <inkml:brushProperty name="width" value="0.05" units="cm"/>
+      <inkml:brushProperty name="height" value="0.05" units="cm"/>
+      <inkml:brushProperty name="color" value="#E71224"/>
+    </inkml:brush>
+  </inkml:definitions>
+  <inkml:trace contextRef="#ctx0" brushRef="#br0">2959 6830 24575,'0'-11'0,"0"0"0,0 1 0,-1-1 0,0 1 0,-1-1 0,0 1 0,-1 0 0,0 0 0,0 0 0,-1 0 0,-1 0 0,0 1 0,0 0 0,0 0 0,-1 0 0,-1 1 0,-11-13 0,0 3 0,-1 1 0,-1 0 0,0 2 0,-1 0 0,-1 1 0,-1 2 0,-26-12 0,-8 0 0,-110-30 0,95 36 0,-2 3 0,0 3 0,-122-3 0,147 14 0,-1 3 0,1 2 0,0 3 0,0 1 0,0 3 0,-68 24 0,37-2 2,1 3 1,2 5-1,2 2 0,-71 55 0,19-2-71,-148 147 0,184-152-47,3 3 0,5 4 1,4 3-1,5 4 0,-65 123 1,102-158 120,2 2 1,4 1-1,4 2 1,2 0 0,4 2-1,3 0 1,4 2-1,3-1 1,-1 117 0,14-138-6,3 1 0,2-1 0,3 0 0,2-1 0,3-1 0,2 0 0,30 65 0,-22-64 0,3-2 0,2-1 0,3-1 0,2-2 0,1-2 0,74 75 0,-82-96-1,2-1 1,1-2 0,0-1 0,2-1-1,1-2 1,59 26 0,-67-35 0,1-2 0,0 0 0,0-2-1,1-1 1,-1-2 0,1 0 0,1-2 0,-1-1 0,0-1 0,30-5 0,-21-1 1,-2-1 1,1-2 0,66-27-1,-38 7-118,72-44 0,-13-5-193,-4-5 1,-4-5-1,106-105 1,281-336-1315,159-335 1194,-95-61 516,-259 325-845,-239 443 380,92-322-1,-116 290 412,-9-3 0,18-317 1,-47 289-194,-10 1 0,-36-242 0,-137-446-1806,-85 21 2004,-127-98 641,-65 42 0,396 836-441,56 102-153,0 1-1,-1-1 1,1 1 0,-1 0 0,0 0 0,-5-4 0,7 6-72,1 1 1,0 0 0,-1 0-1,1-1 1,-1 1 0,1 0 0,-1 0-1,1-1 1,-1 1 0,1 0 0,-1 0-1,1 0 1,-1 0 0,1 0 0,-1 0-1,0 0 1,1 0 0,-1 0-1,1 0 1,-1 0 0,1 0 0,-1 0-1,1 0 1,-1 0 0,1 0 0,-1 1-1,1-1 1,-1 0 0,0 1-1,-2 3 46,1-1-1,0 1 0,0 0 1,1 0-1,-1 0 0,1 0 1,0 0-1,0 0 1,0 1-1,0-1 0,0 6 1,-7 90 1113,7 188 1,4-162-1029,3 146 362,14 76-747,23 94-1234,33 99 427,32 79-1673,235 957 626,49-4-290,-332-1339 2483,233 1011-1794,-67 3 2429,-184-936-90,65 386 3721,-99-656-3783,2 0 0,1-1-1,2 0 1,2-1 0,2 0 0,1-2 0,26 40 0,-16-38-5781</inkml:trace>
+</inkml:ink>
 </file>
 
 <file path=ppt/slideLayouts/slideLayout1.xml><?xml version="1.0" encoding="utf-8"?>
@@ -130,7 +344,7 @@
           <p:cNvPr id="2" name="Title 1">
             <a:extLst>
               <a:ext uri="{FF2B5EF4-FFF2-40B4-BE49-F238E27FC236}">
-                <a16:creationId xmlns:a16="http://schemas.microsoft.com/office/drawing/2014/main" id="{8C9C231F-C833-B6FA-96D4-E91B2382D76A}"/>
+                <a16:creationId xmlns:a16="http://schemas.microsoft.com/office/drawing/2014/main" id="{2B9AC7D9-193B-E668-64D1-0455978E85EB}"/>
               </a:ext>
             </a:extLst>
           </p:cNvPr>
@@ -168,7 +382,7 @@
           <p:cNvPr id="3" name="Subtitle 2">
             <a:extLst>
               <a:ext uri="{FF2B5EF4-FFF2-40B4-BE49-F238E27FC236}">
-                <a16:creationId xmlns:a16="http://schemas.microsoft.com/office/drawing/2014/main" id="{F03B3E58-3ECC-351E-7A74-4FD26C5B2684}"/>
+                <a16:creationId xmlns:a16="http://schemas.microsoft.com/office/drawing/2014/main" id="{1E3BA037-2B7B-6FFB-0175-F33CCE3884B0}"/>
               </a:ext>
             </a:extLst>
           </p:cNvPr>
@@ -239,7 +453,7 @@
           <p:cNvPr id="4" name="Date Placeholder 3">
             <a:extLst>
               <a:ext uri="{FF2B5EF4-FFF2-40B4-BE49-F238E27FC236}">
-                <a16:creationId xmlns:a16="http://schemas.microsoft.com/office/drawing/2014/main" id="{DB99E100-5E4D-96B5-BC26-E68D09B8ABCA}"/>
+                <a16:creationId xmlns:a16="http://schemas.microsoft.com/office/drawing/2014/main" id="{86742222-9A81-EC55-B5AF-A8F65EB83F90}"/>
               </a:ext>
             </a:extLst>
           </p:cNvPr>
@@ -257,7 +471,7 @@
           <a:p>
             <a:fld id="{6445223E-D3B8-481F-B4E0-7CB8A2B8EEF9}" type="datetimeFigureOut">
               <a:rPr lang="nl-NL" smtClean="0"/>
-              <a:t>7-6-2022</a:t>
+              <a:t>8-6-2022</a:t>
             </a:fld>
             <a:endParaRPr lang="nl-NL"/>
           </a:p>
@@ -268,7 +482,7 @@
           <p:cNvPr id="5" name="Footer Placeholder 4">
             <a:extLst>
               <a:ext uri="{FF2B5EF4-FFF2-40B4-BE49-F238E27FC236}">
-                <a16:creationId xmlns:a16="http://schemas.microsoft.com/office/drawing/2014/main" id="{63540CDD-EDEE-7574-454A-7EF8F7C93E38}"/>
+                <a16:creationId xmlns:a16="http://schemas.microsoft.com/office/drawing/2014/main" id="{290679CB-2FB0-5F79-0578-ABECE1BB9F7C}"/>
               </a:ext>
             </a:extLst>
           </p:cNvPr>
@@ -293,7 +507,7 @@
           <p:cNvPr id="6" name="Slide Number Placeholder 5">
             <a:extLst>
               <a:ext uri="{FF2B5EF4-FFF2-40B4-BE49-F238E27FC236}">
-                <a16:creationId xmlns:a16="http://schemas.microsoft.com/office/drawing/2014/main" id="{C0F14D9D-4D59-FD30-4EE8-5997E7885D9A}"/>
+                <a16:creationId xmlns:a16="http://schemas.microsoft.com/office/drawing/2014/main" id="{B13DFB47-018D-B59B-6481-A8404645CE9C}"/>
               </a:ext>
             </a:extLst>
           </p:cNvPr>
@@ -320,7 +534,7 @@
     </p:spTree>
     <p:extLst>
       <p:ext uri="{BB962C8B-B14F-4D97-AF65-F5344CB8AC3E}">
-        <p14:creationId xmlns:p14="http://schemas.microsoft.com/office/powerpoint/2010/main" val="2819690104"/>
+        <p14:creationId xmlns:p14="http://schemas.microsoft.com/office/powerpoint/2010/main" val="2026193896"/>
       </p:ext>
     </p:extLst>
   </p:cSld>
@@ -352,7 +566,7 @@
           <p:cNvPr id="2" name="Title 1">
             <a:extLst>
               <a:ext uri="{FF2B5EF4-FFF2-40B4-BE49-F238E27FC236}">
-                <a16:creationId xmlns:a16="http://schemas.microsoft.com/office/drawing/2014/main" id="{10996B48-8758-F549-B933-2376D7E4A649}"/>
+                <a16:creationId xmlns:a16="http://schemas.microsoft.com/office/drawing/2014/main" id="{6F0DC4A9-DF68-6608-B7D4-6377508ED199}"/>
               </a:ext>
             </a:extLst>
           </p:cNvPr>
@@ -381,7 +595,7 @@
           <p:cNvPr id="3" name="Vertical Text Placeholder 2">
             <a:extLst>
               <a:ext uri="{FF2B5EF4-FFF2-40B4-BE49-F238E27FC236}">
-                <a16:creationId xmlns:a16="http://schemas.microsoft.com/office/drawing/2014/main" id="{51ABBCA8-5842-56B2-E829-E3761D436214}"/>
+                <a16:creationId xmlns:a16="http://schemas.microsoft.com/office/drawing/2014/main" id="{6EE49108-B2E7-B5FD-2BF4-1B29A1D9A329}"/>
               </a:ext>
             </a:extLst>
           </p:cNvPr>
@@ -439,7 +653,7 @@
           <p:cNvPr id="4" name="Date Placeholder 3">
             <a:extLst>
               <a:ext uri="{FF2B5EF4-FFF2-40B4-BE49-F238E27FC236}">
-                <a16:creationId xmlns:a16="http://schemas.microsoft.com/office/drawing/2014/main" id="{12875A31-D954-CB98-D78C-1058DDE4E00E}"/>
+                <a16:creationId xmlns:a16="http://schemas.microsoft.com/office/drawing/2014/main" id="{DD01DA4A-7E96-28F5-6531-BA3103C464FC}"/>
               </a:ext>
             </a:extLst>
           </p:cNvPr>
@@ -457,7 +671,7 @@
           <a:p>
             <a:fld id="{6445223E-D3B8-481F-B4E0-7CB8A2B8EEF9}" type="datetimeFigureOut">
               <a:rPr lang="nl-NL" smtClean="0"/>
-              <a:t>7-6-2022</a:t>
+              <a:t>8-6-2022</a:t>
             </a:fld>
             <a:endParaRPr lang="nl-NL"/>
           </a:p>
@@ -468,7 +682,7 @@
           <p:cNvPr id="5" name="Footer Placeholder 4">
             <a:extLst>
               <a:ext uri="{FF2B5EF4-FFF2-40B4-BE49-F238E27FC236}">
-                <a16:creationId xmlns:a16="http://schemas.microsoft.com/office/drawing/2014/main" id="{5E870148-3E34-9BF1-E490-56F498CC2859}"/>
+                <a16:creationId xmlns:a16="http://schemas.microsoft.com/office/drawing/2014/main" id="{5684A800-4887-68A2-9F80-EAA55B8F2AF4}"/>
               </a:ext>
             </a:extLst>
           </p:cNvPr>
@@ -493,7 +707,7 @@
           <p:cNvPr id="6" name="Slide Number Placeholder 5">
             <a:extLst>
               <a:ext uri="{FF2B5EF4-FFF2-40B4-BE49-F238E27FC236}">
-                <a16:creationId xmlns:a16="http://schemas.microsoft.com/office/drawing/2014/main" id="{3FDFFC25-06B1-55E5-3669-49E9FCE580D8}"/>
+                <a16:creationId xmlns:a16="http://schemas.microsoft.com/office/drawing/2014/main" id="{4EC4698B-648D-0670-F332-AE051FBBA29F}"/>
               </a:ext>
             </a:extLst>
           </p:cNvPr>
@@ -520,7 +734,7 @@
     </p:spTree>
     <p:extLst>
       <p:ext uri="{BB962C8B-B14F-4D97-AF65-F5344CB8AC3E}">
-        <p14:creationId xmlns:p14="http://schemas.microsoft.com/office/powerpoint/2010/main" val="725560722"/>
+        <p14:creationId xmlns:p14="http://schemas.microsoft.com/office/powerpoint/2010/main" val="2574085679"/>
       </p:ext>
     </p:extLst>
   </p:cSld>
@@ -552,7 +766,7 @@
           <p:cNvPr id="2" name="Vertical Title 1">
             <a:extLst>
               <a:ext uri="{FF2B5EF4-FFF2-40B4-BE49-F238E27FC236}">
-                <a16:creationId xmlns:a16="http://schemas.microsoft.com/office/drawing/2014/main" id="{C5602D93-A2B6-9DCF-7F12-FDC0FD302300}"/>
+                <a16:creationId xmlns:a16="http://schemas.microsoft.com/office/drawing/2014/main" id="{F03FBCB9-A20A-8DB0-E9E7-6FA68EE1BCDC}"/>
               </a:ext>
             </a:extLst>
           </p:cNvPr>
@@ -586,7 +800,7 @@
           <p:cNvPr id="3" name="Vertical Text Placeholder 2">
             <a:extLst>
               <a:ext uri="{FF2B5EF4-FFF2-40B4-BE49-F238E27FC236}">
-                <a16:creationId xmlns:a16="http://schemas.microsoft.com/office/drawing/2014/main" id="{D1F9C1A0-5BBB-53BC-AF2F-545EA7EB4A22}"/>
+                <a16:creationId xmlns:a16="http://schemas.microsoft.com/office/drawing/2014/main" id="{83DEA32A-659B-CAA9-B176-1D41759E6108}"/>
               </a:ext>
             </a:extLst>
           </p:cNvPr>
@@ -649,7 +863,7 @@
           <p:cNvPr id="4" name="Date Placeholder 3">
             <a:extLst>
               <a:ext uri="{FF2B5EF4-FFF2-40B4-BE49-F238E27FC236}">
-                <a16:creationId xmlns:a16="http://schemas.microsoft.com/office/drawing/2014/main" id="{45569838-2892-3262-DDDA-B15809CAB1D6}"/>
+                <a16:creationId xmlns:a16="http://schemas.microsoft.com/office/drawing/2014/main" id="{91029290-275D-A155-99B7-FCE832EB6182}"/>
               </a:ext>
             </a:extLst>
           </p:cNvPr>
@@ -667,7 +881,7 @@
           <a:p>
             <a:fld id="{6445223E-D3B8-481F-B4E0-7CB8A2B8EEF9}" type="datetimeFigureOut">
               <a:rPr lang="nl-NL" smtClean="0"/>
-              <a:t>7-6-2022</a:t>
+              <a:t>8-6-2022</a:t>
             </a:fld>
             <a:endParaRPr lang="nl-NL"/>
           </a:p>
@@ -678,7 +892,7 @@
           <p:cNvPr id="5" name="Footer Placeholder 4">
             <a:extLst>
               <a:ext uri="{FF2B5EF4-FFF2-40B4-BE49-F238E27FC236}">
-                <a16:creationId xmlns:a16="http://schemas.microsoft.com/office/drawing/2014/main" id="{96631571-B27B-9AED-50F8-94A096F82975}"/>
+                <a16:creationId xmlns:a16="http://schemas.microsoft.com/office/drawing/2014/main" id="{00D75FA1-AD6A-4E42-BE35-A02EE2D17067}"/>
               </a:ext>
             </a:extLst>
           </p:cNvPr>
@@ -703,7 +917,7 @@
           <p:cNvPr id="6" name="Slide Number Placeholder 5">
             <a:extLst>
               <a:ext uri="{FF2B5EF4-FFF2-40B4-BE49-F238E27FC236}">
-                <a16:creationId xmlns:a16="http://schemas.microsoft.com/office/drawing/2014/main" id="{1FC90D4A-BC07-B1C8-92D7-5A5AA57E9BAB}"/>
+                <a16:creationId xmlns:a16="http://schemas.microsoft.com/office/drawing/2014/main" id="{66084597-96DE-8DC0-E2DA-9CEF98E18ADC}"/>
               </a:ext>
             </a:extLst>
           </p:cNvPr>
@@ -730,7 +944,7 @@
     </p:spTree>
     <p:extLst>
       <p:ext uri="{BB962C8B-B14F-4D97-AF65-F5344CB8AC3E}">
-        <p14:creationId xmlns:p14="http://schemas.microsoft.com/office/powerpoint/2010/main" val="1727510834"/>
+        <p14:creationId xmlns:p14="http://schemas.microsoft.com/office/powerpoint/2010/main" val="4025906129"/>
       </p:ext>
     </p:extLst>
   </p:cSld>
@@ -762,7 +976,7 @@
           <p:cNvPr id="2" name="Title 1">
             <a:extLst>
               <a:ext uri="{FF2B5EF4-FFF2-40B4-BE49-F238E27FC236}">
-                <a16:creationId xmlns:a16="http://schemas.microsoft.com/office/drawing/2014/main" id="{6824DAE9-C16D-6039-53A8-E40A6D424C14}"/>
+                <a16:creationId xmlns:a16="http://schemas.microsoft.com/office/drawing/2014/main" id="{08EF2995-D9B1-473C-6F4C-243112693404}"/>
               </a:ext>
             </a:extLst>
           </p:cNvPr>
@@ -791,7 +1005,7 @@
           <p:cNvPr id="3" name="Content Placeholder 2">
             <a:extLst>
               <a:ext uri="{FF2B5EF4-FFF2-40B4-BE49-F238E27FC236}">
-                <a16:creationId xmlns:a16="http://schemas.microsoft.com/office/drawing/2014/main" id="{3D5155D7-1E2F-6DDC-FEB6-830C76B7C6D7}"/>
+                <a16:creationId xmlns:a16="http://schemas.microsoft.com/office/drawing/2014/main" id="{B8D3158A-78EC-2F53-B0B2-DB6DB1F2593D}"/>
               </a:ext>
             </a:extLst>
           </p:cNvPr>
@@ -849,7 +1063,7 @@
           <p:cNvPr id="4" name="Date Placeholder 3">
             <a:extLst>
               <a:ext uri="{FF2B5EF4-FFF2-40B4-BE49-F238E27FC236}">
-                <a16:creationId xmlns:a16="http://schemas.microsoft.com/office/drawing/2014/main" id="{ACD39685-A58A-41FB-E582-CDE62CD5BD90}"/>
+                <a16:creationId xmlns:a16="http://schemas.microsoft.com/office/drawing/2014/main" id="{EF7AA903-FF66-B128-985C-A2842EB0789F}"/>
               </a:ext>
             </a:extLst>
           </p:cNvPr>
@@ -867,7 +1081,7 @@
           <a:p>
             <a:fld id="{6445223E-D3B8-481F-B4E0-7CB8A2B8EEF9}" type="datetimeFigureOut">
               <a:rPr lang="nl-NL" smtClean="0"/>
-              <a:t>7-6-2022</a:t>
+              <a:t>8-6-2022</a:t>
             </a:fld>
             <a:endParaRPr lang="nl-NL"/>
           </a:p>
@@ -878,7 +1092,7 @@
           <p:cNvPr id="5" name="Footer Placeholder 4">
             <a:extLst>
               <a:ext uri="{FF2B5EF4-FFF2-40B4-BE49-F238E27FC236}">
-                <a16:creationId xmlns:a16="http://schemas.microsoft.com/office/drawing/2014/main" id="{8EE129B1-3289-BF57-8F39-94A79968DC66}"/>
+                <a16:creationId xmlns:a16="http://schemas.microsoft.com/office/drawing/2014/main" id="{62459C08-FA76-2A6E-1761-19C78D3A9FA3}"/>
               </a:ext>
             </a:extLst>
           </p:cNvPr>
@@ -903,7 +1117,7 @@
           <p:cNvPr id="6" name="Slide Number Placeholder 5">
             <a:extLst>
               <a:ext uri="{FF2B5EF4-FFF2-40B4-BE49-F238E27FC236}">
-                <a16:creationId xmlns:a16="http://schemas.microsoft.com/office/drawing/2014/main" id="{74D2B9C9-0866-E3CE-F09D-A693A2A18C5F}"/>
+                <a16:creationId xmlns:a16="http://schemas.microsoft.com/office/drawing/2014/main" id="{F5B079BD-346E-F764-BA92-BA0B1D2B0324}"/>
               </a:ext>
             </a:extLst>
           </p:cNvPr>
@@ -930,7 +1144,7 @@
     </p:spTree>
     <p:extLst>
       <p:ext uri="{BB962C8B-B14F-4D97-AF65-F5344CB8AC3E}">
-        <p14:creationId xmlns:p14="http://schemas.microsoft.com/office/powerpoint/2010/main" val="601376957"/>
+        <p14:creationId xmlns:p14="http://schemas.microsoft.com/office/powerpoint/2010/main" val="1163284289"/>
       </p:ext>
     </p:extLst>
   </p:cSld>
@@ -962,7 +1176,7 @@
           <p:cNvPr id="2" name="Title 1">
             <a:extLst>
               <a:ext uri="{FF2B5EF4-FFF2-40B4-BE49-F238E27FC236}">
-                <a16:creationId xmlns:a16="http://schemas.microsoft.com/office/drawing/2014/main" id="{DB4E5ECC-791F-C827-EF70-FD3EC82C5410}"/>
+                <a16:creationId xmlns:a16="http://schemas.microsoft.com/office/drawing/2014/main" id="{68A963E9-22E9-579D-1351-CF734F87BC87}"/>
               </a:ext>
             </a:extLst>
           </p:cNvPr>
@@ -1000,7 +1214,7 @@
           <p:cNvPr id="3" name="Text Placeholder 2">
             <a:extLst>
               <a:ext uri="{FF2B5EF4-FFF2-40B4-BE49-F238E27FC236}">
-                <a16:creationId xmlns:a16="http://schemas.microsoft.com/office/drawing/2014/main" id="{0AEB3EF8-256C-B3C9-2688-31ED023D2153}"/>
+                <a16:creationId xmlns:a16="http://schemas.microsoft.com/office/drawing/2014/main" id="{7ABDD2B1-7CEA-DA33-6E92-BB04B146A9C2}"/>
               </a:ext>
             </a:extLst>
           </p:cNvPr>
@@ -1125,7 +1339,7 @@
           <p:cNvPr id="4" name="Date Placeholder 3">
             <a:extLst>
               <a:ext uri="{FF2B5EF4-FFF2-40B4-BE49-F238E27FC236}">
-                <a16:creationId xmlns:a16="http://schemas.microsoft.com/office/drawing/2014/main" id="{691EAF7D-E803-8DB4-1B0A-2AEABC64AEDE}"/>
+                <a16:creationId xmlns:a16="http://schemas.microsoft.com/office/drawing/2014/main" id="{0FA00FF9-6269-0ADD-0394-AA31BFD87757}"/>
               </a:ext>
             </a:extLst>
           </p:cNvPr>
@@ -1143,7 +1357,7 @@
           <a:p>
             <a:fld id="{6445223E-D3B8-481F-B4E0-7CB8A2B8EEF9}" type="datetimeFigureOut">
               <a:rPr lang="nl-NL" smtClean="0"/>
-              <a:t>7-6-2022</a:t>
+              <a:t>8-6-2022</a:t>
             </a:fld>
             <a:endParaRPr lang="nl-NL"/>
           </a:p>
@@ -1154,7 +1368,7 @@
           <p:cNvPr id="5" name="Footer Placeholder 4">
             <a:extLst>
               <a:ext uri="{FF2B5EF4-FFF2-40B4-BE49-F238E27FC236}">
-                <a16:creationId xmlns:a16="http://schemas.microsoft.com/office/drawing/2014/main" id="{322F21FF-EC6B-89C3-0ADC-7F4D7137623B}"/>
+                <a16:creationId xmlns:a16="http://schemas.microsoft.com/office/drawing/2014/main" id="{C5FB73DC-A2C2-DC57-C41F-98602CE8A436}"/>
               </a:ext>
             </a:extLst>
           </p:cNvPr>
@@ -1179,7 +1393,7 @@
           <p:cNvPr id="6" name="Slide Number Placeholder 5">
             <a:extLst>
               <a:ext uri="{FF2B5EF4-FFF2-40B4-BE49-F238E27FC236}">
-                <a16:creationId xmlns:a16="http://schemas.microsoft.com/office/drawing/2014/main" id="{D0BFC29D-A13D-90B7-DCBA-3BB71F760148}"/>
+                <a16:creationId xmlns:a16="http://schemas.microsoft.com/office/drawing/2014/main" id="{2FA50DDC-3DAE-6D1A-51C3-8E376D2D40ED}"/>
               </a:ext>
             </a:extLst>
           </p:cNvPr>
@@ -1206,7 +1420,7 @@
     </p:spTree>
     <p:extLst>
       <p:ext uri="{BB962C8B-B14F-4D97-AF65-F5344CB8AC3E}">
-        <p14:creationId xmlns:p14="http://schemas.microsoft.com/office/powerpoint/2010/main" val="4137480471"/>
+        <p14:creationId xmlns:p14="http://schemas.microsoft.com/office/powerpoint/2010/main" val="2154740853"/>
       </p:ext>
     </p:extLst>
   </p:cSld>
@@ -1238,7 +1452,7 @@
           <p:cNvPr id="2" name="Title 1">
             <a:extLst>
               <a:ext uri="{FF2B5EF4-FFF2-40B4-BE49-F238E27FC236}">
-                <a16:creationId xmlns:a16="http://schemas.microsoft.com/office/drawing/2014/main" id="{890BEB82-03F8-57DB-9E36-15440D08F3C5}"/>
+                <a16:creationId xmlns:a16="http://schemas.microsoft.com/office/drawing/2014/main" id="{F989F3DC-D659-2EB9-F441-35E8192C3C42}"/>
               </a:ext>
             </a:extLst>
           </p:cNvPr>
@@ -1267,7 +1481,7 @@
           <p:cNvPr id="3" name="Content Placeholder 2">
             <a:extLst>
               <a:ext uri="{FF2B5EF4-FFF2-40B4-BE49-F238E27FC236}">
-                <a16:creationId xmlns:a16="http://schemas.microsoft.com/office/drawing/2014/main" id="{C502AE23-1544-1B99-4BE4-311810555D29}"/>
+                <a16:creationId xmlns:a16="http://schemas.microsoft.com/office/drawing/2014/main" id="{4FC74147-3D78-4BA1-CBC3-D4EB98D3E249}"/>
               </a:ext>
             </a:extLst>
           </p:cNvPr>
@@ -1330,7 +1544,7 @@
           <p:cNvPr id="4" name="Content Placeholder 3">
             <a:extLst>
               <a:ext uri="{FF2B5EF4-FFF2-40B4-BE49-F238E27FC236}">
-                <a16:creationId xmlns:a16="http://schemas.microsoft.com/office/drawing/2014/main" id="{8CE039A9-6879-6F39-364E-23CC1EB35EED}"/>
+                <a16:creationId xmlns:a16="http://schemas.microsoft.com/office/drawing/2014/main" id="{4CE88050-F60B-113D-C05D-E2D4216B666E}"/>
               </a:ext>
             </a:extLst>
           </p:cNvPr>
@@ -1393,7 +1607,7 @@
           <p:cNvPr id="5" name="Date Placeholder 4">
             <a:extLst>
               <a:ext uri="{FF2B5EF4-FFF2-40B4-BE49-F238E27FC236}">
-                <a16:creationId xmlns:a16="http://schemas.microsoft.com/office/drawing/2014/main" id="{FC9615C9-2907-BEC0-CF05-2F6911D40181}"/>
+                <a16:creationId xmlns:a16="http://schemas.microsoft.com/office/drawing/2014/main" id="{CE89F57F-125E-B9E1-05F4-E3712814A7BA}"/>
               </a:ext>
             </a:extLst>
           </p:cNvPr>
@@ -1411,7 +1625,7 @@
           <a:p>
             <a:fld id="{6445223E-D3B8-481F-B4E0-7CB8A2B8EEF9}" type="datetimeFigureOut">
               <a:rPr lang="nl-NL" smtClean="0"/>
-              <a:t>7-6-2022</a:t>
+              <a:t>8-6-2022</a:t>
             </a:fld>
             <a:endParaRPr lang="nl-NL"/>
           </a:p>
@@ -1422,7 +1636,7 @@
           <p:cNvPr id="6" name="Footer Placeholder 5">
             <a:extLst>
               <a:ext uri="{FF2B5EF4-FFF2-40B4-BE49-F238E27FC236}">
-                <a16:creationId xmlns:a16="http://schemas.microsoft.com/office/drawing/2014/main" id="{B610DDFB-2076-D9F0-DB92-30F401B1BA71}"/>
+                <a16:creationId xmlns:a16="http://schemas.microsoft.com/office/drawing/2014/main" id="{779A97C6-4C49-B72C-7CE5-EBD424E11EB8}"/>
               </a:ext>
             </a:extLst>
           </p:cNvPr>
@@ -1447,7 +1661,7 @@
           <p:cNvPr id="7" name="Slide Number Placeholder 6">
             <a:extLst>
               <a:ext uri="{FF2B5EF4-FFF2-40B4-BE49-F238E27FC236}">
-                <a16:creationId xmlns:a16="http://schemas.microsoft.com/office/drawing/2014/main" id="{92E835E6-9F23-6EDD-1736-20D801CF69EC}"/>
+                <a16:creationId xmlns:a16="http://schemas.microsoft.com/office/drawing/2014/main" id="{8C6F78AD-936A-0363-1B06-7BBE5C066240}"/>
               </a:ext>
             </a:extLst>
           </p:cNvPr>
@@ -1474,7 +1688,7 @@
     </p:spTree>
     <p:extLst>
       <p:ext uri="{BB962C8B-B14F-4D97-AF65-F5344CB8AC3E}">
-        <p14:creationId xmlns:p14="http://schemas.microsoft.com/office/powerpoint/2010/main" val="3028958097"/>
+        <p14:creationId xmlns:p14="http://schemas.microsoft.com/office/powerpoint/2010/main" val="3582371358"/>
       </p:ext>
     </p:extLst>
   </p:cSld>
@@ -1506,7 +1720,7 @@
           <p:cNvPr id="2" name="Title 1">
             <a:extLst>
               <a:ext uri="{FF2B5EF4-FFF2-40B4-BE49-F238E27FC236}">
-                <a16:creationId xmlns:a16="http://schemas.microsoft.com/office/drawing/2014/main" id="{03BF86FF-B125-46B9-6015-8E84416DA3DF}"/>
+                <a16:creationId xmlns:a16="http://schemas.microsoft.com/office/drawing/2014/main" id="{02052B19-7E2E-6607-4D12-914DA17D54FE}"/>
               </a:ext>
             </a:extLst>
           </p:cNvPr>
@@ -1540,7 +1754,7 @@
           <p:cNvPr id="3" name="Text Placeholder 2">
             <a:extLst>
               <a:ext uri="{FF2B5EF4-FFF2-40B4-BE49-F238E27FC236}">
-                <a16:creationId xmlns:a16="http://schemas.microsoft.com/office/drawing/2014/main" id="{EC4AA6ED-5BD5-6A46-5D9E-08C4C7B0B2CF}"/>
+                <a16:creationId xmlns:a16="http://schemas.microsoft.com/office/drawing/2014/main" id="{9056F142-B6E5-C7ED-F9A6-E95014883616}"/>
               </a:ext>
             </a:extLst>
           </p:cNvPr>
@@ -1611,7 +1825,7 @@
           <p:cNvPr id="4" name="Content Placeholder 3">
             <a:extLst>
               <a:ext uri="{FF2B5EF4-FFF2-40B4-BE49-F238E27FC236}">
-                <a16:creationId xmlns:a16="http://schemas.microsoft.com/office/drawing/2014/main" id="{55EB7334-F7A8-F036-B982-2ABF12760AD0}"/>
+                <a16:creationId xmlns:a16="http://schemas.microsoft.com/office/drawing/2014/main" id="{65FA57A4-82BC-04A3-9791-36D2B7932654}"/>
               </a:ext>
             </a:extLst>
           </p:cNvPr>
@@ -1674,7 +1888,7 @@
           <p:cNvPr id="5" name="Text Placeholder 4">
             <a:extLst>
               <a:ext uri="{FF2B5EF4-FFF2-40B4-BE49-F238E27FC236}">
-                <a16:creationId xmlns:a16="http://schemas.microsoft.com/office/drawing/2014/main" id="{DE49F4E0-CF9A-EF2C-E3E0-F41C83A2720B}"/>
+                <a16:creationId xmlns:a16="http://schemas.microsoft.com/office/drawing/2014/main" id="{91CC9DD2-89B1-86E7-10F0-1D01D2C4C7EA}"/>
               </a:ext>
             </a:extLst>
           </p:cNvPr>
@@ -1745,7 +1959,7 @@
           <p:cNvPr id="6" name="Content Placeholder 5">
             <a:extLst>
               <a:ext uri="{FF2B5EF4-FFF2-40B4-BE49-F238E27FC236}">
-                <a16:creationId xmlns:a16="http://schemas.microsoft.com/office/drawing/2014/main" id="{45933F68-A727-EB4C-DC2B-3682CCDA19E9}"/>
+                <a16:creationId xmlns:a16="http://schemas.microsoft.com/office/drawing/2014/main" id="{230B09EF-FCD8-0ED9-A6E3-469B82DDB981}"/>
               </a:ext>
             </a:extLst>
           </p:cNvPr>
@@ -1808,7 +2022,7 @@
           <p:cNvPr id="7" name="Date Placeholder 6">
             <a:extLst>
               <a:ext uri="{FF2B5EF4-FFF2-40B4-BE49-F238E27FC236}">
-                <a16:creationId xmlns:a16="http://schemas.microsoft.com/office/drawing/2014/main" id="{5530AC13-7F26-7571-5765-195A608FC789}"/>
+                <a16:creationId xmlns:a16="http://schemas.microsoft.com/office/drawing/2014/main" id="{ADD89DEB-CAC6-6FF9-5463-F40500FB9B28}"/>
               </a:ext>
             </a:extLst>
           </p:cNvPr>
@@ -1826,7 +2040,7 @@
           <a:p>
             <a:fld id="{6445223E-D3B8-481F-B4E0-7CB8A2B8EEF9}" type="datetimeFigureOut">
               <a:rPr lang="nl-NL" smtClean="0"/>
-              <a:t>7-6-2022</a:t>
+              <a:t>8-6-2022</a:t>
             </a:fld>
             <a:endParaRPr lang="nl-NL"/>
           </a:p>
@@ -1837,7 +2051,7 @@
           <p:cNvPr id="8" name="Footer Placeholder 7">
             <a:extLst>
               <a:ext uri="{FF2B5EF4-FFF2-40B4-BE49-F238E27FC236}">
-                <a16:creationId xmlns:a16="http://schemas.microsoft.com/office/drawing/2014/main" id="{A87480ED-9F47-1E7C-C892-6A3022B84E90}"/>
+                <a16:creationId xmlns:a16="http://schemas.microsoft.com/office/drawing/2014/main" id="{48A312CE-E250-7EE6-482F-B7107CA8A632}"/>
               </a:ext>
             </a:extLst>
           </p:cNvPr>
@@ -1862,7 +2076,7 @@
           <p:cNvPr id="9" name="Slide Number Placeholder 8">
             <a:extLst>
               <a:ext uri="{FF2B5EF4-FFF2-40B4-BE49-F238E27FC236}">
-                <a16:creationId xmlns:a16="http://schemas.microsoft.com/office/drawing/2014/main" id="{6519AAE4-8F90-7872-3135-DA536FABA973}"/>
+                <a16:creationId xmlns:a16="http://schemas.microsoft.com/office/drawing/2014/main" id="{230F6B60-2E97-EA37-051A-20F0483A948E}"/>
               </a:ext>
             </a:extLst>
           </p:cNvPr>
@@ -1889,7 +2103,7 @@
     </p:spTree>
     <p:extLst>
       <p:ext uri="{BB962C8B-B14F-4D97-AF65-F5344CB8AC3E}">
-        <p14:creationId xmlns:p14="http://schemas.microsoft.com/office/powerpoint/2010/main" val="3263275730"/>
+        <p14:creationId xmlns:p14="http://schemas.microsoft.com/office/powerpoint/2010/main" val="3115698886"/>
       </p:ext>
     </p:extLst>
   </p:cSld>
@@ -1921,7 +2135,7 @@
           <p:cNvPr id="2" name="Title 1">
             <a:extLst>
               <a:ext uri="{FF2B5EF4-FFF2-40B4-BE49-F238E27FC236}">
-                <a16:creationId xmlns:a16="http://schemas.microsoft.com/office/drawing/2014/main" id="{6891F6F9-91C5-8F42-4EDC-0275FBDF301F}"/>
+                <a16:creationId xmlns:a16="http://schemas.microsoft.com/office/drawing/2014/main" id="{E8681945-53F6-9774-B52E-6C70D42F583E}"/>
               </a:ext>
             </a:extLst>
           </p:cNvPr>
@@ -1950,7 +2164,7 @@
           <p:cNvPr id="3" name="Date Placeholder 2">
             <a:extLst>
               <a:ext uri="{FF2B5EF4-FFF2-40B4-BE49-F238E27FC236}">
-                <a16:creationId xmlns:a16="http://schemas.microsoft.com/office/drawing/2014/main" id="{6874A0FB-43F8-3FB6-63AF-4F6D5A927F54}"/>
+                <a16:creationId xmlns:a16="http://schemas.microsoft.com/office/drawing/2014/main" id="{1CE696D2-5D5F-5458-7F7E-D2D626D81FAF}"/>
               </a:ext>
             </a:extLst>
           </p:cNvPr>
@@ -1968,7 +2182,7 @@
           <a:p>
             <a:fld id="{6445223E-D3B8-481F-B4E0-7CB8A2B8EEF9}" type="datetimeFigureOut">
               <a:rPr lang="nl-NL" smtClean="0"/>
-              <a:t>7-6-2022</a:t>
+              <a:t>8-6-2022</a:t>
             </a:fld>
             <a:endParaRPr lang="nl-NL"/>
           </a:p>
@@ -1979,7 +2193,7 @@
           <p:cNvPr id="4" name="Footer Placeholder 3">
             <a:extLst>
               <a:ext uri="{FF2B5EF4-FFF2-40B4-BE49-F238E27FC236}">
-                <a16:creationId xmlns:a16="http://schemas.microsoft.com/office/drawing/2014/main" id="{173BFDF0-E6FD-07AC-BDBA-7D23223A4740}"/>
+                <a16:creationId xmlns:a16="http://schemas.microsoft.com/office/drawing/2014/main" id="{A3174859-E063-25D5-C9FA-207B58EFC620}"/>
               </a:ext>
             </a:extLst>
           </p:cNvPr>
@@ -2004,7 +2218,7 @@
           <p:cNvPr id="5" name="Slide Number Placeholder 4">
             <a:extLst>
               <a:ext uri="{FF2B5EF4-FFF2-40B4-BE49-F238E27FC236}">
-                <a16:creationId xmlns:a16="http://schemas.microsoft.com/office/drawing/2014/main" id="{FD43411C-3383-8A86-BA39-5CC34E914EA4}"/>
+                <a16:creationId xmlns:a16="http://schemas.microsoft.com/office/drawing/2014/main" id="{3373842E-3800-8704-B9DF-65E523DA8FDA}"/>
               </a:ext>
             </a:extLst>
           </p:cNvPr>
@@ -2031,7 +2245,7 @@
     </p:spTree>
     <p:extLst>
       <p:ext uri="{BB962C8B-B14F-4D97-AF65-F5344CB8AC3E}">
-        <p14:creationId xmlns:p14="http://schemas.microsoft.com/office/powerpoint/2010/main" val="175440918"/>
+        <p14:creationId xmlns:p14="http://schemas.microsoft.com/office/powerpoint/2010/main" val="2776135092"/>
       </p:ext>
     </p:extLst>
   </p:cSld>
@@ -2063,7 +2277,7 @@
           <p:cNvPr id="2" name="Date Placeholder 1">
             <a:extLst>
               <a:ext uri="{FF2B5EF4-FFF2-40B4-BE49-F238E27FC236}">
-                <a16:creationId xmlns:a16="http://schemas.microsoft.com/office/drawing/2014/main" id="{E4A672BB-DB80-B284-A29F-B160937B823F}"/>
+                <a16:creationId xmlns:a16="http://schemas.microsoft.com/office/drawing/2014/main" id="{39ECC5F4-D949-D935-EF74-BE3DF4506284}"/>
               </a:ext>
             </a:extLst>
           </p:cNvPr>
@@ -2081,7 +2295,7 @@
           <a:p>
             <a:fld id="{6445223E-D3B8-481F-B4E0-7CB8A2B8EEF9}" type="datetimeFigureOut">
               <a:rPr lang="nl-NL" smtClean="0"/>
-              <a:t>7-6-2022</a:t>
+              <a:t>8-6-2022</a:t>
             </a:fld>
             <a:endParaRPr lang="nl-NL"/>
           </a:p>
@@ -2092,7 +2306,7 @@
           <p:cNvPr id="3" name="Footer Placeholder 2">
             <a:extLst>
               <a:ext uri="{FF2B5EF4-FFF2-40B4-BE49-F238E27FC236}">
-                <a16:creationId xmlns:a16="http://schemas.microsoft.com/office/drawing/2014/main" id="{0BB86579-0615-07D7-4241-369E4190CD49}"/>
+                <a16:creationId xmlns:a16="http://schemas.microsoft.com/office/drawing/2014/main" id="{315CD859-CA47-1CE1-489A-30A42B866401}"/>
               </a:ext>
             </a:extLst>
           </p:cNvPr>
@@ -2117,7 +2331,7 @@
           <p:cNvPr id="4" name="Slide Number Placeholder 3">
             <a:extLst>
               <a:ext uri="{FF2B5EF4-FFF2-40B4-BE49-F238E27FC236}">
-                <a16:creationId xmlns:a16="http://schemas.microsoft.com/office/drawing/2014/main" id="{79318B04-75E4-8FF5-9D3C-AA4DF6C505A9}"/>
+                <a16:creationId xmlns:a16="http://schemas.microsoft.com/office/drawing/2014/main" id="{BF66B8BB-F3E8-DEB3-AFF6-2D98D65DB231}"/>
               </a:ext>
             </a:extLst>
           </p:cNvPr>
@@ -2144,7 +2358,7 @@
     </p:spTree>
     <p:extLst>
       <p:ext uri="{BB962C8B-B14F-4D97-AF65-F5344CB8AC3E}">
-        <p14:creationId xmlns:p14="http://schemas.microsoft.com/office/powerpoint/2010/main" val="4188957032"/>
+        <p14:creationId xmlns:p14="http://schemas.microsoft.com/office/powerpoint/2010/main" val="2927696624"/>
       </p:ext>
     </p:extLst>
   </p:cSld>
@@ -2176,7 +2390,7 @@
           <p:cNvPr id="2" name="Title 1">
             <a:extLst>
               <a:ext uri="{FF2B5EF4-FFF2-40B4-BE49-F238E27FC236}">
-                <a16:creationId xmlns:a16="http://schemas.microsoft.com/office/drawing/2014/main" id="{602F5731-3F4D-7E2E-982D-46B2BE8AE2CF}"/>
+                <a16:creationId xmlns:a16="http://schemas.microsoft.com/office/drawing/2014/main" id="{9341805C-5DA1-5428-E092-6218284B480D}"/>
               </a:ext>
             </a:extLst>
           </p:cNvPr>
@@ -2214,7 +2428,7 @@
           <p:cNvPr id="3" name="Content Placeholder 2">
             <a:extLst>
               <a:ext uri="{FF2B5EF4-FFF2-40B4-BE49-F238E27FC236}">
-                <a16:creationId xmlns:a16="http://schemas.microsoft.com/office/drawing/2014/main" id="{6DAC2BE9-A2C9-D2E0-8C66-A5389B65FD26}"/>
+                <a16:creationId xmlns:a16="http://schemas.microsoft.com/office/drawing/2014/main" id="{93B1399B-E449-20A7-2448-342AA05D664F}"/>
               </a:ext>
             </a:extLst>
           </p:cNvPr>
@@ -2305,7 +2519,7 @@
           <p:cNvPr id="4" name="Text Placeholder 3">
             <a:extLst>
               <a:ext uri="{FF2B5EF4-FFF2-40B4-BE49-F238E27FC236}">
-                <a16:creationId xmlns:a16="http://schemas.microsoft.com/office/drawing/2014/main" id="{4176BE0A-8F4B-82B3-BE3E-105B87F89951}"/>
+                <a16:creationId xmlns:a16="http://schemas.microsoft.com/office/drawing/2014/main" id="{AF3C1734-58BE-6C12-8EF2-79695EA5EB4B}"/>
               </a:ext>
             </a:extLst>
           </p:cNvPr>
@@ -2376,7 +2590,7 @@
           <p:cNvPr id="5" name="Date Placeholder 4">
             <a:extLst>
               <a:ext uri="{FF2B5EF4-FFF2-40B4-BE49-F238E27FC236}">
-                <a16:creationId xmlns:a16="http://schemas.microsoft.com/office/drawing/2014/main" id="{CC8A71C8-E620-B3FA-C729-DC3592649B9F}"/>
+                <a16:creationId xmlns:a16="http://schemas.microsoft.com/office/drawing/2014/main" id="{B2838568-6506-0F2D-6189-8A1A87A6A2BB}"/>
               </a:ext>
             </a:extLst>
           </p:cNvPr>
@@ -2394,7 +2608,7 @@
           <a:p>
             <a:fld id="{6445223E-D3B8-481F-B4E0-7CB8A2B8EEF9}" type="datetimeFigureOut">
               <a:rPr lang="nl-NL" smtClean="0"/>
-              <a:t>7-6-2022</a:t>
+              <a:t>8-6-2022</a:t>
             </a:fld>
             <a:endParaRPr lang="nl-NL"/>
           </a:p>
@@ -2405,7 +2619,7 @@
           <p:cNvPr id="6" name="Footer Placeholder 5">
             <a:extLst>
               <a:ext uri="{FF2B5EF4-FFF2-40B4-BE49-F238E27FC236}">
-                <a16:creationId xmlns:a16="http://schemas.microsoft.com/office/drawing/2014/main" id="{3A981B68-302A-A03D-A24C-E31BB1EC5C68}"/>
+                <a16:creationId xmlns:a16="http://schemas.microsoft.com/office/drawing/2014/main" id="{28782BB2-1DFD-9BAC-8411-C00B674B5911}"/>
               </a:ext>
             </a:extLst>
           </p:cNvPr>
@@ -2430,7 +2644,7 @@
           <p:cNvPr id="7" name="Slide Number Placeholder 6">
             <a:extLst>
               <a:ext uri="{FF2B5EF4-FFF2-40B4-BE49-F238E27FC236}">
-                <a16:creationId xmlns:a16="http://schemas.microsoft.com/office/drawing/2014/main" id="{2D622B71-071E-53FF-754F-4AFAD0D1840A}"/>
+                <a16:creationId xmlns:a16="http://schemas.microsoft.com/office/drawing/2014/main" id="{37B1777A-089A-4E5E-7883-11061292CAAB}"/>
               </a:ext>
             </a:extLst>
           </p:cNvPr>
@@ -2457,7 +2671,7 @@
     </p:spTree>
     <p:extLst>
       <p:ext uri="{BB962C8B-B14F-4D97-AF65-F5344CB8AC3E}">
-        <p14:creationId xmlns:p14="http://schemas.microsoft.com/office/powerpoint/2010/main" val="858788176"/>
+        <p14:creationId xmlns:p14="http://schemas.microsoft.com/office/powerpoint/2010/main" val="2198417894"/>
       </p:ext>
     </p:extLst>
   </p:cSld>
@@ -2489,7 +2703,7 @@
           <p:cNvPr id="2" name="Title 1">
             <a:extLst>
               <a:ext uri="{FF2B5EF4-FFF2-40B4-BE49-F238E27FC236}">
-                <a16:creationId xmlns:a16="http://schemas.microsoft.com/office/drawing/2014/main" id="{982BB5CE-EBF8-9C1B-1C38-85376E1532F9}"/>
+                <a16:creationId xmlns:a16="http://schemas.microsoft.com/office/drawing/2014/main" id="{D9FB590B-ECF0-0D4B-5764-0152AFC7A505}"/>
               </a:ext>
             </a:extLst>
           </p:cNvPr>
@@ -2527,7 +2741,7 @@
           <p:cNvPr id="3" name="Picture Placeholder 2">
             <a:extLst>
               <a:ext uri="{FF2B5EF4-FFF2-40B4-BE49-F238E27FC236}">
-                <a16:creationId xmlns:a16="http://schemas.microsoft.com/office/drawing/2014/main" id="{E81BA059-6FBB-4432-D1AD-307F4F8A5AF2}"/>
+                <a16:creationId xmlns:a16="http://schemas.microsoft.com/office/drawing/2014/main" id="{1D8D8609-49C5-ECBB-4486-5700CFAA8A26}"/>
               </a:ext>
             </a:extLst>
           </p:cNvPr>
@@ -2594,7 +2808,7 @@
           <p:cNvPr id="4" name="Text Placeholder 3">
             <a:extLst>
               <a:ext uri="{FF2B5EF4-FFF2-40B4-BE49-F238E27FC236}">
-                <a16:creationId xmlns:a16="http://schemas.microsoft.com/office/drawing/2014/main" id="{73592956-5C87-3718-34A0-806DEDD31792}"/>
+                <a16:creationId xmlns:a16="http://schemas.microsoft.com/office/drawing/2014/main" id="{1E489B8C-2420-9438-B8BD-540C8CB63CF0}"/>
               </a:ext>
             </a:extLst>
           </p:cNvPr>
@@ -2665,7 +2879,7 @@
           <p:cNvPr id="5" name="Date Placeholder 4">
             <a:extLst>
               <a:ext uri="{FF2B5EF4-FFF2-40B4-BE49-F238E27FC236}">
-                <a16:creationId xmlns:a16="http://schemas.microsoft.com/office/drawing/2014/main" id="{012D6053-98B8-EFA8-5242-9176557592FE}"/>
+                <a16:creationId xmlns:a16="http://schemas.microsoft.com/office/drawing/2014/main" id="{B8D99D9E-58CE-ACD0-A366-5886A95C2AF4}"/>
               </a:ext>
             </a:extLst>
           </p:cNvPr>
@@ -2683,7 +2897,7 @@
           <a:p>
             <a:fld id="{6445223E-D3B8-481F-B4E0-7CB8A2B8EEF9}" type="datetimeFigureOut">
               <a:rPr lang="nl-NL" smtClean="0"/>
-              <a:t>7-6-2022</a:t>
+              <a:t>8-6-2022</a:t>
             </a:fld>
             <a:endParaRPr lang="nl-NL"/>
           </a:p>
@@ -2694,7 +2908,7 @@
           <p:cNvPr id="6" name="Footer Placeholder 5">
             <a:extLst>
               <a:ext uri="{FF2B5EF4-FFF2-40B4-BE49-F238E27FC236}">
-                <a16:creationId xmlns:a16="http://schemas.microsoft.com/office/drawing/2014/main" id="{4FD02FA7-E83E-9BD7-AEA3-45B69977F46D}"/>
+                <a16:creationId xmlns:a16="http://schemas.microsoft.com/office/drawing/2014/main" id="{2EC8CDEC-49D2-FBCD-2366-6A286C24953C}"/>
               </a:ext>
             </a:extLst>
           </p:cNvPr>
@@ -2719,7 +2933,7 @@
           <p:cNvPr id="7" name="Slide Number Placeholder 6">
             <a:extLst>
               <a:ext uri="{FF2B5EF4-FFF2-40B4-BE49-F238E27FC236}">
-                <a16:creationId xmlns:a16="http://schemas.microsoft.com/office/drawing/2014/main" id="{028E1433-8BC8-043C-E8A3-ED5265BEDCD8}"/>
+                <a16:creationId xmlns:a16="http://schemas.microsoft.com/office/drawing/2014/main" id="{DE22ED31-34CA-E39A-70F3-1D9E3853813F}"/>
               </a:ext>
             </a:extLst>
           </p:cNvPr>
@@ -2746,7 +2960,7 @@
     </p:spTree>
     <p:extLst>
       <p:ext uri="{BB962C8B-B14F-4D97-AF65-F5344CB8AC3E}">
-        <p14:creationId xmlns:p14="http://schemas.microsoft.com/office/powerpoint/2010/main" val="3210181772"/>
+        <p14:creationId xmlns:p14="http://schemas.microsoft.com/office/powerpoint/2010/main" val="3821553664"/>
       </p:ext>
     </p:extLst>
   </p:cSld>
@@ -2783,7 +2997,7 @@
           <p:cNvPr id="2" name="Title Placeholder 1">
             <a:extLst>
               <a:ext uri="{FF2B5EF4-FFF2-40B4-BE49-F238E27FC236}">
-                <a16:creationId xmlns:a16="http://schemas.microsoft.com/office/drawing/2014/main" id="{8A1BDC45-135D-3FC8-250B-31C700FC9270}"/>
+                <a16:creationId xmlns:a16="http://schemas.microsoft.com/office/drawing/2014/main" id="{D73B248B-9A3B-06E9-7A2F-FA4776C0080A}"/>
               </a:ext>
             </a:extLst>
           </p:cNvPr>
@@ -2822,7 +3036,7 @@
           <p:cNvPr id="3" name="Text Placeholder 2">
             <a:extLst>
               <a:ext uri="{FF2B5EF4-FFF2-40B4-BE49-F238E27FC236}">
-                <a16:creationId xmlns:a16="http://schemas.microsoft.com/office/drawing/2014/main" id="{3A0A7AE6-DCBD-DCA3-1324-A5BDDCDBA62D}"/>
+                <a16:creationId xmlns:a16="http://schemas.microsoft.com/office/drawing/2014/main" id="{EF84D9FA-99AD-6D0E-E132-CA52A7719415}"/>
               </a:ext>
             </a:extLst>
           </p:cNvPr>
@@ -2890,7 +3104,7 @@
           <p:cNvPr id="4" name="Date Placeholder 3">
             <a:extLst>
               <a:ext uri="{FF2B5EF4-FFF2-40B4-BE49-F238E27FC236}">
-                <a16:creationId xmlns:a16="http://schemas.microsoft.com/office/drawing/2014/main" id="{6237B0B0-7663-A716-7071-151165534289}"/>
+                <a16:creationId xmlns:a16="http://schemas.microsoft.com/office/drawing/2014/main" id="{DB98FAC3-015E-6653-1A3C-25A5F5809C79}"/>
               </a:ext>
             </a:extLst>
           </p:cNvPr>
@@ -2926,7 +3140,7 @@
           <a:p>
             <a:fld id="{6445223E-D3B8-481F-B4E0-7CB8A2B8EEF9}" type="datetimeFigureOut">
               <a:rPr lang="nl-NL" smtClean="0"/>
-              <a:t>7-6-2022</a:t>
+              <a:t>8-6-2022</a:t>
             </a:fld>
             <a:endParaRPr lang="nl-NL"/>
           </a:p>
@@ -2937,7 +3151,7 @@
           <p:cNvPr id="5" name="Footer Placeholder 4">
             <a:extLst>
               <a:ext uri="{FF2B5EF4-FFF2-40B4-BE49-F238E27FC236}">
-                <a16:creationId xmlns:a16="http://schemas.microsoft.com/office/drawing/2014/main" id="{BF107FF4-7A3F-EBB4-6E0E-49947A9FF08C}"/>
+                <a16:creationId xmlns:a16="http://schemas.microsoft.com/office/drawing/2014/main" id="{CD0EF908-90E4-6975-230E-A97ACC6A440C}"/>
               </a:ext>
             </a:extLst>
           </p:cNvPr>
@@ -2980,7 +3194,7 @@
           <p:cNvPr id="6" name="Slide Number Placeholder 5">
             <a:extLst>
               <a:ext uri="{FF2B5EF4-FFF2-40B4-BE49-F238E27FC236}">
-                <a16:creationId xmlns:a16="http://schemas.microsoft.com/office/drawing/2014/main" id="{D4A20B2E-83E8-DABC-C493-8495F1EF311D}"/>
+                <a16:creationId xmlns:a16="http://schemas.microsoft.com/office/drawing/2014/main" id="{034B3478-F9E2-DAE4-F7ED-DB7A89F3D980}"/>
               </a:ext>
             </a:extLst>
           </p:cNvPr>
@@ -3025,23 +3239,23 @@
     </p:spTree>
     <p:extLst>
       <p:ext uri="{BB962C8B-B14F-4D97-AF65-F5344CB8AC3E}">
-        <p14:creationId xmlns:p14="http://schemas.microsoft.com/office/powerpoint/2010/main" val="1741226993"/>
+        <p14:creationId xmlns:p14="http://schemas.microsoft.com/office/powerpoint/2010/main" val="1887960411"/>
       </p:ext>
     </p:extLst>
   </p:cSld>
   <p:clrMap bg1="lt1" tx1="dk1" bg2="lt2" tx2="dk2" accent1="accent1" accent2="accent2" accent3="accent3" accent4="accent4" accent5="accent5" accent6="accent6" hlink="hlink" folHlink="folHlink"/>
   <p:sldLayoutIdLst>
-    <p:sldLayoutId id="2147483649" r:id="rId1"/>
-    <p:sldLayoutId id="2147483650" r:id="rId2"/>
-    <p:sldLayoutId id="2147483651" r:id="rId3"/>
-    <p:sldLayoutId id="2147483652" r:id="rId4"/>
-    <p:sldLayoutId id="2147483653" r:id="rId5"/>
-    <p:sldLayoutId id="2147483654" r:id="rId6"/>
-    <p:sldLayoutId id="2147483655" r:id="rId7"/>
-    <p:sldLayoutId id="2147483656" r:id="rId8"/>
-    <p:sldLayoutId id="2147483657" r:id="rId9"/>
-    <p:sldLayoutId id="2147483658" r:id="rId10"/>
-    <p:sldLayoutId id="2147483659" r:id="rId11"/>
+    <p:sldLayoutId id="2147483690" r:id="rId1"/>
+    <p:sldLayoutId id="2147483691" r:id="rId2"/>
+    <p:sldLayoutId id="2147483692" r:id="rId3"/>
+    <p:sldLayoutId id="2147483693" r:id="rId4"/>
+    <p:sldLayoutId id="2147483694" r:id="rId5"/>
+    <p:sldLayoutId id="2147483695" r:id="rId6"/>
+    <p:sldLayoutId id="2147483696" r:id="rId7"/>
+    <p:sldLayoutId id="2147483697" r:id="rId8"/>
+    <p:sldLayoutId id="2147483698" r:id="rId9"/>
+    <p:sldLayoutId id="2147483699" r:id="rId10"/>
+    <p:sldLayoutId id="2147483700" r:id="rId11"/>
   </p:sldLayoutIdLst>
   <p:txStyles>
     <p:titleStyle>
@@ -3329,6 +3543,3001 @@
 <file path=ppt/slides/slide1.xml><?xml version="1.0" encoding="utf-8"?>
 <p:sld xmlns:a="http://schemas.openxmlformats.org/drawingml/2006/main" xmlns:r="http://schemas.openxmlformats.org/officeDocument/2006/relationships" xmlns:p="http://schemas.openxmlformats.org/presentationml/2006/main">
   <p:cSld>
+    <p:bg>
+      <p:bgPr>
+        <a:solidFill>
+          <a:schemeClr val="bg1"/>
+        </a:solidFill>
+        <a:effectLst/>
+      </p:bgPr>
+    </p:bg>
+    <p:spTree>
+      <p:nvGrpSpPr>
+        <p:cNvPr id="1" name=""/>
+        <p:cNvGrpSpPr/>
+        <p:nvPr/>
+      </p:nvGrpSpPr>
+      <p:grpSpPr>
+        <a:xfrm>
+          <a:off x="0" y="0"/>
+          <a:ext cx="0" cy="0"/>
+          <a:chOff x="0" y="0"/>
+          <a:chExt cx="0" cy="0"/>
+        </a:xfrm>
+      </p:grpSpPr>
+      <p:sp useBgFill="1">
+        <p:nvSpPr>
+          <p:cNvPr id="1032" name="Rectangle 1030">
+            <a:extLst>
+              <a:ext uri="{FF2B5EF4-FFF2-40B4-BE49-F238E27FC236}">
+                <a16:creationId xmlns:a16="http://schemas.microsoft.com/office/drawing/2014/main" id="{F0A604E4-7307-451C-93BE-F1F7E1BF3BF8}"/>
+              </a:ext>
+              <a:ext uri="{C183D7F6-B498-43B3-948B-1728B52AA6E4}">
+                <adec:decorative xmlns:adec="http://schemas.microsoft.com/office/drawing/2017/decorative" val="1"/>
+              </a:ext>
+            </a:extLst>
+          </p:cNvPr>
+          <p:cNvSpPr>
+            <a:spLocks noGrp="1" noRot="1" noChangeAspect="1" noMove="1" noResize="1" noEditPoints="1" noAdjustHandles="1" noChangeArrowheads="1" noChangeShapeType="1" noTextEdit="1"/>
+          </p:cNvSpPr>
+          <p:nvPr>
+            <p:extLst>
+              <p:ext uri="{386F3935-93C4-4BCD-93E2-E3B085C9AB24}">
+                <p16:designElem xmlns:p16="http://schemas.microsoft.com/office/powerpoint/2015/main" val="1"/>
+              </p:ext>
+            </p:extLst>
+          </p:nvPr>
+        </p:nvSpPr>
+        <p:spPr>
+          <a:xfrm>
+            <a:off x="-2" y="0"/>
+            <a:ext cx="12192004" cy="6858000"/>
+          </a:xfrm>
+          <a:prstGeom prst="rect">
+            <a:avLst/>
+          </a:prstGeom>
+          <a:ln>
+            <a:noFill/>
+          </a:ln>
+        </p:spPr>
+        <p:style>
+          <a:lnRef idx="2">
+            <a:schemeClr val="accent1">
+              <a:shade val="50000"/>
+            </a:schemeClr>
+          </a:lnRef>
+          <a:fillRef idx="1">
+            <a:schemeClr val="accent1"/>
+          </a:fillRef>
+          <a:effectRef idx="0">
+            <a:schemeClr val="accent1"/>
+          </a:effectRef>
+          <a:fontRef idx="minor">
+            <a:schemeClr val="lt1"/>
+          </a:fontRef>
+        </p:style>
+        <p:txBody>
+          <a:bodyPr rtlCol="0" anchor="ctr"/>
+          <a:lstStyle/>
+          <a:p>
+            <a:pPr algn="ctr"/>
+            <a:endParaRPr lang="en-US"/>
+          </a:p>
+        </p:txBody>
+      </p:sp>
+      <p:sp>
+        <p:nvSpPr>
+          <p:cNvPr id="1034" name="Rectangle 1032">
+            <a:extLst>
+              <a:ext uri="{FF2B5EF4-FFF2-40B4-BE49-F238E27FC236}">
+                <a16:creationId xmlns:a16="http://schemas.microsoft.com/office/drawing/2014/main" id="{F7F3A0AA-35E5-4085-942B-737839030604}"/>
+              </a:ext>
+              <a:ext uri="{C183D7F6-B498-43B3-948B-1728B52AA6E4}">
+                <adec:decorative xmlns:adec="http://schemas.microsoft.com/office/drawing/2017/decorative" val="1"/>
+              </a:ext>
+            </a:extLst>
+          </p:cNvPr>
+          <p:cNvSpPr>
+            <a:spLocks noGrp="1" noRot="1" noChangeAspect="1" noMove="1" noResize="1" noEditPoints="1" noAdjustHandles="1" noChangeArrowheads="1" noChangeShapeType="1" noTextEdit="1"/>
+          </p:cNvSpPr>
+          <p:nvPr>
+            <p:extLst>
+              <p:ext uri="{386F3935-93C4-4BCD-93E2-E3B085C9AB24}">
+                <p16:designElem xmlns:p16="http://schemas.microsoft.com/office/powerpoint/2015/main" val="1"/>
+              </p:ext>
+            </p:extLst>
+          </p:nvPr>
+        </p:nvSpPr>
+        <p:spPr>
+          <a:xfrm flipH="1">
+            <a:off x="-1" y="5282344"/>
+            <a:ext cx="12191998" cy="1590742"/>
+          </a:xfrm>
+          <a:prstGeom prst="rect">
+            <a:avLst/>
+          </a:prstGeom>
+          <a:gradFill>
+            <a:gsLst>
+              <a:gs pos="34000">
+                <a:srgbClr val="000000">
+                  <a:alpha val="96000"/>
+                </a:srgbClr>
+              </a:gs>
+              <a:gs pos="100000">
+                <a:schemeClr val="accent1"/>
+              </a:gs>
+            </a:gsLst>
+            <a:lin ang="8400000" scaled="0"/>
+          </a:gradFill>
+          <a:ln>
+            <a:noFill/>
+          </a:ln>
+        </p:spPr>
+        <p:style>
+          <a:lnRef idx="2">
+            <a:schemeClr val="accent1">
+              <a:shade val="50000"/>
+            </a:schemeClr>
+          </a:lnRef>
+          <a:fillRef idx="1">
+            <a:schemeClr val="accent1"/>
+          </a:fillRef>
+          <a:effectRef idx="0">
+            <a:schemeClr val="accent1"/>
+          </a:effectRef>
+          <a:fontRef idx="minor">
+            <a:schemeClr val="lt1"/>
+          </a:fontRef>
+        </p:style>
+        <p:txBody>
+          <a:bodyPr rtlCol="0" anchor="ctr"/>
+          <a:lstStyle/>
+          <a:p>
+            <a:pPr algn="ctr"/>
+            <a:endParaRPr lang="en-US"/>
+          </a:p>
+        </p:txBody>
+      </p:sp>
+      <p:sp>
+        <p:nvSpPr>
+          <p:cNvPr id="1035" name="Rectangle 1034">
+            <a:extLst>
+              <a:ext uri="{FF2B5EF4-FFF2-40B4-BE49-F238E27FC236}">
+                <a16:creationId xmlns:a16="http://schemas.microsoft.com/office/drawing/2014/main" id="{402F5C38-C747-4173-ABBF-656E39E82130}"/>
+              </a:ext>
+              <a:ext uri="{C183D7F6-B498-43B3-948B-1728B52AA6E4}">
+                <adec:decorative xmlns:adec="http://schemas.microsoft.com/office/drawing/2017/decorative" val="1"/>
+              </a:ext>
+            </a:extLst>
+          </p:cNvPr>
+          <p:cNvSpPr>
+            <a:spLocks noGrp="1" noRot="1" noChangeAspect="1" noMove="1" noResize="1" noEditPoints="1" noAdjustHandles="1" noChangeArrowheads="1" noChangeShapeType="1" noTextEdit="1"/>
+          </p:cNvSpPr>
+          <p:nvPr>
+            <p:extLst>
+              <p:ext uri="{386F3935-93C4-4BCD-93E2-E3B085C9AB24}">
+                <p16:designElem xmlns:p16="http://schemas.microsoft.com/office/powerpoint/2015/main" val="1"/>
+              </p:ext>
+            </p:extLst>
+          </p:nvPr>
+        </p:nvSpPr>
+        <p:spPr>
+          <a:xfrm flipH="1">
+            <a:off x="-4" y="5282344"/>
+            <a:ext cx="8115300" cy="1590742"/>
+          </a:xfrm>
+          <a:prstGeom prst="rect">
+            <a:avLst/>
+          </a:prstGeom>
+          <a:gradFill>
+            <a:gsLst>
+              <a:gs pos="28000">
+                <a:schemeClr val="accent1">
+                  <a:lumMod val="75000"/>
+                  <a:alpha val="59000"/>
+                </a:schemeClr>
+              </a:gs>
+              <a:gs pos="100000">
+                <a:srgbClr val="000000">
+                  <a:alpha val="70000"/>
+                </a:srgbClr>
+              </a:gs>
+            </a:gsLst>
+            <a:lin ang="11400000" scaled="0"/>
+          </a:gradFill>
+          <a:ln>
+            <a:noFill/>
+          </a:ln>
+        </p:spPr>
+        <p:style>
+          <a:lnRef idx="2">
+            <a:schemeClr val="accent1">
+              <a:shade val="50000"/>
+            </a:schemeClr>
+          </a:lnRef>
+          <a:fillRef idx="1">
+            <a:schemeClr val="accent1"/>
+          </a:fillRef>
+          <a:effectRef idx="0">
+            <a:schemeClr val="accent1"/>
+          </a:effectRef>
+          <a:fontRef idx="minor">
+            <a:schemeClr val="lt1"/>
+          </a:fontRef>
+        </p:style>
+        <p:txBody>
+          <a:bodyPr rtlCol="0" anchor="ctr"/>
+          <a:lstStyle/>
+          <a:p>
+            <a:pPr algn="ctr"/>
+            <a:endParaRPr lang="en-US"/>
+          </a:p>
+        </p:txBody>
+      </p:sp>
+      <p:sp>
+        <p:nvSpPr>
+          <p:cNvPr id="1037" name="Rectangle 1036">
+            <a:extLst>
+              <a:ext uri="{FF2B5EF4-FFF2-40B4-BE49-F238E27FC236}">
+                <a16:creationId xmlns:a16="http://schemas.microsoft.com/office/drawing/2014/main" id="{E37EECFC-A684-4391-AE85-4CDAF5565F61}"/>
+              </a:ext>
+              <a:ext uri="{C183D7F6-B498-43B3-948B-1728B52AA6E4}">
+                <adec:decorative xmlns:adec="http://schemas.microsoft.com/office/drawing/2017/decorative" val="1"/>
+              </a:ext>
+            </a:extLst>
+          </p:cNvPr>
+          <p:cNvSpPr>
+            <a:spLocks noGrp="1" noRot="1" noChangeAspect="1" noMove="1" noResize="1" noEditPoints="1" noAdjustHandles="1" noChangeArrowheads="1" noChangeShapeType="1" noTextEdit="1"/>
+          </p:cNvSpPr>
+          <p:nvPr>
+            <p:extLst>
+              <p:ext uri="{386F3935-93C4-4BCD-93E2-E3B085C9AB24}">
+                <p16:designElem xmlns:p16="http://schemas.microsoft.com/office/powerpoint/2015/main" val="1"/>
+              </p:ext>
+            </p:extLst>
+          </p:nvPr>
+        </p:nvSpPr>
+        <p:spPr>
+          <a:xfrm flipH="1">
+            <a:off x="-4" y="5282344"/>
+            <a:ext cx="12191998" cy="1590742"/>
+          </a:xfrm>
+          <a:prstGeom prst="rect">
+            <a:avLst/>
+          </a:prstGeom>
+          <a:gradFill>
+            <a:gsLst>
+              <a:gs pos="0">
+                <a:srgbClr val="000000">
+                  <a:alpha val="71765"/>
+                </a:srgbClr>
+              </a:gs>
+              <a:gs pos="100000">
+                <a:schemeClr val="accent1">
+                  <a:alpha val="0"/>
+                </a:schemeClr>
+              </a:gs>
+            </a:gsLst>
+            <a:lin ang="15600000" scaled="0"/>
+          </a:gradFill>
+          <a:ln>
+            <a:noFill/>
+          </a:ln>
+        </p:spPr>
+        <p:style>
+          <a:lnRef idx="2">
+            <a:schemeClr val="accent1">
+              <a:shade val="50000"/>
+            </a:schemeClr>
+          </a:lnRef>
+          <a:fillRef idx="1">
+            <a:schemeClr val="accent1"/>
+          </a:fillRef>
+          <a:effectRef idx="0">
+            <a:schemeClr val="accent1"/>
+          </a:effectRef>
+          <a:fontRef idx="minor">
+            <a:schemeClr val="lt1"/>
+          </a:fontRef>
+        </p:style>
+        <p:txBody>
+          <a:bodyPr rtlCol="0" anchor="ctr"/>
+          <a:lstStyle/>
+          <a:p>
+            <a:pPr algn="ctr"/>
+            <a:endParaRPr lang="en-US"/>
+          </a:p>
+        </p:txBody>
+      </p:sp>
+      <p:sp>
+        <p:nvSpPr>
+          <p:cNvPr id="2" name="Title 1">
+            <a:extLst>
+              <a:ext uri="{FF2B5EF4-FFF2-40B4-BE49-F238E27FC236}">
+                <a16:creationId xmlns:a16="http://schemas.microsoft.com/office/drawing/2014/main" id="{439DB3ED-EF88-AD44-05E3-38FFBE9C5657}"/>
+              </a:ext>
+            </a:extLst>
+          </p:cNvPr>
+          <p:cNvSpPr>
+            <a:spLocks noGrp="1"/>
+          </p:cNvSpPr>
+          <p:nvPr>
+            <p:ph type="ctrTitle"/>
+          </p:nvPr>
+        </p:nvSpPr>
+        <p:spPr>
+          <a:xfrm>
+            <a:off x="699714" y="5490971"/>
+            <a:ext cx="6962072" cy="1159200"/>
+          </a:xfrm>
+        </p:spPr>
+        <p:txBody>
+          <a:bodyPr anchor="ctr">
+            <a:normAutofit/>
+          </a:bodyPr>
+          <a:lstStyle/>
+          <a:p>
+            <a:pPr algn="l"/>
+            <a:r>
+              <a:rPr lang="nl-NL" sz="4000">
+                <a:solidFill>
+                  <a:srgbClr val="FFFFFF"/>
+                </a:solidFill>
+              </a:rPr>
+              <a:t>Game development examen</a:t>
+            </a:r>
+          </a:p>
+        </p:txBody>
+      </p:sp>
+      <p:sp>
+        <p:nvSpPr>
+          <p:cNvPr id="3" name="Subtitle 2">
+            <a:extLst>
+              <a:ext uri="{FF2B5EF4-FFF2-40B4-BE49-F238E27FC236}">
+                <a16:creationId xmlns:a16="http://schemas.microsoft.com/office/drawing/2014/main" id="{94897277-AFB3-4B89-36E0-5B0F3C4F816E}"/>
+              </a:ext>
+            </a:extLst>
+          </p:cNvPr>
+          <p:cNvSpPr>
+            <a:spLocks noGrp="1"/>
+          </p:cNvSpPr>
+          <p:nvPr>
+            <p:ph type="subTitle" idx="1"/>
+          </p:nvPr>
+        </p:nvSpPr>
+        <p:spPr>
+          <a:xfrm>
+            <a:off x="8456522" y="5633765"/>
+            <a:ext cx="3408555" cy="873612"/>
+          </a:xfrm>
+        </p:spPr>
+        <p:txBody>
+          <a:bodyPr anchor="ctr">
+            <a:normAutofit/>
+          </a:bodyPr>
+          <a:lstStyle/>
+          <a:p>
+            <a:pPr algn="l"/>
+            <a:r>
+              <a:rPr lang="nl-NL" sz="2000">
+                <a:solidFill>
+                  <a:srgbClr val="FFFFFF"/>
+                </a:solidFill>
+              </a:rPr>
+              <a:t>Sam Mayer</a:t>
+            </a:r>
+          </a:p>
+        </p:txBody>
+      </p:sp>
+      <p:pic>
+        <p:nvPicPr>
+          <p:cNvPr id="1026" name="Picture 2" descr="Game Dev Story | Nintendo Switch download software | Games | Nintendo">
+            <a:extLst>
+              <a:ext uri="{FF2B5EF4-FFF2-40B4-BE49-F238E27FC236}">
+                <a16:creationId xmlns:a16="http://schemas.microsoft.com/office/drawing/2014/main" id="{9A265E22-F7B8-D193-245A-8874E238DD8F}"/>
+              </a:ext>
+            </a:extLst>
+          </p:cNvPr>
+          <p:cNvPicPr>
+            <a:picLocks noChangeAspect="1" noChangeArrowheads="1"/>
+          </p:cNvPicPr>
+          <p:nvPr/>
+        </p:nvPicPr>
+        <p:blipFill rotWithShape="1">
+          <a:blip r:embed="rId2">
+            <a:extLst>
+              <a:ext uri="{28A0092B-C50C-407E-A947-70E740481C1C}">
+                <a14:useLocalDpi xmlns:a14="http://schemas.microsoft.com/office/drawing/2010/main" val="0"/>
+              </a:ext>
+            </a:extLst>
+          </a:blip>
+          <a:srcRect t="5432" r="-1" b="17291"/>
+          <a:stretch/>
+        </p:blipFill>
+        <p:spPr bwMode="auto">
+          <a:xfrm>
+            <a:off x="478535" y="462013"/>
+            <a:ext cx="11327549" cy="4376751"/>
+          </a:xfrm>
+          <a:prstGeom prst="rect">
+            <a:avLst/>
+          </a:prstGeom>
+          <a:noFill/>
+          <a:extLst>
+            <a:ext uri="{909E8E84-426E-40DD-AFC4-6F175D3DCCD1}">
+              <a14:hiddenFill xmlns:a14="http://schemas.microsoft.com/office/drawing/2010/main">
+                <a:solidFill>
+                  <a:srgbClr val="FFFFFF"/>
+                </a:solidFill>
+              </a14:hiddenFill>
+            </a:ext>
+          </a:extLst>
+        </p:spPr>
+      </p:pic>
+    </p:spTree>
+    <p:extLst>
+      <p:ext uri="{BB962C8B-B14F-4D97-AF65-F5344CB8AC3E}">
+        <p14:creationId xmlns:p14="http://schemas.microsoft.com/office/powerpoint/2010/main" val="2779528371"/>
+      </p:ext>
+    </p:extLst>
+  </p:cSld>
+  <p:clrMapOvr>
+    <a:masterClrMapping/>
+  </p:clrMapOvr>
+</p:sld>
+</file>
+
+<file path=ppt/slides/slide10.xml><?xml version="1.0" encoding="utf-8"?>
+<p:sld xmlns:a="http://schemas.openxmlformats.org/drawingml/2006/main" xmlns:r="http://schemas.openxmlformats.org/officeDocument/2006/relationships" xmlns:p="http://schemas.openxmlformats.org/presentationml/2006/main">
+  <p:cSld>
+    <p:bg>
+      <p:bgPr>
+        <a:solidFill>
+          <a:schemeClr val="bg1"/>
+        </a:solidFill>
+        <a:effectLst/>
+      </p:bgPr>
+    </p:bg>
+    <p:spTree>
+      <p:nvGrpSpPr>
+        <p:cNvPr id="1" name=""/>
+        <p:cNvGrpSpPr/>
+        <p:nvPr/>
+      </p:nvGrpSpPr>
+      <p:grpSpPr>
+        <a:xfrm>
+          <a:off x="0" y="0"/>
+          <a:ext cx="0" cy="0"/>
+          <a:chOff x="0" y="0"/>
+          <a:chExt cx="0" cy="0"/>
+        </a:xfrm>
+      </p:grpSpPr>
+      <p:sp useBgFill="1">
+        <p:nvSpPr>
+          <p:cNvPr id="10" name="Rectangle 9">
+            <a:extLst>
+              <a:ext uri="{FF2B5EF4-FFF2-40B4-BE49-F238E27FC236}">
+                <a16:creationId xmlns:a16="http://schemas.microsoft.com/office/drawing/2014/main" id="{F0DCC097-1DB8-4B6D-85D0-6FBA0E1CA4BA}"/>
+              </a:ext>
+              <a:ext uri="{C183D7F6-B498-43B3-948B-1728B52AA6E4}">
+                <adec:decorative xmlns:adec="http://schemas.microsoft.com/office/drawing/2017/decorative" val="1"/>
+              </a:ext>
+            </a:extLst>
+          </p:cNvPr>
+          <p:cNvSpPr>
+            <a:spLocks noGrp="1" noRot="1" noChangeAspect="1" noMove="1" noResize="1" noEditPoints="1" noAdjustHandles="1" noChangeArrowheads="1" noChangeShapeType="1" noTextEdit="1"/>
+          </p:cNvSpPr>
+          <p:nvPr>
+            <p:extLst>
+              <p:ext uri="{386F3935-93C4-4BCD-93E2-E3B085C9AB24}">
+                <p16:designElem xmlns:p16="http://schemas.microsoft.com/office/powerpoint/2015/main" val="1"/>
+              </p:ext>
+            </p:extLst>
+          </p:nvPr>
+        </p:nvSpPr>
+        <p:spPr>
+          <a:xfrm>
+            <a:off x="0" y="0"/>
+            <a:ext cx="12192000" cy="6858000"/>
+          </a:xfrm>
+          <a:prstGeom prst="rect">
+            <a:avLst/>
+          </a:prstGeom>
+          <a:ln w="12700" cap="flat" cmpd="sng" algn="ctr">
+            <a:noFill/>
+            <a:prstDash val="solid"/>
+            <a:miter lim="800000"/>
+          </a:ln>
+          <a:effectLst/>
+          <a:extLst>
+            <a:ext uri="{91240B29-F687-4F45-9708-019B960494DF}">
+              <a14:hiddenLine xmlns:a14="http://schemas.microsoft.com/office/drawing/2010/main" w="12700" cap="flat" cmpd="sng" algn="ctr">
+                <a:solidFill>
+                  <a:schemeClr val="accent1">
+                    <a:shade val="50000"/>
+                  </a:schemeClr>
+                </a:solidFill>
+                <a:prstDash val="solid"/>
+                <a:miter lim="800000"/>
+              </a14:hiddenLine>
+            </a:ext>
+          </a:extLst>
+        </p:spPr>
+        <p:style>
+          <a:lnRef idx="2">
+            <a:schemeClr val="accent1">
+              <a:shade val="50000"/>
+            </a:schemeClr>
+          </a:lnRef>
+          <a:fillRef idx="1">
+            <a:schemeClr val="accent1"/>
+          </a:fillRef>
+          <a:effectRef idx="0">
+            <a:schemeClr val="accent1"/>
+          </a:effectRef>
+          <a:fontRef idx="minor">
+            <a:schemeClr val="lt1"/>
+          </a:fontRef>
+        </p:style>
+        <p:txBody>
+          <a:bodyPr rtlCol="0" anchor="ctr"/>
+          <a:lstStyle/>
+          <a:p>
+            <a:pPr algn="ctr"/>
+            <a:endParaRPr lang="en-US"/>
+          </a:p>
+        </p:txBody>
+      </p:sp>
+      <p:sp>
+        <p:nvSpPr>
+          <p:cNvPr id="12" name="Freeform: Shape 11">
+            <a:extLst>
+              <a:ext uri="{FF2B5EF4-FFF2-40B4-BE49-F238E27FC236}">
+                <a16:creationId xmlns:a16="http://schemas.microsoft.com/office/drawing/2014/main" id="{E0B58608-23C8-4441-994D-C6823EEE1DB7}"/>
+              </a:ext>
+              <a:ext uri="{C183D7F6-B498-43B3-948B-1728B52AA6E4}">
+                <adec:decorative xmlns:adec="http://schemas.microsoft.com/office/drawing/2017/decorative" val="1"/>
+              </a:ext>
+            </a:extLst>
+          </p:cNvPr>
+          <p:cNvSpPr>
+            <a:spLocks noGrp="1" noRot="1" noChangeAspect="1" noMove="1" noResize="1" noEditPoints="1" noAdjustHandles="1" noChangeArrowheads="1" noChangeShapeType="1" noTextEdit="1"/>
+          </p:cNvSpPr>
+          <p:nvPr>
+            <p:extLst>
+              <p:ext uri="{386F3935-93C4-4BCD-93E2-E3B085C9AB24}">
+                <p16:designElem xmlns:p16="http://schemas.microsoft.com/office/powerpoint/2015/main" val="1"/>
+              </p:ext>
+            </p:extLst>
+          </p:nvPr>
+        </p:nvSpPr>
+        <p:spPr>
+          <a:xfrm>
+            <a:off x="1" y="0"/>
+            <a:ext cx="12191999" cy="2083506"/>
+          </a:xfrm>
+          <a:custGeom>
+            <a:avLst/>
+            <a:gdLst>
+              <a:gd name="connsiteX0" fmla="*/ 0 w 12191999"/>
+              <a:gd name="connsiteY0" fmla="*/ 0 h 2083506"/>
+              <a:gd name="connsiteX1" fmla="*/ 9429748 w 12191999"/>
+              <a:gd name="connsiteY1" fmla="*/ 0 h 2083506"/>
+              <a:gd name="connsiteX2" fmla="*/ 9429748 w 12191999"/>
+              <a:gd name="connsiteY2" fmla="*/ 1 h 2083506"/>
+              <a:gd name="connsiteX3" fmla="*/ 12191999 w 12191999"/>
+              <a:gd name="connsiteY3" fmla="*/ 1 h 2083506"/>
+              <a:gd name="connsiteX4" fmla="*/ 12191999 w 12191999"/>
+              <a:gd name="connsiteY4" fmla="*/ 1164372 h 2083506"/>
+              <a:gd name="connsiteX5" fmla="*/ 12147852 w 12191999"/>
+              <a:gd name="connsiteY5" fmla="*/ 1163783 h 2083506"/>
+              <a:gd name="connsiteX6" fmla="*/ 11993604 w 12191999"/>
+              <a:gd name="connsiteY6" fmla="*/ 1153496 h 2083506"/>
+              <a:gd name="connsiteX7" fmla="*/ 11865319 w 12191999"/>
+              <a:gd name="connsiteY7" fmla="*/ 1176624 h 2083506"/>
+              <a:gd name="connsiteX8" fmla="*/ 11718353 w 12191999"/>
+              <a:gd name="connsiteY8" fmla="*/ 1209136 h 2083506"/>
+              <a:gd name="connsiteX9" fmla="*/ 11609067 w 12191999"/>
+              <a:gd name="connsiteY9" fmla="*/ 1218512 h 2083506"/>
+              <a:gd name="connsiteX10" fmla="*/ 11545958 w 12191999"/>
+              <a:gd name="connsiteY10" fmla="*/ 1240430 h 2083506"/>
+              <a:gd name="connsiteX11" fmla="*/ 11445770 w 12191999"/>
+              <a:gd name="connsiteY11" fmla="*/ 1225780 h 2083506"/>
+              <a:gd name="connsiteX12" fmla="*/ 11398842 w 12191999"/>
+              <a:gd name="connsiteY12" fmla="*/ 1227250 h 2083506"/>
+              <a:gd name="connsiteX13" fmla="*/ 11240093 w 12191999"/>
+              <a:gd name="connsiteY13" fmla="*/ 1266797 h 2083506"/>
+              <a:gd name="connsiteX14" fmla="*/ 11141364 w 12191999"/>
+              <a:gd name="connsiteY14" fmla="*/ 1288059 h 2083506"/>
+              <a:gd name="connsiteX15" fmla="*/ 11015396 w 12191999"/>
+              <a:gd name="connsiteY15" fmla="*/ 1353104 h 2083506"/>
+              <a:gd name="connsiteX16" fmla="*/ 10973905 w 12191999"/>
+              <a:gd name="connsiteY16" fmla="*/ 1365109 h 2083506"/>
+              <a:gd name="connsiteX17" fmla="*/ 10904858 w 12191999"/>
+              <a:gd name="connsiteY17" fmla="*/ 1371966 h 2083506"/>
+              <a:gd name="connsiteX18" fmla="*/ 10827883 w 12191999"/>
+              <a:gd name="connsiteY18" fmla="*/ 1410270 h 2083506"/>
+              <a:gd name="connsiteX19" fmla="*/ 10690996 w 12191999"/>
+              <a:gd name="connsiteY19" fmla="*/ 1426394 h 2083506"/>
+              <a:gd name="connsiteX20" fmla="*/ 10624461 w 12191999"/>
+              <a:gd name="connsiteY20" fmla="*/ 1444283 h 2083506"/>
+              <a:gd name="connsiteX21" fmla="*/ 10517208 w 12191999"/>
+              <a:gd name="connsiteY21" fmla="*/ 1478947 h 2083506"/>
+              <a:gd name="connsiteX22" fmla="*/ 10497937 w 12191999"/>
+              <a:gd name="connsiteY22" fmla="*/ 1469831 h 2083506"/>
+              <a:gd name="connsiteX23" fmla="*/ 10471201 w 12191999"/>
+              <a:gd name="connsiteY23" fmla="*/ 1486037 h 2083506"/>
+              <a:gd name="connsiteX24" fmla="*/ 10448263 w 12191999"/>
+              <a:gd name="connsiteY24" fmla="*/ 1478223 h 2083506"/>
+              <a:gd name="connsiteX25" fmla="*/ 10388089 w 12191999"/>
+              <a:gd name="connsiteY25" fmla="*/ 1507175 h 2083506"/>
+              <a:gd name="connsiteX26" fmla="*/ 10333720 w 12191999"/>
+              <a:gd name="connsiteY26" fmla="*/ 1515848 h 2083506"/>
+              <a:gd name="connsiteX27" fmla="*/ 10104338 w 12191999"/>
+              <a:gd name="connsiteY27" fmla="*/ 1569424 h 2083506"/>
+              <a:gd name="connsiteX28" fmla="*/ 9910445 w 12191999"/>
+              <a:gd name="connsiteY28" fmla="*/ 1632275 h 2083506"/>
+              <a:gd name="connsiteX29" fmla="*/ 9770872 w 12191999"/>
+              <a:gd name="connsiteY29" fmla="*/ 1688088 h 2083506"/>
+              <a:gd name="connsiteX30" fmla="*/ 9733849 w 12191999"/>
+              <a:gd name="connsiteY30" fmla="*/ 1700034 h 2083506"/>
+              <a:gd name="connsiteX31" fmla="*/ 9703714 w 12191999"/>
+              <a:gd name="connsiteY31" fmla="*/ 1730093 h 2083506"/>
+              <a:gd name="connsiteX32" fmla="*/ 9698351 w 12191999"/>
+              <a:gd name="connsiteY32" fmla="*/ 1730377 h 2083506"/>
+              <a:gd name="connsiteX33" fmla="*/ 9632895 w 12191999"/>
+              <a:gd name="connsiteY33" fmla="*/ 1736363 h 2083506"/>
+              <a:gd name="connsiteX34" fmla="*/ 9569107 w 12191999"/>
+              <a:gd name="connsiteY34" fmla="*/ 1741010 h 2083506"/>
+              <a:gd name="connsiteX35" fmla="*/ 9536451 w 12191999"/>
+              <a:gd name="connsiteY35" fmla="*/ 1755120 h 2083506"/>
+              <a:gd name="connsiteX36" fmla="*/ 9529385 w 12191999"/>
+              <a:gd name="connsiteY36" fmla="*/ 1757515 h 2083506"/>
+              <a:gd name="connsiteX37" fmla="*/ 9498527 w 12191999"/>
+              <a:gd name="connsiteY37" fmla="*/ 1753117 h 2083506"/>
+              <a:gd name="connsiteX38" fmla="*/ 9436642 w 12191999"/>
+              <a:gd name="connsiteY38" fmla="*/ 1755478 h 2083506"/>
+              <a:gd name="connsiteX39" fmla="*/ 9429748 w 12191999"/>
+              <a:gd name="connsiteY39" fmla="*/ 1756317 h 2083506"/>
+              <a:gd name="connsiteX40" fmla="*/ 9429748 w 12191999"/>
+              <a:gd name="connsiteY40" fmla="*/ 1768745 h 2083506"/>
+              <a:gd name="connsiteX41" fmla="*/ 9425802 w 12191999"/>
+              <a:gd name="connsiteY41" fmla="*/ 1769273 h 2083506"/>
+              <a:gd name="connsiteX42" fmla="*/ 9349763 w 12191999"/>
+              <a:gd name="connsiteY42" fmla="*/ 1776107 h 2083506"/>
+              <a:gd name="connsiteX43" fmla="*/ 9256503 w 12191999"/>
+              <a:gd name="connsiteY43" fmla="*/ 1800699 h 2083506"/>
+              <a:gd name="connsiteX44" fmla="*/ 9222873 w 12191999"/>
+              <a:gd name="connsiteY44" fmla="*/ 1803003 h 2083506"/>
+              <a:gd name="connsiteX45" fmla="*/ 9224095 w 12191999"/>
+              <a:gd name="connsiteY45" fmla="*/ 1807355 h 2083506"/>
+              <a:gd name="connsiteX46" fmla="*/ 9211603 w 12191999"/>
+              <a:gd name="connsiteY46" fmla="*/ 1807675 h 2083506"/>
+              <a:gd name="connsiteX47" fmla="*/ 9183719 w 12191999"/>
+              <a:gd name="connsiteY47" fmla="*/ 1807781 h 2083506"/>
+              <a:gd name="connsiteX48" fmla="*/ 9100221 w 12191999"/>
+              <a:gd name="connsiteY48" fmla="*/ 1808989 h 2083506"/>
+              <a:gd name="connsiteX49" fmla="*/ 9077439 w 12191999"/>
+              <a:gd name="connsiteY49" fmla="*/ 1817333 h 2083506"/>
+              <a:gd name="connsiteX50" fmla="*/ 9055889 w 12191999"/>
+              <a:gd name="connsiteY50" fmla="*/ 1817464 h 2083506"/>
+              <a:gd name="connsiteX51" fmla="*/ 8930912 w 12191999"/>
+              <a:gd name="connsiteY51" fmla="*/ 1828648 h 2083506"/>
+              <a:gd name="connsiteX52" fmla="*/ 8913729 w 12191999"/>
+              <a:gd name="connsiteY52" fmla="*/ 1829483 h 2083506"/>
+              <a:gd name="connsiteX53" fmla="*/ 8904423 w 12191999"/>
+              <a:gd name="connsiteY53" fmla="*/ 1833234 h 2083506"/>
+              <a:gd name="connsiteX54" fmla="*/ 8871099 w 12191999"/>
+              <a:gd name="connsiteY54" fmla="*/ 1833979 h 2083506"/>
+              <a:gd name="connsiteX55" fmla="*/ 8869557 w 12191999"/>
+              <a:gd name="connsiteY55" fmla="*/ 1836113 h 2083506"/>
+              <a:gd name="connsiteX56" fmla="*/ 8760021 w 12191999"/>
+              <a:gd name="connsiteY56" fmla="*/ 1854442 h 2083506"/>
+              <a:gd name="connsiteX57" fmla="*/ 8741254 w 12191999"/>
+              <a:gd name="connsiteY57" fmla="*/ 1857469 h 2083506"/>
+              <a:gd name="connsiteX58" fmla="*/ 8725039 w 12191999"/>
+              <a:gd name="connsiteY58" fmla="*/ 1856552 h 2083506"/>
+              <a:gd name="connsiteX59" fmla="*/ 8635265 w 12191999"/>
+              <a:gd name="connsiteY59" fmla="*/ 1859168 h 2083506"/>
+              <a:gd name="connsiteX60" fmla="*/ 8613911 w 12191999"/>
+              <a:gd name="connsiteY60" fmla="*/ 1857561 h 2083506"/>
+              <a:gd name="connsiteX61" fmla="*/ 8604931 w 12191999"/>
+              <a:gd name="connsiteY61" fmla="*/ 1854170 h 2083506"/>
+              <a:gd name="connsiteX62" fmla="*/ 8570171 w 12191999"/>
+              <a:gd name="connsiteY62" fmla="*/ 1860579 h 2083506"/>
+              <a:gd name="connsiteX63" fmla="*/ 8516537 w 12191999"/>
+              <a:gd name="connsiteY63" fmla="*/ 1864971 h 2083506"/>
+              <a:gd name="connsiteX64" fmla="*/ 8491046 w 12191999"/>
+              <a:gd name="connsiteY64" fmla="*/ 1868141 h 2083506"/>
+              <a:gd name="connsiteX65" fmla="*/ 8470478 w 12191999"/>
+              <a:gd name="connsiteY65" fmla="*/ 1866216 h 2083506"/>
+              <a:gd name="connsiteX66" fmla="*/ 8353433 w 12191999"/>
+              <a:gd name="connsiteY66" fmla="*/ 1865729 h 2083506"/>
+              <a:gd name="connsiteX67" fmla="*/ 8347675 w 12191999"/>
+              <a:gd name="connsiteY67" fmla="*/ 1865075 h 2083506"/>
+              <a:gd name="connsiteX68" fmla="*/ 8343939 w 12191999"/>
+              <a:gd name="connsiteY68" fmla="*/ 1865677 h 2083506"/>
+              <a:gd name="connsiteX69" fmla="*/ 8221566 w 12191999"/>
+              <a:gd name="connsiteY69" fmla="*/ 1881148 h 2083506"/>
+              <a:gd name="connsiteX70" fmla="*/ 8066095 w 12191999"/>
+              <a:gd name="connsiteY70" fmla="*/ 1919902 h 2083506"/>
+              <a:gd name="connsiteX71" fmla="*/ 8044849 w 12191999"/>
+              <a:gd name="connsiteY71" fmla="*/ 1916308 h 2083506"/>
+              <a:gd name="connsiteX72" fmla="*/ 8041142 w 12191999"/>
+              <a:gd name="connsiteY72" fmla="*/ 1915506 h 2083506"/>
+              <a:gd name="connsiteX73" fmla="*/ 8022159 w 12191999"/>
+              <a:gd name="connsiteY73" fmla="*/ 1911521 h 2083506"/>
+              <a:gd name="connsiteX74" fmla="*/ 7944932 w 12191999"/>
+              <a:gd name="connsiteY74" fmla="*/ 1917265 h 2083506"/>
+              <a:gd name="connsiteX75" fmla="*/ 7879011 w 12191999"/>
+              <a:gd name="connsiteY75" fmla="*/ 1928570 h 2083506"/>
+              <a:gd name="connsiteX76" fmla="*/ 7865529 w 12191999"/>
+              <a:gd name="connsiteY76" fmla="*/ 1934399 h 2083506"/>
+              <a:gd name="connsiteX77" fmla="*/ 7774801 w 12191999"/>
+              <a:gd name="connsiteY77" fmla="*/ 1947969 h 2083506"/>
+              <a:gd name="connsiteX78" fmla="*/ 7748398 w 12191999"/>
+              <a:gd name="connsiteY78" fmla="*/ 1955982 h 2083506"/>
+              <a:gd name="connsiteX79" fmla="*/ 7740684 w 12191999"/>
+              <a:gd name="connsiteY79" fmla="*/ 1955717 h 2083506"/>
+              <a:gd name="connsiteX80" fmla="*/ 7712976 w 12191999"/>
+              <a:gd name="connsiteY80" fmla="*/ 1960442 h 2083506"/>
+              <a:gd name="connsiteX81" fmla="*/ 7699956 w 12191999"/>
+              <a:gd name="connsiteY81" fmla="*/ 1966104 h 2083506"/>
+              <a:gd name="connsiteX82" fmla="*/ 7684158 w 12191999"/>
+              <a:gd name="connsiteY82" fmla="*/ 1962927 h 2083506"/>
+              <a:gd name="connsiteX83" fmla="*/ 7643109 w 12191999"/>
+              <a:gd name="connsiteY83" fmla="*/ 1964400 h 2083506"/>
+              <a:gd name="connsiteX84" fmla="*/ 7630180 w 12191999"/>
+              <a:gd name="connsiteY84" fmla="*/ 1970266 h 2083506"/>
+              <a:gd name="connsiteX85" fmla="*/ 7609131 w 12191999"/>
+              <a:gd name="connsiteY85" fmla="*/ 1971774 h 2083506"/>
+              <a:gd name="connsiteX86" fmla="*/ 7555555 w 12191999"/>
+              <a:gd name="connsiteY86" fmla="*/ 1969491 h 2083506"/>
+              <a:gd name="connsiteX87" fmla="*/ 7520919 w 12191999"/>
+              <a:gd name="connsiteY87" fmla="*/ 1970177 h 2083506"/>
+              <a:gd name="connsiteX88" fmla="*/ 7456258 w 12191999"/>
+              <a:gd name="connsiteY88" fmla="*/ 1960468 h 2083506"/>
+              <a:gd name="connsiteX89" fmla="*/ 7393047 w 12191999"/>
+              <a:gd name="connsiteY89" fmla="*/ 1952408 h 2083506"/>
+              <a:gd name="connsiteX90" fmla="*/ 7199912 w 12191999"/>
+              <a:gd name="connsiteY90" fmla="*/ 1959913 h 2083506"/>
+              <a:gd name="connsiteX91" fmla="*/ 7146774 w 12191999"/>
+              <a:gd name="connsiteY91" fmla="*/ 1956641 h 2083506"/>
+              <a:gd name="connsiteX92" fmla="*/ 7122244 w 12191999"/>
+              <a:gd name="connsiteY92" fmla="*/ 1953891 h 2083506"/>
+              <a:gd name="connsiteX93" fmla="*/ 7032241 w 12191999"/>
+              <a:gd name="connsiteY93" fmla="*/ 1962723 h 2083506"/>
+              <a:gd name="connsiteX94" fmla="*/ 6941492 w 12191999"/>
+              <a:gd name="connsiteY94" fmla="*/ 1976868 h 2083506"/>
+              <a:gd name="connsiteX95" fmla="*/ 6906514 w 12191999"/>
+              <a:gd name="connsiteY95" fmla="*/ 1968589 h 2083506"/>
+              <a:gd name="connsiteX96" fmla="*/ 6826395 w 12191999"/>
+              <a:gd name="connsiteY96" fmla="*/ 1974141 h 2083506"/>
+              <a:gd name="connsiteX97" fmla="*/ 6716431 w 12191999"/>
+              <a:gd name="connsiteY97" fmla="*/ 2004297 h 2083506"/>
+              <a:gd name="connsiteX98" fmla="*/ 6569607 w 12191999"/>
+              <a:gd name="connsiteY98" fmla="*/ 2015496 h 2083506"/>
+              <a:gd name="connsiteX99" fmla="*/ 6561430 w 12191999"/>
+              <a:gd name="connsiteY99" fmla="*/ 2020996 h 2083506"/>
+              <a:gd name="connsiteX100" fmla="*/ 6549371 w 12191999"/>
+              <a:gd name="connsiteY100" fmla="*/ 2024747 h 2083506"/>
+              <a:gd name="connsiteX101" fmla="*/ 6547040 w 12191999"/>
+              <a:gd name="connsiteY101" fmla="*/ 2024474 h 2083506"/>
+              <a:gd name="connsiteX102" fmla="*/ 6530482 w 12191999"/>
+              <a:gd name="connsiteY102" fmla="*/ 2026659 h 2083506"/>
+              <a:gd name="connsiteX103" fmla="*/ 6528565 w 12191999"/>
+              <a:gd name="connsiteY103" fmla="*/ 2028600 h 2083506"/>
+              <a:gd name="connsiteX104" fmla="*/ 6517741 w 12191999"/>
+              <a:gd name="connsiteY104" fmla="*/ 2030558 h 2083506"/>
+              <a:gd name="connsiteX105" fmla="*/ 6497855 w 12191999"/>
+              <a:gd name="connsiteY105" fmla="*/ 2035650 h 2083506"/>
+              <a:gd name="connsiteX106" fmla="*/ 6492785 w 12191999"/>
+              <a:gd name="connsiteY106" fmla="*/ 2035444 h 2083506"/>
+              <a:gd name="connsiteX107" fmla="*/ 6460692 w 12191999"/>
+              <a:gd name="connsiteY107" fmla="*/ 2041321 h 2083506"/>
+              <a:gd name="connsiteX108" fmla="*/ 6459609 w 12191999"/>
+              <a:gd name="connsiteY108" fmla="*/ 2040851 h 2083506"/>
+              <a:gd name="connsiteX109" fmla="*/ 6447765 w 12191999"/>
+              <a:gd name="connsiteY109" fmla="*/ 2040102 h 2083506"/>
+              <a:gd name="connsiteX110" fmla="*/ 6426590 w 12191999"/>
+              <a:gd name="connsiteY110" fmla="*/ 2039928 h 2083506"/>
+              <a:gd name="connsiteX111" fmla="*/ 6401693 w 12191999"/>
+              <a:gd name="connsiteY111" fmla="*/ 2033537 h 2083506"/>
+              <a:gd name="connsiteX112" fmla="*/ 6387141 w 12191999"/>
+              <a:gd name="connsiteY112" fmla="*/ 2033161 h 2083506"/>
+              <a:gd name="connsiteX113" fmla="*/ 6357846 w 12191999"/>
+              <a:gd name="connsiteY113" fmla="*/ 2036782 h 2083506"/>
+              <a:gd name="connsiteX114" fmla="*/ 6342914 w 12191999"/>
+              <a:gd name="connsiteY114" fmla="*/ 2037585 h 2083506"/>
+              <a:gd name="connsiteX115" fmla="*/ 6336300 w 12191999"/>
+              <a:gd name="connsiteY115" fmla="*/ 2038781 h 2083506"/>
+              <a:gd name="connsiteX116" fmla="*/ 6317178 w 12191999"/>
+              <a:gd name="connsiteY116" fmla="*/ 2038968 h 2083506"/>
+              <a:gd name="connsiteX117" fmla="*/ 6161427 w 12191999"/>
+              <a:gd name="connsiteY117" fmla="*/ 2047338 h 2083506"/>
+              <a:gd name="connsiteX118" fmla="*/ 6097339 w 12191999"/>
+              <a:gd name="connsiteY118" fmla="*/ 2082438 h 2083506"/>
+              <a:gd name="connsiteX119" fmla="*/ 6079059 w 12191999"/>
+              <a:gd name="connsiteY119" fmla="*/ 2081299 h 2083506"/>
+              <a:gd name="connsiteX120" fmla="*/ 5998439 w 12191999"/>
+              <a:gd name="connsiteY120" fmla="*/ 2070958 h 2083506"/>
+              <a:gd name="connsiteX121" fmla="*/ 5904290 w 12191999"/>
+              <a:gd name="connsiteY121" fmla="*/ 2070255 h 2083506"/>
+              <a:gd name="connsiteX122" fmla="*/ 5814867 w 12191999"/>
+              <a:gd name="connsiteY122" fmla="*/ 2079032 h 2083506"/>
+              <a:gd name="connsiteX123" fmla="*/ 5725743 w 12191999"/>
+              <a:gd name="connsiteY123" fmla="*/ 2070558 h 2083506"/>
+              <a:gd name="connsiteX124" fmla="*/ 5650546 w 12191999"/>
+              <a:gd name="connsiteY124" fmla="*/ 2052412 h 2083506"/>
+              <a:gd name="connsiteX125" fmla="*/ 5581284 w 12191999"/>
+              <a:gd name="connsiteY125" fmla="*/ 2023175 h 2083506"/>
+              <a:gd name="connsiteX126" fmla="*/ 5572593 w 12191999"/>
+              <a:gd name="connsiteY126" fmla="*/ 2018391 h 2083506"/>
+              <a:gd name="connsiteX127" fmla="*/ 5548580 w 12191999"/>
+              <a:gd name="connsiteY127" fmla="*/ 2016951 h 2083506"/>
+              <a:gd name="connsiteX128" fmla="*/ 5471173 w 12191999"/>
+              <a:gd name="connsiteY128" fmla="*/ 2018786 h 2083506"/>
+              <a:gd name="connsiteX129" fmla="*/ 5340320 w 12191999"/>
+              <a:gd name="connsiteY129" fmla="*/ 2037611 h 2083506"/>
+              <a:gd name="connsiteX130" fmla="*/ 5254376 w 12191999"/>
+              <a:gd name="connsiteY130" fmla="*/ 2042928 h 2083506"/>
+              <a:gd name="connsiteX131" fmla="*/ 5258035 w 12191999"/>
+              <a:gd name="connsiteY131" fmla="*/ 2035649 h 2083506"/>
+              <a:gd name="connsiteX132" fmla="*/ 5230622 w 12191999"/>
+              <a:gd name="connsiteY132" fmla="*/ 2024576 h 2083506"/>
+              <a:gd name="connsiteX133" fmla="*/ 5026203 w 12191999"/>
+              <a:gd name="connsiteY133" fmla="*/ 2030162 h 2083506"/>
+              <a:gd name="connsiteX134" fmla="*/ 4973988 w 12191999"/>
+              <a:gd name="connsiteY134" fmla="*/ 2026668 h 2083506"/>
+              <a:gd name="connsiteX135" fmla="*/ 4928030 w 12191999"/>
+              <a:gd name="connsiteY135" fmla="*/ 2033642 h 2083506"/>
+              <a:gd name="connsiteX136" fmla="*/ 4908970 w 12191999"/>
+              <a:gd name="connsiteY136" fmla="*/ 2030033 h 2083506"/>
+              <a:gd name="connsiteX137" fmla="*/ 4905679 w 12191999"/>
+              <a:gd name="connsiteY137" fmla="*/ 2029300 h 2083506"/>
+              <a:gd name="connsiteX138" fmla="*/ 4892525 w 12191999"/>
+              <a:gd name="connsiteY138" fmla="*/ 2028768 h 2083506"/>
+              <a:gd name="connsiteX139" fmla="*/ 4888818 w 12191999"/>
+              <a:gd name="connsiteY139" fmla="*/ 2025619 h 2083506"/>
+              <a:gd name="connsiteX140" fmla="*/ 4869018 w 12191999"/>
+              <a:gd name="connsiteY140" fmla="*/ 2022668 h 2083506"/>
+              <a:gd name="connsiteX141" fmla="*/ 4844804 w 12191999"/>
+              <a:gd name="connsiteY141" fmla="*/ 2022527 h 2083506"/>
+              <a:gd name="connsiteX142" fmla="*/ 4758778 w 12191999"/>
+              <a:gd name="connsiteY142" fmla="*/ 2021694 h 2083506"/>
+              <a:gd name="connsiteX143" fmla="*/ 4744748 w 12191999"/>
+              <a:gd name="connsiteY143" fmla="*/ 2023396 h 2083506"/>
+              <a:gd name="connsiteX144" fmla="*/ 4698956 w 12191999"/>
+              <a:gd name="connsiteY144" fmla="*/ 2020558 h 2083506"/>
+              <a:gd name="connsiteX145" fmla="*/ 4658147 w 12191999"/>
+              <a:gd name="connsiteY145" fmla="*/ 2019920 h 2083506"/>
+              <a:gd name="connsiteX146" fmla="*/ 4631706 w 12191999"/>
+              <a:gd name="connsiteY146" fmla="*/ 2021274 h 2083506"/>
+              <a:gd name="connsiteX147" fmla="*/ 4624776 w 12191999"/>
+              <a:gd name="connsiteY147" fmla="*/ 2020152 h 2083506"/>
+              <a:gd name="connsiteX148" fmla="*/ 4598150 w 12191999"/>
+              <a:gd name="connsiteY148" fmla="*/ 2019429 h 2083506"/>
+              <a:gd name="connsiteX149" fmla="*/ 4584588 w 12191999"/>
+              <a:gd name="connsiteY149" fmla="*/ 2021092 h 2083506"/>
+              <a:gd name="connsiteX150" fmla="*/ 4571203 w 12191999"/>
+              <a:gd name="connsiteY150" fmla="*/ 2017263 h 2083506"/>
+              <a:gd name="connsiteX151" fmla="*/ 4567930 w 12191999"/>
+              <a:gd name="connsiteY151" fmla="*/ 2014458 h 2083506"/>
+              <a:gd name="connsiteX152" fmla="*/ 4548984 w 12191999"/>
+              <a:gd name="connsiteY152" fmla="*/ 2015717 h 2083506"/>
+              <a:gd name="connsiteX153" fmla="*/ 4533451 w 12191999"/>
+              <a:gd name="connsiteY153" fmla="*/ 2012976 h 2083506"/>
+              <a:gd name="connsiteX154" fmla="*/ 4519910 w 12191999"/>
+              <a:gd name="connsiteY154" fmla="*/ 2014768 h 2083506"/>
+              <a:gd name="connsiteX155" fmla="*/ 4514290 w 12191999"/>
+              <a:gd name="connsiteY155" fmla="*/ 2014364 h 2083506"/>
+              <a:gd name="connsiteX156" fmla="*/ 4500320 w 12191999"/>
+              <a:gd name="connsiteY156" fmla="*/ 2013007 h 2083506"/>
+              <a:gd name="connsiteX157" fmla="*/ 4476219 w 12191999"/>
+              <a:gd name="connsiteY157" fmla="*/ 2009993 h 2083506"/>
+              <a:gd name="connsiteX158" fmla="*/ 4468701 w 12191999"/>
+              <a:gd name="connsiteY158" fmla="*/ 2009574 h 2083506"/>
+              <a:gd name="connsiteX159" fmla="*/ 4452333 w 12191999"/>
+              <a:gd name="connsiteY159" fmla="*/ 2004964 h 2083506"/>
+              <a:gd name="connsiteX160" fmla="*/ 4420644 w 12191999"/>
+              <a:gd name="connsiteY160" fmla="*/ 2001021 h 2083506"/>
+              <a:gd name="connsiteX161" fmla="*/ 4364856 w 12191999"/>
+              <a:gd name="connsiteY161" fmla="*/ 1987267 h 2083506"/>
+              <a:gd name="connsiteX162" fmla="*/ 4332062 w 12191999"/>
+              <a:gd name="connsiteY162" fmla="*/ 1980703 h 2083506"/>
+              <a:gd name="connsiteX163" fmla="*/ 4309876 w 12191999"/>
+              <a:gd name="connsiteY163" fmla="*/ 1974653 h 2083506"/>
+              <a:gd name="connsiteX164" fmla="*/ 4244391 w 12191999"/>
+              <a:gd name="connsiteY164" fmla="*/ 1966109 h 2083506"/>
+              <a:gd name="connsiteX165" fmla="*/ 4132071 w 12191999"/>
+              <a:gd name="connsiteY165" fmla="*/ 1954813 h 2083506"/>
+              <a:gd name="connsiteX166" fmla="*/ 4109069 w 12191999"/>
+              <a:gd name="connsiteY166" fmla="*/ 1951778 h 2083506"/>
+              <a:gd name="connsiteX167" fmla="*/ 4092908 w 12191999"/>
+              <a:gd name="connsiteY167" fmla="*/ 1946662 h 2083506"/>
+              <a:gd name="connsiteX168" fmla="*/ 4092306 w 12191999"/>
+              <a:gd name="connsiteY168" fmla="*/ 1943291 h 2083506"/>
+              <a:gd name="connsiteX169" fmla="*/ 4080234 w 12191999"/>
+              <a:gd name="connsiteY169" fmla="*/ 1941219 h 2083506"/>
+              <a:gd name="connsiteX170" fmla="*/ 4077778 w 12191999"/>
+              <a:gd name="connsiteY170" fmla="*/ 1940145 h 2083506"/>
+              <a:gd name="connsiteX171" fmla="*/ 4062936 w 12191999"/>
+              <a:gd name="connsiteY171" fmla="*/ 1934506 h 2083506"/>
+              <a:gd name="connsiteX172" fmla="*/ 4012506 w 12191999"/>
+              <a:gd name="connsiteY172" fmla="*/ 1935475 h 2083506"/>
+              <a:gd name="connsiteX173" fmla="*/ 3965880 w 12191999"/>
+              <a:gd name="connsiteY173" fmla="*/ 1925968 h 2083506"/>
+              <a:gd name="connsiteX174" fmla="*/ 3765338 w 12191999"/>
+              <a:gd name="connsiteY174" fmla="*/ 1906649 h 2083506"/>
+              <a:gd name="connsiteX175" fmla="*/ 3749493 w 12191999"/>
+              <a:gd name="connsiteY175" fmla="*/ 1893071 h 2083506"/>
+              <a:gd name="connsiteX176" fmla="*/ 3672704 w 12191999"/>
+              <a:gd name="connsiteY176" fmla="*/ 1881383 h 2083506"/>
+              <a:gd name="connsiteX177" fmla="*/ 3530082 w 12191999"/>
+              <a:gd name="connsiteY177" fmla="*/ 1883187 h 2083506"/>
+              <a:gd name="connsiteX178" fmla="*/ 3387664 w 12191999"/>
+              <a:gd name="connsiteY178" fmla="*/ 1862579 h 2083506"/>
+              <a:gd name="connsiteX179" fmla="*/ 3371681 w 12191999"/>
+              <a:gd name="connsiteY179" fmla="*/ 1865293 h 2083506"/>
+              <a:gd name="connsiteX180" fmla="*/ 3355305 w 12191999"/>
+              <a:gd name="connsiteY180" fmla="*/ 1865842 h 2083506"/>
+              <a:gd name="connsiteX181" fmla="*/ 3353790 w 12191999"/>
+              <a:gd name="connsiteY181" fmla="*/ 1865158 h 2083506"/>
+              <a:gd name="connsiteX182" fmla="*/ 3336210 w 12191999"/>
+              <a:gd name="connsiteY182" fmla="*/ 1863564 h 2083506"/>
+              <a:gd name="connsiteX183" fmla="*/ 3331381 w 12191999"/>
+              <a:gd name="connsiteY183" fmla="*/ 1864716 h 2083506"/>
+              <a:gd name="connsiteX184" fmla="*/ 3319012 w 12191999"/>
+              <a:gd name="connsiteY184" fmla="*/ 1864093 h 2083506"/>
+              <a:gd name="connsiteX185" fmla="*/ 3293818 w 12191999"/>
+              <a:gd name="connsiteY185" fmla="*/ 1864135 h 2083506"/>
+              <a:gd name="connsiteX186" fmla="*/ 3289881 w 12191999"/>
+              <a:gd name="connsiteY186" fmla="*/ 1862954 h 2083506"/>
+              <a:gd name="connsiteX187" fmla="*/ 3253090 w 12191999"/>
+              <a:gd name="connsiteY187" fmla="*/ 1861164 h 2083506"/>
+              <a:gd name="connsiteX188" fmla="*/ 3252949 w 12191999"/>
+              <a:gd name="connsiteY188" fmla="*/ 1860574 h 2083506"/>
+              <a:gd name="connsiteX189" fmla="*/ 3244187 w 12191999"/>
+              <a:gd name="connsiteY189" fmla="*/ 1857604 h 2083506"/>
+              <a:gd name="connsiteX190" fmla="*/ 3246570 w 12191999"/>
+              <a:gd name="connsiteY190" fmla="*/ 1852946 h 2083506"/>
+              <a:gd name="connsiteX191" fmla="*/ 3237810 w 12191999"/>
+              <a:gd name="connsiteY191" fmla="*/ 1853064 h 2083506"/>
+              <a:gd name="connsiteX192" fmla="*/ 3230822 w 12191999"/>
+              <a:gd name="connsiteY192" fmla="*/ 1855474 h 2083506"/>
+              <a:gd name="connsiteX193" fmla="*/ 3136549 w 12191999"/>
+              <a:gd name="connsiteY193" fmla="*/ 1874037 h 2083506"/>
+              <a:gd name="connsiteX194" fmla="*/ 2845754 w 12191999"/>
+              <a:gd name="connsiteY194" fmla="*/ 1910932 h 2083506"/>
+              <a:gd name="connsiteX195" fmla="*/ 2786878 w 12191999"/>
+              <a:gd name="connsiteY195" fmla="*/ 1917162 h 2083506"/>
+              <a:gd name="connsiteX196" fmla="*/ 2725298 w 12191999"/>
+              <a:gd name="connsiteY196" fmla="*/ 1912340 h 2083506"/>
+              <a:gd name="connsiteX197" fmla="*/ 2697754 w 12191999"/>
+              <a:gd name="connsiteY197" fmla="*/ 1914863 h 2083506"/>
+              <a:gd name="connsiteX198" fmla="*/ 2568063 w 12191999"/>
+              <a:gd name="connsiteY198" fmla="*/ 1936283 h 2083506"/>
+              <a:gd name="connsiteX199" fmla="*/ 2489784 w 12191999"/>
+              <a:gd name="connsiteY199" fmla="*/ 1943720 h 2083506"/>
+              <a:gd name="connsiteX200" fmla="*/ 2458978 w 12191999"/>
+              <a:gd name="connsiteY200" fmla="*/ 1938095 h 2083506"/>
+              <a:gd name="connsiteX201" fmla="*/ 2318712 w 12191999"/>
+              <a:gd name="connsiteY201" fmla="*/ 1934474 h 2083506"/>
+              <a:gd name="connsiteX202" fmla="*/ 2268709 w 12191999"/>
+              <a:gd name="connsiteY202" fmla="*/ 1940521 h 2083506"/>
+              <a:gd name="connsiteX203" fmla="*/ 2264080 w 12191999"/>
+              <a:gd name="connsiteY203" fmla="*/ 1941232 h 2083506"/>
+              <a:gd name="connsiteX204" fmla="*/ 2254684 w 12191999"/>
+              <a:gd name="connsiteY204" fmla="*/ 1943524 h 2083506"/>
+              <a:gd name="connsiteX205" fmla="*/ 2252523 w 12191999"/>
+              <a:gd name="connsiteY205" fmla="*/ 1943004 h 2083506"/>
+              <a:gd name="connsiteX206" fmla="*/ 2173350 w 12191999"/>
+              <a:gd name="connsiteY206" fmla="*/ 1929202 h 2083506"/>
+              <a:gd name="connsiteX207" fmla="*/ 2155266 w 12191999"/>
+              <a:gd name="connsiteY207" fmla="*/ 1920267 h 2083506"/>
+              <a:gd name="connsiteX208" fmla="*/ 2091013 w 12191999"/>
+              <a:gd name="connsiteY208" fmla="*/ 1914631 h 2083506"/>
+              <a:gd name="connsiteX209" fmla="*/ 2030712 w 12191999"/>
+              <a:gd name="connsiteY209" fmla="*/ 1897690 h 2083506"/>
+              <a:gd name="connsiteX210" fmla="*/ 1908838 w 12191999"/>
+              <a:gd name="connsiteY210" fmla="*/ 1892222 h 2083506"/>
+              <a:gd name="connsiteX211" fmla="*/ 1877796 w 12191999"/>
+              <a:gd name="connsiteY211" fmla="*/ 1883887 h 2083506"/>
+              <a:gd name="connsiteX212" fmla="*/ 1875824 w 12191999"/>
+              <a:gd name="connsiteY212" fmla="*/ 1879265 h 2083506"/>
+              <a:gd name="connsiteX213" fmla="*/ 1823048 w 12191999"/>
+              <a:gd name="connsiteY213" fmla="*/ 1881064 h 2083506"/>
+              <a:gd name="connsiteX214" fmla="*/ 1765736 w 12191999"/>
+              <a:gd name="connsiteY214" fmla="*/ 1856578 h 2083506"/>
+              <a:gd name="connsiteX215" fmla="*/ 1725669 w 12191999"/>
+              <a:gd name="connsiteY215" fmla="*/ 1833744 h 2083506"/>
+              <a:gd name="connsiteX216" fmla="*/ 1725216 w 12191999"/>
+              <a:gd name="connsiteY216" fmla="*/ 1829447 h 2083506"/>
+              <a:gd name="connsiteX217" fmla="*/ 1721485 w 12191999"/>
+              <a:gd name="connsiteY217" fmla="*/ 1828960 h 2083506"/>
+              <a:gd name="connsiteX218" fmla="*/ 1717786 w 12191999"/>
+              <a:gd name="connsiteY218" fmla="*/ 1832224 h 2083506"/>
+              <a:gd name="connsiteX219" fmla="*/ 1689907 w 12191999"/>
+              <a:gd name="connsiteY219" fmla="*/ 1825425 h 2083506"/>
+              <a:gd name="connsiteX220" fmla="*/ 1688093 w 12191999"/>
+              <a:gd name="connsiteY220" fmla="*/ 1817391 h 2083506"/>
+              <a:gd name="connsiteX221" fmla="*/ 1496789 w 12191999"/>
+              <a:gd name="connsiteY221" fmla="*/ 1805297 h 2083506"/>
+              <a:gd name="connsiteX222" fmla="*/ 1392839 w 12191999"/>
+              <a:gd name="connsiteY222" fmla="*/ 1758649 h 2083506"/>
+              <a:gd name="connsiteX223" fmla="*/ 1360872 w 12191999"/>
+              <a:gd name="connsiteY223" fmla="*/ 1752441 h 2083506"/>
+              <a:gd name="connsiteX224" fmla="*/ 1313885 w 12191999"/>
+              <a:gd name="connsiteY224" fmla="*/ 1731785 h 2083506"/>
+              <a:gd name="connsiteX225" fmla="*/ 1247665 w 12191999"/>
+              <a:gd name="connsiteY225" fmla="*/ 1727765 h 2083506"/>
+              <a:gd name="connsiteX226" fmla="*/ 1196850 w 12191999"/>
+              <a:gd name="connsiteY226" fmla="*/ 1729622 h 2083506"/>
+              <a:gd name="connsiteX227" fmla="*/ 1168728 w 12191999"/>
+              <a:gd name="connsiteY227" fmla="*/ 1728550 h 2083506"/>
+              <a:gd name="connsiteX228" fmla="*/ 1096918 w 12191999"/>
+              <a:gd name="connsiteY228" fmla="*/ 1721485 h 2083506"/>
+              <a:gd name="connsiteX229" fmla="*/ 1094082 w 12191999"/>
+              <a:gd name="connsiteY229" fmla="*/ 1720113 h 2083506"/>
+              <a:gd name="connsiteX230" fmla="*/ 1040782 w 12191999"/>
+              <a:gd name="connsiteY230" fmla="*/ 1721762 h 2083506"/>
+              <a:gd name="connsiteX231" fmla="*/ 955980 w 12191999"/>
+              <a:gd name="connsiteY231" fmla="*/ 1719289 h 2083506"/>
+              <a:gd name="connsiteX232" fmla="*/ 926108 w 12191999"/>
+              <a:gd name="connsiteY232" fmla="*/ 1715917 h 2083506"/>
+              <a:gd name="connsiteX233" fmla="*/ 876049 w 12191999"/>
+              <a:gd name="connsiteY233" fmla="*/ 1710422 h 2083506"/>
+              <a:gd name="connsiteX234" fmla="*/ 839194 w 12191999"/>
+              <a:gd name="connsiteY234" fmla="*/ 1700176 h 2083506"/>
+              <a:gd name="connsiteX235" fmla="*/ 797112 w 12191999"/>
+              <a:gd name="connsiteY235" fmla="*/ 1698014 h 2083506"/>
+              <a:gd name="connsiteX236" fmla="*/ 786610 w 12191999"/>
+              <a:gd name="connsiteY236" fmla="*/ 1705455 h 2083506"/>
+              <a:gd name="connsiteX237" fmla="*/ 741833 w 12191999"/>
+              <a:gd name="connsiteY237" fmla="*/ 1700566 h 2083506"/>
+              <a:gd name="connsiteX238" fmla="*/ 673985 w 12191999"/>
+              <a:gd name="connsiteY238" fmla="*/ 1692278 h 2083506"/>
+              <a:gd name="connsiteX239" fmla="*/ 634665 w 12191999"/>
+              <a:gd name="connsiteY239" fmla="*/ 1689550 h 2083506"/>
+              <a:gd name="connsiteX240" fmla="*/ 527471 w 12191999"/>
+              <a:gd name="connsiteY240" fmla="*/ 1679869 h 2083506"/>
+              <a:gd name="connsiteX241" fmla="*/ 420260 w 12191999"/>
+              <a:gd name="connsiteY241" fmla="*/ 1668475 h 2083506"/>
+              <a:gd name="connsiteX242" fmla="*/ 357630 w 12191999"/>
+              <a:gd name="connsiteY242" fmla="*/ 1652142 h 2083506"/>
+              <a:gd name="connsiteX243" fmla="*/ 269407 w 12191999"/>
+              <a:gd name="connsiteY243" fmla="*/ 1643812 h 2083506"/>
+              <a:gd name="connsiteX244" fmla="*/ 254769 w 12191999"/>
+              <a:gd name="connsiteY244" fmla="*/ 1641013 h 2083506"/>
+              <a:gd name="connsiteX245" fmla="*/ 150763 w 12191999"/>
+              <a:gd name="connsiteY245" fmla="*/ 1628143 h 2083506"/>
+              <a:gd name="connsiteX246" fmla="*/ 29133 w 12191999"/>
+              <a:gd name="connsiteY246" fmla="*/ 1626172 h 2083506"/>
+              <a:gd name="connsiteX247" fmla="*/ 0 w 12191999"/>
+              <a:gd name="connsiteY247" fmla="*/ 1619589 h 2083506"/>
+            </a:gdLst>
+            <a:ahLst/>
+            <a:cxnLst>
+              <a:cxn ang="0">
+                <a:pos x="connsiteX0" y="connsiteY0"/>
+              </a:cxn>
+              <a:cxn ang="0">
+                <a:pos x="connsiteX1" y="connsiteY1"/>
+              </a:cxn>
+              <a:cxn ang="0">
+                <a:pos x="connsiteX2" y="connsiteY2"/>
+              </a:cxn>
+              <a:cxn ang="0">
+                <a:pos x="connsiteX3" y="connsiteY3"/>
+              </a:cxn>
+              <a:cxn ang="0">
+                <a:pos x="connsiteX4" y="connsiteY4"/>
+              </a:cxn>
+              <a:cxn ang="0">
+                <a:pos x="connsiteX5" y="connsiteY5"/>
+              </a:cxn>
+              <a:cxn ang="0">
+                <a:pos x="connsiteX6" y="connsiteY6"/>
+              </a:cxn>
+              <a:cxn ang="0">
+                <a:pos x="connsiteX7" y="connsiteY7"/>
+              </a:cxn>
+              <a:cxn ang="0">
+                <a:pos x="connsiteX8" y="connsiteY8"/>
+              </a:cxn>
+              <a:cxn ang="0">
+                <a:pos x="connsiteX9" y="connsiteY9"/>
+              </a:cxn>
+              <a:cxn ang="0">
+                <a:pos x="connsiteX10" y="connsiteY10"/>
+              </a:cxn>
+              <a:cxn ang="0">
+                <a:pos x="connsiteX11" y="connsiteY11"/>
+              </a:cxn>
+              <a:cxn ang="0">
+                <a:pos x="connsiteX12" y="connsiteY12"/>
+              </a:cxn>
+              <a:cxn ang="0">
+                <a:pos x="connsiteX13" y="connsiteY13"/>
+              </a:cxn>
+              <a:cxn ang="0">
+                <a:pos x="connsiteX14" y="connsiteY14"/>
+              </a:cxn>
+              <a:cxn ang="0">
+                <a:pos x="connsiteX15" y="connsiteY15"/>
+              </a:cxn>
+              <a:cxn ang="0">
+                <a:pos x="connsiteX16" y="connsiteY16"/>
+              </a:cxn>
+              <a:cxn ang="0">
+                <a:pos x="connsiteX17" y="connsiteY17"/>
+              </a:cxn>
+              <a:cxn ang="0">
+                <a:pos x="connsiteX18" y="connsiteY18"/>
+              </a:cxn>
+              <a:cxn ang="0">
+                <a:pos x="connsiteX19" y="connsiteY19"/>
+              </a:cxn>
+              <a:cxn ang="0">
+                <a:pos x="connsiteX20" y="connsiteY20"/>
+              </a:cxn>
+              <a:cxn ang="0">
+                <a:pos x="connsiteX21" y="connsiteY21"/>
+              </a:cxn>
+              <a:cxn ang="0">
+                <a:pos x="connsiteX22" y="connsiteY22"/>
+              </a:cxn>
+              <a:cxn ang="0">
+                <a:pos x="connsiteX23" y="connsiteY23"/>
+              </a:cxn>
+              <a:cxn ang="0">
+                <a:pos x="connsiteX24" y="connsiteY24"/>
+              </a:cxn>
+              <a:cxn ang="0">
+                <a:pos x="connsiteX25" y="connsiteY25"/>
+              </a:cxn>
+              <a:cxn ang="0">
+                <a:pos x="connsiteX26" y="connsiteY26"/>
+              </a:cxn>
+              <a:cxn ang="0">
+                <a:pos x="connsiteX27" y="connsiteY27"/>
+              </a:cxn>
+              <a:cxn ang="0">
+                <a:pos x="connsiteX28" y="connsiteY28"/>
+              </a:cxn>
+              <a:cxn ang="0">
+                <a:pos x="connsiteX29" y="connsiteY29"/>
+              </a:cxn>
+              <a:cxn ang="0">
+                <a:pos x="connsiteX30" y="connsiteY30"/>
+              </a:cxn>
+              <a:cxn ang="0">
+                <a:pos x="connsiteX31" y="connsiteY31"/>
+              </a:cxn>
+              <a:cxn ang="0">
+                <a:pos x="connsiteX32" y="connsiteY32"/>
+              </a:cxn>
+              <a:cxn ang="0">
+                <a:pos x="connsiteX33" y="connsiteY33"/>
+              </a:cxn>
+              <a:cxn ang="0">
+                <a:pos x="connsiteX34" y="connsiteY34"/>
+              </a:cxn>
+              <a:cxn ang="0">
+                <a:pos x="connsiteX35" y="connsiteY35"/>
+              </a:cxn>
+              <a:cxn ang="0">
+                <a:pos x="connsiteX36" y="connsiteY36"/>
+              </a:cxn>
+              <a:cxn ang="0">
+                <a:pos x="connsiteX37" y="connsiteY37"/>
+              </a:cxn>
+              <a:cxn ang="0">
+                <a:pos x="connsiteX38" y="connsiteY38"/>
+              </a:cxn>
+              <a:cxn ang="0">
+                <a:pos x="connsiteX39" y="connsiteY39"/>
+              </a:cxn>
+              <a:cxn ang="0">
+                <a:pos x="connsiteX40" y="connsiteY40"/>
+              </a:cxn>
+              <a:cxn ang="0">
+                <a:pos x="connsiteX41" y="connsiteY41"/>
+              </a:cxn>
+              <a:cxn ang="0">
+                <a:pos x="connsiteX42" y="connsiteY42"/>
+              </a:cxn>
+              <a:cxn ang="0">
+                <a:pos x="connsiteX43" y="connsiteY43"/>
+              </a:cxn>
+              <a:cxn ang="0">
+                <a:pos x="connsiteX44" y="connsiteY44"/>
+              </a:cxn>
+              <a:cxn ang="0">
+                <a:pos x="connsiteX45" y="connsiteY45"/>
+              </a:cxn>
+              <a:cxn ang="0">
+                <a:pos x="connsiteX46" y="connsiteY46"/>
+              </a:cxn>
+              <a:cxn ang="0">
+                <a:pos x="connsiteX47" y="connsiteY47"/>
+              </a:cxn>
+              <a:cxn ang="0">
+                <a:pos x="connsiteX48" y="connsiteY48"/>
+              </a:cxn>
+              <a:cxn ang="0">
+                <a:pos x="connsiteX49" y="connsiteY49"/>
+              </a:cxn>
+              <a:cxn ang="0">
+                <a:pos x="connsiteX50" y="connsiteY50"/>
+              </a:cxn>
+              <a:cxn ang="0">
+                <a:pos x="connsiteX51" y="connsiteY51"/>
+              </a:cxn>
+              <a:cxn ang="0">
+                <a:pos x="connsiteX52" y="connsiteY52"/>
+              </a:cxn>
+              <a:cxn ang="0">
+                <a:pos x="connsiteX53" y="connsiteY53"/>
+              </a:cxn>
+              <a:cxn ang="0">
+                <a:pos x="connsiteX54" y="connsiteY54"/>
+              </a:cxn>
+              <a:cxn ang="0">
+                <a:pos x="connsiteX55" y="connsiteY55"/>
+              </a:cxn>
+              <a:cxn ang="0">
+                <a:pos x="connsiteX56" y="connsiteY56"/>
+              </a:cxn>
+              <a:cxn ang="0">
+                <a:pos x="connsiteX57" y="connsiteY57"/>
+              </a:cxn>
+              <a:cxn ang="0">
+                <a:pos x="connsiteX58" y="connsiteY58"/>
+              </a:cxn>
+              <a:cxn ang="0">
+                <a:pos x="connsiteX59" y="connsiteY59"/>
+              </a:cxn>
+              <a:cxn ang="0">
+                <a:pos x="connsiteX60" y="connsiteY60"/>
+              </a:cxn>
+              <a:cxn ang="0">
+                <a:pos x="connsiteX61" y="connsiteY61"/>
+              </a:cxn>
+              <a:cxn ang="0">
+                <a:pos x="connsiteX62" y="connsiteY62"/>
+              </a:cxn>
+              <a:cxn ang="0">
+                <a:pos x="connsiteX63" y="connsiteY63"/>
+              </a:cxn>
+              <a:cxn ang="0">
+                <a:pos x="connsiteX64" y="connsiteY64"/>
+              </a:cxn>
+              <a:cxn ang="0">
+                <a:pos x="connsiteX65" y="connsiteY65"/>
+              </a:cxn>
+              <a:cxn ang="0">
+                <a:pos x="connsiteX66" y="connsiteY66"/>
+              </a:cxn>
+              <a:cxn ang="0">
+                <a:pos x="connsiteX67" y="connsiteY67"/>
+              </a:cxn>
+              <a:cxn ang="0">
+                <a:pos x="connsiteX68" y="connsiteY68"/>
+              </a:cxn>
+              <a:cxn ang="0">
+                <a:pos x="connsiteX69" y="connsiteY69"/>
+              </a:cxn>
+              <a:cxn ang="0">
+                <a:pos x="connsiteX70" y="connsiteY70"/>
+              </a:cxn>
+              <a:cxn ang="0">
+                <a:pos x="connsiteX71" y="connsiteY71"/>
+              </a:cxn>
+              <a:cxn ang="0">
+                <a:pos x="connsiteX72" y="connsiteY72"/>
+              </a:cxn>
+              <a:cxn ang="0">
+                <a:pos x="connsiteX73" y="connsiteY73"/>
+              </a:cxn>
+              <a:cxn ang="0">
+                <a:pos x="connsiteX74" y="connsiteY74"/>
+              </a:cxn>
+              <a:cxn ang="0">
+                <a:pos x="connsiteX75" y="connsiteY75"/>
+              </a:cxn>
+              <a:cxn ang="0">
+                <a:pos x="connsiteX76" y="connsiteY76"/>
+              </a:cxn>
+              <a:cxn ang="0">
+                <a:pos x="connsiteX77" y="connsiteY77"/>
+              </a:cxn>
+              <a:cxn ang="0">
+                <a:pos x="connsiteX78" y="connsiteY78"/>
+              </a:cxn>
+              <a:cxn ang="0">
+                <a:pos x="connsiteX79" y="connsiteY79"/>
+              </a:cxn>
+              <a:cxn ang="0">
+                <a:pos x="connsiteX80" y="connsiteY80"/>
+              </a:cxn>
+              <a:cxn ang="0">
+                <a:pos x="connsiteX81" y="connsiteY81"/>
+              </a:cxn>
+              <a:cxn ang="0">
+                <a:pos x="connsiteX82" y="connsiteY82"/>
+              </a:cxn>
+              <a:cxn ang="0">
+                <a:pos x="connsiteX83" y="connsiteY83"/>
+              </a:cxn>
+              <a:cxn ang="0">
+                <a:pos x="connsiteX84" y="connsiteY84"/>
+              </a:cxn>
+              <a:cxn ang="0">
+                <a:pos x="connsiteX85" y="connsiteY85"/>
+              </a:cxn>
+              <a:cxn ang="0">
+                <a:pos x="connsiteX86" y="connsiteY86"/>
+              </a:cxn>
+              <a:cxn ang="0">
+                <a:pos x="connsiteX87" y="connsiteY87"/>
+              </a:cxn>
+              <a:cxn ang="0">
+                <a:pos x="connsiteX88" y="connsiteY88"/>
+              </a:cxn>
+              <a:cxn ang="0">
+                <a:pos x="connsiteX89" y="connsiteY89"/>
+              </a:cxn>
+              <a:cxn ang="0">
+                <a:pos x="connsiteX90" y="connsiteY90"/>
+              </a:cxn>
+              <a:cxn ang="0">
+                <a:pos x="connsiteX91" y="connsiteY91"/>
+              </a:cxn>
+              <a:cxn ang="0">
+                <a:pos x="connsiteX92" y="connsiteY92"/>
+              </a:cxn>
+              <a:cxn ang="0">
+                <a:pos x="connsiteX93" y="connsiteY93"/>
+              </a:cxn>
+              <a:cxn ang="0">
+                <a:pos x="connsiteX94" y="connsiteY94"/>
+              </a:cxn>
+              <a:cxn ang="0">
+                <a:pos x="connsiteX95" y="connsiteY95"/>
+              </a:cxn>
+              <a:cxn ang="0">
+                <a:pos x="connsiteX96" y="connsiteY96"/>
+              </a:cxn>
+              <a:cxn ang="0">
+                <a:pos x="connsiteX97" y="connsiteY97"/>
+              </a:cxn>
+              <a:cxn ang="0">
+                <a:pos x="connsiteX98" y="connsiteY98"/>
+              </a:cxn>
+              <a:cxn ang="0">
+                <a:pos x="connsiteX99" y="connsiteY99"/>
+              </a:cxn>
+              <a:cxn ang="0">
+                <a:pos x="connsiteX100" y="connsiteY100"/>
+              </a:cxn>
+              <a:cxn ang="0">
+                <a:pos x="connsiteX101" y="connsiteY101"/>
+              </a:cxn>
+              <a:cxn ang="0">
+                <a:pos x="connsiteX102" y="connsiteY102"/>
+              </a:cxn>
+              <a:cxn ang="0">
+                <a:pos x="connsiteX103" y="connsiteY103"/>
+              </a:cxn>
+              <a:cxn ang="0">
+                <a:pos x="connsiteX104" y="connsiteY104"/>
+              </a:cxn>
+              <a:cxn ang="0">
+                <a:pos x="connsiteX105" y="connsiteY105"/>
+              </a:cxn>
+              <a:cxn ang="0">
+                <a:pos x="connsiteX106" y="connsiteY106"/>
+              </a:cxn>
+              <a:cxn ang="0">
+                <a:pos x="connsiteX107" y="connsiteY107"/>
+              </a:cxn>
+              <a:cxn ang="0">
+                <a:pos x="connsiteX108" y="connsiteY108"/>
+              </a:cxn>
+              <a:cxn ang="0">
+                <a:pos x="connsiteX109" y="connsiteY109"/>
+              </a:cxn>
+              <a:cxn ang="0">
+                <a:pos x="connsiteX110" y="connsiteY110"/>
+              </a:cxn>
+              <a:cxn ang="0">
+                <a:pos x="connsiteX111" y="connsiteY111"/>
+              </a:cxn>
+              <a:cxn ang="0">
+                <a:pos x="connsiteX112" y="connsiteY112"/>
+              </a:cxn>
+              <a:cxn ang="0">
+                <a:pos x="connsiteX113" y="connsiteY113"/>
+              </a:cxn>
+              <a:cxn ang="0">
+                <a:pos x="connsiteX114" y="connsiteY114"/>
+              </a:cxn>
+              <a:cxn ang="0">
+                <a:pos x="connsiteX115" y="connsiteY115"/>
+              </a:cxn>
+              <a:cxn ang="0">
+                <a:pos x="connsiteX116" y="connsiteY116"/>
+              </a:cxn>
+              <a:cxn ang="0">
+                <a:pos x="connsiteX117" y="connsiteY117"/>
+              </a:cxn>
+              <a:cxn ang="0">
+                <a:pos x="connsiteX118" y="connsiteY118"/>
+              </a:cxn>
+              <a:cxn ang="0">
+                <a:pos x="connsiteX119" y="connsiteY119"/>
+              </a:cxn>
+              <a:cxn ang="0">
+                <a:pos x="connsiteX120" y="connsiteY120"/>
+              </a:cxn>
+              <a:cxn ang="0">
+                <a:pos x="connsiteX121" y="connsiteY121"/>
+              </a:cxn>
+              <a:cxn ang="0">
+                <a:pos x="connsiteX122" y="connsiteY122"/>
+              </a:cxn>
+              <a:cxn ang="0">
+                <a:pos x="connsiteX123" y="connsiteY123"/>
+              </a:cxn>
+              <a:cxn ang="0">
+                <a:pos x="connsiteX124" y="connsiteY124"/>
+              </a:cxn>
+              <a:cxn ang="0">
+                <a:pos x="connsiteX125" y="connsiteY125"/>
+              </a:cxn>
+              <a:cxn ang="0">
+                <a:pos x="connsiteX126" y="connsiteY126"/>
+              </a:cxn>
+              <a:cxn ang="0">
+                <a:pos x="connsiteX127" y="connsiteY127"/>
+              </a:cxn>
+              <a:cxn ang="0">
+                <a:pos x="connsiteX128" y="connsiteY128"/>
+              </a:cxn>
+              <a:cxn ang="0">
+                <a:pos x="connsiteX129" y="connsiteY129"/>
+              </a:cxn>
+              <a:cxn ang="0">
+                <a:pos x="connsiteX130" y="connsiteY130"/>
+              </a:cxn>
+              <a:cxn ang="0">
+                <a:pos x="connsiteX131" y="connsiteY131"/>
+              </a:cxn>
+              <a:cxn ang="0">
+                <a:pos x="connsiteX132" y="connsiteY132"/>
+              </a:cxn>
+              <a:cxn ang="0">
+                <a:pos x="connsiteX133" y="connsiteY133"/>
+              </a:cxn>
+              <a:cxn ang="0">
+                <a:pos x="connsiteX134" y="connsiteY134"/>
+              </a:cxn>
+              <a:cxn ang="0">
+                <a:pos x="connsiteX135" y="connsiteY135"/>
+              </a:cxn>
+              <a:cxn ang="0">
+                <a:pos x="connsiteX136" y="connsiteY136"/>
+              </a:cxn>
+              <a:cxn ang="0">
+                <a:pos x="connsiteX137" y="connsiteY137"/>
+              </a:cxn>
+              <a:cxn ang="0">
+                <a:pos x="connsiteX138" y="connsiteY138"/>
+              </a:cxn>
+              <a:cxn ang="0">
+                <a:pos x="connsiteX139" y="connsiteY139"/>
+              </a:cxn>
+              <a:cxn ang="0">
+                <a:pos x="connsiteX140" y="connsiteY140"/>
+              </a:cxn>
+              <a:cxn ang="0">
+                <a:pos x="connsiteX141" y="connsiteY141"/>
+              </a:cxn>
+              <a:cxn ang="0">
+                <a:pos x="connsiteX142" y="connsiteY142"/>
+              </a:cxn>
+              <a:cxn ang="0">
+                <a:pos x="connsiteX143" y="connsiteY143"/>
+              </a:cxn>
+              <a:cxn ang="0">
+                <a:pos x="connsiteX144" y="connsiteY144"/>
+              </a:cxn>
+              <a:cxn ang="0">
+                <a:pos x="connsiteX145" y="connsiteY145"/>
+              </a:cxn>
+              <a:cxn ang="0">
+                <a:pos x="connsiteX146" y="connsiteY146"/>
+              </a:cxn>
+              <a:cxn ang="0">
+                <a:pos x="connsiteX147" y="connsiteY147"/>
+              </a:cxn>
+              <a:cxn ang="0">
+                <a:pos x="connsiteX148" y="connsiteY148"/>
+              </a:cxn>
+              <a:cxn ang="0">
+                <a:pos x="connsiteX149" y="connsiteY149"/>
+              </a:cxn>
+              <a:cxn ang="0">
+                <a:pos x="connsiteX150" y="connsiteY150"/>
+              </a:cxn>
+              <a:cxn ang="0">
+                <a:pos x="connsiteX151" y="connsiteY151"/>
+              </a:cxn>
+              <a:cxn ang="0">
+                <a:pos x="connsiteX152" y="connsiteY152"/>
+              </a:cxn>
+              <a:cxn ang="0">
+                <a:pos x="connsiteX153" y="connsiteY153"/>
+              </a:cxn>
+              <a:cxn ang="0">
+                <a:pos x="connsiteX154" y="connsiteY154"/>
+              </a:cxn>
+              <a:cxn ang="0">
+                <a:pos x="connsiteX155" y="connsiteY155"/>
+              </a:cxn>
+              <a:cxn ang="0">
+                <a:pos x="connsiteX156" y="connsiteY156"/>
+              </a:cxn>
+              <a:cxn ang="0">
+                <a:pos x="connsiteX157" y="connsiteY157"/>
+              </a:cxn>
+              <a:cxn ang="0">
+                <a:pos x="connsiteX158" y="connsiteY158"/>
+              </a:cxn>
+              <a:cxn ang="0">
+                <a:pos x="connsiteX159" y="connsiteY159"/>
+              </a:cxn>
+              <a:cxn ang="0">
+                <a:pos x="connsiteX160" y="connsiteY160"/>
+              </a:cxn>
+              <a:cxn ang="0">
+                <a:pos x="connsiteX161" y="connsiteY161"/>
+              </a:cxn>
+              <a:cxn ang="0">
+                <a:pos x="connsiteX162" y="connsiteY162"/>
+              </a:cxn>
+              <a:cxn ang="0">
+                <a:pos x="connsiteX163" y="connsiteY163"/>
+              </a:cxn>
+              <a:cxn ang="0">
+                <a:pos x="connsiteX164" y="connsiteY164"/>
+              </a:cxn>
+              <a:cxn ang="0">
+                <a:pos x="connsiteX165" y="connsiteY165"/>
+              </a:cxn>
+              <a:cxn ang="0">
+                <a:pos x="connsiteX166" y="connsiteY166"/>
+              </a:cxn>
+              <a:cxn ang="0">
+                <a:pos x="connsiteX167" y="connsiteY167"/>
+              </a:cxn>
+              <a:cxn ang="0">
+                <a:pos x="connsiteX168" y="connsiteY168"/>
+              </a:cxn>
+              <a:cxn ang="0">
+                <a:pos x="connsiteX169" y="connsiteY169"/>
+              </a:cxn>
+              <a:cxn ang="0">
+                <a:pos x="connsiteX170" y="connsiteY170"/>
+              </a:cxn>
+              <a:cxn ang="0">
+                <a:pos x="connsiteX171" y="connsiteY171"/>
+              </a:cxn>
+              <a:cxn ang="0">
+                <a:pos x="connsiteX172" y="connsiteY172"/>
+              </a:cxn>
+              <a:cxn ang="0">
+                <a:pos x="connsiteX173" y="connsiteY173"/>
+              </a:cxn>
+              <a:cxn ang="0">
+                <a:pos x="connsiteX174" y="connsiteY174"/>
+              </a:cxn>
+              <a:cxn ang="0">
+                <a:pos x="connsiteX175" y="connsiteY175"/>
+              </a:cxn>
+              <a:cxn ang="0">
+                <a:pos x="connsiteX176" y="connsiteY176"/>
+              </a:cxn>
+              <a:cxn ang="0">
+                <a:pos x="connsiteX177" y="connsiteY177"/>
+              </a:cxn>
+              <a:cxn ang="0">
+                <a:pos x="connsiteX178" y="connsiteY178"/>
+              </a:cxn>
+              <a:cxn ang="0">
+                <a:pos x="connsiteX179" y="connsiteY179"/>
+              </a:cxn>
+              <a:cxn ang="0">
+                <a:pos x="connsiteX180" y="connsiteY180"/>
+              </a:cxn>
+              <a:cxn ang="0">
+                <a:pos x="connsiteX181" y="connsiteY181"/>
+              </a:cxn>
+              <a:cxn ang="0">
+                <a:pos x="connsiteX182" y="connsiteY182"/>
+              </a:cxn>
+              <a:cxn ang="0">
+                <a:pos x="connsiteX183" y="connsiteY183"/>
+              </a:cxn>
+              <a:cxn ang="0">
+                <a:pos x="connsiteX184" y="connsiteY184"/>
+              </a:cxn>
+              <a:cxn ang="0">
+                <a:pos x="connsiteX185" y="connsiteY185"/>
+              </a:cxn>
+              <a:cxn ang="0">
+                <a:pos x="connsiteX186" y="connsiteY186"/>
+              </a:cxn>
+              <a:cxn ang="0">
+                <a:pos x="connsiteX187" y="connsiteY187"/>
+              </a:cxn>
+              <a:cxn ang="0">
+                <a:pos x="connsiteX188" y="connsiteY188"/>
+              </a:cxn>
+              <a:cxn ang="0">
+                <a:pos x="connsiteX189" y="connsiteY189"/>
+              </a:cxn>
+              <a:cxn ang="0">
+                <a:pos x="connsiteX190" y="connsiteY190"/>
+              </a:cxn>
+              <a:cxn ang="0">
+                <a:pos x="connsiteX191" y="connsiteY191"/>
+              </a:cxn>
+              <a:cxn ang="0">
+                <a:pos x="connsiteX192" y="connsiteY192"/>
+              </a:cxn>
+              <a:cxn ang="0">
+                <a:pos x="connsiteX193" y="connsiteY193"/>
+              </a:cxn>
+              <a:cxn ang="0">
+                <a:pos x="connsiteX194" y="connsiteY194"/>
+              </a:cxn>
+              <a:cxn ang="0">
+                <a:pos x="connsiteX195" y="connsiteY195"/>
+              </a:cxn>
+              <a:cxn ang="0">
+                <a:pos x="connsiteX196" y="connsiteY196"/>
+              </a:cxn>
+              <a:cxn ang="0">
+                <a:pos x="connsiteX197" y="connsiteY197"/>
+              </a:cxn>
+              <a:cxn ang="0">
+                <a:pos x="connsiteX198" y="connsiteY198"/>
+              </a:cxn>
+              <a:cxn ang="0">
+                <a:pos x="connsiteX199" y="connsiteY199"/>
+              </a:cxn>
+              <a:cxn ang="0">
+                <a:pos x="connsiteX200" y="connsiteY200"/>
+              </a:cxn>
+              <a:cxn ang="0">
+                <a:pos x="connsiteX201" y="connsiteY201"/>
+              </a:cxn>
+              <a:cxn ang="0">
+                <a:pos x="connsiteX202" y="connsiteY202"/>
+              </a:cxn>
+              <a:cxn ang="0">
+                <a:pos x="connsiteX203" y="connsiteY203"/>
+              </a:cxn>
+              <a:cxn ang="0">
+                <a:pos x="connsiteX204" y="connsiteY204"/>
+              </a:cxn>
+              <a:cxn ang="0">
+                <a:pos x="connsiteX205" y="connsiteY205"/>
+              </a:cxn>
+              <a:cxn ang="0">
+                <a:pos x="connsiteX206" y="connsiteY206"/>
+              </a:cxn>
+              <a:cxn ang="0">
+                <a:pos x="connsiteX207" y="connsiteY207"/>
+              </a:cxn>
+              <a:cxn ang="0">
+                <a:pos x="connsiteX208" y="connsiteY208"/>
+              </a:cxn>
+              <a:cxn ang="0">
+                <a:pos x="connsiteX209" y="connsiteY209"/>
+              </a:cxn>
+              <a:cxn ang="0">
+                <a:pos x="connsiteX210" y="connsiteY210"/>
+              </a:cxn>
+              <a:cxn ang="0">
+                <a:pos x="connsiteX211" y="connsiteY211"/>
+              </a:cxn>
+              <a:cxn ang="0">
+                <a:pos x="connsiteX212" y="connsiteY212"/>
+              </a:cxn>
+              <a:cxn ang="0">
+                <a:pos x="connsiteX213" y="connsiteY213"/>
+              </a:cxn>
+              <a:cxn ang="0">
+                <a:pos x="connsiteX214" y="connsiteY214"/>
+              </a:cxn>
+              <a:cxn ang="0">
+                <a:pos x="connsiteX215" y="connsiteY215"/>
+              </a:cxn>
+              <a:cxn ang="0">
+                <a:pos x="connsiteX216" y="connsiteY216"/>
+              </a:cxn>
+              <a:cxn ang="0">
+                <a:pos x="connsiteX217" y="connsiteY217"/>
+              </a:cxn>
+              <a:cxn ang="0">
+                <a:pos x="connsiteX218" y="connsiteY218"/>
+              </a:cxn>
+              <a:cxn ang="0">
+                <a:pos x="connsiteX219" y="connsiteY219"/>
+              </a:cxn>
+              <a:cxn ang="0">
+                <a:pos x="connsiteX220" y="connsiteY220"/>
+              </a:cxn>
+              <a:cxn ang="0">
+                <a:pos x="connsiteX221" y="connsiteY221"/>
+              </a:cxn>
+              <a:cxn ang="0">
+                <a:pos x="connsiteX222" y="connsiteY222"/>
+              </a:cxn>
+              <a:cxn ang="0">
+                <a:pos x="connsiteX223" y="connsiteY223"/>
+              </a:cxn>
+              <a:cxn ang="0">
+                <a:pos x="connsiteX224" y="connsiteY224"/>
+              </a:cxn>
+              <a:cxn ang="0">
+                <a:pos x="connsiteX225" y="connsiteY225"/>
+              </a:cxn>
+              <a:cxn ang="0">
+                <a:pos x="connsiteX226" y="connsiteY226"/>
+              </a:cxn>
+              <a:cxn ang="0">
+                <a:pos x="connsiteX227" y="connsiteY227"/>
+              </a:cxn>
+              <a:cxn ang="0">
+                <a:pos x="connsiteX228" y="connsiteY228"/>
+              </a:cxn>
+              <a:cxn ang="0">
+                <a:pos x="connsiteX229" y="connsiteY229"/>
+              </a:cxn>
+              <a:cxn ang="0">
+                <a:pos x="connsiteX230" y="connsiteY230"/>
+              </a:cxn>
+              <a:cxn ang="0">
+                <a:pos x="connsiteX231" y="connsiteY231"/>
+              </a:cxn>
+              <a:cxn ang="0">
+                <a:pos x="connsiteX232" y="connsiteY232"/>
+              </a:cxn>
+              <a:cxn ang="0">
+                <a:pos x="connsiteX233" y="connsiteY233"/>
+              </a:cxn>
+              <a:cxn ang="0">
+                <a:pos x="connsiteX234" y="connsiteY234"/>
+              </a:cxn>
+              <a:cxn ang="0">
+                <a:pos x="connsiteX235" y="connsiteY235"/>
+              </a:cxn>
+              <a:cxn ang="0">
+                <a:pos x="connsiteX236" y="connsiteY236"/>
+              </a:cxn>
+              <a:cxn ang="0">
+                <a:pos x="connsiteX237" y="connsiteY237"/>
+              </a:cxn>
+              <a:cxn ang="0">
+                <a:pos x="connsiteX238" y="connsiteY238"/>
+              </a:cxn>
+              <a:cxn ang="0">
+                <a:pos x="connsiteX239" y="connsiteY239"/>
+              </a:cxn>
+              <a:cxn ang="0">
+                <a:pos x="connsiteX240" y="connsiteY240"/>
+              </a:cxn>
+              <a:cxn ang="0">
+                <a:pos x="connsiteX241" y="connsiteY241"/>
+              </a:cxn>
+              <a:cxn ang="0">
+                <a:pos x="connsiteX242" y="connsiteY242"/>
+              </a:cxn>
+              <a:cxn ang="0">
+                <a:pos x="connsiteX243" y="connsiteY243"/>
+              </a:cxn>
+              <a:cxn ang="0">
+                <a:pos x="connsiteX244" y="connsiteY244"/>
+              </a:cxn>
+              <a:cxn ang="0">
+                <a:pos x="connsiteX245" y="connsiteY245"/>
+              </a:cxn>
+              <a:cxn ang="0">
+                <a:pos x="connsiteX246" y="connsiteY246"/>
+              </a:cxn>
+              <a:cxn ang="0">
+                <a:pos x="connsiteX247" y="connsiteY247"/>
+              </a:cxn>
+            </a:cxnLst>
+            <a:rect l="l" t="t" r="r" b="b"/>
+            <a:pathLst>
+              <a:path w="12191999" h="2083506">
+                <a:moveTo>
+                  <a:pt x="0" y="0"/>
+                </a:moveTo>
+                <a:lnTo>
+                  <a:pt x="9429748" y="0"/>
+                </a:lnTo>
+                <a:lnTo>
+                  <a:pt x="9429748" y="1"/>
+                </a:lnTo>
+                <a:lnTo>
+                  <a:pt x="12191999" y="1"/>
+                </a:lnTo>
+                <a:lnTo>
+                  <a:pt x="12191999" y="1164372"/>
+                </a:lnTo>
+                <a:lnTo>
+                  <a:pt x="12147852" y="1163783"/>
+                </a:lnTo>
+                <a:cubicBezTo>
+                  <a:pt x="12063101" y="1189107"/>
+                  <a:pt x="12045020" y="1156925"/>
+                  <a:pt x="11993604" y="1153496"/>
+                </a:cubicBezTo>
+                <a:cubicBezTo>
+                  <a:pt x="11954216" y="1165241"/>
+                  <a:pt x="11911195" y="1167350"/>
+                  <a:pt x="11865319" y="1176624"/>
+                </a:cubicBezTo>
+                <a:cubicBezTo>
+                  <a:pt x="11822513" y="1184682"/>
+                  <a:pt x="11766915" y="1201558"/>
+                  <a:pt x="11718353" y="1209136"/>
+                </a:cubicBezTo>
+                <a:cubicBezTo>
+                  <a:pt x="11675379" y="1217463"/>
+                  <a:pt x="11638007" y="1216639"/>
+                  <a:pt x="11609067" y="1218512"/>
+                </a:cubicBezTo>
+                <a:cubicBezTo>
+                  <a:pt x="11597582" y="1221322"/>
+                  <a:pt x="11554280" y="1243577"/>
+                  <a:pt x="11545958" y="1240430"/>
+                </a:cubicBezTo>
+                <a:lnTo>
+                  <a:pt x="11445770" y="1225780"/>
+                </a:lnTo>
+                <a:cubicBezTo>
+                  <a:pt x="11425543" y="1230782"/>
+                  <a:pt x="11413740" y="1222096"/>
+                  <a:pt x="11398842" y="1227250"/>
+                </a:cubicBezTo>
+                <a:cubicBezTo>
+                  <a:pt x="11367060" y="1233093"/>
+                  <a:pt x="11269285" y="1263712"/>
+                  <a:pt x="11240093" y="1266797"/>
+                </a:cubicBezTo>
+                <a:cubicBezTo>
+                  <a:pt x="11197297" y="1273685"/>
+                  <a:pt x="11181311" y="1272682"/>
+                  <a:pt x="11141364" y="1288059"/>
+                </a:cubicBezTo>
+                <a:cubicBezTo>
+                  <a:pt x="11099891" y="1305386"/>
+                  <a:pt x="11051533" y="1319157"/>
+                  <a:pt x="11015396" y="1353104"/>
+                </a:cubicBezTo>
+                <a:cubicBezTo>
+                  <a:pt x="11009424" y="1362217"/>
+                  <a:pt x="10992328" y="1361966"/>
+                  <a:pt x="10973905" y="1365109"/>
+                </a:cubicBezTo>
+                <a:cubicBezTo>
+                  <a:pt x="10955482" y="1368254"/>
+                  <a:pt x="10907369" y="1372817"/>
+                  <a:pt x="10904858" y="1371966"/>
+                </a:cubicBezTo>
+                <a:cubicBezTo>
+                  <a:pt x="10880521" y="1379494"/>
+                  <a:pt x="10873670" y="1399734"/>
+                  <a:pt x="10827883" y="1410270"/>
+                </a:cubicBezTo>
+                <a:cubicBezTo>
+                  <a:pt x="10790248" y="1415655"/>
+                  <a:pt x="10724899" y="1420726"/>
+                  <a:pt x="10690996" y="1426394"/>
+                </a:cubicBezTo>
+                <a:cubicBezTo>
+                  <a:pt x="10676463" y="1423331"/>
+                  <a:pt x="10634514" y="1436908"/>
+                  <a:pt x="10624461" y="1444283"/>
+                </a:cubicBezTo>
+                <a:cubicBezTo>
+                  <a:pt x="10601952" y="1468442"/>
+                  <a:pt x="10536224" y="1460228"/>
+                  <a:pt x="10517208" y="1478947"/>
+                </a:cubicBezTo>
+                <a:cubicBezTo>
+                  <a:pt x="10509508" y="1482271"/>
+                  <a:pt x="10505833" y="1468818"/>
+                  <a:pt x="10497937" y="1469831"/>
+                </a:cubicBezTo>
+                <a:lnTo>
+                  <a:pt x="10471201" y="1486037"/>
+                </a:lnTo>
+                <a:lnTo>
+                  <a:pt x="10448263" y="1478223"/>
+                </a:lnTo>
+                <a:lnTo>
+                  <a:pt x="10388089" y="1507175"/>
+                </a:lnTo>
+                <a:cubicBezTo>
+                  <a:pt x="10350285" y="1513081"/>
+                  <a:pt x="10383281" y="1526586"/>
+                  <a:pt x="10333720" y="1515848"/>
+                </a:cubicBezTo>
+                <a:cubicBezTo>
+                  <a:pt x="10286428" y="1526223"/>
+                  <a:pt x="10174884" y="1550019"/>
+                  <a:pt x="10104338" y="1569424"/>
+                </a:cubicBezTo>
+                <a:cubicBezTo>
+                  <a:pt x="10066963" y="1581564"/>
+                  <a:pt x="9967395" y="1605712"/>
+                  <a:pt x="9910445" y="1632275"/>
+                </a:cubicBezTo>
+                <a:cubicBezTo>
+                  <a:pt x="9856131" y="1644130"/>
+                  <a:pt x="9831118" y="1689967"/>
+                  <a:pt x="9770872" y="1688088"/>
+                </a:cubicBezTo>
+                <a:cubicBezTo>
+                  <a:pt x="9769882" y="1691843"/>
+                  <a:pt x="9737016" y="1697044"/>
+                  <a:pt x="9733849" y="1700034"/>
+                </a:cubicBezTo>
+                <a:lnTo>
+                  <a:pt x="9703714" y="1730093"/>
+                </a:lnTo>
+                <a:lnTo>
+                  <a:pt x="9698351" y="1730377"/>
+                </a:lnTo>
+                <a:lnTo>
+                  <a:pt x="9632895" y="1736363"/>
+                </a:lnTo>
+                <a:lnTo>
+                  <a:pt x="9569107" y="1741010"/>
+                </a:lnTo>
+                <a:cubicBezTo>
+                  <a:pt x="9558961" y="1745882"/>
+                  <a:pt x="9548028" y="1750646"/>
+                  <a:pt x="9536451" y="1755120"/>
+                </a:cubicBezTo>
+                <a:lnTo>
+                  <a:pt x="9529385" y="1757515"/>
+                </a:lnTo>
+                <a:lnTo>
+                  <a:pt x="9498527" y="1753117"/>
+                </a:lnTo>
+                <a:lnTo>
+                  <a:pt x="9436642" y="1755478"/>
+                </a:lnTo>
+                <a:lnTo>
+                  <a:pt x="9429748" y="1756317"/>
+                </a:lnTo>
+                <a:lnTo>
+                  <a:pt x="9429748" y="1768745"/>
+                </a:lnTo>
+                <a:lnTo>
+                  <a:pt x="9425802" y="1769273"/>
+                </a:lnTo>
+                <a:cubicBezTo>
+                  <a:pt x="9390751" y="1773262"/>
+                  <a:pt x="9371406" y="1773457"/>
+                  <a:pt x="9349763" y="1776107"/>
+                </a:cubicBezTo>
+                <a:cubicBezTo>
+                  <a:pt x="9314721" y="1782260"/>
+                  <a:pt x="9277650" y="1796217"/>
+                  <a:pt x="9256503" y="1800699"/>
+                </a:cubicBezTo>
+                <a:lnTo>
+                  <a:pt x="9222873" y="1803003"/>
+                </a:lnTo>
+                <a:lnTo>
+                  <a:pt x="9224095" y="1807355"/>
+                </a:lnTo>
+                <a:lnTo>
+                  <a:pt x="9211603" y="1807675"/>
+                </a:lnTo>
+                <a:lnTo>
+                  <a:pt x="9183719" y="1807781"/>
+                </a:lnTo>
+                <a:cubicBezTo>
+                  <a:pt x="9166319" y="1808439"/>
+                  <a:pt x="9117935" y="1807396"/>
+                  <a:pt x="9100221" y="1808989"/>
+                </a:cubicBezTo>
+                <a:cubicBezTo>
+                  <a:pt x="9095111" y="1813630"/>
+                  <a:pt x="9087224" y="1816160"/>
+                  <a:pt x="9077439" y="1817333"/>
+                </a:cubicBezTo>
+                <a:lnTo>
+                  <a:pt x="9055889" y="1817464"/>
+                </a:lnTo>
+                <a:lnTo>
+                  <a:pt x="8930912" y="1828648"/>
+                </a:lnTo>
+                <a:lnTo>
+                  <a:pt x="8913729" y="1829483"/>
+                </a:lnTo>
+                <a:lnTo>
+                  <a:pt x="8904423" y="1833234"/>
+                </a:lnTo>
+                <a:cubicBezTo>
+                  <a:pt x="8897319" y="1833982"/>
+                  <a:pt x="8876911" y="1833498"/>
+                  <a:pt x="8871099" y="1833979"/>
+                </a:cubicBezTo>
+                <a:lnTo>
+                  <a:pt x="8869557" y="1836113"/>
+                </a:lnTo>
+                <a:cubicBezTo>
+                  <a:pt x="8851043" y="1839524"/>
+                  <a:pt x="8781405" y="1850882"/>
+                  <a:pt x="8760021" y="1854442"/>
+                </a:cubicBezTo>
+                <a:cubicBezTo>
+                  <a:pt x="8755749" y="1851161"/>
+                  <a:pt x="8746183" y="1856343"/>
+                  <a:pt x="8741254" y="1857469"/>
+                </a:cubicBezTo>
+                <a:cubicBezTo>
+                  <a:pt x="8740491" y="1855259"/>
+                  <a:pt x="8728559" y="1854585"/>
+                  <a:pt x="8725039" y="1856552"/>
+                </a:cubicBezTo>
+                <a:cubicBezTo>
+                  <a:pt x="8641157" y="1867333"/>
+                  <a:pt x="8683145" y="1845054"/>
+                  <a:pt x="8635265" y="1859168"/>
+                </a:cubicBezTo>
+                <a:cubicBezTo>
+                  <a:pt x="8626795" y="1860103"/>
+                  <a:pt x="8619931" y="1859212"/>
+                  <a:pt x="8613911" y="1857561"/>
+                </a:cubicBezTo>
+                <a:lnTo>
+                  <a:pt x="8604931" y="1854170"/>
+                </a:lnTo>
+                <a:lnTo>
+                  <a:pt x="8570171" y="1860579"/>
+                </a:lnTo>
+                <a:cubicBezTo>
+                  <a:pt x="8553049" y="1862813"/>
+                  <a:pt x="8535028" y="1864294"/>
+                  <a:pt x="8516537" y="1864971"/>
+                </a:cubicBezTo>
+                <a:cubicBezTo>
+                  <a:pt x="8512388" y="1860455"/>
+                  <a:pt x="8497874" y="1866870"/>
+                  <a:pt x="8491046" y="1868141"/>
+                </a:cubicBezTo>
+                <a:cubicBezTo>
+                  <a:pt x="8490975" y="1865191"/>
+                  <a:pt x="8475847" y="1863778"/>
+                  <a:pt x="8470478" y="1866216"/>
+                </a:cubicBezTo>
+                <a:cubicBezTo>
+                  <a:pt x="8357654" y="1876758"/>
+                  <a:pt x="8421139" y="1849210"/>
+                  <a:pt x="8353433" y="1865729"/>
+                </a:cubicBezTo>
+                <a:lnTo>
+                  <a:pt x="8347675" y="1865075"/>
+                </a:lnTo>
+                <a:lnTo>
+                  <a:pt x="8343939" y="1865677"/>
+                </a:lnTo>
+                <a:cubicBezTo>
+                  <a:pt x="8309852" y="1870841"/>
+                  <a:pt x="8272587" y="1875809"/>
+                  <a:pt x="8221566" y="1881148"/>
+                </a:cubicBezTo>
+                <a:cubicBezTo>
+                  <a:pt x="8158043" y="1892960"/>
+                  <a:pt x="8095547" y="1914042"/>
+                  <a:pt x="8066095" y="1919902"/>
+                </a:cubicBezTo>
+                <a:cubicBezTo>
+                  <a:pt x="8058949" y="1919234"/>
+                  <a:pt x="8051921" y="1917862"/>
+                  <a:pt x="8044849" y="1916308"/>
+                </a:cubicBezTo>
+                <a:lnTo>
+                  <a:pt x="8041142" y="1915506"/>
+                </a:lnTo>
+                <a:lnTo>
+                  <a:pt x="8022159" y="1911521"/>
+                </a:lnTo>
+                <a:lnTo>
+                  <a:pt x="7944932" y="1917265"/>
+                </a:lnTo>
+                <a:lnTo>
+                  <a:pt x="7879011" y="1928570"/>
+                </a:lnTo>
+                <a:lnTo>
+                  <a:pt x="7865529" y="1934399"/>
+                </a:lnTo>
+                <a:lnTo>
+                  <a:pt x="7774801" y="1947969"/>
+                </a:lnTo>
+                <a:lnTo>
+                  <a:pt x="7748398" y="1955982"/>
+                </a:lnTo>
+                <a:lnTo>
+                  <a:pt x="7740684" y="1955717"/>
+                </a:lnTo>
+                <a:cubicBezTo>
+                  <a:pt x="7728362" y="1958584"/>
+                  <a:pt x="7714099" y="1968442"/>
+                  <a:pt x="7712976" y="1960442"/>
+                </a:cubicBezTo>
+                <a:lnTo>
+                  <a:pt x="7699956" y="1966104"/>
+                </a:lnTo>
+                <a:lnTo>
+                  <a:pt x="7684158" y="1962927"/>
+                </a:lnTo>
+                <a:cubicBezTo>
+                  <a:pt x="7674684" y="1962643"/>
+                  <a:pt x="7652105" y="1963177"/>
+                  <a:pt x="7643109" y="1964400"/>
+                </a:cubicBezTo>
+                <a:lnTo>
+                  <a:pt x="7630180" y="1970266"/>
+                </a:lnTo>
+                <a:lnTo>
+                  <a:pt x="7609131" y="1971774"/>
+                </a:lnTo>
+                <a:cubicBezTo>
+                  <a:pt x="7596694" y="1971644"/>
+                  <a:pt x="7570258" y="1969757"/>
+                  <a:pt x="7555555" y="1969491"/>
+                </a:cubicBezTo>
+                <a:cubicBezTo>
+                  <a:pt x="7541460" y="1966540"/>
+                  <a:pt x="7530571" y="1964848"/>
+                  <a:pt x="7520919" y="1970177"/>
+                </a:cubicBezTo>
+                <a:cubicBezTo>
+                  <a:pt x="7500295" y="1966884"/>
+                  <a:pt x="7480780" y="1949401"/>
+                  <a:pt x="7456258" y="1960468"/>
+                </a:cubicBezTo>
+                <a:cubicBezTo>
+                  <a:pt x="7434946" y="1957506"/>
+                  <a:pt x="7435772" y="1952500"/>
+                  <a:pt x="7393047" y="1952408"/>
+                </a:cubicBezTo>
+                <a:cubicBezTo>
+                  <a:pt x="7356520" y="1952860"/>
+                  <a:pt x="7236307" y="1958626"/>
+                  <a:pt x="7199912" y="1959913"/>
+                </a:cubicBezTo>
+                <a:cubicBezTo>
+                  <a:pt x="7176501" y="1959942"/>
+                  <a:pt x="7160098" y="1958343"/>
+                  <a:pt x="7146774" y="1956641"/>
+                </a:cubicBezTo>
+                <a:lnTo>
+                  <a:pt x="7122244" y="1953891"/>
+                </a:lnTo>
+                <a:lnTo>
+                  <a:pt x="7032241" y="1962723"/>
+                </a:lnTo>
+                <a:cubicBezTo>
+                  <a:pt x="6997214" y="1965198"/>
+                  <a:pt x="6963725" y="1968396"/>
+                  <a:pt x="6941492" y="1976868"/>
+                </a:cubicBezTo>
+                <a:cubicBezTo>
+                  <a:pt x="6947015" y="1970398"/>
+                  <a:pt x="6923088" y="1965379"/>
+                  <a:pt x="6906514" y="1968589"/>
+                </a:cubicBezTo>
+                <a:cubicBezTo>
+                  <a:pt x="6925890" y="1943204"/>
+                  <a:pt x="6840983" y="1991464"/>
+                  <a:pt x="6826395" y="1974141"/>
+                </a:cubicBezTo>
+                <a:cubicBezTo>
+                  <a:pt x="6825676" y="1990223"/>
+                  <a:pt x="6751393" y="2017492"/>
+                  <a:pt x="6716431" y="2004297"/>
+                </a:cubicBezTo>
+                <a:cubicBezTo>
+                  <a:pt x="6663167" y="2007518"/>
+                  <a:pt x="6625450" y="2020811"/>
+                  <a:pt x="6569607" y="2015496"/>
+                </a:cubicBezTo>
+                <a:cubicBezTo>
+                  <a:pt x="6567874" y="2017648"/>
+                  <a:pt x="6565034" y="2019449"/>
+                  <a:pt x="6561430" y="2020996"/>
+                </a:cubicBezTo>
+                <a:lnTo>
+                  <a:pt x="6549371" y="2024747"/>
+                </a:lnTo>
+                <a:lnTo>
+                  <a:pt x="6547040" y="2024474"/>
+                </a:lnTo>
+                <a:cubicBezTo>
+                  <a:pt x="6537882" y="2024425"/>
+                  <a:pt x="6533193" y="2025332"/>
+                  <a:pt x="6530482" y="2026659"/>
+                </a:cubicBezTo>
+                <a:lnTo>
+                  <a:pt x="6528565" y="2028600"/>
+                </a:lnTo>
+                <a:lnTo>
+                  <a:pt x="6517741" y="2030558"/>
+                </a:lnTo>
+                <a:lnTo>
+                  <a:pt x="6497855" y="2035650"/>
+                </a:lnTo>
+                <a:lnTo>
+                  <a:pt x="6492785" y="2035444"/>
+                </a:lnTo>
+                <a:lnTo>
+                  <a:pt x="6460692" y="2041321"/>
+                </a:lnTo>
+                <a:lnTo>
+                  <a:pt x="6459609" y="2040851"/>
+                </a:lnTo>
+                <a:cubicBezTo>
+                  <a:pt x="6456451" y="2039933"/>
+                  <a:pt x="6452734" y="2039508"/>
+                  <a:pt x="6447765" y="2040102"/>
+                </a:cubicBezTo>
+                <a:cubicBezTo>
+                  <a:pt x="6446007" y="2031126"/>
+                  <a:pt x="6441093" y="2037380"/>
+                  <a:pt x="6426590" y="2039928"/>
+                </a:cubicBezTo>
+                <a:cubicBezTo>
+                  <a:pt x="6423606" y="2033241"/>
+                  <a:pt x="6413230" y="2032925"/>
+                  <a:pt x="6401693" y="2033537"/>
+                </a:cubicBezTo>
+                <a:lnTo>
+                  <a:pt x="6387141" y="2033161"/>
+                </a:lnTo>
+                <a:lnTo>
+                  <a:pt x="6357846" y="2036782"/>
+                </a:lnTo>
+                <a:lnTo>
+                  <a:pt x="6342914" y="2037585"/>
+                </a:lnTo>
+                <a:lnTo>
+                  <a:pt x="6336300" y="2038781"/>
+                </a:lnTo>
+                <a:lnTo>
+                  <a:pt x="6317178" y="2038968"/>
+                </a:lnTo>
+                <a:lnTo>
+                  <a:pt x="6161427" y="2047338"/>
+                </a:lnTo>
+                <a:cubicBezTo>
+                  <a:pt x="6147824" y="2057658"/>
+                  <a:pt x="6118908" y="2077615"/>
+                  <a:pt x="6097339" y="2082438"/>
+                </a:cubicBezTo>
+                <a:cubicBezTo>
+                  <a:pt x="6090149" y="2084046"/>
+                  <a:pt x="6083776" y="2083972"/>
+                  <a:pt x="6079059" y="2081299"/>
+                </a:cubicBezTo>
+                <a:cubicBezTo>
+                  <a:pt x="6063900" y="2082334"/>
+                  <a:pt x="6011621" y="2084537"/>
+                  <a:pt x="5998439" y="2070958"/>
+                </a:cubicBezTo>
+                <a:cubicBezTo>
+                  <a:pt x="5976443" y="2071759"/>
+                  <a:pt x="5925514" y="2069780"/>
+                  <a:pt x="5904290" y="2070255"/>
+                </a:cubicBezTo>
+                <a:cubicBezTo>
+                  <a:pt x="5871515" y="2066244"/>
+                  <a:pt x="5843986" y="2088249"/>
+                  <a:pt x="5814867" y="2079032"/>
+                </a:cubicBezTo>
+                <a:cubicBezTo>
+                  <a:pt x="5792003" y="2070559"/>
+                  <a:pt x="5750009" y="2076273"/>
+                  <a:pt x="5725743" y="2070558"/>
+                </a:cubicBezTo>
+                <a:cubicBezTo>
+                  <a:pt x="5716432" y="2058355"/>
+                  <a:pt x="5667424" y="2047322"/>
+                  <a:pt x="5650546" y="2052412"/>
+                </a:cubicBezTo>
+                <a:cubicBezTo>
+                  <a:pt x="5614627" y="2046084"/>
+                  <a:pt x="5608108" y="2028306"/>
+                  <a:pt x="5581284" y="2023175"/>
+                </a:cubicBezTo>
+                <a:lnTo>
+                  <a:pt x="5572593" y="2018391"/>
+                </a:lnTo>
+                <a:lnTo>
+                  <a:pt x="5548580" y="2016951"/>
+                </a:lnTo>
+                <a:cubicBezTo>
+                  <a:pt x="5523726" y="2017783"/>
+                  <a:pt x="5498337" y="2019663"/>
+                  <a:pt x="5471173" y="2018786"/>
+                </a:cubicBezTo>
+                <a:cubicBezTo>
+                  <a:pt x="5447687" y="2003020"/>
+                  <a:pt x="5353807" y="2022324"/>
+                  <a:pt x="5340320" y="2037611"/>
+                </a:cubicBezTo>
+                <a:cubicBezTo>
+                  <a:pt x="5340015" y="2024215"/>
+                  <a:pt x="5271937" y="2042455"/>
+                  <a:pt x="5254376" y="2042928"/>
+                </a:cubicBezTo>
+                <a:cubicBezTo>
+                  <a:pt x="5248522" y="2043086"/>
+                  <a:pt x="5248281" y="2041270"/>
+                  <a:pt x="5258035" y="2035649"/>
+                </a:cubicBezTo>
+                <a:cubicBezTo>
+                  <a:pt x="5239374" y="2037214"/>
+                  <a:pt x="5220112" y="2030252"/>
+                  <a:pt x="5230622" y="2024576"/>
+                </a:cubicBezTo>
+                <a:cubicBezTo>
+                  <a:pt x="5173932" y="2036724"/>
+                  <a:pt x="5090262" y="2024645"/>
+                  <a:pt x="5026203" y="2030162"/>
+                </a:cubicBezTo>
+                <a:cubicBezTo>
+                  <a:pt x="4991280" y="2016814"/>
+                  <a:pt x="5010212" y="2029164"/>
+                  <a:pt x="4973988" y="2026668"/>
+                </a:cubicBezTo>
+                <a:cubicBezTo>
+                  <a:pt x="4983896" y="2038955"/>
+                  <a:pt x="4930012" y="2019774"/>
+                  <a:pt x="4928030" y="2033642"/>
+                </a:cubicBezTo>
+                <a:cubicBezTo>
+                  <a:pt x="4921501" y="2032748"/>
+                  <a:pt x="4915238" y="2031445"/>
+                  <a:pt x="4908970" y="2030033"/>
+                </a:cubicBezTo>
+                <a:lnTo>
+                  <a:pt x="4905679" y="2029300"/>
+                </a:lnTo>
+                <a:lnTo>
+                  <a:pt x="4892525" y="2028768"/>
+                </a:lnTo>
+                <a:lnTo>
+                  <a:pt x="4888818" y="2025619"/>
+                </a:lnTo>
+                <a:lnTo>
+                  <a:pt x="4869018" y="2022668"/>
+                </a:lnTo>
+                <a:cubicBezTo>
+                  <a:pt x="4861602" y="2022028"/>
+                  <a:pt x="4853622" y="2021880"/>
+                  <a:pt x="4844804" y="2022527"/>
+                </a:cubicBezTo>
+                <a:cubicBezTo>
+                  <a:pt x="4823110" y="2028022"/>
+                  <a:pt x="4789330" y="2021287"/>
+                  <a:pt x="4758778" y="2021694"/>
+                </a:cubicBezTo>
+                <a:lnTo>
+                  <a:pt x="4744748" y="2023396"/>
+                </a:lnTo>
+                <a:lnTo>
+                  <a:pt x="4698956" y="2020558"/>
+                </a:lnTo>
+                <a:cubicBezTo>
+                  <a:pt x="4685921" y="2020008"/>
+                  <a:pt x="4672392" y="2019718"/>
+                  <a:pt x="4658147" y="2019920"/>
+                </a:cubicBezTo>
+                <a:lnTo>
+                  <a:pt x="4631706" y="2021274"/>
+                </a:lnTo>
+                <a:lnTo>
+                  <a:pt x="4624776" y="2020152"/>
+                </a:lnTo>
+                <a:cubicBezTo>
+                  <a:pt x="4612703" y="2020277"/>
+                  <a:pt x="4596727" y="2024226"/>
+                  <a:pt x="4598150" y="2019429"/>
+                </a:cubicBezTo>
+                <a:lnTo>
+                  <a:pt x="4584588" y="2021092"/>
+                </a:lnTo>
+                <a:lnTo>
+                  <a:pt x="4571203" y="2017263"/>
+                </a:lnTo>
+                <a:cubicBezTo>
+                  <a:pt x="4569736" y="2016374"/>
+                  <a:pt x="4568633" y="2015427"/>
+                  <a:pt x="4567930" y="2014458"/>
+                </a:cubicBezTo>
+                <a:lnTo>
+                  <a:pt x="4548984" y="2015717"/>
+                </a:lnTo>
+                <a:lnTo>
+                  <a:pt x="4533451" y="2012976"/>
+                </a:lnTo>
+                <a:lnTo>
+                  <a:pt x="4519910" y="2014768"/>
+                </a:lnTo>
+                <a:lnTo>
+                  <a:pt x="4514290" y="2014364"/>
+                </a:lnTo>
+                <a:lnTo>
+                  <a:pt x="4500320" y="2013007"/>
+                </a:lnTo>
+                <a:cubicBezTo>
+                  <a:pt x="4493159" y="2012056"/>
+                  <a:pt x="4485144" y="2010910"/>
+                  <a:pt x="4476219" y="2009993"/>
+                </a:cubicBezTo>
+                <a:lnTo>
+                  <a:pt x="4468701" y="2009574"/>
+                </a:lnTo>
+                <a:lnTo>
+                  <a:pt x="4452333" y="2004964"/>
+                </a:lnTo>
+                <a:cubicBezTo>
+                  <a:pt x="4440422" y="2001479"/>
+                  <a:pt x="4431048" y="1999130"/>
+                  <a:pt x="4420644" y="2001021"/>
+                </a:cubicBezTo>
+                <a:cubicBezTo>
+                  <a:pt x="4402911" y="1996519"/>
+                  <a:pt x="4390524" y="1983900"/>
+                  <a:pt x="4364856" y="1987267"/>
+                </a:cubicBezTo>
+                <a:cubicBezTo>
+                  <a:pt x="4372645" y="1981550"/>
+                  <a:pt x="4336350" y="1986575"/>
+                  <a:pt x="4332062" y="1980703"/>
+                </a:cubicBezTo>
+                <a:cubicBezTo>
+                  <a:pt x="4330083" y="1975974"/>
+                  <a:pt x="4318612" y="1976397"/>
+                  <a:pt x="4309876" y="1974653"/>
+                </a:cubicBezTo>
+                <a:cubicBezTo>
+                  <a:pt x="4303650" y="1969824"/>
+                  <a:pt x="4259693" y="1965414"/>
+                  <a:pt x="4244391" y="1966109"/>
+                </a:cubicBezTo>
+                <a:cubicBezTo>
+                  <a:pt x="4201255" y="1970914"/>
+                  <a:pt x="4166558" y="1951471"/>
+                  <a:pt x="4132071" y="1954813"/>
+                </a:cubicBezTo>
+                <a:cubicBezTo>
+                  <a:pt x="4123041" y="1954358"/>
+                  <a:pt x="4115554" y="1953263"/>
+                  <a:pt x="4109069" y="1951778"/>
+                </a:cubicBezTo>
+                <a:lnTo>
+                  <a:pt x="4092908" y="1946662"/>
+                </a:lnTo>
+                <a:cubicBezTo>
+                  <a:pt x="4092707" y="1945539"/>
+                  <a:pt x="4092506" y="1944415"/>
+                  <a:pt x="4092306" y="1943291"/>
+                </a:cubicBezTo>
+                <a:lnTo>
+                  <a:pt x="4080234" y="1941219"/>
+                </a:lnTo>
+                <a:lnTo>
+                  <a:pt x="4077778" y="1940145"/>
+                </a:lnTo>
+                <a:cubicBezTo>
+                  <a:pt x="4073105" y="1938081"/>
+                  <a:pt x="4068339" y="1936119"/>
+                  <a:pt x="4062936" y="1934506"/>
+                </a:cubicBezTo>
+                <a:cubicBezTo>
+                  <a:pt x="4048082" y="1947155"/>
+                  <a:pt x="4014523" y="1922869"/>
+                  <a:pt x="4012506" y="1935475"/>
+                </a:cubicBezTo>
+                <a:cubicBezTo>
+                  <a:pt x="3980228" y="1928812"/>
+                  <a:pt x="3986775" y="1942559"/>
+                  <a:pt x="3965880" y="1925968"/>
+                </a:cubicBezTo>
+                <a:cubicBezTo>
+                  <a:pt x="3899515" y="1923414"/>
+                  <a:pt x="3830855" y="1902158"/>
+                  <a:pt x="3765338" y="1906649"/>
+                </a:cubicBezTo>
+                <a:cubicBezTo>
+                  <a:pt x="3780686" y="1902635"/>
+                  <a:pt x="3768784" y="1893856"/>
+                  <a:pt x="3749493" y="1893071"/>
+                </a:cubicBezTo>
+                <a:cubicBezTo>
+                  <a:pt x="3807776" y="1876857"/>
+                  <a:pt x="3656400" y="1898030"/>
+                  <a:pt x="3672704" y="1881383"/>
+                </a:cubicBezTo>
+                <a:cubicBezTo>
+                  <a:pt x="3645532" y="1893973"/>
+                  <a:pt x="3537791" y="1900656"/>
+                  <a:pt x="3530082" y="1883187"/>
+                </a:cubicBezTo>
+                <a:cubicBezTo>
+                  <a:pt x="3479808" y="1875044"/>
+                  <a:pt x="3426017" y="1877998"/>
+                  <a:pt x="3387664" y="1862579"/>
+                </a:cubicBezTo>
+                <a:cubicBezTo>
+                  <a:pt x="3382649" y="1863935"/>
+                  <a:pt x="3377277" y="1864791"/>
+                  <a:pt x="3371681" y="1865293"/>
+                </a:cubicBezTo>
+                <a:lnTo>
+                  <a:pt x="3355305" y="1865842"/>
+                </a:lnTo>
+                <a:lnTo>
+                  <a:pt x="3353790" y="1865158"/>
+                </a:lnTo>
+                <a:cubicBezTo>
+                  <a:pt x="3346144" y="1863282"/>
+                  <a:pt x="3340687" y="1863057"/>
+                  <a:pt x="3336210" y="1863564"/>
+                </a:cubicBezTo>
+                <a:lnTo>
+                  <a:pt x="3331381" y="1864716"/>
+                </a:lnTo>
+                <a:lnTo>
+                  <a:pt x="3319012" y="1864093"/>
+                </a:lnTo>
+                <a:lnTo>
+                  <a:pt x="3293818" y="1864135"/>
+                </a:lnTo>
+                <a:lnTo>
+                  <a:pt x="3289881" y="1862954"/>
+                </a:lnTo>
+                <a:lnTo>
+                  <a:pt x="3253090" y="1861164"/>
+                </a:lnTo>
+                <a:cubicBezTo>
+                  <a:pt x="3253042" y="1860968"/>
+                  <a:pt x="3252996" y="1860771"/>
+                  <a:pt x="3252949" y="1860574"/>
+                </a:cubicBezTo>
+                <a:cubicBezTo>
+                  <a:pt x="3251799" y="1859213"/>
+                  <a:pt x="3249368" y="1858131"/>
+                  <a:pt x="3244187" y="1857604"/>
+                </a:cubicBezTo>
+                <a:cubicBezTo>
+                  <a:pt x="3250860" y="1853873"/>
+                  <a:pt x="3250577" y="1852999"/>
+                  <a:pt x="3246570" y="1852946"/>
+                </a:cubicBezTo>
+                <a:lnTo>
+                  <a:pt x="3237810" y="1853064"/>
+                </a:lnTo>
+                <a:lnTo>
+                  <a:pt x="3230822" y="1855474"/>
+                </a:lnTo>
+                <a:cubicBezTo>
+                  <a:pt x="3206812" y="1862286"/>
+                  <a:pt x="3176733" y="1868865"/>
+                  <a:pt x="3136549" y="1874037"/>
+                </a:cubicBezTo>
+                <a:cubicBezTo>
+                  <a:pt x="3081163" y="1880168"/>
+                  <a:pt x="2902557" y="1900580"/>
+                  <a:pt x="2845754" y="1910932"/>
+                </a:cubicBezTo>
+                <a:cubicBezTo>
+                  <a:pt x="2860822" y="1944376"/>
+                  <a:pt x="2813389" y="1905358"/>
+                  <a:pt x="2786878" y="1917162"/>
+                </a:cubicBezTo>
+                <a:cubicBezTo>
+                  <a:pt x="2766803" y="1917398"/>
+                  <a:pt x="2741628" y="1915886"/>
+                  <a:pt x="2725298" y="1912340"/>
+                </a:cubicBezTo>
+                <a:cubicBezTo>
+                  <a:pt x="2716680" y="1911427"/>
+                  <a:pt x="2707572" y="1911972"/>
+                  <a:pt x="2697754" y="1914863"/>
+                </a:cubicBezTo>
+                <a:cubicBezTo>
+                  <a:pt x="2667185" y="1939014"/>
+                  <a:pt x="2622149" y="1926211"/>
+                  <a:pt x="2568063" y="1936283"/>
+                </a:cubicBezTo>
+                <a:cubicBezTo>
+                  <a:pt x="2552625" y="1932001"/>
+                  <a:pt x="2502682" y="1953378"/>
+                  <a:pt x="2489784" y="1943720"/>
+                </a:cubicBezTo>
+                <a:cubicBezTo>
+                  <a:pt x="2478524" y="1943155"/>
+                  <a:pt x="2467418" y="1949411"/>
+                  <a:pt x="2458978" y="1938095"/>
+                </a:cubicBezTo>
+                <a:cubicBezTo>
+                  <a:pt x="2417552" y="1934639"/>
+                  <a:pt x="2366376" y="1931293"/>
+                  <a:pt x="2318712" y="1934474"/>
+                </a:cubicBezTo>
+                <a:cubicBezTo>
+                  <a:pt x="2296029" y="1936526"/>
+                  <a:pt x="2282069" y="1938434"/>
+                  <a:pt x="2268709" y="1940521"/>
+                </a:cubicBezTo>
+                <a:lnTo>
+                  <a:pt x="2264080" y="1941232"/>
+                </a:lnTo>
+                <a:lnTo>
+                  <a:pt x="2254684" y="1943524"/>
+                </a:lnTo>
+                <a:lnTo>
+                  <a:pt x="2252523" y="1943004"/>
+                </a:lnTo>
+                <a:lnTo>
+                  <a:pt x="2173350" y="1929202"/>
+                </a:lnTo>
+                <a:lnTo>
+                  <a:pt x="2155266" y="1920267"/>
+                </a:lnTo>
+                <a:lnTo>
+                  <a:pt x="2091013" y="1914631"/>
+                </a:lnTo>
+                <a:cubicBezTo>
+                  <a:pt x="2033357" y="1920614"/>
+                  <a:pt x="2070513" y="1905065"/>
+                  <a:pt x="2030712" y="1897690"/>
+                </a:cubicBezTo>
+                <a:cubicBezTo>
+                  <a:pt x="1994539" y="1893055"/>
+                  <a:pt x="1958569" y="1883188"/>
+                  <a:pt x="1908838" y="1892222"/>
+                </a:cubicBezTo>
+                <a:cubicBezTo>
+                  <a:pt x="1897236" y="1896147"/>
+                  <a:pt x="1883338" y="1892415"/>
+                  <a:pt x="1877796" y="1883887"/>
+                </a:cubicBezTo>
+                <a:cubicBezTo>
+                  <a:pt x="1876842" y="1882419"/>
+                  <a:pt x="1876177" y="1880863"/>
+                  <a:pt x="1875824" y="1879265"/>
+                </a:cubicBezTo>
+                <a:cubicBezTo>
+                  <a:pt x="1843474" y="1887199"/>
+                  <a:pt x="1841511" y="1873818"/>
+                  <a:pt x="1823048" y="1881064"/>
+                </a:cubicBezTo>
+                <a:cubicBezTo>
+                  <a:pt x="1792640" y="1872164"/>
+                  <a:pt x="1782358" y="1850450"/>
+                  <a:pt x="1765736" y="1856578"/>
+                </a:cubicBezTo>
+                <a:cubicBezTo>
+                  <a:pt x="1753024" y="1849107"/>
+                  <a:pt x="1745932" y="1828316"/>
+                  <a:pt x="1725669" y="1833744"/>
+                </a:cubicBezTo>
+                <a:cubicBezTo>
+                  <a:pt x="1727428" y="1831405"/>
+                  <a:pt x="1726953" y="1830157"/>
+                  <a:pt x="1725216" y="1829447"/>
+                </a:cubicBezTo>
+                <a:lnTo>
+                  <a:pt x="1721485" y="1828960"/>
+                </a:lnTo>
+                <a:lnTo>
+                  <a:pt x="1717786" y="1832224"/>
+                </a:lnTo>
+                <a:cubicBezTo>
+                  <a:pt x="1703445" y="1843277"/>
+                  <a:pt x="1706547" y="1827935"/>
+                  <a:pt x="1689907" y="1825425"/>
+                </a:cubicBezTo>
+                <a:cubicBezTo>
+                  <a:pt x="1682338" y="1823445"/>
+                  <a:pt x="1685181" y="1820226"/>
+                  <a:pt x="1688093" y="1817391"/>
+                </a:cubicBezTo>
+                <a:lnTo>
+                  <a:pt x="1496789" y="1805297"/>
+                </a:lnTo>
+                <a:cubicBezTo>
+                  <a:pt x="1463551" y="1793913"/>
+                  <a:pt x="1426345" y="1786892"/>
+                  <a:pt x="1392839" y="1758649"/>
+                </a:cubicBezTo>
+                <a:cubicBezTo>
+                  <a:pt x="1386461" y="1750573"/>
+                  <a:pt x="1374031" y="1756918"/>
+                  <a:pt x="1360872" y="1752441"/>
+                </a:cubicBezTo>
+                <a:cubicBezTo>
+                  <a:pt x="1347711" y="1747963"/>
+                  <a:pt x="1332751" y="1735898"/>
+                  <a:pt x="1313885" y="1731785"/>
+                </a:cubicBezTo>
+                <a:cubicBezTo>
+                  <a:pt x="1281989" y="1726305"/>
+                  <a:pt x="1256405" y="1739744"/>
+                  <a:pt x="1247665" y="1727765"/>
+                </a:cubicBezTo>
+                <a:cubicBezTo>
+                  <a:pt x="1231363" y="1728538"/>
+                  <a:pt x="1209120" y="1742556"/>
+                  <a:pt x="1196850" y="1729622"/>
+                </a:cubicBezTo>
+                <a:cubicBezTo>
+                  <a:pt x="1195195" y="1740224"/>
+                  <a:pt x="1178147" y="1721561"/>
+                  <a:pt x="1168728" y="1728550"/>
+                </a:cubicBezTo>
+                <a:cubicBezTo>
+                  <a:pt x="1152073" y="1727193"/>
+                  <a:pt x="1122804" y="1725926"/>
+                  <a:pt x="1096918" y="1721485"/>
+                </a:cubicBezTo>
+                <a:lnTo>
+                  <a:pt x="1094082" y="1720113"/>
+                </a:lnTo>
+                <a:lnTo>
+                  <a:pt x="1040782" y="1721762"/>
+                </a:lnTo>
+                <a:cubicBezTo>
+                  <a:pt x="987172" y="1722352"/>
+                  <a:pt x="1023272" y="1708707"/>
+                  <a:pt x="955980" y="1719289"/>
+                </a:cubicBezTo>
+                <a:cubicBezTo>
+                  <a:pt x="948995" y="1714208"/>
+                  <a:pt x="940521" y="1713816"/>
+                  <a:pt x="926108" y="1715917"/>
+                </a:cubicBezTo>
+                <a:cubicBezTo>
+                  <a:pt x="900077" y="1715834"/>
+                  <a:pt x="902688" y="1703436"/>
+                  <a:pt x="876049" y="1710422"/>
+                </a:cubicBezTo>
+                <a:cubicBezTo>
+                  <a:pt x="881084" y="1703830"/>
+                  <a:pt x="826830" y="1706893"/>
+                  <a:pt x="839194" y="1700176"/>
+                </a:cubicBezTo>
+                <a:cubicBezTo>
+                  <a:pt x="822548" y="1693764"/>
+                  <a:pt x="813674" y="1703628"/>
+                  <a:pt x="797112" y="1698014"/>
+                </a:cubicBezTo>
+                <a:cubicBezTo>
+                  <a:pt x="778195" y="1696418"/>
+                  <a:pt x="807647" y="1705364"/>
+                  <a:pt x="786610" y="1705455"/>
+                </a:cubicBezTo>
+                <a:cubicBezTo>
+                  <a:pt x="761170" y="1704357"/>
+                  <a:pt x="760599" y="1716610"/>
+                  <a:pt x="741833" y="1700566"/>
+                </a:cubicBezTo>
+                <a:lnTo>
+                  <a:pt x="673985" y="1692278"/>
+                </a:lnTo>
+                <a:cubicBezTo>
+                  <a:pt x="658515" y="1695829"/>
+                  <a:pt x="646395" y="1693620"/>
+                  <a:pt x="634665" y="1689550"/>
+                </a:cubicBezTo>
+                <a:cubicBezTo>
+                  <a:pt x="599149" y="1689690"/>
+                  <a:pt x="567176" y="1683160"/>
+                  <a:pt x="527471" y="1679869"/>
+                </a:cubicBezTo>
+                <a:cubicBezTo>
+                  <a:pt x="484099" y="1683240"/>
+                  <a:pt x="462693" y="1671949"/>
+                  <a:pt x="420260" y="1668475"/>
+                </a:cubicBezTo>
+                <a:cubicBezTo>
+                  <a:pt x="377482" y="1677390"/>
+                  <a:pt x="393500" y="1652730"/>
+                  <a:pt x="357630" y="1652142"/>
+                </a:cubicBezTo>
+                <a:cubicBezTo>
+                  <a:pt x="298692" y="1659518"/>
+                  <a:pt x="359631" y="1643849"/>
+                  <a:pt x="269407" y="1643812"/>
+                </a:cubicBezTo>
+                <a:cubicBezTo>
+                  <a:pt x="264204" y="1645215"/>
+                  <a:pt x="253436" y="1643159"/>
+                  <a:pt x="254769" y="1641013"/>
+                </a:cubicBezTo>
+                <a:cubicBezTo>
+                  <a:pt x="234996" y="1641090"/>
+                  <a:pt x="179093" y="1626583"/>
+                  <a:pt x="150763" y="1628143"/>
+                </a:cubicBezTo>
+                <a:cubicBezTo>
+                  <a:pt x="96232" y="1619954"/>
+                  <a:pt x="68845" y="1629422"/>
+                  <a:pt x="29133" y="1626172"/>
+                </a:cubicBezTo>
+                <a:lnTo>
+                  <a:pt x="0" y="1619589"/>
+                </a:lnTo>
+                <a:close/>
+              </a:path>
+            </a:pathLst>
+          </a:custGeom>
+          <a:solidFill>
+            <a:srgbClr val="82766A">
+              <a:alpha val="15000"/>
+            </a:srgbClr>
+          </a:solidFill>
+          <a:ln w="12700" cap="flat" cmpd="sng" algn="ctr">
+            <a:noFill/>
+            <a:prstDash val="solid"/>
+            <a:miter lim="800000"/>
+          </a:ln>
+          <a:effectLst/>
+        </p:spPr>
+        <p:style>
+          <a:lnRef idx="2">
+            <a:schemeClr val="accent1">
+              <a:shade val="50000"/>
+            </a:schemeClr>
+          </a:lnRef>
+          <a:fillRef idx="1">
+            <a:schemeClr val="accent1"/>
+          </a:fillRef>
+          <a:effectRef idx="0">
+            <a:schemeClr val="accent1"/>
+          </a:effectRef>
+          <a:fontRef idx="minor">
+            <a:schemeClr val="lt1"/>
+          </a:fontRef>
+        </p:style>
+        <p:txBody>
+          <a:bodyPr wrap="square" rtlCol="0" anchor="ctr">
+            <a:noAutofit/>
+          </a:bodyPr>
+          <a:lstStyle/>
+          <a:p>
+            <a:pPr algn="ctr"/>
+            <a:endParaRPr lang="en-US"/>
+          </a:p>
+        </p:txBody>
+      </p:sp>
+      <p:sp>
+        <p:nvSpPr>
+          <p:cNvPr id="2" name="Title 1">
+            <a:extLst>
+              <a:ext uri="{FF2B5EF4-FFF2-40B4-BE49-F238E27FC236}">
+                <a16:creationId xmlns:a16="http://schemas.microsoft.com/office/drawing/2014/main" id="{F1087AB2-5C8E-9A18-E1C5-E04A10A423B7}"/>
+              </a:ext>
+            </a:extLst>
+          </p:cNvPr>
+          <p:cNvSpPr>
+            <a:spLocks noGrp="1"/>
+          </p:cNvSpPr>
+          <p:nvPr>
+            <p:ph type="title"/>
+          </p:nvPr>
+        </p:nvSpPr>
+        <p:spPr>
+          <a:xfrm>
+            <a:off x="828675" y="494414"/>
+            <a:ext cx="10534650" cy="817403"/>
+          </a:xfrm>
+        </p:spPr>
+        <p:txBody>
+          <a:bodyPr vert="horz" lIns="91440" tIns="45720" rIns="91440" bIns="45720" rtlCol="0" anchor="b">
+            <a:normAutofit/>
+          </a:bodyPr>
+          <a:lstStyle/>
+          <a:p>
+            <a:pPr algn="ctr"/>
+            <a:r>
+              <a:rPr lang="en-US" sz="3600" kern="1200">
+                <a:solidFill>
+                  <a:schemeClr val="tx1"/>
+                </a:solidFill>
+                <a:latin typeface="+mj-lt"/>
+                <a:ea typeface="+mj-ea"/>
+                <a:cs typeface="+mj-cs"/>
+              </a:rPr>
+              <a:t>Overdracht</a:t>
+            </a:r>
+          </a:p>
+        </p:txBody>
+      </p:sp>
+      <p:pic>
+        <p:nvPicPr>
+          <p:cNvPr id="5" name="Content Placeholder 4">
+            <a:extLst>
+              <a:ext uri="{FF2B5EF4-FFF2-40B4-BE49-F238E27FC236}">
+                <a16:creationId xmlns:a16="http://schemas.microsoft.com/office/drawing/2014/main" id="{8F68635B-A80F-4FC6-786B-406F6BBCBCBF}"/>
+              </a:ext>
+            </a:extLst>
+          </p:cNvPr>
+          <p:cNvPicPr>
+            <a:picLocks noGrp="1" noChangeAspect="1"/>
+          </p:cNvPicPr>
+          <p:nvPr>
+            <p:ph idx="1"/>
+          </p:nvPr>
+        </p:nvPicPr>
+        <p:blipFill>
+          <a:blip r:embed="rId2"/>
+          <a:stretch>
+            <a:fillRect/>
+          </a:stretch>
+        </p:blipFill>
+        <p:spPr>
+          <a:xfrm>
+            <a:off x="723900" y="2434617"/>
+            <a:ext cx="10744200" cy="3787329"/>
+          </a:xfrm>
+          <a:prstGeom prst="rect">
+            <a:avLst/>
+          </a:prstGeom>
+        </p:spPr>
+      </p:pic>
+    </p:spTree>
+    <p:extLst>
+      <p:ext uri="{BB962C8B-B14F-4D97-AF65-F5344CB8AC3E}">
+        <p14:creationId xmlns:p14="http://schemas.microsoft.com/office/powerpoint/2010/main" val="3088315339"/>
+      </p:ext>
+    </p:extLst>
+  </p:cSld>
+  <p:clrMapOvr>
+    <a:masterClrMapping/>
+  </p:clrMapOvr>
+</p:sld>
+</file>
+
+<file path=ppt/slides/slide11.xml><?xml version="1.0" encoding="utf-8"?>
+<p:sld xmlns:a="http://schemas.openxmlformats.org/drawingml/2006/main" xmlns:r="http://schemas.openxmlformats.org/officeDocument/2006/relationships" xmlns:p="http://schemas.openxmlformats.org/presentationml/2006/main">
+  <p:cSld>
+    <p:bg>
+      <p:bgPr>
+        <a:solidFill>
+          <a:schemeClr val="bg1"/>
+        </a:solidFill>
+        <a:effectLst/>
+      </p:bgPr>
+    </p:bg>
     <p:spTree>
       <p:nvGrpSpPr>
         <p:cNvPr id="1" name=""/>
@@ -3345,10 +6554,199 @@
       </p:grpSpPr>
       <p:sp>
         <p:nvSpPr>
+          <p:cNvPr id="4103" name="Rectangle 4102">
+            <a:extLst>
+              <a:ext uri="{FF2B5EF4-FFF2-40B4-BE49-F238E27FC236}">
+                <a16:creationId xmlns:a16="http://schemas.microsoft.com/office/drawing/2014/main" id="{08E89D5E-1885-4160-AC77-CC471DD1D0DB}"/>
+              </a:ext>
+              <a:ext uri="{C183D7F6-B498-43B3-948B-1728B52AA6E4}">
+                <adec:decorative xmlns:adec="http://schemas.microsoft.com/office/drawing/2017/decorative" val="1"/>
+              </a:ext>
+            </a:extLst>
+          </p:cNvPr>
+          <p:cNvSpPr>
+            <a:spLocks noGrp="1" noRot="1" noChangeAspect="1" noMove="1" noResize="1" noEditPoints="1" noAdjustHandles="1" noChangeArrowheads="1" noChangeShapeType="1" noTextEdit="1"/>
+          </p:cNvSpPr>
+          <p:nvPr>
+            <p:extLst>
+              <p:ext uri="{386F3935-93C4-4BCD-93E2-E3B085C9AB24}">
+                <p16:designElem xmlns:p16="http://schemas.microsoft.com/office/powerpoint/2015/main" val="1"/>
+              </p:ext>
+            </p:extLst>
+          </p:nvPr>
+        </p:nvSpPr>
+        <p:spPr>
+          <a:xfrm>
+            <a:off x="0" y="0"/>
+            <a:ext cx="4636008" cy="6858000"/>
+          </a:xfrm>
+          <a:prstGeom prst="rect">
+            <a:avLst/>
+          </a:prstGeom>
+          <a:ln>
+            <a:noFill/>
+          </a:ln>
+        </p:spPr>
+        <p:style>
+          <a:lnRef idx="2">
+            <a:schemeClr val="accent1">
+              <a:shade val="50000"/>
+            </a:schemeClr>
+          </a:lnRef>
+          <a:fillRef idx="1">
+            <a:schemeClr val="accent1"/>
+          </a:fillRef>
+          <a:effectRef idx="0">
+            <a:schemeClr val="accent1"/>
+          </a:effectRef>
+          <a:fontRef idx="minor">
+            <a:schemeClr val="lt1"/>
+          </a:fontRef>
+        </p:style>
+        <p:txBody>
+          <a:bodyPr rtlCol="0" anchor="ctr"/>
+          <a:lstStyle/>
+          <a:p>
+            <a:pPr algn="ctr"/>
+            <a:endParaRPr lang="en-US"/>
+          </a:p>
+        </p:txBody>
+      </p:sp>
+      <p:cxnSp>
+        <p:nvCxnSpPr>
+          <p:cNvPr id="4105" name="Straight Connector 4104">
+            <a:extLst>
+              <a:ext uri="{FF2B5EF4-FFF2-40B4-BE49-F238E27FC236}">
+                <a16:creationId xmlns:a16="http://schemas.microsoft.com/office/drawing/2014/main" id="{550D2BD1-98F9-412D-905B-3A843EF4078B}"/>
+              </a:ext>
+              <a:ext uri="{C183D7F6-B498-43B3-948B-1728B52AA6E4}">
+                <adec:decorative xmlns:adec="http://schemas.microsoft.com/office/drawing/2017/decorative" val="1"/>
+              </a:ext>
+            </a:extLst>
+          </p:cNvPr>
+          <p:cNvCxnSpPr>
+            <a:cxnSpLocks noGrp="1" noRot="1" noChangeAspect="1" noMove="1" noResize="1" noEditPoints="1" noAdjustHandles="1" noChangeArrowheads="1" noChangeShapeType="1"/>
+          </p:cNvCxnSpPr>
+          <p:nvPr>
+            <p:extLst>
+              <p:ext uri="{386F3935-93C4-4BCD-93E2-E3B085C9AB24}">
+                <p16:designElem xmlns:p16="http://schemas.microsoft.com/office/powerpoint/2015/main" val="1"/>
+              </p:ext>
+            </p:extLst>
+          </p:nvPr>
+        </p:nvCxnSpPr>
+        <p:spPr>
+          <a:xfrm flipV="1">
+            <a:off x="585216" y="2971800"/>
+            <a:ext cx="0" cy="914400"/>
+          </a:xfrm>
+          <a:prstGeom prst="line">
+            <a:avLst/>
+          </a:prstGeom>
+          <a:ln w="19050">
+            <a:solidFill>
+              <a:srgbClr val="FFFFFF">
+                <a:alpha val="80000"/>
+              </a:srgbClr>
+            </a:solidFill>
+          </a:ln>
+        </p:spPr>
+        <p:style>
+          <a:lnRef idx="1">
+            <a:schemeClr val="accent1"/>
+          </a:lnRef>
+          <a:fillRef idx="0">
+            <a:schemeClr val="accent1"/>
+          </a:fillRef>
+          <a:effectRef idx="0">
+            <a:schemeClr val="accent1"/>
+          </a:effectRef>
+          <a:fontRef idx="minor">
+            <a:schemeClr val="tx1"/>
+          </a:fontRef>
+        </p:style>
+      </p:cxnSp>
+      <p:pic>
+        <p:nvPicPr>
+          <p:cNvPr id="4098" name="Picture 2" descr="Three Devastating Problems To Look Out For While Game Testing | Student  Resources">
+            <a:extLst>
+              <a:ext uri="{FF2B5EF4-FFF2-40B4-BE49-F238E27FC236}">
+                <a16:creationId xmlns:a16="http://schemas.microsoft.com/office/drawing/2014/main" id="{A38EFC34-FF18-B209-2761-0FE281EEA5B8}"/>
+              </a:ext>
+            </a:extLst>
+          </p:cNvPr>
+          <p:cNvPicPr>
+            <a:picLocks noChangeAspect="1" noChangeArrowheads="1"/>
+          </p:cNvPicPr>
+          <p:nvPr/>
+        </p:nvPicPr>
+        <p:blipFill>
+          <a:blip r:embed="rId2">
+            <a:extLst>
+              <a:ext uri="{28A0092B-C50C-407E-A947-70E740481C1C}">
+                <a14:useLocalDpi xmlns:a14="http://schemas.microsoft.com/office/drawing/2010/main" val="0"/>
+              </a:ext>
+            </a:extLst>
+          </a:blip>
+          <a:srcRect/>
+          <a:stretch>
+            <a:fillRect/>
+          </a:stretch>
+        </p:blipFill>
+        <p:spPr bwMode="auto">
+          <a:xfrm>
+            <a:off x="5280025" y="690563"/>
+            <a:ext cx="6269038" cy="4162425"/>
+          </a:xfrm>
+          <a:prstGeom prst="rect">
+            <a:avLst/>
+          </a:prstGeom>
+          <a:extLst>
+            <a:ext uri="{909E8E84-426E-40DD-AFC4-6F175D3DCCD1}">
+              <a14:hiddenFill xmlns:a14="http://schemas.microsoft.com/office/drawing/2010/main">
+                <a:solidFill>
+                  <a:srgbClr val="FFFFFF"/>
+                </a:solidFill>
+              </a14:hiddenFill>
+            </a:ext>
+          </a:extLst>
+        </p:spPr>
+      </p:pic>
+      <p:pic>
+        <p:nvPicPr>
+          <p:cNvPr id="5" name="Content Placeholder 4">
+            <a:extLst>
+              <a:ext uri="{FF2B5EF4-FFF2-40B4-BE49-F238E27FC236}">
+                <a16:creationId xmlns:a16="http://schemas.microsoft.com/office/drawing/2014/main" id="{CFA7DC55-66F9-3A60-45B0-B7BA16FE795E}"/>
+              </a:ext>
+            </a:extLst>
+          </p:cNvPr>
+          <p:cNvPicPr>
+            <a:picLocks noGrp="1" noChangeAspect="1"/>
+          </p:cNvPicPr>
+          <p:nvPr>
+            <p:ph idx="1"/>
+          </p:nvPr>
+        </p:nvPicPr>
+        <p:blipFill>
+          <a:blip r:embed="rId3"/>
+          <a:stretch>
+            <a:fillRect/>
+          </a:stretch>
+        </p:blipFill>
+        <p:spPr>
+          <a:xfrm>
+            <a:off x="5280025" y="4919663"/>
+            <a:ext cx="6269038" cy="1247775"/>
+          </a:xfrm>
+        </p:spPr>
+      </p:pic>
+      <p:sp>
+        <p:nvSpPr>
           <p:cNvPr id="2" name="Title 1">
             <a:extLst>
               <a:ext uri="{FF2B5EF4-FFF2-40B4-BE49-F238E27FC236}">
-                <a16:creationId xmlns:a16="http://schemas.microsoft.com/office/drawing/2014/main" id="{439DB3ED-EF88-AD44-05E3-38FFBE9C5657}"/>
+                <a16:creationId xmlns:a16="http://schemas.microsoft.com/office/drawing/2014/main" id="{4C7B397A-CB2E-ABE7-A8F7-72480DCF354C}"/>
               </a:ext>
             </a:extLst>
           </p:cNvPr>
@@ -3356,13 +6754,13 @@
             <a:spLocks noGrp="1"/>
           </p:cNvSpPr>
           <p:nvPr>
-            <p:ph type="ctrTitle"/>
+            <p:ph type="title"/>
           </p:nvPr>
         </p:nvSpPr>
         <p:spPr>
           <a:xfrm>
-            <a:off x="1524000" y="1122363"/>
-            <a:ext cx="9144000" cy="1056633"/>
+            <a:off x="943277" y="712269"/>
+            <a:ext cx="3370998" cy="5502264"/>
           </a:xfrm>
         </p:spPr>
         <p:txBody>
@@ -3372,41 +6770,12 @@
           <a:lstStyle/>
           <a:p>
             <a:r>
-              <a:rPr lang="nl-NL" dirty="0"/>
-              <a:t>Game development examen</a:t>
-            </a:r>
-          </a:p>
-        </p:txBody>
-      </p:sp>
-      <p:sp>
-        <p:nvSpPr>
-          <p:cNvPr id="3" name="Subtitle 2">
-            <a:extLst>
-              <a:ext uri="{FF2B5EF4-FFF2-40B4-BE49-F238E27FC236}">
-                <a16:creationId xmlns:a16="http://schemas.microsoft.com/office/drawing/2014/main" id="{94897277-AFB3-4B89-36E0-5B0F3C4F816E}"/>
-              </a:ext>
-            </a:extLst>
-          </p:cNvPr>
-          <p:cNvSpPr>
-            <a:spLocks noGrp="1"/>
-          </p:cNvSpPr>
-          <p:nvPr>
-            <p:ph type="subTitle" idx="1"/>
-          </p:nvPr>
-        </p:nvSpPr>
-        <p:spPr>
-          <a:xfrm>
-            <a:off x="1524000" y="4679004"/>
-            <a:ext cx="9144000" cy="578795"/>
-          </a:xfrm>
-        </p:spPr>
-        <p:txBody>
-          <a:bodyPr/>
-          <a:lstStyle/>
-          <a:p>
-            <a:r>
-              <a:rPr lang="nl-NL" dirty="0"/>
-              <a:t>Sam Mayer</a:t>
+              <a:rPr lang="nl-NL">
+                <a:solidFill>
+                  <a:srgbClr val="FFFFFF"/>
+                </a:solidFill>
+              </a:rPr>
+              <a:t>Test resultaat</a:t>
             </a:r>
           </a:p>
         </p:txBody>
@@ -3414,7 +6783,2490 @@
     </p:spTree>
     <p:extLst>
       <p:ext uri="{BB962C8B-B14F-4D97-AF65-F5344CB8AC3E}">
-        <p14:creationId xmlns:p14="http://schemas.microsoft.com/office/powerpoint/2010/main" val="2779528371"/>
+        <p14:creationId xmlns:p14="http://schemas.microsoft.com/office/powerpoint/2010/main" val="4270743911"/>
+      </p:ext>
+    </p:extLst>
+  </p:cSld>
+  <p:clrMapOvr>
+    <a:masterClrMapping/>
+  </p:clrMapOvr>
+</p:sld>
+</file>
+
+<file path=ppt/slides/slide12.xml><?xml version="1.0" encoding="utf-8"?>
+<p:sld xmlns:a="http://schemas.openxmlformats.org/drawingml/2006/main" xmlns:r="http://schemas.openxmlformats.org/officeDocument/2006/relationships" xmlns:p="http://schemas.openxmlformats.org/presentationml/2006/main">
+  <p:cSld>
+    <p:bg>
+      <p:bgPr>
+        <a:solidFill>
+          <a:schemeClr val="bg1"/>
+        </a:solidFill>
+        <a:effectLst/>
+      </p:bgPr>
+    </p:bg>
+    <p:spTree>
+      <p:nvGrpSpPr>
+        <p:cNvPr id="1" name=""/>
+        <p:cNvGrpSpPr/>
+        <p:nvPr/>
+      </p:nvGrpSpPr>
+      <p:grpSpPr>
+        <a:xfrm>
+          <a:off x="0" y="0"/>
+          <a:ext cx="0" cy="0"/>
+          <a:chOff x="0" y="0"/>
+          <a:chExt cx="0" cy="0"/>
+        </a:xfrm>
+      </p:grpSpPr>
+      <p:sp>
+        <p:nvSpPr>
+          <p:cNvPr id="5127" name="Rectangle 5126">
+            <a:extLst>
+              <a:ext uri="{FF2B5EF4-FFF2-40B4-BE49-F238E27FC236}">
+                <a16:creationId xmlns:a16="http://schemas.microsoft.com/office/drawing/2014/main" id="{C5E6CFF1-2F42-4E10-9A97-F116F46F53FE}"/>
+              </a:ext>
+              <a:ext uri="{C183D7F6-B498-43B3-948B-1728B52AA6E4}">
+                <adec:decorative xmlns:adec="http://schemas.microsoft.com/office/drawing/2017/decorative" val="1"/>
+              </a:ext>
+            </a:extLst>
+          </p:cNvPr>
+          <p:cNvSpPr>
+            <a:spLocks noGrp="1" noRot="1" noChangeAspect="1" noMove="1" noResize="1" noEditPoints="1" noAdjustHandles="1" noChangeArrowheads="1" noChangeShapeType="1" noTextEdit="1"/>
+          </p:cNvSpPr>
+          <p:nvPr>
+            <p:extLst>
+              <p:ext uri="{386F3935-93C4-4BCD-93E2-E3B085C9AB24}">
+                <p16:designElem xmlns:p16="http://schemas.microsoft.com/office/powerpoint/2015/main" val="1"/>
+              </p:ext>
+            </p:extLst>
+          </p:nvPr>
+        </p:nvSpPr>
+        <p:spPr>
+          <a:xfrm>
+            <a:off x="0" y="0"/>
+            <a:ext cx="12192000" cy="6858000"/>
+          </a:xfrm>
+          <a:prstGeom prst="rect">
+            <a:avLst/>
+          </a:prstGeom>
+          <a:solidFill>
+            <a:srgbClr val="000000"/>
+          </a:solidFill>
+          <a:ln>
+            <a:noFill/>
+          </a:ln>
+        </p:spPr>
+        <p:style>
+          <a:lnRef idx="2">
+            <a:schemeClr val="accent1">
+              <a:shade val="50000"/>
+            </a:schemeClr>
+          </a:lnRef>
+          <a:fillRef idx="1">
+            <a:schemeClr val="accent1"/>
+          </a:fillRef>
+          <a:effectRef idx="0">
+            <a:schemeClr val="accent1"/>
+          </a:effectRef>
+          <a:fontRef idx="minor">
+            <a:schemeClr val="lt1"/>
+          </a:fontRef>
+        </p:style>
+        <p:txBody>
+          <a:bodyPr rtlCol="0" anchor="ctr"/>
+          <a:lstStyle/>
+          <a:p>
+            <a:pPr algn="ctr"/>
+            <a:endParaRPr lang="en-US"/>
+          </a:p>
+        </p:txBody>
+      </p:sp>
+      <p:pic>
+        <p:nvPicPr>
+          <p:cNvPr id="5122" name="Picture 2" descr="Hoe ziet de toekomst van banken eruit?">
+            <a:extLst>
+              <a:ext uri="{FF2B5EF4-FFF2-40B4-BE49-F238E27FC236}">
+                <a16:creationId xmlns:a16="http://schemas.microsoft.com/office/drawing/2014/main" id="{06CD04D0-CF17-2003-8350-6F6BC7620375}"/>
+              </a:ext>
+            </a:extLst>
+          </p:cNvPr>
+          <p:cNvPicPr>
+            <a:picLocks noChangeAspect="1" noChangeArrowheads="1"/>
+          </p:cNvPicPr>
+          <p:nvPr/>
+        </p:nvPicPr>
+        <p:blipFill rotWithShape="1">
+          <a:blip r:embed="rId2">
+            <a:alphaModFix amt="35000"/>
+            <a:extLst>
+              <a:ext uri="{28A0092B-C50C-407E-A947-70E740481C1C}">
+                <a14:useLocalDpi xmlns:a14="http://schemas.microsoft.com/office/drawing/2010/main" val="0"/>
+              </a:ext>
+            </a:extLst>
+          </a:blip>
+          <a:srcRect b="1747"/>
+          <a:stretch/>
+        </p:blipFill>
+        <p:spPr bwMode="auto">
+          <a:xfrm>
+            <a:off x="20" y="1"/>
+            <a:ext cx="12191980" cy="6857999"/>
+          </a:xfrm>
+          <a:prstGeom prst="rect">
+            <a:avLst/>
+          </a:prstGeom>
+          <a:noFill/>
+          <a:extLst>
+            <a:ext uri="{909E8E84-426E-40DD-AFC4-6F175D3DCCD1}">
+              <a14:hiddenFill xmlns:a14="http://schemas.microsoft.com/office/drawing/2010/main">
+                <a:solidFill>
+                  <a:srgbClr val="FFFFFF"/>
+                </a:solidFill>
+              </a14:hiddenFill>
+            </a:ext>
+          </a:extLst>
+        </p:spPr>
+      </p:pic>
+      <p:sp>
+        <p:nvSpPr>
+          <p:cNvPr id="2" name="Title 1">
+            <a:extLst>
+              <a:ext uri="{FF2B5EF4-FFF2-40B4-BE49-F238E27FC236}">
+                <a16:creationId xmlns:a16="http://schemas.microsoft.com/office/drawing/2014/main" id="{1D375628-3DD5-3644-E68B-1EA03C115DA6}"/>
+              </a:ext>
+            </a:extLst>
+          </p:cNvPr>
+          <p:cNvSpPr>
+            <a:spLocks noGrp="1"/>
+          </p:cNvSpPr>
+          <p:nvPr>
+            <p:ph type="title"/>
+          </p:nvPr>
+        </p:nvSpPr>
+        <p:spPr>
+          <a:xfrm>
+            <a:off x="838201" y="1065862"/>
+            <a:ext cx="3313164" cy="4726276"/>
+          </a:xfrm>
+        </p:spPr>
+        <p:txBody>
+          <a:bodyPr>
+            <a:normAutofit/>
+          </a:bodyPr>
+          <a:lstStyle/>
+          <a:p>
+            <a:pPr algn="r"/>
+            <a:r>
+              <a:rPr lang="nl-NL" sz="4000">
+                <a:solidFill>
+                  <a:srgbClr val="FFFFFF"/>
+                </a:solidFill>
+              </a:rPr>
+              <a:t>Toekomst</a:t>
+            </a:r>
+          </a:p>
+        </p:txBody>
+      </p:sp>
+      <p:cxnSp>
+        <p:nvCxnSpPr>
+          <p:cNvPr id="5129" name="Straight Connector 5128">
+            <a:extLst>
+              <a:ext uri="{FF2B5EF4-FFF2-40B4-BE49-F238E27FC236}">
+                <a16:creationId xmlns:a16="http://schemas.microsoft.com/office/drawing/2014/main" id="{67182200-4859-4C8D-BCBB-55B245C28BA3}"/>
+              </a:ext>
+              <a:ext uri="{C183D7F6-B498-43B3-948B-1728B52AA6E4}">
+                <adec:decorative xmlns:adec="http://schemas.microsoft.com/office/drawing/2017/decorative" val="1"/>
+              </a:ext>
+            </a:extLst>
+          </p:cNvPr>
+          <p:cNvCxnSpPr>
+            <a:cxnSpLocks noGrp="1" noRot="1" noChangeAspect="1" noMove="1" noResize="1" noEditPoints="1" noAdjustHandles="1" noChangeArrowheads="1" noChangeShapeType="1"/>
+          </p:cNvCxnSpPr>
+          <p:nvPr>
+            <p:extLst>
+              <p:ext uri="{386F3935-93C4-4BCD-93E2-E3B085C9AB24}">
+                <p16:designElem xmlns:p16="http://schemas.microsoft.com/office/powerpoint/2015/main" val="1"/>
+              </p:ext>
+            </p:extLst>
+          </p:nvPr>
+        </p:nvCxnSpPr>
+        <p:spPr>
+          <a:xfrm>
+            <a:off x="4653372" y="2286000"/>
+            <a:ext cx="0" cy="2286000"/>
+          </a:xfrm>
+          <a:prstGeom prst="line">
+            <a:avLst/>
+          </a:prstGeom>
+          <a:ln w="15875">
+            <a:solidFill>
+              <a:srgbClr val="FFFFFF"/>
+            </a:solidFill>
+          </a:ln>
+        </p:spPr>
+        <p:style>
+          <a:lnRef idx="1">
+            <a:schemeClr val="accent1"/>
+          </a:lnRef>
+          <a:fillRef idx="0">
+            <a:schemeClr val="accent1"/>
+          </a:fillRef>
+          <a:effectRef idx="0">
+            <a:schemeClr val="accent1"/>
+          </a:effectRef>
+          <a:fontRef idx="minor">
+            <a:schemeClr val="tx1"/>
+          </a:fontRef>
+        </p:style>
+      </p:cxnSp>
+      <p:sp>
+        <p:nvSpPr>
+          <p:cNvPr id="3" name="Content Placeholder 2">
+            <a:extLst>
+              <a:ext uri="{FF2B5EF4-FFF2-40B4-BE49-F238E27FC236}">
+                <a16:creationId xmlns:a16="http://schemas.microsoft.com/office/drawing/2014/main" id="{96C7BF06-CE5F-3BC1-ED7E-16BBF095FA92}"/>
+              </a:ext>
+            </a:extLst>
+          </p:cNvPr>
+          <p:cNvSpPr>
+            <a:spLocks noGrp="1"/>
+          </p:cNvSpPr>
+          <p:nvPr>
+            <p:ph idx="1"/>
+          </p:nvPr>
+        </p:nvSpPr>
+        <p:spPr>
+          <a:xfrm>
+            <a:off x="5155379" y="1065862"/>
+            <a:ext cx="5744685" cy="4726276"/>
+          </a:xfrm>
+        </p:spPr>
+        <p:txBody>
+          <a:bodyPr anchor="ctr">
+            <a:normAutofit/>
+          </a:bodyPr>
+          <a:lstStyle/>
+          <a:p>
+            <a:r>
+              <a:rPr lang="nl-NL" sz="2000">
+                <a:solidFill>
+                  <a:srgbClr val="FFFFFF"/>
+                </a:solidFill>
+              </a:rPr>
+              <a:t>Smoother</a:t>
+            </a:r>
+          </a:p>
+          <a:p>
+            <a:r>
+              <a:rPr lang="nl-NL" sz="2000">
+                <a:solidFill>
+                  <a:srgbClr val="FFFFFF"/>
+                </a:solidFill>
+              </a:rPr>
+              <a:t>Levels</a:t>
+            </a:r>
+          </a:p>
+          <a:p>
+            <a:r>
+              <a:rPr lang="nl-NL" sz="2000">
+                <a:solidFill>
+                  <a:srgbClr val="FFFFFF"/>
+                </a:solidFill>
+              </a:rPr>
+              <a:t>Mik animatie</a:t>
+            </a:r>
+          </a:p>
+          <a:p>
+            <a:r>
+              <a:rPr lang="nl-NL" sz="2000">
+                <a:solidFill>
+                  <a:srgbClr val="FFFFFF"/>
+                </a:solidFill>
+              </a:rPr>
+              <a:t>Meer geluiden</a:t>
+            </a:r>
+          </a:p>
+          <a:p>
+            <a:endParaRPr lang="nl-NL" sz="2000">
+              <a:solidFill>
+                <a:srgbClr val="FFFFFF"/>
+              </a:solidFill>
+            </a:endParaRPr>
+          </a:p>
+          <a:p>
+            <a:endParaRPr lang="nl-NL" sz="2000">
+              <a:solidFill>
+                <a:srgbClr val="FFFFFF"/>
+              </a:solidFill>
+            </a:endParaRPr>
+          </a:p>
+        </p:txBody>
+      </p:sp>
+    </p:spTree>
+    <p:extLst>
+      <p:ext uri="{BB962C8B-B14F-4D97-AF65-F5344CB8AC3E}">
+        <p14:creationId xmlns:p14="http://schemas.microsoft.com/office/powerpoint/2010/main" val="915564074"/>
+      </p:ext>
+    </p:extLst>
+  </p:cSld>
+  <p:clrMapOvr>
+    <a:overrideClrMapping bg1="dk1" tx1="lt1" bg2="dk2" tx2="lt2" accent1="accent1" accent2="accent2" accent3="accent3" accent4="accent4" accent5="accent5" accent6="accent6" hlink="hlink" folHlink="folHlink"/>
+  </p:clrMapOvr>
+</p:sld>
+</file>
+
+<file path=ppt/slides/slide13.xml><?xml version="1.0" encoding="utf-8"?>
+<p:sld xmlns:a="http://schemas.openxmlformats.org/drawingml/2006/main" xmlns:r="http://schemas.openxmlformats.org/officeDocument/2006/relationships" xmlns:p="http://schemas.openxmlformats.org/presentationml/2006/main">
+  <p:cSld>
+    <p:bg>
+      <p:bgPr>
+        <a:solidFill>
+          <a:schemeClr val="bg1"/>
+        </a:solidFill>
+        <a:effectLst/>
+      </p:bgPr>
+    </p:bg>
+    <p:spTree>
+      <p:nvGrpSpPr>
+        <p:cNvPr id="1" name=""/>
+        <p:cNvGrpSpPr/>
+        <p:nvPr/>
+      </p:nvGrpSpPr>
+      <p:grpSpPr>
+        <a:xfrm>
+          <a:off x="0" y="0"/>
+          <a:ext cx="0" cy="0"/>
+          <a:chOff x="0" y="0"/>
+          <a:chExt cx="0" cy="0"/>
+        </a:xfrm>
+      </p:grpSpPr>
+      <p:sp useBgFill="1">
+        <p:nvSpPr>
+          <p:cNvPr id="6151" name="Rectangle 6150">
+            <a:extLst>
+              <a:ext uri="{FF2B5EF4-FFF2-40B4-BE49-F238E27FC236}">
+                <a16:creationId xmlns:a16="http://schemas.microsoft.com/office/drawing/2014/main" id="{0E91F5CA-B392-444C-88E3-BF5BAAEBDEB0}"/>
+              </a:ext>
+              <a:ext uri="{C183D7F6-B498-43B3-948B-1728B52AA6E4}">
+                <adec:decorative xmlns:adec="http://schemas.microsoft.com/office/drawing/2017/decorative" val="1"/>
+              </a:ext>
+            </a:extLst>
+          </p:cNvPr>
+          <p:cNvSpPr>
+            <a:spLocks noGrp="1" noRot="1" noChangeAspect="1" noMove="1" noResize="1" noEditPoints="1" noAdjustHandles="1" noChangeArrowheads="1" noChangeShapeType="1" noTextEdit="1"/>
+          </p:cNvSpPr>
+          <p:nvPr>
+            <p:extLst>
+              <p:ext uri="{386F3935-93C4-4BCD-93E2-E3B085C9AB24}">
+                <p16:designElem xmlns:p16="http://schemas.microsoft.com/office/powerpoint/2015/main" val="1"/>
+              </p:ext>
+            </p:extLst>
+          </p:nvPr>
+        </p:nvSpPr>
+        <p:spPr>
+          <a:xfrm>
+            <a:off x="0" y="0"/>
+            <a:ext cx="12192000" cy="6858000"/>
+          </a:xfrm>
+          <a:prstGeom prst="rect">
+            <a:avLst/>
+          </a:prstGeom>
+          <a:ln w="12700" cap="flat" cmpd="sng" algn="ctr">
+            <a:noFill/>
+            <a:prstDash val="solid"/>
+            <a:miter lim="800000"/>
+          </a:ln>
+          <a:effectLst/>
+          <a:extLst>
+            <a:ext uri="{91240B29-F687-4F45-9708-019B960494DF}">
+              <a14:hiddenLine xmlns:a14="http://schemas.microsoft.com/office/drawing/2010/main" w="12700" cap="flat" cmpd="sng" algn="ctr">
+                <a:solidFill>
+                  <a:schemeClr val="accent1">
+                    <a:shade val="50000"/>
+                  </a:schemeClr>
+                </a:solidFill>
+                <a:prstDash val="solid"/>
+                <a:miter lim="800000"/>
+              </a14:hiddenLine>
+            </a:ext>
+          </a:extLst>
+        </p:spPr>
+        <p:style>
+          <a:lnRef idx="2">
+            <a:schemeClr val="accent1">
+              <a:shade val="50000"/>
+            </a:schemeClr>
+          </a:lnRef>
+          <a:fillRef idx="1">
+            <a:schemeClr val="accent1"/>
+          </a:fillRef>
+          <a:effectRef idx="0">
+            <a:schemeClr val="accent1"/>
+          </a:effectRef>
+          <a:fontRef idx="minor">
+            <a:schemeClr val="lt1"/>
+          </a:fontRef>
+        </p:style>
+        <p:txBody>
+          <a:bodyPr rtlCol="0" anchor="ctr"/>
+          <a:lstStyle/>
+          <a:p>
+            <a:pPr algn="ctr"/>
+            <a:endParaRPr lang="en-US"/>
+          </a:p>
+        </p:txBody>
+      </p:sp>
+      <p:sp>
+        <p:nvSpPr>
+          <p:cNvPr id="6157" name="Rectangle 6152">
+            <a:extLst>
+              <a:ext uri="{FF2B5EF4-FFF2-40B4-BE49-F238E27FC236}">
+                <a16:creationId xmlns:a16="http://schemas.microsoft.com/office/drawing/2014/main" id="{0459807F-B6FA-44D3-9A53-C55B6B56884A}"/>
+              </a:ext>
+              <a:ext uri="{C183D7F6-B498-43B3-948B-1728B52AA6E4}">
+                <adec:decorative xmlns:adec="http://schemas.microsoft.com/office/drawing/2017/decorative" val="1"/>
+              </a:ext>
+            </a:extLst>
+          </p:cNvPr>
+          <p:cNvSpPr>
+            <a:spLocks noGrp="1" noRot="1" noChangeAspect="1" noMove="1" noResize="1" noEditPoints="1" noAdjustHandles="1" noChangeArrowheads="1" noChangeShapeType="1" noTextEdit="1"/>
+          </p:cNvSpPr>
+          <p:nvPr>
+            <p:extLst>
+              <p:ext uri="{386F3935-93C4-4BCD-93E2-E3B085C9AB24}">
+                <p16:designElem xmlns:p16="http://schemas.microsoft.com/office/powerpoint/2015/main" val="1"/>
+              </p:ext>
+            </p:extLst>
+          </p:nvPr>
+        </p:nvSpPr>
+        <p:spPr>
+          <a:xfrm>
+            <a:off x="0" y="4080681"/>
+            <a:ext cx="12192000" cy="2777318"/>
+          </a:xfrm>
+          <a:prstGeom prst="rect">
+            <a:avLst/>
+          </a:prstGeom>
+          <a:solidFill>
+            <a:srgbClr val="82766A">
+              <a:alpha val="15000"/>
+            </a:srgbClr>
+          </a:solidFill>
+          <a:ln>
+            <a:noFill/>
+          </a:ln>
+        </p:spPr>
+        <p:style>
+          <a:lnRef idx="2">
+            <a:schemeClr val="accent1">
+              <a:shade val="50000"/>
+            </a:schemeClr>
+          </a:lnRef>
+          <a:fillRef idx="1">
+            <a:schemeClr val="accent1"/>
+          </a:fillRef>
+          <a:effectRef idx="0">
+            <a:schemeClr val="accent1"/>
+          </a:effectRef>
+          <a:fontRef idx="minor">
+            <a:schemeClr val="lt1"/>
+          </a:fontRef>
+        </p:style>
+        <p:txBody>
+          <a:bodyPr rtlCol="0" anchor="ctr"/>
+          <a:lstStyle/>
+          <a:p>
+            <a:pPr algn="ctr"/>
+            <a:endParaRPr lang="en-US"/>
+          </a:p>
+        </p:txBody>
+      </p:sp>
+      <p:sp>
+        <p:nvSpPr>
+          <p:cNvPr id="2" name="Title 1">
+            <a:extLst>
+              <a:ext uri="{FF2B5EF4-FFF2-40B4-BE49-F238E27FC236}">
+                <a16:creationId xmlns:a16="http://schemas.microsoft.com/office/drawing/2014/main" id="{AD443299-E997-0ED2-DEF6-A9E272D59853}"/>
+              </a:ext>
+            </a:extLst>
+          </p:cNvPr>
+          <p:cNvSpPr>
+            <a:spLocks noGrp="1"/>
+          </p:cNvSpPr>
+          <p:nvPr>
+            <p:ph type="title"/>
+          </p:nvPr>
+        </p:nvSpPr>
+        <p:spPr>
+          <a:xfrm>
+            <a:off x="1255060" y="5279511"/>
+            <a:ext cx="9681882" cy="739880"/>
+          </a:xfrm>
+        </p:spPr>
+        <p:txBody>
+          <a:bodyPr vert="horz" lIns="91440" tIns="45720" rIns="91440" bIns="45720" rtlCol="0" anchor="b">
+            <a:normAutofit/>
+          </a:bodyPr>
+          <a:lstStyle/>
+          <a:p>
+            <a:pPr algn="ctr"/>
+            <a:r>
+              <a:rPr lang="en-US" sz="3600">
+                <a:solidFill>
+                  <a:schemeClr val="tx1">
+                    <a:lumMod val="85000"/>
+                    <a:lumOff val="15000"/>
+                  </a:schemeClr>
+                </a:solidFill>
+              </a:rPr>
+              <a:t>Game demo</a:t>
+            </a:r>
+          </a:p>
+        </p:txBody>
+      </p:sp>
+      <p:pic>
+        <p:nvPicPr>
+          <p:cNvPr id="6146" name="Picture 2" descr="Chinese gamers op rantsoen. Idee voor Nederlandse jeugd? | De Ingenieur">
+            <a:extLst>
+              <a:ext uri="{FF2B5EF4-FFF2-40B4-BE49-F238E27FC236}">
+                <a16:creationId xmlns:a16="http://schemas.microsoft.com/office/drawing/2014/main" id="{9413FD47-2F59-72CB-9768-F74E2F4C17FD}"/>
+              </a:ext>
+            </a:extLst>
+          </p:cNvPr>
+          <p:cNvPicPr>
+            <a:picLocks noGrp="1" noChangeAspect="1" noChangeArrowheads="1"/>
+          </p:cNvPicPr>
+          <p:nvPr>
+            <p:ph idx="1"/>
+          </p:nvPr>
+        </p:nvPicPr>
+        <p:blipFill rotWithShape="1">
+          <a:blip r:embed="rId2">
+            <a:extLst>
+              <a:ext uri="{28A0092B-C50C-407E-A947-70E740481C1C}">
+                <a14:useLocalDpi xmlns:a14="http://schemas.microsoft.com/office/drawing/2010/main" val="0"/>
+              </a:ext>
+            </a:extLst>
+          </a:blip>
+          <a:srcRect t="6353" b="4648"/>
+          <a:stretch/>
+        </p:blipFill>
+        <p:spPr bwMode="auto">
+          <a:xfrm>
+            <a:off x="20" y="10"/>
+            <a:ext cx="12191979" cy="5886523"/>
+          </a:xfrm>
+          <a:custGeom>
+            <a:avLst/>
+            <a:gdLst/>
+            <a:ahLst/>
+            <a:cxnLst/>
+            <a:rect l="l" t="t" r="r" b="b"/>
+            <a:pathLst>
+              <a:path w="12191999" h="5886533">
+                <a:moveTo>
+                  <a:pt x="4721173" y="4907914"/>
+                </a:moveTo>
+                <a:lnTo>
+                  <a:pt x="4722109" y="4908125"/>
+                </a:lnTo>
+                <a:cubicBezTo>
+                  <a:pt x="4721143" y="4908767"/>
+                  <a:pt x="4718263" y="4909373"/>
+                  <a:pt x="4717199" y="4909396"/>
+                </a:cubicBezTo>
+                <a:close/>
+                <a:moveTo>
+                  <a:pt x="0" y="0"/>
+                </a:moveTo>
+                <a:lnTo>
+                  <a:pt x="12191999" y="0"/>
+                </a:lnTo>
+                <a:lnTo>
+                  <a:pt x="12191999" y="5751311"/>
+                </a:lnTo>
+                <a:lnTo>
+                  <a:pt x="12140860" y="5770509"/>
+                </a:lnTo>
+                <a:cubicBezTo>
+                  <a:pt x="12126656" y="5772723"/>
+                  <a:pt x="12093589" y="5827925"/>
+                  <a:pt x="12080161" y="5826358"/>
+                </a:cubicBezTo>
+                <a:cubicBezTo>
+                  <a:pt x="11978188" y="5850511"/>
+                  <a:pt x="11967361" y="5873564"/>
+                  <a:pt x="11917885" y="5861578"/>
+                </a:cubicBezTo>
+                <a:cubicBezTo>
+                  <a:pt x="11872779" y="5859863"/>
+                  <a:pt x="11928861" y="5896778"/>
+                  <a:pt x="11894610" y="5883738"/>
+                </a:cubicBezTo>
+                <a:cubicBezTo>
+                  <a:pt x="11860359" y="5870698"/>
+                  <a:pt x="11736091" y="5807232"/>
+                  <a:pt x="11712379" y="5783337"/>
+                </a:cubicBezTo>
+                <a:cubicBezTo>
+                  <a:pt x="11688667" y="5759442"/>
+                  <a:pt x="11627912" y="5782933"/>
+                  <a:pt x="11585366" y="5740371"/>
+                </a:cubicBezTo>
+                <a:lnTo>
+                  <a:pt x="11516470" y="5663679"/>
+                </a:lnTo>
+                <a:cubicBezTo>
+                  <a:pt x="11468274" y="5661847"/>
+                  <a:pt x="11507335" y="5626593"/>
+                  <a:pt x="11462692" y="5610127"/>
+                </a:cubicBezTo>
+                <a:cubicBezTo>
+                  <a:pt x="11417567" y="5608500"/>
+                  <a:pt x="11408021" y="5556613"/>
+                  <a:pt x="11369712" y="5548654"/>
+                </a:cubicBezTo>
+                <a:cubicBezTo>
+                  <a:pt x="11354317" y="5554704"/>
+                  <a:pt x="11288328" y="5499810"/>
+                  <a:pt x="11273969" y="5488986"/>
+                </a:cubicBezTo>
+                <a:cubicBezTo>
+                  <a:pt x="11231913" y="5490378"/>
+                  <a:pt x="11221973" y="5480544"/>
+                  <a:pt x="11195084" y="5467967"/>
+                </a:cubicBezTo>
+                <a:cubicBezTo>
+                  <a:pt x="11164086" y="5497749"/>
+                  <a:pt x="11171649" y="5471790"/>
+                  <a:pt x="11143408" y="5468614"/>
+                </a:cubicBezTo>
+                <a:cubicBezTo>
+                  <a:pt x="11125906" y="5464975"/>
+                  <a:pt x="11102603" y="5460835"/>
+                  <a:pt x="11085935" y="5459365"/>
+                </a:cubicBezTo>
+                <a:cubicBezTo>
+                  <a:pt x="11057493" y="5459661"/>
+                  <a:pt x="11029906" y="5441496"/>
+                  <a:pt x="11030953" y="5456484"/>
+                </a:cubicBezTo>
+                <a:cubicBezTo>
+                  <a:pt x="11007784" y="5459001"/>
+                  <a:pt x="10982005" y="5463178"/>
+                  <a:pt x="10951060" y="5461240"/>
+                </a:cubicBezTo>
+                <a:cubicBezTo>
+                  <a:pt x="10885365" y="5424406"/>
+                  <a:pt x="10915288" y="5460968"/>
+                  <a:pt x="10857721" y="5448157"/>
+                </a:cubicBezTo>
+                <a:cubicBezTo>
+                  <a:pt x="10806646" y="5435790"/>
+                  <a:pt x="10707075" y="5402712"/>
+                  <a:pt x="10644616" y="5387039"/>
+                </a:cubicBezTo>
+                <a:cubicBezTo>
+                  <a:pt x="10616446" y="5382224"/>
+                  <a:pt x="10558603" y="5371613"/>
+                  <a:pt x="10519277" y="5366793"/>
+                </a:cubicBezTo>
+                <a:cubicBezTo>
+                  <a:pt x="10495461" y="5368312"/>
+                  <a:pt x="10473830" y="5354868"/>
+                  <a:pt x="10445981" y="5364735"/>
+                </a:cubicBezTo>
+                <a:cubicBezTo>
+                  <a:pt x="10436536" y="5368773"/>
+                  <a:pt x="10409281" y="5367966"/>
+                  <a:pt x="10383865" y="5360888"/>
+                </a:cubicBezTo>
+                <a:cubicBezTo>
+                  <a:pt x="10374827" y="5369095"/>
+                  <a:pt x="10347864" y="5360432"/>
+                  <a:pt x="10336852" y="5360277"/>
+                </a:cubicBezTo>
+                <a:cubicBezTo>
+                  <a:pt x="10323586" y="5366987"/>
+                  <a:pt x="10274741" y="5357921"/>
+                  <a:pt x="10261098" y="5350526"/>
+                </a:cubicBezTo>
+                <a:lnTo>
+                  <a:pt x="10126497" y="5339011"/>
+                </a:lnTo>
+                <a:lnTo>
+                  <a:pt x="10082166" y="5336916"/>
+                </a:lnTo>
+                <a:cubicBezTo>
+                  <a:pt x="10074567" y="5338985"/>
+                  <a:pt x="10046860" y="5337657"/>
+                  <a:pt x="10039237" y="5338580"/>
+                </a:cubicBezTo>
+                <a:cubicBezTo>
+                  <a:pt x="9998458" y="5328479"/>
+                  <a:pt x="9984394" y="5327989"/>
+                  <a:pt x="9960016" y="5323065"/>
+                </a:cubicBezTo>
+                <a:cubicBezTo>
+                  <a:pt x="9918980" y="5322923"/>
+                  <a:pt x="9888741" y="5326122"/>
+                  <a:pt x="9847789" y="5316297"/>
+                </a:cubicBezTo>
+                <a:lnTo>
+                  <a:pt x="9728306" y="5296090"/>
+                </a:lnTo>
+                <a:cubicBezTo>
+                  <a:pt x="9675056" y="5305676"/>
+                  <a:pt x="9602035" y="5297282"/>
+                  <a:pt x="9584504" y="5284670"/>
+                </a:cubicBezTo>
+                <a:cubicBezTo>
+                  <a:pt x="9518952" y="5270394"/>
+                  <a:pt x="9415429" y="5244268"/>
+                  <a:pt x="9343049" y="5238968"/>
+                </a:cubicBezTo>
+                <a:lnTo>
+                  <a:pt x="9231367" y="5187063"/>
+                </a:lnTo>
+                <a:lnTo>
+                  <a:pt x="9194807" y="5176984"/>
+                </a:lnTo>
+                <a:lnTo>
+                  <a:pt x="9189243" y="5167745"/>
+                </a:lnTo>
+                <a:lnTo>
+                  <a:pt x="9151229" y="5156543"/>
+                </a:lnTo>
+                <a:lnTo>
+                  <a:pt x="9150207" y="5157608"/>
+                </a:lnTo>
+                <a:cubicBezTo>
+                  <a:pt x="9147045" y="5159739"/>
+                  <a:pt x="9143081" y="5160831"/>
+                  <a:pt x="9137315" y="5159777"/>
+                </a:cubicBezTo>
+                <a:cubicBezTo>
+                  <a:pt x="9138862" y="5179261"/>
+                  <a:pt x="9130952" y="5165972"/>
+                  <a:pt x="9113809" y="5161143"/>
+                </a:cubicBezTo>
+                <a:cubicBezTo>
+                  <a:pt x="9112388" y="5190326"/>
+                  <a:pt x="9068114" y="5155892"/>
+                  <a:pt x="9053450" y="5169457"/>
+                </a:cubicBezTo>
+                <a:lnTo>
+                  <a:pt x="9005483" y="5166172"/>
+                </a:lnTo>
+                <a:lnTo>
+                  <a:pt x="9005198" y="5166412"/>
+                </a:lnTo>
+                <a:cubicBezTo>
+                  <a:pt x="9003143" y="5166632"/>
+                  <a:pt x="9000324" y="5166304"/>
+                  <a:pt x="8996229" y="5165201"/>
+                </a:cubicBezTo>
+                <a:lnTo>
+                  <a:pt x="8990391" y="5163140"/>
+                </a:lnTo>
+                <a:lnTo>
+                  <a:pt x="8974334" y="5159914"/>
+                </a:lnTo>
+                <a:lnTo>
+                  <a:pt x="8968008" y="5160614"/>
+                </a:lnTo>
+                <a:lnTo>
+                  <a:pt x="8963045" y="5162839"/>
+                </a:lnTo>
+                <a:cubicBezTo>
+                  <a:pt x="8954690" y="5154888"/>
+                  <a:pt x="8955517" y="5145940"/>
+                  <a:pt x="8928985" y="5166027"/>
+                </a:cubicBezTo>
+                <a:cubicBezTo>
+                  <a:pt x="8898031" y="5165007"/>
+                  <a:pt x="8789300" y="5150352"/>
+                  <a:pt x="8752441" y="5146795"/>
+                </a:cubicBezTo>
+                <a:cubicBezTo>
+                  <a:pt x="8719819" y="5136075"/>
+                  <a:pt x="8748194" y="5149736"/>
+                  <a:pt x="8707844" y="5144694"/>
+                </a:cubicBezTo>
+                <a:cubicBezTo>
+                  <a:pt x="8671606" y="5125159"/>
+                  <a:pt x="8639142" y="5141599"/>
+                  <a:pt x="8596068" y="5136122"/>
+                </a:cubicBezTo>
+                <a:lnTo>
+                  <a:pt x="8525227" y="5150964"/>
+                </a:lnTo>
+                <a:lnTo>
+                  <a:pt x="8510980" y="5145049"/>
+                </a:lnTo>
+                <a:lnTo>
+                  <a:pt x="8506164" y="5142048"/>
+                </a:lnTo>
+                <a:cubicBezTo>
+                  <a:pt x="8502646" y="5140271"/>
+                  <a:pt x="8500045" y="5139460"/>
+                  <a:pt x="8497965" y="5139310"/>
+                </a:cubicBezTo>
+                <a:lnTo>
+                  <a:pt x="8497591" y="5139489"/>
+                </a:lnTo>
+                <a:lnTo>
+                  <a:pt x="8490246" y="5136439"/>
+                </a:lnTo>
+                <a:lnTo>
+                  <a:pt x="8367179" y="5122397"/>
+                </a:lnTo>
+                <a:cubicBezTo>
+                  <a:pt x="8362021" y="5120372"/>
+                  <a:pt x="8357730" y="5120720"/>
+                  <a:pt x="8353796" y="5122203"/>
+                </a:cubicBezTo>
+                <a:lnTo>
+                  <a:pt x="8352369" y="5123043"/>
+                </a:lnTo>
+                <a:lnTo>
+                  <a:pt x="8320101" y="5105625"/>
+                </a:lnTo>
+                <a:lnTo>
+                  <a:pt x="8314429" y="5105299"/>
+                </a:lnTo>
+                <a:lnTo>
+                  <a:pt x="8295170" y="5091404"/>
+                </a:lnTo>
+                <a:lnTo>
+                  <a:pt x="8284273" y="5085581"/>
+                </a:lnTo>
+                <a:lnTo>
+                  <a:pt x="8283146" y="5081138"/>
+                </a:lnTo>
+                <a:cubicBezTo>
+                  <a:pt x="8280842" y="5077893"/>
+                  <a:pt x="8276148" y="5075245"/>
+                  <a:pt x="8266072" y="5073963"/>
+                </a:cubicBezTo>
+                <a:lnTo>
+                  <a:pt x="8263373" y="5074193"/>
+                </a:lnTo>
+                <a:lnTo>
+                  <a:pt x="8252030" y="5064350"/>
+                </a:lnTo>
+                <a:cubicBezTo>
+                  <a:pt x="8248856" y="5060500"/>
+                  <a:pt x="8246644" y="5056218"/>
+                  <a:pt x="8245831" y="5051358"/>
+                </a:cubicBezTo>
+                <a:cubicBezTo>
+                  <a:pt x="8181824" y="5054265"/>
+                  <a:pt x="8147127" y="5020143"/>
+                  <a:pt x="8090268" y="5005197"/>
+                </a:cubicBezTo>
+                <a:cubicBezTo>
+                  <a:pt x="8025464" y="4982055"/>
+                  <a:pt x="7967067" y="4960819"/>
+                  <a:pt x="7905404" y="4963224"/>
+                </a:cubicBezTo>
+                <a:cubicBezTo>
+                  <a:pt x="7835116" y="4948312"/>
+                  <a:pt x="7780962" y="4946081"/>
+                  <a:pt x="7718741" y="4937509"/>
+                </a:cubicBezTo>
+                <a:lnTo>
+                  <a:pt x="7614343" y="4940980"/>
+                </a:lnTo>
+                <a:lnTo>
+                  <a:pt x="7527539" y="4935152"/>
+                </a:lnTo>
+                <a:lnTo>
+                  <a:pt x="7519567" y="4932599"/>
+                </a:lnTo>
+                <a:cubicBezTo>
+                  <a:pt x="7513989" y="4931260"/>
+                  <a:pt x="7510169" y="4930910"/>
+                  <a:pt x="7507408" y="4931264"/>
+                </a:cubicBezTo>
+                <a:lnTo>
+                  <a:pt x="7507036" y="4931591"/>
+                </a:lnTo>
+                <a:lnTo>
+                  <a:pt x="7495791" y="4929639"/>
+                </a:lnTo>
+                <a:cubicBezTo>
+                  <a:pt x="7476982" y="4925521"/>
+                  <a:pt x="7422524" y="4942937"/>
+                  <a:pt x="7405387" y="4937744"/>
+                </a:cubicBezTo>
+                <a:cubicBezTo>
+                  <a:pt x="7374785" y="4940694"/>
+                  <a:pt x="7333986" y="4941799"/>
+                  <a:pt x="7312176" y="4947339"/>
+                </a:cubicBezTo>
+                <a:lnTo>
+                  <a:pt x="7310849" y="4948781"/>
+                </a:lnTo>
+                <a:lnTo>
+                  <a:pt x="7218556" y="4923532"/>
+                </a:lnTo>
+                <a:lnTo>
+                  <a:pt x="7201098" y="4918982"/>
+                </a:lnTo>
+                <a:lnTo>
+                  <a:pt x="7197000" y="4913624"/>
+                </a:lnTo>
+                <a:cubicBezTo>
+                  <a:pt x="7192108" y="4910101"/>
+                  <a:pt x="7184502" y="4907962"/>
+                  <a:pt x="7170804" y="4908976"/>
+                </a:cubicBezTo>
+                <a:lnTo>
+                  <a:pt x="7096984" y="4896748"/>
+                </a:lnTo>
+                <a:cubicBezTo>
+                  <a:pt x="7061144" y="4895770"/>
+                  <a:pt x="7050185" y="4894793"/>
+                  <a:pt x="7018492" y="4897122"/>
+                </a:cubicBezTo>
+                <a:cubicBezTo>
+                  <a:pt x="6937524" y="4886184"/>
+                  <a:pt x="6943641" y="4862018"/>
+                  <a:pt x="6904142" y="4867616"/>
+                </a:cubicBezTo>
+                <a:cubicBezTo>
+                  <a:pt x="6871918" y="4872824"/>
+                  <a:pt x="6787985" y="4853750"/>
+                  <a:pt x="6708218" y="4839661"/>
+                </a:cubicBezTo>
+                <a:cubicBezTo>
+                  <a:pt x="6649102" y="4830206"/>
+                  <a:pt x="6628102" y="4816105"/>
+                  <a:pt x="6549451" y="4810885"/>
+                </a:cubicBezTo>
+                <a:cubicBezTo>
+                  <a:pt x="6472150" y="4766795"/>
+                  <a:pt x="6409692" y="4790518"/>
+                  <a:pt x="6317556" y="4764085"/>
+                </a:cubicBezTo>
+                <a:cubicBezTo>
+                  <a:pt x="6297547" y="4748563"/>
+                  <a:pt x="6209288" y="4765756"/>
+                  <a:pt x="6168670" y="4761998"/>
+                </a:cubicBezTo>
+                <a:cubicBezTo>
+                  <a:pt x="6128052" y="4758240"/>
+                  <a:pt x="6090536" y="4744692"/>
+                  <a:pt x="6073844" y="4741536"/>
+                </a:cubicBezTo>
+                <a:lnTo>
+                  <a:pt x="6068526" y="4743073"/>
+                </a:lnTo>
+                <a:lnTo>
+                  <a:pt x="6048634" y="4742390"/>
+                </a:lnTo>
+                <a:lnTo>
+                  <a:pt x="6041279" y="4750739"/>
+                </a:lnTo>
+                <a:lnTo>
+                  <a:pt x="6010088" y="4755832"/>
+                </a:lnTo>
+                <a:cubicBezTo>
+                  <a:pt x="5998677" y="4756419"/>
+                  <a:pt x="5970124" y="4755506"/>
+                  <a:pt x="5957373" y="4752188"/>
+                </a:cubicBezTo>
+                <a:lnTo>
+                  <a:pt x="5758915" y="4736496"/>
+                </a:lnTo>
+                <a:lnTo>
+                  <a:pt x="5626957" y="4735473"/>
+                </a:lnTo>
+                <a:lnTo>
+                  <a:pt x="5470902" y="4749493"/>
+                </a:lnTo>
+                <a:cubicBezTo>
+                  <a:pt x="5478131" y="4762521"/>
+                  <a:pt x="5439006" y="4748455"/>
+                  <a:pt x="5432757" y="4760746"/>
+                </a:cubicBezTo>
+                <a:cubicBezTo>
+                  <a:pt x="5429365" y="4770778"/>
+                  <a:pt x="5391824" y="4775462"/>
+                  <a:pt x="5381664" y="4778448"/>
+                </a:cubicBezTo>
+                <a:lnTo>
+                  <a:pt x="5261760" y="4798865"/>
+                </a:lnTo>
+                <a:cubicBezTo>
+                  <a:pt x="5251595" y="4799049"/>
+                  <a:pt x="5230547" y="4807359"/>
+                  <a:pt x="5222959" y="4809989"/>
+                </a:cubicBezTo>
+                <a:lnTo>
+                  <a:pt x="5174657" y="4812979"/>
+                </a:lnTo>
+                <a:lnTo>
+                  <a:pt x="5156551" y="4820202"/>
+                </a:lnTo>
+                <a:lnTo>
+                  <a:pt x="5142595" y="4823602"/>
+                </a:lnTo>
+                <a:lnTo>
+                  <a:pt x="5139593" y="4825703"/>
+                </a:lnTo>
+                <a:cubicBezTo>
+                  <a:pt x="5133873" y="4829743"/>
+                  <a:pt x="5128076" y="4833554"/>
+                  <a:pt x="5121656" y="4836556"/>
+                </a:cubicBezTo>
+                <a:cubicBezTo>
+                  <a:pt x="5108317" y="4807937"/>
+                  <a:pt x="5064853" y="4857373"/>
+                  <a:pt x="5065787" y="4829985"/>
+                </a:cubicBezTo>
+                <a:cubicBezTo>
+                  <a:pt x="5028193" y="4841501"/>
+                  <a:pt x="5038944" y="4812412"/>
+                  <a:pt x="5011510" y="4846366"/>
+                </a:cubicBezTo>
+                <a:cubicBezTo>
+                  <a:pt x="4937023" y="4845983"/>
+                  <a:pt x="4916353" y="4832976"/>
+                  <a:pt x="4840437" y="4870383"/>
+                </a:cubicBezTo>
+                <a:cubicBezTo>
+                  <a:pt x="4806739" y="4887025"/>
+                  <a:pt x="4784106" y="4898171"/>
+                  <a:pt x="4762444" y="4898151"/>
+                </a:cubicBezTo>
+                <a:cubicBezTo>
+                  <a:pt x="4741323" y="4902652"/>
+                  <a:pt x="4729481" y="4905474"/>
+                  <a:pt x="4723182" y="4907166"/>
+                </a:cubicBezTo>
+                <a:lnTo>
+                  <a:pt x="4721173" y="4907914"/>
+                </a:lnTo>
+                <a:lnTo>
+                  <a:pt x="4715524" y="4906639"/>
+                </a:lnTo>
+                <a:cubicBezTo>
+                  <a:pt x="4680148" y="4913595"/>
+                  <a:pt x="4524744" y="4914403"/>
+                  <a:pt x="4515810" y="4916541"/>
+                </a:cubicBezTo>
+                <a:cubicBezTo>
+                  <a:pt x="4457819" y="4929653"/>
+                  <a:pt x="4462659" y="4930394"/>
+                  <a:pt x="4428539" y="4927192"/>
+                </a:cubicBezTo>
+                <a:cubicBezTo>
+                  <a:pt x="4423303" y="4923821"/>
+                  <a:pt x="4368974" y="4930115"/>
+                  <a:pt x="4362872" y="4928538"/>
+                </a:cubicBezTo>
+                <a:lnTo>
+                  <a:pt x="4316962" y="4921923"/>
+                </a:lnTo>
+                <a:lnTo>
+                  <a:pt x="4315106" y="4923264"/>
+                </a:lnTo>
+                <a:cubicBezTo>
+                  <a:pt x="4306123" y="4926635"/>
+                  <a:pt x="4299993" y="4926634"/>
+                  <a:pt x="4295140" y="4925143"/>
+                </a:cubicBezTo>
+                <a:lnTo>
+                  <a:pt x="4290059" y="4922226"/>
+                </a:lnTo>
+                <a:lnTo>
+                  <a:pt x="4276138" y="4922472"/>
+                </a:lnTo>
+                <a:lnTo>
+                  <a:pt x="4248113" y="4920148"/>
+                </a:lnTo>
+                <a:lnTo>
+                  <a:pt x="4202046" y="4922943"/>
+                </a:lnTo>
+                <a:cubicBezTo>
+                  <a:pt x="4201945" y="4923363"/>
+                  <a:pt x="4201842" y="4923782"/>
+                  <a:pt x="4201741" y="4924202"/>
+                </a:cubicBezTo>
+                <a:cubicBezTo>
+                  <a:pt x="4200116" y="4927039"/>
+                  <a:pt x="4197140" y="4929158"/>
+                  <a:pt x="4191245" y="4929836"/>
+                </a:cubicBezTo>
+                <a:cubicBezTo>
+                  <a:pt x="4204212" y="4947125"/>
+                  <a:pt x="4161274" y="4945230"/>
+                  <a:pt x="4142742" y="4945701"/>
+                </a:cubicBezTo>
+                <a:cubicBezTo>
+                  <a:pt x="4124717" y="4952767"/>
+                  <a:pt x="4099099" y="4966347"/>
+                  <a:pt x="4083094" y="4972234"/>
+                </a:cubicBezTo>
+                <a:lnTo>
+                  <a:pt x="4074543" y="4973069"/>
+                </a:lnTo>
+                <a:cubicBezTo>
+                  <a:pt x="4074504" y="4973170"/>
+                  <a:pt x="4074463" y="4973269"/>
+                  <a:pt x="4074424" y="4973368"/>
+                </a:cubicBezTo>
+                <a:cubicBezTo>
+                  <a:pt x="4072678" y="4974152"/>
+                  <a:pt x="4069906" y="4974653"/>
+                  <a:pt x="4065507" y="4974812"/>
+                </a:cubicBezTo>
+                <a:lnTo>
+                  <a:pt x="4058951" y="4974594"/>
+                </a:lnTo>
+                <a:lnTo>
+                  <a:pt x="4042361" y="4976215"/>
+                </a:lnTo>
+                <a:lnTo>
+                  <a:pt x="4036993" y="4978649"/>
+                </a:lnTo>
+                <a:lnTo>
+                  <a:pt x="4035360" y="4982316"/>
+                </a:lnTo>
+                <a:lnTo>
+                  <a:pt x="4033775" y="4982081"/>
+                </a:lnTo>
+                <a:cubicBezTo>
+                  <a:pt x="4021424" y="4977217"/>
+                  <a:pt x="4016874" y="4968841"/>
+                  <a:pt x="4004535" y="4994649"/>
+                </a:cubicBezTo>
+                <a:cubicBezTo>
+                  <a:pt x="3976667" y="4987584"/>
+                  <a:pt x="3972977" y="5002913"/>
+                  <a:pt x="3936843" y="5012106"/>
+                </a:cubicBezTo>
+                <a:cubicBezTo>
+                  <a:pt x="3920506" y="5004382"/>
+                  <a:pt x="3908535" y="5009071"/>
+                  <a:pt x="3897272" y="5017761"/>
+                </a:cubicBezTo>
+                <a:cubicBezTo>
+                  <a:pt x="3861092" y="5017265"/>
+                  <a:pt x="3829628" y="5031135"/>
+                  <a:pt x="3789757" y="5037999"/>
+                </a:cubicBezTo>
+                <a:cubicBezTo>
+                  <a:pt x="3741007" y="5052705"/>
+                  <a:pt x="3725129" y="5054682"/>
+                  <a:pt x="3682510" y="5061922"/>
+                </a:cubicBezTo>
+                <a:lnTo>
+                  <a:pt x="3610032" y="5094193"/>
+                </a:lnTo>
+                <a:lnTo>
+                  <a:pt x="3603852" y="5092831"/>
+                </a:lnTo>
+                <a:cubicBezTo>
+                  <a:pt x="3599580" y="5092212"/>
+                  <a:pt x="3596726" y="5092212"/>
+                  <a:pt x="3594733" y="5092667"/>
+                </a:cubicBezTo>
+                <a:lnTo>
+                  <a:pt x="3594498" y="5092936"/>
+                </a:lnTo>
+                <a:lnTo>
+                  <a:pt x="3585975" y="5092246"/>
+                </a:lnTo>
+                <a:cubicBezTo>
+                  <a:pt x="3571623" y="5090455"/>
+                  <a:pt x="3549389" y="5104654"/>
+                  <a:pt x="3536132" y="5101945"/>
+                </a:cubicBezTo>
+                <a:cubicBezTo>
+                  <a:pt x="3513940" y="5106241"/>
+                  <a:pt x="3488622" y="5099976"/>
+                  <a:pt x="3473220" y="5105606"/>
+                </a:cubicBezTo>
+                <a:lnTo>
+                  <a:pt x="3400725" y="5117654"/>
+                </a:lnTo>
+                <a:lnTo>
+                  <a:pt x="3375935" y="5106247"/>
+                </a:lnTo>
+                <a:lnTo>
+                  <a:pt x="3348219" y="5109860"/>
+                </a:lnTo>
+                <a:cubicBezTo>
+                  <a:pt x="3337206" y="5110533"/>
+                  <a:pt x="3327054" y="5111295"/>
+                  <a:pt x="3319639" y="5114795"/>
+                </a:cubicBezTo>
+                <a:lnTo>
+                  <a:pt x="3248529" y="5133347"/>
+                </a:lnTo>
+                <a:lnTo>
+                  <a:pt x="3210308" y="5119794"/>
+                </a:lnTo>
+                <a:cubicBezTo>
+                  <a:pt x="3206088" y="5117870"/>
+                  <a:pt x="3200152" y="5117326"/>
+                  <a:pt x="3190375" y="5119915"/>
+                </a:cubicBezTo>
+                <a:lnTo>
+                  <a:pt x="3188145" y="5121096"/>
+                </a:lnTo>
+                <a:cubicBezTo>
+                  <a:pt x="3182625" y="5119116"/>
+                  <a:pt x="3141856" y="5121682"/>
+                  <a:pt x="3108596" y="5122416"/>
+                </a:cubicBezTo>
+                <a:cubicBezTo>
+                  <a:pt x="3055968" y="5124842"/>
+                  <a:pt x="3048940" y="5117475"/>
+                  <a:pt x="2988584" y="5125502"/>
+                </a:cubicBezTo>
+                <a:cubicBezTo>
+                  <a:pt x="2928853" y="5129690"/>
+                  <a:pt x="2917951" y="5124649"/>
+                  <a:pt x="2876540" y="5133019"/>
+                </a:cubicBezTo>
+                <a:lnTo>
+                  <a:pt x="2626864" y="5133771"/>
+                </a:lnTo>
+                <a:cubicBezTo>
+                  <a:pt x="2562348" y="5111858"/>
+                  <a:pt x="2563422" y="5142456"/>
+                  <a:pt x="2491422" y="5135486"/>
+                </a:cubicBezTo>
+                <a:cubicBezTo>
+                  <a:pt x="2433091" y="5200962"/>
+                  <a:pt x="2455709" y="5160483"/>
+                  <a:pt x="2415617" y="5168715"/>
+                </a:cubicBezTo>
+                <a:lnTo>
+                  <a:pt x="2290098" y="5166151"/>
+                </a:lnTo>
+                <a:cubicBezTo>
+                  <a:pt x="2257057" y="5152522"/>
+                  <a:pt x="2202458" y="5187690"/>
+                  <a:pt x="2161714" y="5169302"/>
+                </a:cubicBezTo>
+                <a:cubicBezTo>
+                  <a:pt x="2122714" y="5172302"/>
+                  <a:pt x="2080450" y="5180350"/>
+                  <a:pt x="2056089" y="5184144"/>
+                </a:cubicBezTo>
+                <a:cubicBezTo>
+                  <a:pt x="2019828" y="5191108"/>
+                  <a:pt x="1978839" y="5203797"/>
+                  <a:pt x="1944153" y="5211084"/>
+                </a:cubicBezTo>
+                <a:cubicBezTo>
+                  <a:pt x="1925867" y="5199079"/>
+                  <a:pt x="1896027" y="5224183"/>
+                  <a:pt x="1847968" y="5227868"/>
+                </a:cubicBezTo>
+                <a:cubicBezTo>
+                  <a:pt x="1827977" y="5213971"/>
+                  <a:pt x="1815570" y="5230544"/>
+                  <a:pt x="1777083" y="5212267"/>
+                </a:cubicBezTo>
+                <a:cubicBezTo>
+                  <a:pt x="1775439" y="5214216"/>
+                  <a:pt x="1773397" y="5216035"/>
+                  <a:pt x="1771025" y="5217668"/>
+                </a:cubicBezTo>
+                <a:cubicBezTo>
+                  <a:pt x="1757251" y="5227146"/>
+                  <a:pt x="1735528" y="5228402"/>
+                  <a:pt x="1722509" y="5220470"/>
+                </a:cubicBezTo>
+                <a:cubicBezTo>
+                  <a:pt x="1691779" y="5208440"/>
+                  <a:pt x="1662321" y="5203305"/>
+                  <a:pt x="1633941" y="5200774"/>
+                </a:cubicBezTo>
+                <a:lnTo>
+                  <a:pt x="1586145" y="5210184"/>
+                </a:lnTo>
+                <a:cubicBezTo>
+                  <a:pt x="1567948" y="5215416"/>
+                  <a:pt x="1545900" y="5226363"/>
+                  <a:pt x="1524748" y="5232173"/>
+                </a:cubicBezTo>
+                <a:cubicBezTo>
+                  <a:pt x="1502586" y="5235395"/>
+                  <a:pt x="1478013" y="5230993"/>
+                  <a:pt x="1459242" y="5245044"/>
+                </a:cubicBezTo>
+                <a:cubicBezTo>
+                  <a:pt x="1421474" y="5260197"/>
+                  <a:pt x="1374524" y="5244220"/>
+                  <a:pt x="1349457" y="5280705"/>
+                </a:cubicBezTo>
+                <a:cubicBezTo>
+                  <a:pt x="1273276" y="5302389"/>
+                  <a:pt x="1121512" y="5336260"/>
+                  <a:pt x="1009212" y="5361227"/>
+                </a:cubicBezTo>
+                <a:cubicBezTo>
+                  <a:pt x="939016" y="5373529"/>
+                  <a:pt x="866895" y="5370149"/>
+                  <a:pt x="808572" y="5377024"/>
+                </a:cubicBezTo>
+                <a:cubicBezTo>
+                  <a:pt x="802823" y="5374184"/>
+                  <a:pt x="726016" y="5397963"/>
+                  <a:pt x="719549" y="5396991"/>
+                </a:cubicBezTo>
+                <a:lnTo>
+                  <a:pt x="698795" y="5397657"/>
+                </a:lnTo>
+                <a:cubicBezTo>
+                  <a:pt x="689833" y="5401894"/>
+                  <a:pt x="683492" y="5402495"/>
+                  <a:pt x="678327" y="5401487"/>
+                </a:cubicBezTo>
+                <a:lnTo>
+                  <a:pt x="672784" y="5399085"/>
+                </a:lnTo>
+                <a:lnTo>
+                  <a:pt x="658406" y="5400696"/>
+                </a:lnTo>
+                <a:lnTo>
+                  <a:pt x="629185" y="5401132"/>
+                </a:lnTo>
+                <a:lnTo>
+                  <a:pt x="624558" y="5403782"/>
+                </a:lnTo>
+                <a:lnTo>
+                  <a:pt x="581798" y="5408438"/>
+                </a:lnTo>
+                <a:cubicBezTo>
+                  <a:pt x="581736" y="5408865"/>
+                  <a:pt x="581671" y="5409294"/>
+                  <a:pt x="581608" y="5409722"/>
+                </a:cubicBezTo>
+                <a:cubicBezTo>
+                  <a:pt x="580204" y="5412704"/>
+                  <a:pt x="577331" y="5415106"/>
+                  <a:pt x="571299" y="5416358"/>
+                </a:cubicBezTo>
+                <a:cubicBezTo>
+                  <a:pt x="551623" y="5426267"/>
+                  <a:pt x="484499" y="5459654"/>
+                  <a:pt x="463549" y="5469173"/>
+                </a:cubicBezTo>
+                <a:cubicBezTo>
+                  <a:pt x="453136" y="5470720"/>
+                  <a:pt x="449731" y="5472678"/>
+                  <a:pt x="445606" y="5473465"/>
+                </a:cubicBezTo>
+                <a:lnTo>
+                  <a:pt x="438799" y="5473893"/>
+                </a:lnTo>
+                <a:cubicBezTo>
+                  <a:pt x="417222" y="5482183"/>
+                  <a:pt x="343312" y="5513407"/>
+                  <a:pt x="316138" y="5523213"/>
+                </a:cubicBezTo>
+                <a:cubicBezTo>
+                  <a:pt x="298481" y="5517132"/>
+                  <a:pt x="286556" y="5522972"/>
+                  <a:pt x="275748" y="5532726"/>
+                </a:cubicBezTo>
+                <a:cubicBezTo>
+                  <a:pt x="238274" y="5535784"/>
+                  <a:pt x="207076" y="5552679"/>
+                  <a:pt x="166496" y="5563424"/>
+                </a:cubicBezTo>
+                <a:lnTo>
+                  <a:pt x="0" y="5629888"/>
+                </a:lnTo>
+                <a:close/>
+              </a:path>
+            </a:pathLst>
+          </a:custGeom>
+          <a:noFill/>
+          <a:extLst>
+            <a:ext uri="{909E8E84-426E-40DD-AFC4-6F175D3DCCD1}">
+              <a14:hiddenFill xmlns:a14="http://schemas.microsoft.com/office/drawing/2010/main">
+                <a:solidFill>
+                  <a:srgbClr val="FFFFFF"/>
+                </a:solidFill>
+              </a14:hiddenFill>
+            </a:ext>
+          </a:extLst>
+        </p:spPr>
+      </p:pic>
+    </p:spTree>
+    <p:extLst>
+      <p:ext uri="{BB962C8B-B14F-4D97-AF65-F5344CB8AC3E}">
+        <p14:creationId xmlns:p14="http://schemas.microsoft.com/office/powerpoint/2010/main" val="2103646908"/>
+      </p:ext>
+    </p:extLst>
+  </p:cSld>
+  <p:clrMapOvr>
+    <a:masterClrMapping/>
+  </p:clrMapOvr>
+</p:sld>
+</file>
+
+<file path=ppt/slides/slide14.xml><?xml version="1.0" encoding="utf-8"?>
+<p:sld xmlns:a="http://schemas.openxmlformats.org/drawingml/2006/main" xmlns:r="http://schemas.openxmlformats.org/officeDocument/2006/relationships" xmlns:p="http://schemas.openxmlformats.org/presentationml/2006/main">
+  <p:cSld>
+    <p:bg>
+      <p:bgPr>
+        <a:solidFill>
+          <a:schemeClr val="bg1"/>
+        </a:solidFill>
+        <a:effectLst/>
+      </p:bgPr>
+    </p:bg>
+    <p:spTree>
+      <p:nvGrpSpPr>
+        <p:cNvPr id="1" name=""/>
+        <p:cNvGrpSpPr/>
+        <p:nvPr/>
+      </p:nvGrpSpPr>
+      <p:grpSpPr>
+        <a:xfrm>
+          <a:off x="0" y="0"/>
+          <a:ext cx="0" cy="0"/>
+          <a:chOff x="0" y="0"/>
+          <a:chExt cx="0" cy="0"/>
+        </a:xfrm>
+      </p:grpSpPr>
+      <p:sp useBgFill="1">
+        <p:nvSpPr>
+          <p:cNvPr id="7181" name="Rectangle 7174">
+            <a:extLst>
+              <a:ext uri="{FF2B5EF4-FFF2-40B4-BE49-F238E27FC236}">
+                <a16:creationId xmlns:a16="http://schemas.microsoft.com/office/drawing/2014/main" id="{F13C74B1-5B17-4795-BED0-7140497B445A}"/>
+              </a:ext>
+              <a:ext uri="{C183D7F6-B498-43B3-948B-1728B52AA6E4}">
+                <adec:decorative xmlns:adec="http://schemas.microsoft.com/office/drawing/2017/decorative" val="1"/>
+              </a:ext>
+            </a:extLst>
+          </p:cNvPr>
+          <p:cNvSpPr>
+            <a:spLocks noGrp="1" noRot="1" noChangeAspect="1" noMove="1" noResize="1" noEditPoints="1" noAdjustHandles="1" noChangeArrowheads="1" noChangeShapeType="1" noTextEdit="1"/>
+          </p:cNvSpPr>
+          <p:nvPr>
+            <p:extLst>
+              <p:ext uri="{386F3935-93C4-4BCD-93E2-E3B085C9AB24}">
+                <p16:designElem xmlns:p16="http://schemas.microsoft.com/office/powerpoint/2015/main" val="1"/>
+              </p:ext>
+            </p:extLst>
+          </p:nvPr>
+        </p:nvSpPr>
+        <p:spPr>
+          <a:xfrm>
+            <a:off x="0" y="0"/>
+            <a:ext cx="12188952" cy="6858000"/>
+          </a:xfrm>
+          <a:prstGeom prst="rect">
+            <a:avLst/>
+          </a:prstGeom>
+          <a:ln>
+            <a:noFill/>
+          </a:ln>
+        </p:spPr>
+        <p:style>
+          <a:lnRef idx="2">
+            <a:schemeClr val="accent1">
+              <a:shade val="50000"/>
+            </a:schemeClr>
+          </a:lnRef>
+          <a:fillRef idx="1">
+            <a:schemeClr val="accent1"/>
+          </a:fillRef>
+          <a:effectRef idx="0">
+            <a:schemeClr val="accent1"/>
+          </a:effectRef>
+          <a:fontRef idx="minor">
+            <a:schemeClr val="lt1"/>
+          </a:fontRef>
+        </p:style>
+        <p:txBody>
+          <a:bodyPr rtlCol="0" anchor="ctr"/>
+          <a:lstStyle/>
+          <a:p>
+            <a:pPr algn="ctr"/>
+            <a:endParaRPr lang="en-US"/>
+          </a:p>
+        </p:txBody>
+      </p:sp>
+      <p:sp>
+        <p:nvSpPr>
+          <p:cNvPr id="2" name="Title 1">
+            <a:extLst>
+              <a:ext uri="{FF2B5EF4-FFF2-40B4-BE49-F238E27FC236}">
+                <a16:creationId xmlns:a16="http://schemas.microsoft.com/office/drawing/2014/main" id="{9B52ED0C-74E9-337B-2D32-A06E477342A5}"/>
+              </a:ext>
+            </a:extLst>
+          </p:cNvPr>
+          <p:cNvSpPr>
+            <a:spLocks noGrp="1"/>
+          </p:cNvSpPr>
+          <p:nvPr>
+            <p:ph type="title"/>
+          </p:nvPr>
+        </p:nvSpPr>
+        <p:spPr>
+          <a:xfrm>
+            <a:off x="640080" y="325369"/>
+            <a:ext cx="4368602" cy="1956841"/>
+          </a:xfrm>
+        </p:spPr>
+        <p:txBody>
+          <a:bodyPr anchor="b">
+            <a:normAutofit/>
+          </a:bodyPr>
+          <a:lstStyle/>
+          <a:p>
+            <a:r>
+              <a:rPr lang="nl-NL" sz="5400"/>
+              <a:t>Reflectie</a:t>
+            </a:r>
+          </a:p>
+        </p:txBody>
+      </p:sp>
+      <p:sp>
+        <p:nvSpPr>
+          <p:cNvPr id="7182" name="sketchy line">
+            <a:extLst>
+              <a:ext uri="{FF2B5EF4-FFF2-40B4-BE49-F238E27FC236}">
+                <a16:creationId xmlns:a16="http://schemas.microsoft.com/office/drawing/2014/main" id="{D4974D33-8DC5-464E-8C6D-BE58F0669C17}"/>
+              </a:ext>
+              <a:ext uri="{C183D7F6-B498-43B3-948B-1728B52AA6E4}">
+                <adec:decorative xmlns:adec="http://schemas.microsoft.com/office/drawing/2017/decorative" val="1"/>
+              </a:ext>
+            </a:extLst>
+          </p:cNvPr>
+          <p:cNvSpPr>
+            <a:spLocks noGrp="1" noRot="1" noChangeAspect="1" noMove="1" noResize="1" noEditPoints="1" noAdjustHandles="1" noChangeArrowheads="1" noChangeShapeType="1" noTextEdit="1"/>
+          </p:cNvSpPr>
+          <p:nvPr>
+            <p:extLst>
+              <p:ext uri="{386F3935-93C4-4BCD-93E2-E3B085C9AB24}">
+                <p16:designElem xmlns:p16="http://schemas.microsoft.com/office/powerpoint/2015/main" val="1"/>
+              </p:ext>
+            </p:extLst>
+          </p:nvPr>
+        </p:nvSpPr>
+        <p:spPr>
+          <a:xfrm>
+            <a:off x="640080" y="2586994"/>
+            <a:ext cx="3474720" cy="18288"/>
+          </a:xfrm>
+          <a:custGeom>
+            <a:avLst/>
+            <a:gdLst>
+              <a:gd name="connsiteX0" fmla="*/ 0 w 3474720"/>
+              <a:gd name="connsiteY0" fmla="*/ 0 h 18288"/>
+              <a:gd name="connsiteX1" fmla="*/ 694944 w 3474720"/>
+              <a:gd name="connsiteY1" fmla="*/ 0 h 18288"/>
+              <a:gd name="connsiteX2" fmla="*/ 1355141 w 3474720"/>
+              <a:gd name="connsiteY2" fmla="*/ 0 h 18288"/>
+              <a:gd name="connsiteX3" fmla="*/ 2015338 w 3474720"/>
+              <a:gd name="connsiteY3" fmla="*/ 0 h 18288"/>
+              <a:gd name="connsiteX4" fmla="*/ 2779776 w 3474720"/>
+              <a:gd name="connsiteY4" fmla="*/ 0 h 18288"/>
+              <a:gd name="connsiteX5" fmla="*/ 3474720 w 3474720"/>
+              <a:gd name="connsiteY5" fmla="*/ 0 h 18288"/>
+              <a:gd name="connsiteX6" fmla="*/ 3474720 w 3474720"/>
+              <a:gd name="connsiteY6" fmla="*/ 18288 h 18288"/>
+              <a:gd name="connsiteX7" fmla="*/ 2779776 w 3474720"/>
+              <a:gd name="connsiteY7" fmla="*/ 18288 h 18288"/>
+              <a:gd name="connsiteX8" fmla="*/ 2189074 w 3474720"/>
+              <a:gd name="connsiteY8" fmla="*/ 18288 h 18288"/>
+              <a:gd name="connsiteX9" fmla="*/ 1528877 w 3474720"/>
+              <a:gd name="connsiteY9" fmla="*/ 18288 h 18288"/>
+              <a:gd name="connsiteX10" fmla="*/ 868680 w 3474720"/>
+              <a:gd name="connsiteY10" fmla="*/ 18288 h 18288"/>
+              <a:gd name="connsiteX11" fmla="*/ 0 w 3474720"/>
+              <a:gd name="connsiteY11" fmla="*/ 18288 h 18288"/>
+              <a:gd name="connsiteX12" fmla="*/ 0 w 3474720"/>
+              <a:gd name="connsiteY12" fmla="*/ 0 h 18288"/>
+            </a:gdLst>
+            <a:ahLst/>
+            <a:cxnLst>
+              <a:cxn ang="0">
+                <a:pos x="connsiteX0" y="connsiteY0"/>
+              </a:cxn>
+              <a:cxn ang="0">
+                <a:pos x="connsiteX1" y="connsiteY1"/>
+              </a:cxn>
+              <a:cxn ang="0">
+                <a:pos x="connsiteX2" y="connsiteY2"/>
+              </a:cxn>
+              <a:cxn ang="0">
+                <a:pos x="connsiteX3" y="connsiteY3"/>
+              </a:cxn>
+              <a:cxn ang="0">
+                <a:pos x="connsiteX4" y="connsiteY4"/>
+              </a:cxn>
+              <a:cxn ang="0">
+                <a:pos x="connsiteX5" y="connsiteY5"/>
+              </a:cxn>
+              <a:cxn ang="0">
+                <a:pos x="connsiteX6" y="connsiteY6"/>
+              </a:cxn>
+              <a:cxn ang="0">
+                <a:pos x="connsiteX7" y="connsiteY7"/>
+              </a:cxn>
+              <a:cxn ang="0">
+                <a:pos x="connsiteX8" y="connsiteY8"/>
+              </a:cxn>
+              <a:cxn ang="0">
+                <a:pos x="connsiteX9" y="connsiteY9"/>
+              </a:cxn>
+              <a:cxn ang="0">
+                <a:pos x="connsiteX10" y="connsiteY10"/>
+              </a:cxn>
+              <a:cxn ang="0">
+                <a:pos x="connsiteX11" y="connsiteY11"/>
+              </a:cxn>
+              <a:cxn ang="0">
+                <a:pos x="connsiteX12" y="connsiteY12"/>
+              </a:cxn>
+            </a:cxnLst>
+            <a:rect l="l" t="t" r="r" b="b"/>
+            <a:pathLst>
+              <a:path w="3474720" h="18288" fill="none" extrusionOk="0">
+                <a:moveTo>
+                  <a:pt x="0" y="0"/>
+                </a:moveTo>
+                <a:cubicBezTo>
+                  <a:pt x="224454" y="-14544"/>
+                  <a:pt x="495407" y="26540"/>
+                  <a:pt x="694944" y="0"/>
+                </a:cubicBezTo>
+                <a:cubicBezTo>
+                  <a:pt x="894481" y="-26540"/>
+                  <a:pt x="1130063" y="24713"/>
+                  <a:pt x="1355141" y="0"/>
+                </a:cubicBezTo>
+                <a:cubicBezTo>
+                  <a:pt x="1580219" y="-24713"/>
+                  <a:pt x="1820099" y="26695"/>
+                  <a:pt x="2015338" y="0"/>
+                </a:cubicBezTo>
+                <a:cubicBezTo>
+                  <a:pt x="2210577" y="-26695"/>
+                  <a:pt x="2402045" y="165"/>
+                  <a:pt x="2779776" y="0"/>
+                </a:cubicBezTo>
+                <a:cubicBezTo>
+                  <a:pt x="3157507" y="-165"/>
+                  <a:pt x="3286859" y="-15571"/>
+                  <a:pt x="3474720" y="0"/>
+                </a:cubicBezTo>
+                <a:cubicBezTo>
+                  <a:pt x="3474286" y="7551"/>
+                  <a:pt x="3474253" y="9822"/>
+                  <a:pt x="3474720" y="18288"/>
+                </a:cubicBezTo>
+                <a:cubicBezTo>
+                  <a:pt x="3233904" y="29845"/>
+                  <a:pt x="2945134" y="-5256"/>
+                  <a:pt x="2779776" y="18288"/>
+                </a:cubicBezTo>
+                <a:cubicBezTo>
+                  <a:pt x="2614418" y="41832"/>
+                  <a:pt x="2339768" y="22709"/>
+                  <a:pt x="2189074" y="18288"/>
+                </a:cubicBezTo>
+                <a:cubicBezTo>
+                  <a:pt x="2038380" y="13867"/>
+                  <a:pt x="1817434" y="-4947"/>
+                  <a:pt x="1528877" y="18288"/>
+                </a:cubicBezTo>
+                <a:cubicBezTo>
+                  <a:pt x="1240320" y="41523"/>
+                  <a:pt x="1042447" y="37198"/>
+                  <a:pt x="868680" y="18288"/>
+                </a:cubicBezTo>
+                <a:cubicBezTo>
+                  <a:pt x="694913" y="-622"/>
+                  <a:pt x="233232" y="44909"/>
+                  <a:pt x="0" y="18288"/>
+                </a:cubicBezTo>
+                <a:cubicBezTo>
+                  <a:pt x="60" y="11696"/>
+                  <a:pt x="66" y="3758"/>
+                  <a:pt x="0" y="0"/>
+                </a:cubicBezTo>
+                <a:close/>
+              </a:path>
+              <a:path w="3474720" h="18288" stroke="0" extrusionOk="0">
+                <a:moveTo>
+                  <a:pt x="0" y="0"/>
+                </a:moveTo>
+                <a:cubicBezTo>
+                  <a:pt x="202328" y="-14716"/>
+                  <a:pt x="332722" y="-11499"/>
+                  <a:pt x="625450" y="0"/>
+                </a:cubicBezTo>
+                <a:cubicBezTo>
+                  <a:pt x="918178" y="11499"/>
+                  <a:pt x="1096688" y="5123"/>
+                  <a:pt x="1389888" y="0"/>
+                </a:cubicBezTo>
+                <a:cubicBezTo>
+                  <a:pt x="1683088" y="-5123"/>
+                  <a:pt x="1835981" y="-14038"/>
+                  <a:pt x="1980590" y="0"/>
+                </a:cubicBezTo>
+                <a:cubicBezTo>
+                  <a:pt x="2125199" y="14038"/>
+                  <a:pt x="2396099" y="-7203"/>
+                  <a:pt x="2571293" y="0"/>
+                </a:cubicBezTo>
+                <a:cubicBezTo>
+                  <a:pt x="2746487" y="7203"/>
+                  <a:pt x="3041609" y="-12036"/>
+                  <a:pt x="3474720" y="0"/>
+                </a:cubicBezTo>
+                <a:cubicBezTo>
+                  <a:pt x="3474638" y="4406"/>
+                  <a:pt x="3474631" y="9982"/>
+                  <a:pt x="3474720" y="18288"/>
+                </a:cubicBezTo>
+                <a:cubicBezTo>
+                  <a:pt x="3324873" y="21876"/>
+                  <a:pt x="3136771" y="12587"/>
+                  <a:pt x="2814523" y="18288"/>
+                </a:cubicBezTo>
+                <a:cubicBezTo>
+                  <a:pt x="2492275" y="23989"/>
+                  <a:pt x="2294402" y="47111"/>
+                  <a:pt x="2154326" y="18288"/>
+                </a:cubicBezTo>
+                <a:cubicBezTo>
+                  <a:pt x="2014250" y="-10535"/>
+                  <a:pt x="1820317" y="33903"/>
+                  <a:pt x="1494130" y="18288"/>
+                </a:cubicBezTo>
+                <a:cubicBezTo>
+                  <a:pt x="1167943" y="2673"/>
+                  <a:pt x="948432" y="14868"/>
+                  <a:pt x="729691" y="18288"/>
+                </a:cubicBezTo>
+                <a:cubicBezTo>
+                  <a:pt x="510950" y="21708"/>
+                  <a:pt x="264032" y="24354"/>
+                  <a:pt x="0" y="18288"/>
+                </a:cubicBezTo>
+                <a:cubicBezTo>
+                  <a:pt x="189" y="14288"/>
+                  <a:pt x="-703" y="3747"/>
+                  <a:pt x="0" y="0"/>
+                </a:cubicBezTo>
+                <a:close/>
+              </a:path>
+            </a:pathLst>
+          </a:custGeom>
+          <a:solidFill>
+            <a:schemeClr val="accent2"/>
+          </a:solidFill>
+          <a:ln w="44450" cap="rnd">
+            <a:solidFill>
+              <a:schemeClr val="accent2"/>
+            </a:solidFill>
+            <a:round/>
+            <a:extLst>
+              <a:ext uri="{C807C97D-BFC1-408E-A445-0C87EB9F89A2}">
+                <ask:lineSketchStyleProps xmlns:ask="http://schemas.microsoft.com/office/drawing/2018/sketchyshapes" sd="2863741219">
+                  <a:prstGeom prst="rect">
+                    <a:avLst/>
+                  </a:prstGeom>
+                  <ask:type>
+                    <ask:lineSketchFreehand/>
+                  </ask:type>
+                </ask:lineSketchStyleProps>
+              </a:ext>
+            </a:extLst>
+          </a:ln>
+        </p:spPr>
+        <p:style>
+          <a:lnRef idx="2">
+            <a:schemeClr val="accent1">
+              <a:shade val="50000"/>
+            </a:schemeClr>
+          </a:lnRef>
+          <a:fillRef idx="1">
+            <a:schemeClr val="accent1"/>
+          </a:fillRef>
+          <a:effectRef idx="0">
+            <a:schemeClr val="accent1"/>
+          </a:effectRef>
+          <a:fontRef idx="minor">
+            <a:schemeClr val="lt1"/>
+          </a:fontRef>
+        </p:style>
+        <p:txBody>
+          <a:bodyPr rtlCol="0" anchor="ctr"/>
+          <a:lstStyle/>
+          <a:p>
+            <a:pPr algn="ctr"/>
+            <a:endParaRPr lang="en-US"/>
+          </a:p>
+        </p:txBody>
+      </p:sp>
+      <p:sp>
+        <p:nvSpPr>
+          <p:cNvPr id="3" name="Content Placeholder 2">
+            <a:extLst>
+              <a:ext uri="{FF2B5EF4-FFF2-40B4-BE49-F238E27FC236}">
+                <a16:creationId xmlns:a16="http://schemas.microsoft.com/office/drawing/2014/main" id="{A8C0F2D6-BF39-AE92-6F8B-2143EB2B3EBE}"/>
+              </a:ext>
+            </a:extLst>
+          </p:cNvPr>
+          <p:cNvSpPr>
+            <a:spLocks noGrp="1"/>
+          </p:cNvSpPr>
+          <p:nvPr>
+            <p:ph idx="1"/>
+          </p:nvPr>
+        </p:nvSpPr>
+        <p:spPr>
+          <a:xfrm>
+            <a:off x="640080" y="2872899"/>
+            <a:ext cx="4243589" cy="3320668"/>
+          </a:xfrm>
+        </p:spPr>
+        <p:txBody>
+          <a:bodyPr>
+            <a:normAutofit/>
+          </a:bodyPr>
+          <a:lstStyle/>
+          <a:p>
+            <a:r>
+              <a:rPr lang="nl-NL" sz="2200"/>
+              <a:t>Goed linken</a:t>
+            </a:r>
+          </a:p>
+          <a:p>
+            <a:r>
+              <a:rPr lang="nl-NL" sz="2200"/>
+              <a:t>Geluid</a:t>
+            </a:r>
+          </a:p>
+          <a:p>
+            <a:r>
+              <a:rPr lang="nl-NL" sz="2200"/>
+              <a:t>De unity build in particle system</a:t>
+            </a:r>
+          </a:p>
+          <a:p>
+            <a:r>
+              <a:rPr lang="nl-NL" sz="2200"/>
+              <a:t>Raycast</a:t>
+            </a:r>
+          </a:p>
+          <a:p>
+            <a:r>
+              <a:rPr lang="nl-NL" sz="2200"/>
+              <a:t>Unity asset store</a:t>
+            </a:r>
+          </a:p>
+        </p:txBody>
+      </p:sp>
+      <p:pic>
+        <p:nvPicPr>
+          <p:cNvPr id="7170" name="Picture 2" descr="Tijd voor reflectie. Hoe je de balans opmaakt!">
+            <a:extLst>
+              <a:ext uri="{FF2B5EF4-FFF2-40B4-BE49-F238E27FC236}">
+                <a16:creationId xmlns:a16="http://schemas.microsoft.com/office/drawing/2014/main" id="{74C2F0C3-F566-07AC-0C4E-EB25182758DF}"/>
+              </a:ext>
+            </a:extLst>
+          </p:cNvPr>
+          <p:cNvPicPr>
+            <a:picLocks noChangeAspect="1" noChangeArrowheads="1"/>
+          </p:cNvPicPr>
+          <p:nvPr/>
+        </p:nvPicPr>
+        <p:blipFill rotWithShape="1">
+          <a:blip r:embed="rId2">
+            <a:extLst>
+              <a:ext uri="{28A0092B-C50C-407E-A947-70E740481C1C}">
+                <a14:useLocalDpi xmlns:a14="http://schemas.microsoft.com/office/drawing/2010/main" val="0"/>
+              </a:ext>
+            </a:extLst>
+          </a:blip>
+          <a:srcRect l="42778" r="14343" b="-1"/>
+          <a:stretch/>
+        </p:blipFill>
+        <p:spPr bwMode="auto">
+          <a:xfrm>
+            <a:off x="5311702" y="10"/>
+            <a:ext cx="6878775" cy="6857990"/>
+          </a:xfrm>
+          <a:custGeom>
+            <a:avLst/>
+            <a:gdLst/>
+            <a:ahLst/>
+            <a:cxnLst/>
+            <a:rect l="l" t="t" r="r" b="b"/>
+            <a:pathLst>
+              <a:path w="6878775" h="6858000">
+                <a:moveTo>
+                  <a:pt x="1102973" y="0"/>
+                </a:moveTo>
+                <a:lnTo>
+                  <a:pt x="1160688" y="0"/>
+                </a:lnTo>
+                <a:lnTo>
+                  <a:pt x="983189" y="331786"/>
+                </a:lnTo>
+                <a:cubicBezTo>
+                  <a:pt x="914866" y="469145"/>
+                  <a:pt x="850355" y="608712"/>
+                  <a:pt x="789261" y="750263"/>
+                </a:cubicBezTo>
+                <a:cubicBezTo>
+                  <a:pt x="774307" y="784928"/>
+                  <a:pt x="759992" y="819849"/>
+                  <a:pt x="745295" y="854514"/>
+                </a:cubicBezTo>
+                <a:cubicBezTo>
+                  <a:pt x="756682" y="845393"/>
+                  <a:pt x="765489" y="833492"/>
+                  <a:pt x="770857" y="819975"/>
+                </a:cubicBezTo>
+                <a:cubicBezTo>
+                  <a:pt x="879943" y="589569"/>
+                  <a:pt x="999605" y="365513"/>
+                  <a:pt x="1131329" y="148742"/>
+                </a:cubicBezTo>
+                <a:lnTo>
+                  <a:pt x="1227589" y="0"/>
+                </a:lnTo>
+                <a:lnTo>
+                  <a:pt x="6878775" y="0"/>
+                </a:lnTo>
+                <a:lnTo>
+                  <a:pt x="6878775" y="6858000"/>
+                </a:lnTo>
+                <a:lnTo>
+                  <a:pt x="713521" y="6858000"/>
+                </a:lnTo>
+                <a:lnTo>
+                  <a:pt x="625642" y="6670527"/>
+                </a:lnTo>
+                <a:cubicBezTo>
+                  <a:pt x="507232" y="6398531"/>
+                  <a:pt x="403083" y="6118381"/>
+                  <a:pt x="312785" y="5830359"/>
+                </a:cubicBezTo>
+                <a:cubicBezTo>
+                  <a:pt x="278149" y="5719759"/>
+                  <a:pt x="248879" y="5607635"/>
+                  <a:pt x="212198" y="5480401"/>
+                </a:cubicBezTo>
+                <a:cubicBezTo>
+                  <a:pt x="212208" y="5491601"/>
+                  <a:pt x="212803" y="5502788"/>
+                  <a:pt x="213988" y="5513923"/>
+                </a:cubicBezTo>
+                <a:cubicBezTo>
+                  <a:pt x="264089" y="5723695"/>
+                  <a:pt x="307290" y="5935370"/>
+                  <a:pt x="365826" y="6142729"/>
+                </a:cubicBezTo>
+                <a:cubicBezTo>
+                  <a:pt x="433152" y="6380817"/>
+                  <a:pt x="510068" y="6614016"/>
+                  <a:pt x="597975" y="6841549"/>
+                </a:cubicBezTo>
+                <a:lnTo>
+                  <a:pt x="604824" y="6858000"/>
+                </a:lnTo>
+                <a:lnTo>
+                  <a:pt x="552056" y="6858000"/>
+                </a:lnTo>
+                <a:lnTo>
+                  <a:pt x="539576" y="6828295"/>
+                </a:lnTo>
+                <a:cubicBezTo>
+                  <a:pt x="380597" y="6414594"/>
+                  <a:pt x="260223" y="5988893"/>
+                  <a:pt x="171555" y="5552906"/>
+                </a:cubicBezTo>
+                <a:cubicBezTo>
+                  <a:pt x="91163" y="5157998"/>
+                  <a:pt x="43746" y="4758899"/>
+                  <a:pt x="12305" y="4357388"/>
+                </a:cubicBezTo>
+                <a:cubicBezTo>
+                  <a:pt x="-14281" y="4013908"/>
+                  <a:pt x="4507" y="3672965"/>
+                  <a:pt x="46684" y="3331516"/>
+                </a:cubicBezTo>
+                <a:cubicBezTo>
+                  <a:pt x="127203" y="2664286"/>
+                  <a:pt x="277819" y="2007265"/>
+                  <a:pt x="496065" y="1371196"/>
+                </a:cubicBezTo>
+                <a:cubicBezTo>
+                  <a:pt x="636273" y="966066"/>
+                  <a:pt x="800445" y="573253"/>
+                  <a:pt x="995723" y="196614"/>
+                </a:cubicBezTo>
+                <a:close/>
+              </a:path>
+            </a:pathLst>
+          </a:custGeom>
+          <a:noFill/>
+          <a:extLst>
+            <a:ext uri="{909E8E84-426E-40DD-AFC4-6F175D3DCCD1}">
+              <a14:hiddenFill xmlns:a14="http://schemas.microsoft.com/office/drawing/2010/main">
+                <a:solidFill>
+                  <a:srgbClr val="FFFFFF"/>
+                </a:solidFill>
+              </a14:hiddenFill>
+            </a:ext>
+          </a:extLst>
+        </p:spPr>
+      </p:pic>
+    </p:spTree>
+    <p:extLst>
+      <p:ext uri="{BB962C8B-B14F-4D97-AF65-F5344CB8AC3E}">
+        <p14:creationId xmlns:p14="http://schemas.microsoft.com/office/powerpoint/2010/main" val="307338171"/>
+      </p:ext>
+    </p:extLst>
+  </p:cSld>
+  <p:clrMapOvr>
+    <a:masterClrMapping/>
+  </p:clrMapOvr>
+</p:sld>
+</file>
+
+<file path=ppt/slides/slide15.xml><?xml version="1.0" encoding="utf-8"?>
+<p:sld xmlns:a="http://schemas.openxmlformats.org/drawingml/2006/main" xmlns:r="http://schemas.openxmlformats.org/officeDocument/2006/relationships" xmlns:p="http://schemas.openxmlformats.org/presentationml/2006/main">
+  <p:cSld>
+    <p:spTree>
+      <p:nvGrpSpPr>
+        <p:cNvPr id="1" name=""/>
+        <p:cNvGrpSpPr/>
+        <p:nvPr/>
+      </p:nvGrpSpPr>
+      <p:grpSpPr>
+        <a:xfrm>
+          <a:off x="0" y="0"/>
+          <a:ext cx="0" cy="0"/>
+          <a:chOff x="0" y="0"/>
+          <a:chExt cx="0" cy="0"/>
+        </a:xfrm>
+      </p:grpSpPr>
+      <p:grpSp>
+        <p:nvGrpSpPr>
+          <p:cNvPr id="7" name="Group 6">
+            <a:extLst>
+              <a:ext uri="{FF2B5EF4-FFF2-40B4-BE49-F238E27FC236}">
+                <a16:creationId xmlns:a16="http://schemas.microsoft.com/office/drawing/2014/main" id="{DBCD5F55-C515-FB49-9608-DFB8621AB30C}"/>
+              </a:ext>
+            </a:extLst>
+          </p:cNvPr>
+          <p:cNvGrpSpPr/>
+          <p:nvPr/>
+        </p:nvGrpSpPr>
+        <p:grpSpPr>
+          <a:xfrm>
+            <a:off x="849730" y="1167005"/>
+            <a:ext cx="2335320" cy="2996640"/>
+            <a:chOff x="849730" y="1167005"/>
+            <a:chExt cx="2335320" cy="2996640"/>
+          </a:xfrm>
+        </p:grpSpPr>
+        <mc:AlternateContent xmlns:mc="http://schemas.openxmlformats.org/markup-compatibility/2006">
+          <mc:Choice xmlns:p14="http://schemas.microsoft.com/office/powerpoint/2010/main" Requires="p14">
+            <p:contentPart p14:bwMode="auto" r:id="rId2">
+              <p14:nvContentPartPr>
+                <p14:cNvPr id="4" name="Ink 3">
+                  <a:extLst>
+                    <a:ext uri="{FF2B5EF4-FFF2-40B4-BE49-F238E27FC236}">
+                      <a16:creationId xmlns:a16="http://schemas.microsoft.com/office/drawing/2014/main" id="{B3D2A177-E33F-0FF1-A195-95CD04C92D0C}"/>
+                    </a:ext>
+                  </a:extLst>
+                </p14:cNvPr>
+                <p14:cNvContentPartPr/>
+                <p14:nvPr/>
+              </p14:nvContentPartPr>
+              <p14:xfrm>
+                <a:off x="849730" y="1167005"/>
+                <a:ext cx="977400" cy="2890440"/>
+              </p14:xfrm>
+            </p:contentPart>
+          </mc:Choice>
+          <mc:Fallback>
+            <p:pic>
+              <p:nvPicPr>
+                <p:cNvPr id="4" name="Ink 3">
+                  <a:extLst>
+                    <a:ext uri="{FF2B5EF4-FFF2-40B4-BE49-F238E27FC236}">
+                      <a16:creationId xmlns:a16="http://schemas.microsoft.com/office/drawing/2014/main" id="{B3D2A177-E33F-0FF1-A195-95CD04C92D0C}"/>
+                    </a:ext>
+                  </a:extLst>
+                </p:cNvPr>
+                <p:cNvPicPr/>
+                <p:nvPr/>
+              </p:nvPicPr>
+              <p:blipFill>
+                <a:blip r:embed="rId3"/>
+                <a:stretch>
+                  <a:fillRect/>
+                </a:stretch>
+              </p:blipFill>
+              <p:spPr>
+                <a:xfrm>
+                  <a:off x="840730" y="1158005"/>
+                  <a:ext cx="995040" cy="2908080"/>
+                </a:xfrm>
+                <a:prstGeom prst="rect">
+                  <a:avLst/>
+                </a:prstGeom>
+              </p:spPr>
+            </p:pic>
+          </mc:Fallback>
+        </mc:AlternateContent>
+        <mc:AlternateContent xmlns:mc="http://schemas.openxmlformats.org/markup-compatibility/2006">
+          <mc:Choice xmlns:p14="http://schemas.microsoft.com/office/powerpoint/2010/main" Requires="p14">
+            <p:contentPart p14:bwMode="auto" r:id="rId4">
+              <p14:nvContentPartPr>
+                <p14:cNvPr id="5" name="Ink 4">
+                  <a:extLst>
+                    <a:ext uri="{FF2B5EF4-FFF2-40B4-BE49-F238E27FC236}">
+                      <a16:creationId xmlns:a16="http://schemas.microsoft.com/office/drawing/2014/main" id="{9A98DF62-E15A-68B5-3474-6FFB51C655C7}"/>
+                    </a:ext>
+                  </a:extLst>
+                </p14:cNvPr>
+                <p14:cNvContentPartPr/>
+                <p14:nvPr/>
+              </p14:nvContentPartPr>
+              <p14:xfrm>
+                <a:off x="884650" y="2311085"/>
+                <a:ext cx="591480" cy="74880"/>
+              </p14:xfrm>
+            </p:contentPart>
+          </mc:Choice>
+          <mc:Fallback>
+            <p:pic>
+              <p:nvPicPr>
+                <p:cNvPr id="5" name="Ink 4">
+                  <a:extLst>
+                    <a:ext uri="{FF2B5EF4-FFF2-40B4-BE49-F238E27FC236}">
+                      <a16:creationId xmlns:a16="http://schemas.microsoft.com/office/drawing/2014/main" id="{9A98DF62-E15A-68B5-3474-6FFB51C655C7}"/>
+                    </a:ext>
+                  </a:extLst>
+                </p:cNvPr>
+                <p:cNvPicPr/>
+                <p:nvPr/>
+              </p:nvPicPr>
+              <p:blipFill>
+                <a:blip r:embed="rId5"/>
+                <a:stretch>
+                  <a:fillRect/>
+                </a:stretch>
+              </p:blipFill>
+              <p:spPr>
+                <a:xfrm>
+                  <a:off x="876010" y="2302085"/>
+                  <a:ext cx="609120" cy="92520"/>
+                </a:xfrm>
+                <a:prstGeom prst="rect">
+                  <a:avLst/>
+                </a:prstGeom>
+              </p:spPr>
+            </p:pic>
+          </mc:Fallback>
+        </mc:AlternateContent>
+        <mc:AlternateContent xmlns:mc="http://schemas.openxmlformats.org/markup-compatibility/2006">
+          <mc:Choice xmlns:p14="http://schemas.microsoft.com/office/powerpoint/2010/main" Requires="p14">
+            <p:contentPart p14:bwMode="auto" r:id="rId6">
+              <p14:nvContentPartPr>
+                <p14:cNvPr id="6" name="Ink 5">
+                  <a:extLst>
+                    <a:ext uri="{FF2B5EF4-FFF2-40B4-BE49-F238E27FC236}">
+                      <a16:creationId xmlns:a16="http://schemas.microsoft.com/office/drawing/2014/main" id="{1C57DE66-3288-9DA0-45A5-A141835DF1D7}"/>
+                    </a:ext>
+                  </a:extLst>
+                </p14:cNvPr>
+                <p14:cNvContentPartPr/>
+                <p14:nvPr/>
+              </p14:nvContentPartPr>
+              <p14:xfrm>
+                <a:off x="2217730" y="1293365"/>
+                <a:ext cx="967320" cy="2870280"/>
+              </p14:xfrm>
+            </p:contentPart>
+          </mc:Choice>
+          <mc:Fallback>
+            <p:pic>
+              <p:nvPicPr>
+                <p:cNvPr id="6" name="Ink 5">
+                  <a:extLst>
+                    <a:ext uri="{FF2B5EF4-FFF2-40B4-BE49-F238E27FC236}">
+                      <a16:creationId xmlns:a16="http://schemas.microsoft.com/office/drawing/2014/main" id="{1C57DE66-3288-9DA0-45A5-A141835DF1D7}"/>
+                    </a:ext>
+                  </a:extLst>
+                </p:cNvPr>
+                <p:cNvPicPr/>
+                <p:nvPr/>
+              </p:nvPicPr>
+              <p:blipFill>
+                <a:blip r:embed="rId7"/>
+                <a:stretch>
+                  <a:fillRect/>
+                </a:stretch>
+              </p:blipFill>
+              <p:spPr>
+                <a:xfrm>
+                  <a:off x="2208730" y="1284725"/>
+                  <a:ext cx="984960" cy="2887920"/>
+                </a:xfrm>
+                <a:prstGeom prst="rect">
+                  <a:avLst/>
+                </a:prstGeom>
+              </p:spPr>
+            </p:pic>
+          </mc:Fallback>
+        </mc:AlternateContent>
+      </p:grpSp>
+      <mc:AlternateContent xmlns:mc="http://schemas.openxmlformats.org/markup-compatibility/2006">
+        <mc:Choice xmlns:p14="http://schemas.microsoft.com/office/powerpoint/2010/main" Requires="p14">
+          <p:contentPart p14:bwMode="auto" r:id="rId8">
+            <p14:nvContentPartPr>
+              <p14:cNvPr id="10" name="Ink 9">
+                <a:extLst>
+                  <a:ext uri="{FF2B5EF4-FFF2-40B4-BE49-F238E27FC236}">
+                    <a16:creationId xmlns:a16="http://schemas.microsoft.com/office/drawing/2014/main" id="{6C95522F-247B-FCE9-0C2F-F6F1FA803A90}"/>
+                  </a:ext>
+                </a:extLst>
+              </p14:cNvPr>
+              <p14:cNvContentPartPr/>
+              <p14:nvPr/>
+            </p14:nvContentPartPr>
+            <p14:xfrm>
+              <a:off x="3610570" y="2585765"/>
+              <a:ext cx="1606320" cy="1878840"/>
+            </p14:xfrm>
+          </p:contentPart>
+        </mc:Choice>
+        <mc:Fallback>
+          <p:pic>
+            <p:nvPicPr>
+              <p:cNvPr id="10" name="Ink 9">
+                <a:extLst>
+                  <a:ext uri="{FF2B5EF4-FFF2-40B4-BE49-F238E27FC236}">
+                    <a16:creationId xmlns:a16="http://schemas.microsoft.com/office/drawing/2014/main" id="{6C95522F-247B-FCE9-0C2F-F6F1FA803A90}"/>
+                  </a:ext>
+                </a:extLst>
+              </p:cNvPr>
+              <p:cNvPicPr/>
+              <p:nvPr/>
+            </p:nvPicPr>
+            <p:blipFill>
+              <a:blip r:embed="rId9"/>
+              <a:stretch>
+                <a:fillRect/>
+              </a:stretch>
+            </p:blipFill>
+            <p:spPr>
+              <a:xfrm>
+                <a:off x="3601570" y="2576765"/>
+                <a:ext cx="1623960" cy="1896480"/>
+              </a:xfrm>
+              <a:prstGeom prst="rect">
+                <a:avLst/>
+              </a:prstGeom>
+            </p:spPr>
+          </p:pic>
+        </mc:Fallback>
+      </mc:AlternateContent>
+      <p:grpSp>
+        <p:nvGrpSpPr>
+          <p:cNvPr id="16" name="Group 15">
+            <a:extLst>
+              <a:ext uri="{FF2B5EF4-FFF2-40B4-BE49-F238E27FC236}">
+                <a16:creationId xmlns:a16="http://schemas.microsoft.com/office/drawing/2014/main" id="{72E6131D-B6BB-C8D5-A2FF-324F0EB1F04B}"/>
+              </a:ext>
+            </a:extLst>
+          </p:cNvPr>
+          <p:cNvGrpSpPr/>
+          <p:nvPr/>
+        </p:nvGrpSpPr>
+        <p:grpSpPr>
+          <a:xfrm>
+            <a:off x="5980810" y="2451125"/>
+            <a:ext cx="3123720" cy="2124360"/>
+            <a:chOff x="5980810" y="2451125"/>
+            <a:chExt cx="3123720" cy="2124360"/>
+          </a:xfrm>
+        </p:grpSpPr>
+        <mc:AlternateContent xmlns:mc="http://schemas.openxmlformats.org/markup-compatibility/2006">
+          <mc:Choice xmlns:p14="http://schemas.microsoft.com/office/powerpoint/2010/main" Requires="p14">
+            <p:contentPart p14:bwMode="auto" r:id="rId10">
+              <p14:nvContentPartPr>
+                <p14:cNvPr id="14" name="Ink 13">
+                  <a:extLst>
+                    <a:ext uri="{FF2B5EF4-FFF2-40B4-BE49-F238E27FC236}">
+                      <a16:creationId xmlns:a16="http://schemas.microsoft.com/office/drawing/2014/main" id="{2039C851-E231-ED9C-C175-97C072793405}"/>
+                    </a:ext>
+                  </a:extLst>
+                </p14:cNvPr>
+                <p14:cNvContentPartPr/>
+                <p14:nvPr/>
+              </p14:nvContentPartPr>
+              <p14:xfrm>
+                <a:off x="5980810" y="2644085"/>
+                <a:ext cx="1437480" cy="1931400"/>
+              </p14:xfrm>
+            </p:contentPart>
+          </mc:Choice>
+          <mc:Fallback>
+            <p:pic>
+              <p:nvPicPr>
+                <p:cNvPr id="14" name="Ink 13">
+                  <a:extLst>
+                    <a:ext uri="{FF2B5EF4-FFF2-40B4-BE49-F238E27FC236}">
+                      <a16:creationId xmlns:a16="http://schemas.microsoft.com/office/drawing/2014/main" id="{2039C851-E231-ED9C-C175-97C072793405}"/>
+                    </a:ext>
+                  </a:extLst>
+                </p:cNvPr>
+                <p:cNvPicPr/>
+                <p:nvPr/>
+              </p:nvPicPr>
+              <p:blipFill>
+                <a:blip r:embed="rId11"/>
+                <a:stretch>
+                  <a:fillRect/>
+                </a:stretch>
+              </p:blipFill>
+              <p:spPr>
+                <a:xfrm>
+                  <a:off x="5972170" y="2635445"/>
+                  <a:ext cx="1455120" cy="1949040"/>
+                </a:xfrm>
+                <a:prstGeom prst="rect">
+                  <a:avLst/>
+                </a:prstGeom>
+              </p:spPr>
+            </p:pic>
+          </mc:Fallback>
+        </mc:AlternateContent>
+        <mc:AlternateContent xmlns:mc="http://schemas.openxmlformats.org/markup-compatibility/2006">
+          <mc:Choice xmlns:p14="http://schemas.microsoft.com/office/powerpoint/2010/main" Requires="p14">
+            <p:contentPart p14:bwMode="auto" r:id="rId12">
+              <p14:nvContentPartPr>
+                <p14:cNvPr id="15" name="Ink 14">
+                  <a:extLst>
+                    <a:ext uri="{FF2B5EF4-FFF2-40B4-BE49-F238E27FC236}">
+                      <a16:creationId xmlns:a16="http://schemas.microsoft.com/office/drawing/2014/main" id="{EE33594B-4438-A3AD-E6C0-7E9A1534A826}"/>
+                    </a:ext>
+                  </a:extLst>
+                </p14:cNvPr>
+                <p14:cNvContentPartPr/>
+                <p14:nvPr/>
+              </p14:nvContentPartPr>
+              <p14:xfrm>
+                <a:off x="7897450" y="2451125"/>
+                <a:ext cx="1207080" cy="1914480"/>
+              </p14:xfrm>
+            </p:contentPart>
+          </mc:Choice>
+          <mc:Fallback>
+            <p:pic>
+              <p:nvPicPr>
+                <p:cNvPr id="15" name="Ink 14">
+                  <a:extLst>
+                    <a:ext uri="{FF2B5EF4-FFF2-40B4-BE49-F238E27FC236}">
+                      <a16:creationId xmlns:a16="http://schemas.microsoft.com/office/drawing/2014/main" id="{EE33594B-4438-A3AD-E6C0-7E9A1534A826}"/>
+                    </a:ext>
+                  </a:extLst>
+                </p:cNvPr>
+                <p:cNvPicPr/>
+                <p:nvPr/>
+              </p:nvPicPr>
+              <p:blipFill>
+                <a:blip r:embed="rId13"/>
+                <a:stretch>
+                  <a:fillRect/>
+                </a:stretch>
+              </p:blipFill>
+              <p:spPr>
+                <a:xfrm>
+                  <a:off x="7888450" y="2442125"/>
+                  <a:ext cx="1224720" cy="1932120"/>
+                </a:xfrm>
+                <a:prstGeom prst="rect">
+                  <a:avLst/>
+                </a:prstGeom>
+              </p:spPr>
+            </p:pic>
+          </mc:Fallback>
+        </mc:AlternateContent>
+      </p:grpSp>
+      <mc:AlternateContent xmlns:mc="http://schemas.openxmlformats.org/markup-compatibility/2006">
+        <mc:Choice xmlns:p14="http://schemas.microsoft.com/office/powerpoint/2010/main" Requires="p14">
+          <p:contentPart p14:bwMode="auto" r:id="rId14">
+            <p14:nvContentPartPr>
+              <p14:cNvPr id="24" name="Ink 23">
+                <a:extLst>
+                  <a:ext uri="{FF2B5EF4-FFF2-40B4-BE49-F238E27FC236}">
+                    <a16:creationId xmlns:a16="http://schemas.microsoft.com/office/drawing/2014/main" id="{99FA426E-05CA-E574-C7E6-184BE4235BFB}"/>
+                  </a:ext>
+                </a:extLst>
+              </p14:cNvPr>
+              <p14:cNvContentPartPr/>
+              <p14:nvPr/>
+            </p14:nvContentPartPr>
+            <p14:xfrm>
+              <a:off x="9207130" y="897005"/>
+              <a:ext cx="1745640" cy="3630240"/>
+            </p14:xfrm>
+          </p:contentPart>
+        </mc:Choice>
+        <mc:Fallback>
+          <p:pic>
+            <p:nvPicPr>
+              <p:cNvPr id="24" name="Ink 23">
+                <a:extLst>
+                  <a:ext uri="{FF2B5EF4-FFF2-40B4-BE49-F238E27FC236}">
+                    <a16:creationId xmlns:a16="http://schemas.microsoft.com/office/drawing/2014/main" id="{99FA426E-05CA-E574-C7E6-184BE4235BFB}"/>
+                  </a:ext>
+                </a:extLst>
+              </p:cNvPr>
+              <p:cNvPicPr/>
+              <p:nvPr/>
+            </p:nvPicPr>
+            <p:blipFill>
+              <a:blip r:embed="rId15"/>
+              <a:stretch>
+                <a:fillRect/>
+              </a:stretch>
+            </p:blipFill>
+            <p:spPr>
+              <a:xfrm>
+                <a:off x="9198490" y="888365"/>
+                <a:ext cx="1763280" cy="3647880"/>
+              </a:xfrm>
+              <a:prstGeom prst="rect">
+                <a:avLst/>
+              </a:prstGeom>
+            </p:spPr>
+          </p:pic>
+        </mc:Fallback>
+      </mc:AlternateContent>
+    </p:spTree>
+    <p:extLst>
+      <p:ext uri="{BB962C8B-B14F-4D97-AF65-F5344CB8AC3E}">
+        <p14:creationId xmlns:p14="http://schemas.microsoft.com/office/powerpoint/2010/main" val="2421574258"/>
       </p:ext>
     </p:extLst>
   </p:cSld>
@@ -3457,18 +9309,68 @@
             <p:ph type="title"/>
           </p:nvPr>
         </p:nvSpPr>
-        <p:spPr/>
+        <p:spPr>
+          <a:xfrm>
+            <a:off x="838200" y="-1580407"/>
+            <a:ext cx="10515600" cy="1325563"/>
+          </a:xfrm>
+        </p:spPr>
         <p:txBody>
           <a:bodyPr/>
           <a:lstStyle/>
           <a:p>
-            <a:r>
-              <a:rPr lang="nl-NL" dirty="0"/>
-              <a:t>Onderwerpen</a:t>
-            </a:r>
+            <a:pPr algn="ctr"/>
+            <a:endParaRPr lang="nl-NL" dirty="0"/>
           </a:p>
         </p:txBody>
       </p:sp>
+      <p:pic>
+        <p:nvPicPr>
+          <p:cNvPr id="2056" name="Picture 8" descr="Onderwerpen Stock Illustrations, Vectors, &amp; Clipart – (20,515 Stock  Illustrations)">
+            <a:extLst>
+              <a:ext uri="{FF2B5EF4-FFF2-40B4-BE49-F238E27FC236}">
+                <a16:creationId xmlns:a16="http://schemas.microsoft.com/office/drawing/2014/main" id="{D1089BD5-B4CE-8428-4894-9E1F380554C1}"/>
+              </a:ext>
+            </a:extLst>
+          </p:cNvPr>
+          <p:cNvPicPr>
+            <a:picLocks noChangeAspect="1" noChangeArrowheads="1"/>
+          </p:cNvPicPr>
+          <p:nvPr/>
+        </p:nvPicPr>
+        <p:blipFill>
+          <a:blip r:embed="rId2">
+            <a:extLst>
+              <a:ext uri="{28A0092B-C50C-407E-A947-70E740481C1C}">
+                <a14:useLocalDpi xmlns:a14="http://schemas.microsoft.com/office/drawing/2010/main" val="0"/>
+              </a:ext>
+            </a:extLst>
+          </a:blip>
+          <a:srcRect/>
+          <a:stretch>
+            <a:fillRect/>
+          </a:stretch>
+        </p:blipFill>
+        <p:spPr bwMode="auto">
+          <a:xfrm>
+            <a:off x="0" y="-851744"/>
+            <a:ext cx="12192000" cy="4670425"/>
+          </a:xfrm>
+          <a:prstGeom prst="rect">
+            <a:avLst/>
+          </a:prstGeom>
+          <a:noFill/>
+          <a:extLst>
+            <a:ext uri="{909E8E84-426E-40DD-AFC4-6F175D3DCCD1}">
+              <a14:hiddenFill xmlns:a14="http://schemas.microsoft.com/office/drawing/2010/main">
+                <a:solidFill>
+                  <a:srgbClr val="FFFFFF"/>
+                </a:solidFill>
+              </a14:hiddenFill>
+            </a:ext>
+          </a:extLst>
+        </p:spPr>
+      </p:pic>
       <p:sp>
         <p:nvSpPr>
           <p:cNvPr id="3" name="Content Placeholder 2">
@@ -3485,15 +9387,511 @@
             <p:ph idx="1"/>
           </p:nvPr>
         </p:nvSpPr>
-        <p:spPr/>
+        <p:spPr>
+          <a:xfrm>
+            <a:off x="838200" y="2856756"/>
+            <a:ext cx="3589421" cy="4847891"/>
+          </a:xfrm>
+        </p:spPr>
         <p:txBody>
           <a:bodyPr/>
           <a:lstStyle/>
           <a:p>
             <a:r>
-              <a:rPr lang="nl-NL"/>
-              <a:t>Wat is mijn game</a:t>
+              <a:rPr lang="nl-NL" b="1" dirty="0"/>
+              <a:t>Voorbereiding</a:t>
             </a:r>
+          </a:p>
+          <a:p>
+            <a:r>
+              <a:rPr lang="nl-NL" dirty="0"/>
+              <a:t>Wat is de game</a:t>
+            </a:r>
+          </a:p>
+          <a:p>
+            <a:r>
+              <a:rPr lang="nl-NL" dirty="0"/>
+              <a:t>Game design doc</a:t>
+            </a:r>
+          </a:p>
+          <a:p>
+            <a:r>
+              <a:rPr lang="nl-NL" dirty="0"/>
+              <a:t>Ontwikkelomgeving</a:t>
+            </a:r>
+          </a:p>
+          <a:p>
+            <a:endParaRPr lang="nl-NL" dirty="0"/>
+          </a:p>
+          <a:p>
+            <a:endParaRPr lang="nl-NL" dirty="0"/>
+          </a:p>
+          <a:p>
+            <a:endParaRPr lang="nl-NL" dirty="0"/>
+          </a:p>
+        </p:txBody>
+      </p:sp>
+      <p:sp>
+        <p:nvSpPr>
+          <p:cNvPr id="4" name="Content Placeholder 2">
+            <a:extLst>
+              <a:ext uri="{FF2B5EF4-FFF2-40B4-BE49-F238E27FC236}">
+                <a16:creationId xmlns:a16="http://schemas.microsoft.com/office/drawing/2014/main" id="{6F6C3B9D-5566-79FE-D17B-5B7033488963}"/>
+              </a:ext>
+            </a:extLst>
+          </p:cNvPr>
+          <p:cNvSpPr txBox="1">
+            <a:spLocks/>
+          </p:cNvSpPr>
+          <p:nvPr/>
+        </p:nvSpPr>
+        <p:spPr>
+          <a:xfrm>
+            <a:off x="4174960" y="2856756"/>
+            <a:ext cx="3589421" cy="5000291"/>
+          </a:xfrm>
+          <a:prstGeom prst="rect">
+            <a:avLst/>
+          </a:prstGeom>
+        </p:spPr>
+        <p:txBody>
+          <a:bodyPr vert="horz" lIns="91440" tIns="45720" rIns="91440" bIns="45720" rtlCol="0">
+            <a:normAutofit/>
+          </a:bodyPr>
+          <a:lstStyle>
+            <a:lvl1pPr marL="228600" indent="-228600" algn="l" defTabSz="914400" rtl="0" eaLnBrk="1" latinLnBrk="0" hangingPunct="1">
+              <a:lnSpc>
+                <a:spcPct val="90000"/>
+              </a:lnSpc>
+              <a:spcBef>
+                <a:spcPts val="1000"/>
+              </a:spcBef>
+              <a:buFont typeface="Arial" panose="020B0604020202020204" pitchFamily="34" charset="0"/>
+              <a:buChar char="•"/>
+              <a:defRPr sz="2800" kern="1200">
+                <a:solidFill>
+                  <a:schemeClr val="tx1"/>
+                </a:solidFill>
+                <a:latin typeface="+mn-lt"/>
+                <a:ea typeface="+mn-ea"/>
+                <a:cs typeface="+mn-cs"/>
+              </a:defRPr>
+            </a:lvl1pPr>
+            <a:lvl2pPr marL="685800" indent="-228600" algn="l" defTabSz="914400" rtl="0" eaLnBrk="1" latinLnBrk="0" hangingPunct="1">
+              <a:lnSpc>
+                <a:spcPct val="90000"/>
+              </a:lnSpc>
+              <a:spcBef>
+                <a:spcPts val="500"/>
+              </a:spcBef>
+              <a:buFont typeface="Arial" panose="020B0604020202020204" pitchFamily="34" charset="0"/>
+              <a:buChar char="•"/>
+              <a:defRPr sz="2400" kern="1200">
+                <a:solidFill>
+                  <a:schemeClr val="tx1"/>
+                </a:solidFill>
+                <a:latin typeface="+mn-lt"/>
+                <a:ea typeface="+mn-ea"/>
+                <a:cs typeface="+mn-cs"/>
+              </a:defRPr>
+            </a:lvl2pPr>
+            <a:lvl3pPr marL="1143000" indent="-228600" algn="l" defTabSz="914400" rtl="0" eaLnBrk="1" latinLnBrk="0" hangingPunct="1">
+              <a:lnSpc>
+                <a:spcPct val="90000"/>
+              </a:lnSpc>
+              <a:spcBef>
+                <a:spcPts val="500"/>
+              </a:spcBef>
+              <a:buFont typeface="Arial" panose="020B0604020202020204" pitchFamily="34" charset="0"/>
+              <a:buChar char="•"/>
+              <a:defRPr sz="2000" kern="1200">
+                <a:solidFill>
+                  <a:schemeClr val="tx1"/>
+                </a:solidFill>
+                <a:latin typeface="+mn-lt"/>
+                <a:ea typeface="+mn-ea"/>
+                <a:cs typeface="+mn-cs"/>
+              </a:defRPr>
+            </a:lvl3pPr>
+            <a:lvl4pPr marL="1600200" indent="-228600" algn="l" defTabSz="914400" rtl="0" eaLnBrk="1" latinLnBrk="0" hangingPunct="1">
+              <a:lnSpc>
+                <a:spcPct val="90000"/>
+              </a:lnSpc>
+              <a:spcBef>
+                <a:spcPts val="500"/>
+              </a:spcBef>
+              <a:buFont typeface="Arial" panose="020B0604020202020204" pitchFamily="34" charset="0"/>
+              <a:buChar char="•"/>
+              <a:defRPr sz="1800" kern="1200">
+                <a:solidFill>
+                  <a:schemeClr val="tx1"/>
+                </a:solidFill>
+                <a:latin typeface="+mn-lt"/>
+                <a:ea typeface="+mn-ea"/>
+                <a:cs typeface="+mn-cs"/>
+              </a:defRPr>
+            </a:lvl4pPr>
+            <a:lvl5pPr marL="2057400" indent="-228600" algn="l" defTabSz="914400" rtl="0" eaLnBrk="1" latinLnBrk="0" hangingPunct="1">
+              <a:lnSpc>
+                <a:spcPct val="90000"/>
+              </a:lnSpc>
+              <a:spcBef>
+                <a:spcPts val="500"/>
+              </a:spcBef>
+              <a:buFont typeface="Arial" panose="020B0604020202020204" pitchFamily="34" charset="0"/>
+              <a:buChar char="•"/>
+              <a:defRPr sz="1800" kern="1200">
+                <a:solidFill>
+                  <a:schemeClr val="tx1"/>
+                </a:solidFill>
+                <a:latin typeface="+mn-lt"/>
+                <a:ea typeface="+mn-ea"/>
+                <a:cs typeface="+mn-cs"/>
+              </a:defRPr>
+            </a:lvl5pPr>
+            <a:lvl6pPr marL="2514600" indent="-228600" algn="l" defTabSz="914400" rtl="0" eaLnBrk="1" latinLnBrk="0" hangingPunct="1">
+              <a:lnSpc>
+                <a:spcPct val="90000"/>
+              </a:lnSpc>
+              <a:spcBef>
+                <a:spcPts val="500"/>
+              </a:spcBef>
+              <a:buFont typeface="Arial" panose="020B0604020202020204" pitchFamily="34" charset="0"/>
+              <a:buChar char="•"/>
+              <a:defRPr sz="1800" kern="1200">
+                <a:solidFill>
+                  <a:schemeClr val="tx1"/>
+                </a:solidFill>
+                <a:latin typeface="+mn-lt"/>
+                <a:ea typeface="+mn-ea"/>
+                <a:cs typeface="+mn-cs"/>
+              </a:defRPr>
+            </a:lvl6pPr>
+            <a:lvl7pPr marL="2971800" indent="-228600" algn="l" defTabSz="914400" rtl="0" eaLnBrk="1" latinLnBrk="0" hangingPunct="1">
+              <a:lnSpc>
+                <a:spcPct val="90000"/>
+              </a:lnSpc>
+              <a:spcBef>
+                <a:spcPts val="500"/>
+              </a:spcBef>
+              <a:buFont typeface="Arial" panose="020B0604020202020204" pitchFamily="34" charset="0"/>
+              <a:buChar char="•"/>
+              <a:defRPr sz="1800" kern="1200">
+                <a:solidFill>
+                  <a:schemeClr val="tx1"/>
+                </a:solidFill>
+                <a:latin typeface="+mn-lt"/>
+                <a:ea typeface="+mn-ea"/>
+                <a:cs typeface="+mn-cs"/>
+              </a:defRPr>
+            </a:lvl7pPr>
+            <a:lvl8pPr marL="3429000" indent="-228600" algn="l" defTabSz="914400" rtl="0" eaLnBrk="1" latinLnBrk="0" hangingPunct="1">
+              <a:lnSpc>
+                <a:spcPct val="90000"/>
+              </a:lnSpc>
+              <a:spcBef>
+                <a:spcPts val="500"/>
+              </a:spcBef>
+              <a:buFont typeface="Arial" panose="020B0604020202020204" pitchFamily="34" charset="0"/>
+              <a:buChar char="•"/>
+              <a:defRPr sz="1800" kern="1200">
+                <a:solidFill>
+                  <a:schemeClr val="tx1"/>
+                </a:solidFill>
+                <a:latin typeface="+mn-lt"/>
+                <a:ea typeface="+mn-ea"/>
+                <a:cs typeface="+mn-cs"/>
+              </a:defRPr>
+            </a:lvl8pPr>
+            <a:lvl9pPr marL="3886200" indent="-228600" algn="l" defTabSz="914400" rtl="0" eaLnBrk="1" latinLnBrk="0" hangingPunct="1">
+              <a:lnSpc>
+                <a:spcPct val="90000"/>
+              </a:lnSpc>
+              <a:spcBef>
+                <a:spcPts val="500"/>
+              </a:spcBef>
+              <a:buFont typeface="Arial" panose="020B0604020202020204" pitchFamily="34" charset="0"/>
+              <a:buChar char="•"/>
+              <a:defRPr sz="1800" kern="1200">
+                <a:solidFill>
+                  <a:schemeClr val="tx1"/>
+                </a:solidFill>
+                <a:latin typeface="+mn-lt"/>
+                <a:ea typeface="+mn-ea"/>
+                <a:cs typeface="+mn-cs"/>
+              </a:defRPr>
+            </a:lvl9pPr>
+          </a:lstStyle>
+          <a:p>
+            <a:r>
+              <a:rPr lang="nl-NL" b="1" dirty="0"/>
+              <a:t>Documentatie</a:t>
+            </a:r>
+          </a:p>
+          <a:p>
+            <a:r>
+              <a:rPr lang="nl-NL" dirty="0"/>
+              <a:t>Log boek</a:t>
+            </a:r>
+          </a:p>
+          <a:p>
+            <a:r>
+              <a:rPr lang="nl-NL" dirty="0"/>
+              <a:t>Github commits</a:t>
+            </a:r>
+          </a:p>
+          <a:p>
+            <a:r>
+              <a:rPr lang="nl-NL" dirty="0"/>
+              <a:t>Broncode </a:t>
+            </a:r>
+          </a:p>
+          <a:p>
+            <a:r>
+              <a:rPr lang="nl-NL" dirty="0"/>
+              <a:t>Overdracht </a:t>
+            </a:r>
+          </a:p>
+          <a:p>
+            <a:r>
+              <a:rPr lang="nl-NL" dirty="0"/>
+              <a:t>Test resultaat</a:t>
+            </a:r>
+          </a:p>
+          <a:p>
+            <a:r>
+              <a:rPr lang="nl-NL" dirty="0"/>
+              <a:t>Toekomst</a:t>
+            </a:r>
+          </a:p>
+          <a:p>
+            <a:endParaRPr lang="nl-NL" dirty="0"/>
+          </a:p>
+          <a:p>
+            <a:endParaRPr lang="nl-NL" dirty="0"/>
+          </a:p>
+        </p:txBody>
+      </p:sp>
+      <p:sp>
+        <p:nvSpPr>
+          <p:cNvPr id="5" name="Content Placeholder 2">
+            <a:extLst>
+              <a:ext uri="{FF2B5EF4-FFF2-40B4-BE49-F238E27FC236}">
+                <a16:creationId xmlns:a16="http://schemas.microsoft.com/office/drawing/2014/main" id="{0434D0B5-FD64-3138-F8FE-560F79998525}"/>
+              </a:ext>
+            </a:extLst>
+          </p:cNvPr>
+          <p:cNvSpPr txBox="1">
+            <a:spLocks/>
+          </p:cNvSpPr>
+          <p:nvPr/>
+        </p:nvSpPr>
+        <p:spPr>
+          <a:xfrm>
+            <a:off x="7587916" y="2856756"/>
+            <a:ext cx="3589420" cy="5152691"/>
+          </a:xfrm>
+          <a:prstGeom prst="rect">
+            <a:avLst/>
+          </a:prstGeom>
+        </p:spPr>
+        <p:txBody>
+          <a:bodyPr vert="horz" lIns="91440" tIns="45720" rIns="91440" bIns="45720" rtlCol="0">
+            <a:normAutofit/>
+          </a:bodyPr>
+          <a:lstStyle>
+            <a:lvl1pPr marL="228600" indent="-228600" algn="l" defTabSz="914400" rtl="0" eaLnBrk="1" latinLnBrk="0" hangingPunct="1">
+              <a:lnSpc>
+                <a:spcPct val="90000"/>
+              </a:lnSpc>
+              <a:spcBef>
+                <a:spcPts val="1000"/>
+              </a:spcBef>
+              <a:buFont typeface="Arial" panose="020B0604020202020204" pitchFamily="34" charset="0"/>
+              <a:buChar char="•"/>
+              <a:defRPr sz="2800" kern="1200">
+                <a:solidFill>
+                  <a:schemeClr val="tx1"/>
+                </a:solidFill>
+                <a:latin typeface="+mn-lt"/>
+                <a:ea typeface="+mn-ea"/>
+                <a:cs typeface="+mn-cs"/>
+              </a:defRPr>
+            </a:lvl1pPr>
+            <a:lvl2pPr marL="685800" indent="-228600" algn="l" defTabSz="914400" rtl="0" eaLnBrk="1" latinLnBrk="0" hangingPunct="1">
+              <a:lnSpc>
+                <a:spcPct val="90000"/>
+              </a:lnSpc>
+              <a:spcBef>
+                <a:spcPts val="500"/>
+              </a:spcBef>
+              <a:buFont typeface="Arial" panose="020B0604020202020204" pitchFamily="34" charset="0"/>
+              <a:buChar char="•"/>
+              <a:defRPr sz="2400" kern="1200">
+                <a:solidFill>
+                  <a:schemeClr val="tx1"/>
+                </a:solidFill>
+                <a:latin typeface="+mn-lt"/>
+                <a:ea typeface="+mn-ea"/>
+                <a:cs typeface="+mn-cs"/>
+              </a:defRPr>
+            </a:lvl2pPr>
+            <a:lvl3pPr marL="1143000" indent="-228600" algn="l" defTabSz="914400" rtl="0" eaLnBrk="1" latinLnBrk="0" hangingPunct="1">
+              <a:lnSpc>
+                <a:spcPct val="90000"/>
+              </a:lnSpc>
+              <a:spcBef>
+                <a:spcPts val="500"/>
+              </a:spcBef>
+              <a:buFont typeface="Arial" panose="020B0604020202020204" pitchFamily="34" charset="0"/>
+              <a:buChar char="•"/>
+              <a:defRPr sz="2000" kern="1200">
+                <a:solidFill>
+                  <a:schemeClr val="tx1"/>
+                </a:solidFill>
+                <a:latin typeface="+mn-lt"/>
+                <a:ea typeface="+mn-ea"/>
+                <a:cs typeface="+mn-cs"/>
+              </a:defRPr>
+            </a:lvl3pPr>
+            <a:lvl4pPr marL="1600200" indent="-228600" algn="l" defTabSz="914400" rtl="0" eaLnBrk="1" latinLnBrk="0" hangingPunct="1">
+              <a:lnSpc>
+                <a:spcPct val="90000"/>
+              </a:lnSpc>
+              <a:spcBef>
+                <a:spcPts val="500"/>
+              </a:spcBef>
+              <a:buFont typeface="Arial" panose="020B0604020202020204" pitchFamily="34" charset="0"/>
+              <a:buChar char="•"/>
+              <a:defRPr sz="1800" kern="1200">
+                <a:solidFill>
+                  <a:schemeClr val="tx1"/>
+                </a:solidFill>
+                <a:latin typeface="+mn-lt"/>
+                <a:ea typeface="+mn-ea"/>
+                <a:cs typeface="+mn-cs"/>
+              </a:defRPr>
+            </a:lvl4pPr>
+            <a:lvl5pPr marL="2057400" indent="-228600" algn="l" defTabSz="914400" rtl="0" eaLnBrk="1" latinLnBrk="0" hangingPunct="1">
+              <a:lnSpc>
+                <a:spcPct val="90000"/>
+              </a:lnSpc>
+              <a:spcBef>
+                <a:spcPts val="500"/>
+              </a:spcBef>
+              <a:buFont typeface="Arial" panose="020B0604020202020204" pitchFamily="34" charset="0"/>
+              <a:buChar char="•"/>
+              <a:defRPr sz="1800" kern="1200">
+                <a:solidFill>
+                  <a:schemeClr val="tx1"/>
+                </a:solidFill>
+                <a:latin typeface="+mn-lt"/>
+                <a:ea typeface="+mn-ea"/>
+                <a:cs typeface="+mn-cs"/>
+              </a:defRPr>
+            </a:lvl5pPr>
+            <a:lvl6pPr marL="2514600" indent="-228600" algn="l" defTabSz="914400" rtl="0" eaLnBrk="1" latinLnBrk="0" hangingPunct="1">
+              <a:lnSpc>
+                <a:spcPct val="90000"/>
+              </a:lnSpc>
+              <a:spcBef>
+                <a:spcPts val="500"/>
+              </a:spcBef>
+              <a:buFont typeface="Arial" panose="020B0604020202020204" pitchFamily="34" charset="0"/>
+              <a:buChar char="•"/>
+              <a:defRPr sz="1800" kern="1200">
+                <a:solidFill>
+                  <a:schemeClr val="tx1"/>
+                </a:solidFill>
+                <a:latin typeface="+mn-lt"/>
+                <a:ea typeface="+mn-ea"/>
+                <a:cs typeface="+mn-cs"/>
+              </a:defRPr>
+            </a:lvl6pPr>
+            <a:lvl7pPr marL="2971800" indent="-228600" algn="l" defTabSz="914400" rtl="0" eaLnBrk="1" latinLnBrk="0" hangingPunct="1">
+              <a:lnSpc>
+                <a:spcPct val="90000"/>
+              </a:lnSpc>
+              <a:spcBef>
+                <a:spcPts val="500"/>
+              </a:spcBef>
+              <a:buFont typeface="Arial" panose="020B0604020202020204" pitchFamily="34" charset="0"/>
+              <a:buChar char="•"/>
+              <a:defRPr sz="1800" kern="1200">
+                <a:solidFill>
+                  <a:schemeClr val="tx1"/>
+                </a:solidFill>
+                <a:latin typeface="+mn-lt"/>
+                <a:ea typeface="+mn-ea"/>
+                <a:cs typeface="+mn-cs"/>
+              </a:defRPr>
+            </a:lvl7pPr>
+            <a:lvl8pPr marL="3429000" indent="-228600" algn="l" defTabSz="914400" rtl="0" eaLnBrk="1" latinLnBrk="0" hangingPunct="1">
+              <a:lnSpc>
+                <a:spcPct val="90000"/>
+              </a:lnSpc>
+              <a:spcBef>
+                <a:spcPts val="500"/>
+              </a:spcBef>
+              <a:buFont typeface="Arial" panose="020B0604020202020204" pitchFamily="34" charset="0"/>
+              <a:buChar char="•"/>
+              <a:defRPr sz="1800" kern="1200">
+                <a:solidFill>
+                  <a:schemeClr val="tx1"/>
+                </a:solidFill>
+                <a:latin typeface="+mn-lt"/>
+                <a:ea typeface="+mn-ea"/>
+                <a:cs typeface="+mn-cs"/>
+              </a:defRPr>
+            </a:lvl8pPr>
+            <a:lvl9pPr marL="3886200" indent="-228600" algn="l" defTabSz="914400" rtl="0" eaLnBrk="1" latinLnBrk="0" hangingPunct="1">
+              <a:lnSpc>
+                <a:spcPct val="90000"/>
+              </a:lnSpc>
+              <a:spcBef>
+                <a:spcPts val="500"/>
+              </a:spcBef>
+              <a:buFont typeface="Arial" panose="020B0604020202020204" pitchFamily="34" charset="0"/>
+              <a:buChar char="•"/>
+              <a:defRPr sz="1800" kern="1200">
+                <a:solidFill>
+                  <a:schemeClr val="tx1"/>
+                </a:solidFill>
+                <a:latin typeface="+mn-lt"/>
+                <a:ea typeface="+mn-ea"/>
+                <a:cs typeface="+mn-cs"/>
+              </a:defRPr>
+            </a:lvl9pPr>
+          </a:lstStyle>
+          <a:p>
+            <a:r>
+              <a:rPr lang="nl-NL" b="1" dirty="0"/>
+              <a:t>Lekker gamen</a:t>
+            </a:r>
+          </a:p>
+          <a:p>
+            <a:r>
+              <a:rPr lang="nl-NL" dirty="0"/>
+              <a:t>Game demo</a:t>
+            </a:r>
+          </a:p>
+          <a:p>
+            <a:r>
+              <a:rPr lang="nl-NL" dirty="0"/>
+              <a:t>Reflectie</a:t>
+            </a:r>
+          </a:p>
+          <a:p>
+            <a:r>
+              <a:rPr lang="nl-NL" dirty="0"/>
+              <a:t>The end</a:t>
+            </a:r>
+          </a:p>
+          <a:p>
+            <a:endParaRPr lang="nl-NL" dirty="0"/>
+          </a:p>
+          <a:p>
+            <a:endParaRPr lang="nl-NL" dirty="0"/>
           </a:p>
         </p:txBody>
       </p:sp>
@@ -3501,6 +9899,2200 @@
     <p:extLst>
       <p:ext uri="{BB962C8B-B14F-4D97-AF65-F5344CB8AC3E}">
         <p14:creationId xmlns:p14="http://schemas.microsoft.com/office/powerpoint/2010/main" val="201067712"/>
+      </p:ext>
+    </p:extLst>
+  </p:cSld>
+  <p:clrMapOvr>
+    <a:masterClrMapping/>
+  </p:clrMapOvr>
+</p:sld>
+</file>
+
+<file path=ppt/slides/slide3.xml><?xml version="1.0" encoding="utf-8"?>
+<p:sld xmlns:a="http://schemas.openxmlformats.org/drawingml/2006/main" xmlns:r="http://schemas.openxmlformats.org/officeDocument/2006/relationships" xmlns:p="http://schemas.openxmlformats.org/presentationml/2006/main">
+  <p:cSld>
+    <p:bg>
+      <p:bgPr>
+        <a:solidFill>
+          <a:schemeClr val="bg1"/>
+        </a:solidFill>
+        <a:effectLst/>
+      </p:bgPr>
+    </p:bg>
+    <p:spTree>
+      <p:nvGrpSpPr>
+        <p:cNvPr id="1" name=""/>
+        <p:cNvGrpSpPr/>
+        <p:nvPr/>
+      </p:nvGrpSpPr>
+      <p:grpSpPr>
+        <a:xfrm>
+          <a:off x="0" y="0"/>
+          <a:ext cx="0" cy="0"/>
+          <a:chOff x="0" y="0"/>
+          <a:chExt cx="0" cy="0"/>
+        </a:xfrm>
+      </p:grpSpPr>
+      <p:sp>
+        <p:nvSpPr>
+          <p:cNvPr id="9" name="Rectangle 8">
+            <a:extLst>
+              <a:ext uri="{FF2B5EF4-FFF2-40B4-BE49-F238E27FC236}">
+                <a16:creationId xmlns:a16="http://schemas.microsoft.com/office/drawing/2014/main" id="{86295E7F-EA66-480B-B001-C8BE7CD61903}"/>
+              </a:ext>
+              <a:ext uri="{C183D7F6-B498-43B3-948B-1728B52AA6E4}">
+                <adec:decorative xmlns:adec="http://schemas.microsoft.com/office/drawing/2017/decorative" val="1"/>
+              </a:ext>
+            </a:extLst>
+          </p:cNvPr>
+          <p:cNvSpPr>
+            <a:spLocks noGrp="1" noRot="1" noChangeAspect="1" noMove="1" noResize="1" noEditPoints="1" noAdjustHandles="1" noChangeArrowheads="1" noChangeShapeType="1" noTextEdit="1"/>
+          </p:cNvSpPr>
+          <p:nvPr>
+            <p:extLst>
+              <p:ext uri="{386F3935-93C4-4BCD-93E2-E3B085C9AB24}">
+                <p16:designElem xmlns:p16="http://schemas.microsoft.com/office/powerpoint/2015/main" val="1"/>
+              </p:ext>
+            </p:extLst>
+          </p:nvPr>
+        </p:nvSpPr>
+        <p:spPr bwMode="ltGray">
+          <a:xfrm>
+            <a:off x="320040" y="4892040"/>
+            <a:ext cx="11548872" cy="1645920"/>
+          </a:xfrm>
+          <a:prstGeom prst="rect">
+            <a:avLst/>
+          </a:prstGeom>
+          <a:solidFill>
+            <a:srgbClr val="262626"/>
+          </a:solidFill>
+          <a:ln w="127000" cap="sq" cmpd="thinThick">
+            <a:noFill/>
+          </a:ln>
+        </p:spPr>
+        <p:style>
+          <a:lnRef idx="2">
+            <a:schemeClr val="accent1">
+              <a:shade val="50000"/>
+            </a:schemeClr>
+          </a:lnRef>
+          <a:fillRef idx="1">
+            <a:schemeClr val="accent1"/>
+          </a:fillRef>
+          <a:effectRef idx="0">
+            <a:schemeClr val="accent1"/>
+          </a:effectRef>
+          <a:fontRef idx="minor">
+            <a:schemeClr val="lt1"/>
+          </a:fontRef>
+        </p:style>
+        <p:txBody>
+          <a:bodyPr rtlCol="0" anchor="ctr"/>
+          <a:lstStyle/>
+          <a:p>
+            <a:pPr marL="0" marR="0" lvl="0" indent="0" algn="ctr" defTabSz="914400" rtl="0" eaLnBrk="1" fontAlgn="auto" latinLnBrk="0" hangingPunct="1">
+              <a:lnSpc>
+                <a:spcPct val="100000"/>
+              </a:lnSpc>
+              <a:spcBef>
+                <a:spcPts val="0"/>
+              </a:spcBef>
+              <a:spcAft>
+                <a:spcPts val="0"/>
+              </a:spcAft>
+              <a:buClrTx/>
+              <a:buSzTx/>
+              <a:buFontTx/>
+              <a:buNone/>
+              <a:tabLst/>
+              <a:defRPr/>
+            </a:pPr>
+            <a:endParaRPr kumimoji="0" lang="en-US" sz="1800" b="0" i="0" u="none" strike="noStrike" kern="1200" cap="none" spc="0" normalizeH="0" baseline="0" noProof="0">
+              <a:ln>
+                <a:noFill/>
+              </a:ln>
+              <a:solidFill>
+                <a:prstClr val="white"/>
+              </a:solidFill>
+              <a:effectLst/>
+              <a:uLnTx/>
+              <a:uFillTx/>
+              <a:latin typeface="Calibri" panose="020F0502020204030204"/>
+              <a:ea typeface="+mn-ea"/>
+              <a:cs typeface="+mn-cs"/>
+            </a:endParaRPr>
+          </a:p>
+        </p:txBody>
+      </p:sp>
+      <p:sp>
+        <p:nvSpPr>
+          <p:cNvPr id="2" name="Title 1">
+            <a:extLst>
+              <a:ext uri="{FF2B5EF4-FFF2-40B4-BE49-F238E27FC236}">
+                <a16:creationId xmlns:a16="http://schemas.microsoft.com/office/drawing/2014/main" id="{948E42FE-C3BE-0A43-83EE-F687971D4A4A}"/>
+              </a:ext>
+            </a:extLst>
+          </p:cNvPr>
+          <p:cNvSpPr>
+            <a:spLocks noGrp="1"/>
+          </p:cNvSpPr>
+          <p:nvPr>
+            <p:ph type="title"/>
+          </p:nvPr>
+        </p:nvSpPr>
+        <p:spPr>
+          <a:xfrm>
+            <a:off x="718686" y="5091762"/>
+            <a:ext cx="7484787" cy="1264588"/>
+          </a:xfrm>
+        </p:spPr>
+        <p:txBody>
+          <a:bodyPr vert="horz" lIns="91440" tIns="45720" rIns="91440" bIns="45720" rtlCol="0" anchor="ctr">
+            <a:normAutofit/>
+          </a:bodyPr>
+          <a:lstStyle/>
+          <a:p>
+            <a:pPr algn="r"/>
+            <a:r>
+              <a:rPr lang="en-US" sz="4800">
+                <a:solidFill>
+                  <a:srgbClr val="FFFFFF"/>
+                </a:solidFill>
+              </a:rPr>
+              <a:t>Wat is de game</a:t>
+            </a:r>
+          </a:p>
+        </p:txBody>
+      </p:sp>
+      <p:pic>
+        <p:nvPicPr>
+          <p:cNvPr id="4" name="Content Placeholder 3" descr="Graphical user interface, website&#10;&#10;Description automatically generated">
+            <a:extLst>
+              <a:ext uri="{FF2B5EF4-FFF2-40B4-BE49-F238E27FC236}">
+                <a16:creationId xmlns:a16="http://schemas.microsoft.com/office/drawing/2014/main" id="{CDFAFCEA-C945-F164-E941-3E9E27B665FB}"/>
+              </a:ext>
+            </a:extLst>
+          </p:cNvPr>
+          <p:cNvPicPr>
+            <a:picLocks noGrp="1" noChangeAspect="1"/>
+          </p:cNvPicPr>
+          <p:nvPr>
+            <p:ph idx="1"/>
+          </p:nvPr>
+        </p:nvPicPr>
+        <p:blipFill rotWithShape="1">
+          <a:blip r:embed="rId2">
+            <a:extLst>
+              <a:ext uri="{28A0092B-C50C-407E-A947-70E740481C1C}">
+                <a14:useLocalDpi xmlns:a14="http://schemas.microsoft.com/office/drawing/2010/main" val="0"/>
+              </a:ext>
+            </a:extLst>
+          </a:blip>
+          <a:srcRect t="24892" r="-1" b="5489"/>
+          <a:stretch/>
+        </p:blipFill>
+        <p:spPr bwMode="auto">
+          <a:xfrm>
+            <a:off x="320040" y="320040"/>
+            <a:ext cx="11548872" cy="4462272"/>
+          </a:xfrm>
+          <a:prstGeom prst="rect">
+            <a:avLst/>
+          </a:prstGeom>
+          <a:noFill/>
+        </p:spPr>
+      </p:pic>
+      <p:cxnSp>
+        <p:nvCxnSpPr>
+          <p:cNvPr id="17" name="Straight Connector 10">
+            <a:extLst>
+              <a:ext uri="{FF2B5EF4-FFF2-40B4-BE49-F238E27FC236}">
+                <a16:creationId xmlns:a16="http://schemas.microsoft.com/office/drawing/2014/main" id="{E126E481-B945-4179-BD79-05E96E9B29E1}"/>
+              </a:ext>
+              <a:ext uri="{C183D7F6-B498-43B3-948B-1728B52AA6E4}">
+                <adec:decorative xmlns:adec="http://schemas.microsoft.com/office/drawing/2017/decorative" val="1"/>
+              </a:ext>
+            </a:extLst>
+          </p:cNvPr>
+          <p:cNvCxnSpPr>
+            <a:cxnSpLocks noGrp="1" noRot="1" noChangeAspect="1" noMove="1" noResize="1" noEditPoints="1" noAdjustHandles="1" noChangeArrowheads="1" noChangeShapeType="1"/>
+          </p:cNvCxnSpPr>
+          <p:nvPr>
+            <p:extLst>
+              <p:ext uri="{386F3935-93C4-4BCD-93E2-E3B085C9AB24}">
+                <p16:designElem xmlns:p16="http://schemas.microsoft.com/office/powerpoint/2015/main" val="1"/>
+              </p:ext>
+            </p:extLst>
+          </p:nvPr>
+        </p:nvCxnSpPr>
+        <p:spPr>
+          <a:xfrm flipV="1">
+            <a:off x="8386843" y="5264106"/>
+            <a:ext cx="0" cy="914400"/>
+          </a:xfrm>
+          <a:prstGeom prst="line">
+            <a:avLst/>
+          </a:prstGeom>
+          <a:ln w="19050">
+            <a:solidFill>
+              <a:srgbClr val="FFFFFF">
+                <a:alpha val="80000"/>
+              </a:srgbClr>
+            </a:solidFill>
+          </a:ln>
+        </p:spPr>
+        <p:style>
+          <a:lnRef idx="1">
+            <a:schemeClr val="accent1"/>
+          </a:lnRef>
+          <a:fillRef idx="0">
+            <a:schemeClr val="accent1"/>
+          </a:fillRef>
+          <a:effectRef idx="0">
+            <a:schemeClr val="accent1"/>
+          </a:effectRef>
+          <a:fontRef idx="minor">
+            <a:schemeClr val="tx1"/>
+          </a:fontRef>
+        </p:style>
+      </p:cxnSp>
+    </p:spTree>
+    <p:extLst>
+      <p:ext uri="{BB962C8B-B14F-4D97-AF65-F5344CB8AC3E}">
+        <p14:creationId xmlns:p14="http://schemas.microsoft.com/office/powerpoint/2010/main" val="3177533536"/>
+      </p:ext>
+    </p:extLst>
+  </p:cSld>
+  <p:clrMapOvr>
+    <a:masterClrMapping/>
+  </p:clrMapOvr>
+</p:sld>
+</file>
+
+<file path=ppt/slides/slide4.xml><?xml version="1.0" encoding="utf-8"?>
+<p:sld xmlns:a="http://schemas.openxmlformats.org/drawingml/2006/main" xmlns:r="http://schemas.openxmlformats.org/officeDocument/2006/relationships" xmlns:p="http://schemas.openxmlformats.org/presentationml/2006/main">
+  <p:cSld>
+    <p:bg>
+      <p:bgPr>
+        <a:solidFill>
+          <a:schemeClr val="bg1"/>
+        </a:solidFill>
+        <a:effectLst/>
+      </p:bgPr>
+    </p:bg>
+    <p:spTree>
+      <p:nvGrpSpPr>
+        <p:cNvPr id="1" name=""/>
+        <p:cNvGrpSpPr/>
+        <p:nvPr/>
+      </p:nvGrpSpPr>
+      <p:grpSpPr>
+        <a:xfrm>
+          <a:off x="0" y="0"/>
+          <a:ext cx="0" cy="0"/>
+          <a:chOff x="0" y="0"/>
+          <a:chExt cx="0" cy="0"/>
+        </a:xfrm>
+      </p:grpSpPr>
+      <p:sp>
+        <p:nvSpPr>
+          <p:cNvPr id="12" name="Rectangle 11">
+            <a:extLst>
+              <a:ext uri="{FF2B5EF4-FFF2-40B4-BE49-F238E27FC236}">
+                <a16:creationId xmlns:a16="http://schemas.microsoft.com/office/drawing/2014/main" id="{96918796-2918-40D6-BE3A-4600C47FCD42}"/>
+              </a:ext>
+              <a:ext uri="{C183D7F6-B498-43B3-948B-1728B52AA6E4}">
+                <adec:decorative xmlns:adec="http://schemas.microsoft.com/office/drawing/2017/decorative" val="1"/>
+              </a:ext>
+            </a:extLst>
+          </p:cNvPr>
+          <p:cNvSpPr>
+            <a:spLocks noGrp="1" noRot="1" noChangeAspect="1" noMove="1" noResize="1" noEditPoints="1" noAdjustHandles="1" noChangeArrowheads="1" noChangeShapeType="1" noTextEdit="1"/>
+          </p:cNvSpPr>
+          <p:nvPr>
+            <p:extLst>
+              <p:ext uri="{386F3935-93C4-4BCD-93E2-E3B085C9AB24}">
+                <p16:designElem xmlns:p16="http://schemas.microsoft.com/office/powerpoint/2015/main" val="1"/>
+              </p:ext>
+            </p:extLst>
+          </p:nvPr>
+        </p:nvSpPr>
+        <p:spPr>
+          <a:xfrm>
+            <a:off x="0" y="651752"/>
+            <a:ext cx="12192000" cy="736551"/>
+          </a:xfrm>
+          <a:prstGeom prst="rect">
+            <a:avLst/>
+          </a:prstGeom>
+          <a:solidFill>
+            <a:schemeClr val="tx1"/>
+          </a:solidFill>
+          <a:ln>
+            <a:noFill/>
+          </a:ln>
+        </p:spPr>
+        <p:style>
+          <a:lnRef idx="2">
+            <a:schemeClr val="accent1">
+              <a:shade val="50000"/>
+            </a:schemeClr>
+          </a:lnRef>
+          <a:fillRef idx="1">
+            <a:schemeClr val="accent1"/>
+          </a:fillRef>
+          <a:effectRef idx="0">
+            <a:schemeClr val="accent1"/>
+          </a:effectRef>
+          <a:fontRef idx="minor">
+            <a:schemeClr val="lt1"/>
+          </a:fontRef>
+        </p:style>
+        <p:txBody>
+          <a:bodyPr rtlCol="0" anchor="ctr"/>
+          <a:lstStyle/>
+          <a:p>
+            <a:pPr marL="0" marR="0" lvl="0" indent="0" algn="ctr" defTabSz="457200" rtl="0" eaLnBrk="1" fontAlgn="auto" latinLnBrk="0" hangingPunct="1">
+              <a:lnSpc>
+                <a:spcPct val="100000"/>
+              </a:lnSpc>
+              <a:spcBef>
+                <a:spcPts val="0"/>
+              </a:spcBef>
+              <a:spcAft>
+                <a:spcPts val="0"/>
+              </a:spcAft>
+              <a:buClrTx/>
+              <a:buSzTx/>
+              <a:buFontTx/>
+              <a:buNone/>
+              <a:tabLst/>
+              <a:defRPr/>
+            </a:pPr>
+            <a:endParaRPr kumimoji="0" lang="en-US" sz="1800" b="0" i="0" u="none" strike="noStrike" kern="1200" cap="none" spc="0" normalizeH="0" baseline="0" noProof="0">
+              <a:ln>
+                <a:noFill/>
+              </a:ln>
+              <a:solidFill>
+                <a:prstClr val="white"/>
+              </a:solidFill>
+              <a:effectLst/>
+              <a:uLnTx/>
+              <a:uFillTx/>
+              <a:latin typeface="Calibri" panose="020F0502020204030204"/>
+              <a:ea typeface="+mn-ea"/>
+              <a:cs typeface="+mn-cs"/>
+            </a:endParaRPr>
+          </a:p>
+        </p:txBody>
+      </p:sp>
+      <p:pic>
+        <p:nvPicPr>
+          <p:cNvPr id="5" name="Content Placeholder 4">
+            <a:extLst>
+              <a:ext uri="{FF2B5EF4-FFF2-40B4-BE49-F238E27FC236}">
+                <a16:creationId xmlns:a16="http://schemas.microsoft.com/office/drawing/2014/main" id="{1CC7B086-35CD-532E-E5E6-7DB6C66873B9}"/>
+              </a:ext>
+            </a:extLst>
+          </p:cNvPr>
+          <p:cNvPicPr>
+            <a:picLocks noGrp="1" noChangeAspect="1"/>
+          </p:cNvPicPr>
+          <p:nvPr>
+            <p:ph idx="1"/>
+          </p:nvPr>
+        </p:nvPicPr>
+        <p:blipFill>
+          <a:blip r:embed="rId2"/>
+          <a:stretch>
+            <a:fillRect/>
+          </a:stretch>
+        </p:blipFill>
+        <p:spPr>
+          <a:xfrm>
+            <a:off x="1139825" y="2166938"/>
+            <a:ext cx="4564063" cy="3457575"/>
+          </a:xfrm>
+        </p:spPr>
+      </p:pic>
+      <p:pic>
+        <p:nvPicPr>
+          <p:cNvPr id="7" name="Picture 6">
+            <a:extLst>
+              <a:ext uri="{FF2B5EF4-FFF2-40B4-BE49-F238E27FC236}">
+                <a16:creationId xmlns:a16="http://schemas.microsoft.com/office/drawing/2014/main" id="{0239F3FD-788B-9A94-E6B6-EB9B77D35D7C}"/>
+              </a:ext>
+            </a:extLst>
+          </p:cNvPr>
+          <p:cNvPicPr>
+            <a:picLocks noChangeAspect="1"/>
+          </p:cNvPicPr>
+          <p:nvPr/>
+        </p:nvPicPr>
+        <p:blipFill>
+          <a:blip r:embed="rId3"/>
+          <a:stretch>
+            <a:fillRect/>
+          </a:stretch>
+        </p:blipFill>
+        <p:spPr>
+          <a:xfrm>
+            <a:off x="5770563" y="2166938"/>
+            <a:ext cx="5280025" cy="3457575"/>
+          </a:xfrm>
+          <a:prstGeom prst="rect">
+            <a:avLst/>
+          </a:prstGeom>
+        </p:spPr>
+      </p:pic>
+      <p:sp>
+        <p:nvSpPr>
+          <p:cNvPr id="2" name="Title 1">
+            <a:extLst>
+              <a:ext uri="{FF2B5EF4-FFF2-40B4-BE49-F238E27FC236}">
+                <a16:creationId xmlns:a16="http://schemas.microsoft.com/office/drawing/2014/main" id="{EC8889E2-D62B-0FC7-812B-E9004D99B3FE}"/>
+              </a:ext>
+            </a:extLst>
+          </p:cNvPr>
+          <p:cNvSpPr>
+            <a:spLocks noGrp="1"/>
+          </p:cNvSpPr>
+          <p:nvPr>
+            <p:ph type="title"/>
+          </p:nvPr>
+        </p:nvSpPr>
+        <p:spPr>
+          <a:xfrm>
+            <a:off x="838200" y="672747"/>
+            <a:ext cx="10515600" cy="715556"/>
+          </a:xfrm>
+        </p:spPr>
+        <p:txBody>
+          <a:bodyPr>
+            <a:normAutofit/>
+          </a:bodyPr>
+          <a:lstStyle/>
+          <a:p>
+            <a:pPr algn="ctr"/>
+            <a:r>
+              <a:rPr lang="nl-NL" sz="3200">
+                <a:solidFill>
+                  <a:schemeClr val="bg1"/>
+                </a:solidFill>
+              </a:rPr>
+              <a:t>Game design doc</a:t>
+            </a:r>
+          </a:p>
+        </p:txBody>
+      </p:sp>
+    </p:spTree>
+    <p:extLst>
+      <p:ext uri="{BB962C8B-B14F-4D97-AF65-F5344CB8AC3E}">
+        <p14:creationId xmlns:p14="http://schemas.microsoft.com/office/powerpoint/2010/main" val="2001542310"/>
+      </p:ext>
+    </p:extLst>
+  </p:cSld>
+  <p:clrMapOvr>
+    <a:masterClrMapping/>
+  </p:clrMapOvr>
+</p:sld>
+</file>
+
+<file path=ppt/slides/slide5.xml><?xml version="1.0" encoding="utf-8"?>
+<p:sld xmlns:a="http://schemas.openxmlformats.org/drawingml/2006/main" xmlns:r="http://schemas.openxmlformats.org/officeDocument/2006/relationships" xmlns:p="http://schemas.openxmlformats.org/presentationml/2006/main">
+  <p:cSld>
+    <p:bg>
+      <p:bgPr>
+        <a:solidFill>
+          <a:schemeClr val="bg1"/>
+        </a:solidFill>
+        <a:effectLst/>
+      </p:bgPr>
+    </p:bg>
+    <p:spTree>
+      <p:nvGrpSpPr>
+        <p:cNvPr id="1" name=""/>
+        <p:cNvGrpSpPr/>
+        <p:nvPr/>
+      </p:nvGrpSpPr>
+      <p:grpSpPr>
+        <a:xfrm>
+          <a:off x="0" y="0"/>
+          <a:ext cx="0" cy="0"/>
+          <a:chOff x="0" y="0"/>
+          <a:chExt cx="0" cy="0"/>
+        </a:xfrm>
+      </p:grpSpPr>
+      <p:sp useBgFill="1">
+        <p:nvSpPr>
+          <p:cNvPr id="10" name="Rectangle 9">
+            <a:extLst>
+              <a:ext uri="{FF2B5EF4-FFF2-40B4-BE49-F238E27FC236}">
+                <a16:creationId xmlns:a16="http://schemas.microsoft.com/office/drawing/2014/main" id="{AB8C311F-7253-4AED-9701-7FC0708C41C7}"/>
+              </a:ext>
+              <a:ext uri="{C183D7F6-B498-43B3-948B-1728B52AA6E4}">
+                <adec:decorative xmlns:adec="http://schemas.microsoft.com/office/drawing/2017/decorative" val="1"/>
+              </a:ext>
+            </a:extLst>
+          </p:cNvPr>
+          <p:cNvSpPr>
+            <a:spLocks noGrp="1" noRot="1" noChangeAspect="1" noMove="1" noResize="1" noEditPoints="1" noAdjustHandles="1" noChangeArrowheads="1" noChangeShapeType="1" noTextEdit="1"/>
+          </p:cNvSpPr>
+          <p:nvPr>
+            <p:extLst>
+              <p:ext uri="{386F3935-93C4-4BCD-93E2-E3B085C9AB24}">
+                <p16:designElem xmlns:p16="http://schemas.microsoft.com/office/powerpoint/2015/main" val="1"/>
+              </p:ext>
+            </p:extLst>
+          </p:nvPr>
+        </p:nvSpPr>
+        <p:spPr>
+          <a:xfrm>
+            <a:off x="0" y="0"/>
+            <a:ext cx="12192000" cy="6858000"/>
+          </a:xfrm>
+          <a:prstGeom prst="rect">
+            <a:avLst/>
+          </a:prstGeom>
+          <a:ln w="12700" cap="flat" cmpd="sng" algn="ctr">
+            <a:noFill/>
+            <a:prstDash val="solid"/>
+            <a:miter lim="800000"/>
+          </a:ln>
+          <a:effectLst/>
+          <a:extLst>
+            <a:ext uri="{91240B29-F687-4F45-9708-019B960494DF}">
+              <a14:hiddenLine xmlns:a14="http://schemas.microsoft.com/office/drawing/2010/main" w="12700" cap="flat" cmpd="sng" algn="ctr">
+                <a:solidFill>
+                  <a:schemeClr val="accent1">
+                    <a:shade val="50000"/>
+                  </a:schemeClr>
+                </a:solidFill>
+                <a:prstDash val="solid"/>
+                <a:miter lim="800000"/>
+              </a14:hiddenLine>
+            </a:ext>
+          </a:extLst>
+        </p:spPr>
+        <p:style>
+          <a:lnRef idx="2">
+            <a:schemeClr val="accent1">
+              <a:shade val="50000"/>
+            </a:schemeClr>
+          </a:lnRef>
+          <a:fillRef idx="1">
+            <a:schemeClr val="accent1"/>
+          </a:fillRef>
+          <a:effectRef idx="0">
+            <a:schemeClr val="accent1"/>
+          </a:effectRef>
+          <a:fontRef idx="minor">
+            <a:schemeClr val="lt1"/>
+          </a:fontRef>
+        </p:style>
+        <p:txBody>
+          <a:bodyPr rtlCol="0" anchor="ctr"/>
+          <a:lstStyle/>
+          <a:p>
+            <a:pPr algn="ctr"/>
+            <a:endParaRPr lang="en-US"/>
+          </a:p>
+        </p:txBody>
+      </p:sp>
+      <p:sp>
+        <p:nvSpPr>
+          <p:cNvPr id="12" name="Rectangle 11">
+            <a:extLst>
+              <a:ext uri="{FF2B5EF4-FFF2-40B4-BE49-F238E27FC236}">
+                <a16:creationId xmlns:a16="http://schemas.microsoft.com/office/drawing/2014/main" id="{E2384209-CB15-4CDF-9D31-C44FD9A3F20D}"/>
+              </a:ext>
+              <a:ext uri="{C183D7F6-B498-43B3-948B-1728B52AA6E4}">
+                <adec:decorative xmlns:adec="http://schemas.microsoft.com/office/drawing/2017/decorative" val="1"/>
+              </a:ext>
+            </a:extLst>
+          </p:cNvPr>
+          <p:cNvSpPr>
+            <a:spLocks noGrp="1" noRot="1" noChangeAspect="1" noMove="1" noResize="1" noEditPoints="1" noAdjustHandles="1" noChangeArrowheads="1" noChangeShapeType="1" noTextEdit="1"/>
+          </p:cNvSpPr>
+          <p:nvPr>
+            <p:extLst>
+              <p:ext uri="{386F3935-93C4-4BCD-93E2-E3B085C9AB24}">
+                <p16:designElem xmlns:p16="http://schemas.microsoft.com/office/powerpoint/2015/main" val="1"/>
+              </p:ext>
+            </p:extLst>
+          </p:nvPr>
+        </p:nvSpPr>
+        <p:spPr>
+          <a:xfrm rot="16200000" flipH="1">
+            <a:off x="2666617" y="-2666188"/>
+            <a:ext cx="6858000" cy="12191233"/>
+          </a:xfrm>
+          <a:prstGeom prst="rect">
+            <a:avLst/>
+          </a:prstGeom>
+          <a:gradFill>
+            <a:gsLst>
+              <a:gs pos="8000">
+                <a:schemeClr val="accent1"/>
+              </a:gs>
+              <a:gs pos="100000">
+                <a:schemeClr val="accent1">
+                  <a:lumMod val="50000"/>
+                </a:schemeClr>
+              </a:gs>
+            </a:gsLst>
+            <a:lin ang="12000000" scaled="0"/>
+          </a:gradFill>
+          <a:ln>
+            <a:noFill/>
+          </a:ln>
+        </p:spPr>
+        <p:style>
+          <a:lnRef idx="2">
+            <a:schemeClr val="accent1">
+              <a:shade val="50000"/>
+            </a:schemeClr>
+          </a:lnRef>
+          <a:fillRef idx="1">
+            <a:schemeClr val="accent1"/>
+          </a:fillRef>
+          <a:effectRef idx="0">
+            <a:schemeClr val="accent1"/>
+          </a:effectRef>
+          <a:fontRef idx="minor">
+            <a:schemeClr val="lt1"/>
+          </a:fontRef>
+        </p:style>
+        <p:txBody>
+          <a:bodyPr rtlCol="0" anchor="ctr"/>
+          <a:lstStyle/>
+          <a:p>
+            <a:pPr algn="ctr"/>
+            <a:endParaRPr lang="en-US"/>
+          </a:p>
+        </p:txBody>
+      </p:sp>
+      <p:sp>
+        <p:nvSpPr>
+          <p:cNvPr id="14" name="Rectangle 13">
+            <a:extLst>
+              <a:ext uri="{FF2B5EF4-FFF2-40B4-BE49-F238E27FC236}">
+                <a16:creationId xmlns:a16="http://schemas.microsoft.com/office/drawing/2014/main" id="{2633B3B5-CC90-43F0-8714-D31D1F3F0209}"/>
+              </a:ext>
+              <a:ext uri="{C183D7F6-B498-43B3-948B-1728B52AA6E4}">
+                <adec:decorative xmlns:adec="http://schemas.microsoft.com/office/drawing/2017/decorative" val="1"/>
+              </a:ext>
+            </a:extLst>
+          </p:cNvPr>
+          <p:cNvSpPr>
+            <a:spLocks noGrp="1" noRot="1" noChangeAspect="1" noMove="1" noResize="1" noEditPoints="1" noAdjustHandles="1" noChangeArrowheads="1" noChangeShapeType="1" noTextEdit="1"/>
+          </p:cNvSpPr>
+          <p:nvPr>
+            <p:extLst>
+              <p:ext uri="{386F3935-93C4-4BCD-93E2-E3B085C9AB24}">
+                <p16:designElem xmlns:p16="http://schemas.microsoft.com/office/powerpoint/2015/main" val="1"/>
+              </p:ext>
+            </p:extLst>
+          </p:nvPr>
+        </p:nvSpPr>
+        <p:spPr>
+          <a:xfrm rot="10800000" flipH="1">
+            <a:off x="-2311" y="0"/>
+            <a:ext cx="9070846" cy="6857572"/>
+          </a:xfrm>
+          <a:prstGeom prst="rect">
+            <a:avLst/>
+          </a:prstGeom>
+          <a:gradFill>
+            <a:gsLst>
+              <a:gs pos="8000">
+                <a:srgbClr val="000000">
+                  <a:alpha val="52000"/>
+                </a:srgbClr>
+              </a:gs>
+              <a:gs pos="100000">
+                <a:schemeClr val="accent1"/>
+              </a:gs>
+            </a:gsLst>
+            <a:lin ang="4800000" scaled="0"/>
+          </a:gradFill>
+          <a:ln>
+            <a:noFill/>
+          </a:ln>
+        </p:spPr>
+        <p:style>
+          <a:lnRef idx="2">
+            <a:schemeClr val="accent1">
+              <a:shade val="50000"/>
+            </a:schemeClr>
+          </a:lnRef>
+          <a:fillRef idx="1">
+            <a:schemeClr val="accent1"/>
+          </a:fillRef>
+          <a:effectRef idx="0">
+            <a:schemeClr val="accent1"/>
+          </a:effectRef>
+          <a:fontRef idx="minor">
+            <a:schemeClr val="lt1"/>
+          </a:fontRef>
+        </p:style>
+        <p:txBody>
+          <a:bodyPr rtlCol="0" anchor="ctr"/>
+          <a:lstStyle/>
+          <a:p>
+            <a:pPr algn="ctr"/>
+            <a:endParaRPr lang="en-US"/>
+          </a:p>
+        </p:txBody>
+      </p:sp>
+      <p:sp>
+        <p:nvSpPr>
+          <p:cNvPr id="16" name="Rectangle 15">
+            <a:extLst>
+              <a:ext uri="{FF2B5EF4-FFF2-40B4-BE49-F238E27FC236}">
+                <a16:creationId xmlns:a16="http://schemas.microsoft.com/office/drawing/2014/main" id="{A8D57A06-A426-446D-B02C-A2DC6B62E45E}"/>
+              </a:ext>
+              <a:ext uri="{C183D7F6-B498-43B3-948B-1728B52AA6E4}">
+                <adec:decorative xmlns:adec="http://schemas.microsoft.com/office/drawing/2017/decorative" val="1"/>
+              </a:ext>
+            </a:extLst>
+          </p:cNvPr>
+          <p:cNvSpPr>
+            <a:spLocks noGrp="1" noRot="1" noChangeAspect="1" noMove="1" noResize="1" noEditPoints="1" noAdjustHandles="1" noChangeArrowheads="1" noChangeShapeType="1" noTextEdit="1"/>
+          </p:cNvSpPr>
+          <p:nvPr>
+            <p:extLst>
+              <p:ext uri="{386F3935-93C4-4BCD-93E2-E3B085C9AB24}">
+                <p16:designElem xmlns:p16="http://schemas.microsoft.com/office/powerpoint/2015/main" val="1"/>
+              </p:ext>
+            </p:extLst>
+          </p:nvPr>
+        </p:nvSpPr>
+        <p:spPr>
+          <a:xfrm rot="16200000" flipH="1">
+            <a:off x="3649491" y="-1685840"/>
+            <a:ext cx="4894564" cy="12193546"/>
+          </a:xfrm>
+          <a:prstGeom prst="rect">
+            <a:avLst/>
+          </a:prstGeom>
+          <a:gradFill>
+            <a:gsLst>
+              <a:gs pos="0">
+                <a:schemeClr val="accent5">
+                  <a:lumMod val="60000"/>
+                  <a:lumOff val="40000"/>
+                  <a:alpha val="0"/>
+                </a:schemeClr>
+              </a:gs>
+              <a:gs pos="100000">
+                <a:srgbClr val="000000">
+                  <a:alpha val="46000"/>
+                </a:srgbClr>
+              </a:gs>
+            </a:gsLst>
+            <a:lin ang="1200000" scaled="0"/>
+          </a:gradFill>
+          <a:ln>
+            <a:noFill/>
+          </a:ln>
+        </p:spPr>
+        <p:style>
+          <a:lnRef idx="2">
+            <a:schemeClr val="accent1">
+              <a:shade val="50000"/>
+            </a:schemeClr>
+          </a:lnRef>
+          <a:fillRef idx="1">
+            <a:schemeClr val="accent1"/>
+          </a:fillRef>
+          <a:effectRef idx="0">
+            <a:schemeClr val="accent1"/>
+          </a:effectRef>
+          <a:fontRef idx="minor">
+            <a:schemeClr val="lt1"/>
+          </a:fontRef>
+        </p:style>
+        <p:txBody>
+          <a:bodyPr rtlCol="0" anchor="ctr"/>
+          <a:lstStyle/>
+          <a:p>
+            <a:pPr algn="ctr"/>
+            <a:endParaRPr lang="en-US"/>
+          </a:p>
+        </p:txBody>
+      </p:sp>
+      <p:pic>
+        <p:nvPicPr>
+          <p:cNvPr id="5" name="Content Placeholder 4">
+            <a:extLst>
+              <a:ext uri="{FF2B5EF4-FFF2-40B4-BE49-F238E27FC236}">
+                <a16:creationId xmlns:a16="http://schemas.microsoft.com/office/drawing/2014/main" id="{D3C63CAA-EF94-4799-3252-6073FFA68E5B}"/>
+              </a:ext>
+            </a:extLst>
+          </p:cNvPr>
+          <p:cNvPicPr>
+            <a:picLocks noGrp="1" noChangeAspect="1"/>
+          </p:cNvPicPr>
+          <p:nvPr>
+            <p:ph idx="1"/>
+          </p:nvPr>
+        </p:nvPicPr>
+        <p:blipFill>
+          <a:blip r:embed="rId2"/>
+          <a:stretch>
+            <a:fillRect/>
+          </a:stretch>
+        </p:blipFill>
+        <p:spPr>
+          <a:xfrm>
+            <a:off x="1163551" y="457200"/>
+            <a:ext cx="9864898" cy="5943600"/>
+          </a:xfrm>
+          <a:prstGeom prst="rect">
+            <a:avLst/>
+          </a:prstGeom>
+        </p:spPr>
+      </p:pic>
+    </p:spTree>
+    <p:extLst>
+      <p:ext uri="{BB962C8B-B14F-4D97-AF65-F5344CB8AC3E}">
+        <p14:creationId xmlns:p14="http://schemas.microsoft.com/office/powerpoint/2010/main" val="2135612087"/>
+      </p:ext>
+    </p:extLst>
+  </p:cSld>
+  <p:clrMapOvr>
+    <a:masterClrMapping/>
+  </p:clrMapOvr>
+</p:sld>
+</file>
+
+<file path=ppt/slides/slide6.xml><?xml version="1.0" encoding="utf-8"?>
+<p:sld xmlns:a="http://schemas.openxmlformats.org/drawingml/2006/main" xmlns:r="http://schemas.openxmlformats.org/officeDocument/2006/relationships" xmlns:p="http://schemas.openxmlformats.org/presentationml/2006/main">
+  <p:cSld>
+    <p:bg>
+      <p:bgPr>
+        <a:solidFill>
+          <a:schemeClr val="bg1"/>
+        </a:solidFill>
+        <a:effectLst/>
+      </p:bgPr>
+    </p:bg>
+    <p:spTree>
+      <p:nvGrpSpPr>
+        <p:cNvPr id="1" name=""/>
+        <p:cNvGrpSpPr/>
+        <p:nvPr/>
+      </p:nvGrpSpPr>
+      <p:grpSpPr>
+        <a:xfrm>
+          <a:off x="0" y="0"/>
+          <a:ext cx="0" cy="0"/>
+          <a:chOff x="0" y="0"/>
+          <a:chExt cx="0" cy="0"/>
+        </a:xfrm>
+      </p:grpSpPr>
+      <p:sp>
+        <p:nvSpPr>
+          <p:cNvPr id="3081" name="Rectangle 3080">
+            <a:extLst>
+              <a:ext uri="{FF2B5EF4-FFF2-40B4-BE49-F238E27FC236}">
+                <a16:creationId xmlns:a16="http://schemas.microsoft.com/office/drawing/2014/main" id="{823AC064-BC96-4F32-8AE1-B2FD38754823}"/>
+              </a:ext>
+              <a:ext uri="{C183D7F6-B498-43B3-948B-1728B52AA6E4}">
+                <adec:decorative xmlns:adec="http://schemas.microsoft.com/office/drawing/2017/decorative" val="1"/>
+              </a:ext>
+            </a:extLst>
+          </p:cNvPr>
+          <p:cNvSpPr>
+            <a:spLocks noGrp="1" noRot="1" noChangeAspect="1" noMove="1" noResize="1" noEditPoints="1" noAdjustHandles="1" noChangeArrowheads="1" noChangeShapeType="1" noTextEdit="1"/>
+          </p:cNvSpPr>
+          <p:nvPr>
+            <p:extLst>
+              <p:ext uri="{386F3935-93C4-4BCD-93E2-E3B085C9AB24}">
+                <p16:designElem xmlns:p16="http://schemas.microsoft.com/office/powerpoint/2015/main" val="1"/>
+              </p:ext>
+            </p:extLst>
+          </p:nvPr>
+        </p:nvSpPr>
+        <p:spPr bwMode="ltGray">
+          <a:xfrm>
+            <a:off x="396882" y="280374"/>
+            <a:ext cx="11438793" cy="1844256"/>
+          </a:xfrm>
+          <a:prstGeom prst="rect">
+            <a:avLst/>
+          </a:prstGeom>
+          <a:solidFill>
+            <a:srgbClr val="404040"/>
+          </a:solidFill>
+          <a:ln w="127000" cap="sq" cmpd="thinThick">
+            <a:solidFill>
+              <a:srgbClr val="404040"/>
+            </a:solidFill>
+          </a:ln>
+        </p:spPr>
+        <p:style>
+          <a:lnRef idx="2">
+            <a:schemeClr val="accent1">
+              <a:shade val="50000"/>
+            </a:schemeClr>
+          </a:lnRef>
+          <a:fillRef idx="1">
+            <a:schemeClr val="accent1"/>
+          </a:fillRef>
+          <a:effectRef idx="0">
+            <a:schemeClr val="accent1"/>
+          </a:effectRef>
+          <a:fontRef idx="minor">
+            <a:schemeClr val="lt1"/>
+          </a:fontRef>
+        </p:style>
+        <p:txBody>
+          <a:bodyPr rtlCol="0" anchor="ctr"/>
+          <a:lstStyle/>
+          <a:p>
+            <a:pPr algn="ctr"/>
+            <a:endParaRPr lang="en-US"/>
+          </a:p>
+        </p:txBody>
+      </p:sp>
+      <p:sp>
+        <p:nvSpPr>
+          <p:cNvPr id="2" name="Title 1">
+            <a:extLst>
+              <a:ext uri="{FF2B5EF4-FFF2-40B4-BE49-F238E27FC236}">
+                <a16:creationId xmlns:a16="http://schemas.microsoft.com/office/drawing/2014/main" id="{C7855462-2EC0-460F-0D2F-6919CF4F249C}"/>
+              </a:ext>
+            </a:extLst>
+          </p:cNvPr>
+          <p:cNvSpPr>
+            <a:spLocks noGrp="1"/>
+          </p:cNvSpPr>
+          <p:nvPr>
+            <p:ph type="title"/>
+          </p:nvPr>
+        </p:nvSpPr>
+        <p:spPr>
+          <a:xfrm>
+            <a:off x="546351" y="433545"/>
+            <a:ext cx="11139854" cy="930447"/>
+          </a:xfrm>
+        </p:spPr>
+        <p:txBody>
+          <a:bodyPr vert="horz" lIns="91440" tIns="45720" rIns="91440" bIns="45720" rtlCol="0" anchor="b">
+            <a:normAutofit/>
+          </a:bodyPr>
+          <a:lstStyle/>
+          <a:p>
+            <a:pPr algn="ctr"/>
+            <a:r>
+              <a:rPr lang="en-US" sz="5400">
+                <a:solidFill>
+                  <a:srgbClr val="FFFFFF"/>
+                </a:solidFill>
+              </a:rPr>
+              <a:t>Ontwikkelomgeving</a:t>
+            </a:r>
+          </a:p>
+        </p:txBody>
+      </p:sp>
+      <p:cxnSp>
+        <p:nvCxnSpPr>
+          <p:cNvPr id="3083" name="Straight Connector 3082">
+            <a:extLst>
+              <a:ext uri="{FF2B5EF4-FFF2-40B4-BE49-F238E27FC236}">
+                <a16:creationId xmlns:a16="http://schemas.microsoft.com/office/drawing/2014/main" id="{7E7C77BC-7138-40B1-A15B-20F57A494629}"/>
+              </a:ext>
+              <a:ext uri="{C183D7F6-B498-43B3-948B-1728B52AA6E4}">
+                <adec:decorative xmlns:adec="http://schemas.microsoft.com/office/drawing/2017/decorative" val="1"/>
+              </a:ext>
+            </a:extLst>
+          </p:cNvPr>
+          <p:cNvCxnSpPr>
+            <a:cxnSpLocks noGrp="1" noRot="1" noChangeAspect="1" noMove="1" noResize="1" noEditPoints="1" noAdjustHandles="1" noChangeArrowheads="1" noChangeShapeType="1"/>
+          </p:cNvCxnSpPr>
+          <p:nvPr>
+            <p:extLst>
+              <p:ext uri="{386F3935-93C4-4BCD-93E2-E3B085C9AB24}">
+                <p16:designElem xmlns:p16="http://schemas.microsoft.com/office/powerpoint/2015/main" val="1"/>
+              </p:ext>
+            </p:extLst>
+          </p:nvPr>
+        </p:nvCxnSpPr>
+        <p:spPr>
+          <a:xfrm>
+            <a:off x="2230078" y="1522292"/>
+            <a:ext cx="7772400" cy="0"/>
+          </a:xfrm>
+          <a:prstGeom prst="line">
+            <a:avLst/>
+          </a:prstGeom>
+          <a:ln w="22225">
+            <a:solidFill>
+              <a:srgbClr val="D9D9D9"/>
+            </a:solidFill>
+          </a:ln>
+        </p:spPr>
+        <p:style>
+          <a:lnRef idx="1">
+            <a:schemeClr val="accent1"/>
+          </a:lnRef>
+          <a:fillRef idx="0">
+            <a:schemeClr val="accent1"/>
+          </a:fillRef>
+          <a:effectRef idx="0">
+            <a:schemeClr val="accent1"/>
+          </a:effectRef>
+          <a:fontRef idx="minor">
+            <a:schemeClr val="tx1"/>
+          </a:fontRef>
+        </p:style>
+      </p:cxnSp>
+      <p:pic>
+        <p:nvPicPr>
+          <p:cNvPr id="3076" name="Picture 4" descr="Unity toont hun geüpdatete engine middels de prachtige 'Enemies' trailer -  PlaySense">
+            <a:extLst>
+              <a:ext uri="{FF2B5EF4-FFF2-40B4-BE49-F238E27FC236}">
+                <a16:creationId xmlns:a16="http://schemas.microsoft.com/office/drawing/2014/main" id="{63297D13-15FF-CB25-5FED-AAF1DEF4D204}"/>
+              </a:ext>
+            </a:extLst>
+          </p:cNvPr>
+          <p:cNvPicPr>
+            <a:picLocks noChangeAspect="1" noChangeArrowheads="1"/>
+          </p:cNvPicPr>
+          <p:nvPr/>
+        </p:nvPicPr>
+        <p:blipFill>
+          <a:blip r:embed="rId2">
+            <a:extLst>
+              <a:ext uri="{28A0092B-C50C-407E-A947-70E740481C1C}">
+                <a14:useLocalDpi xmlns:a14="http://schemas.microsoft.com/office/drawing/2010/main" val="0"/>
+              </a:ext>
+            </a:extLst>
+          </a:blip>
+          <a:stretch>
+            <a:fillRect/>
+          </a:stretch>
+        </p:blipFill>
+        <p:spPr bwMode="auto">
+          <a:xfrm>
+            <a:off x="331567" y="2604724"/>
+            <a:ext cx="5455917" cy="3641824"/>
+          </a:xfrm>
+          <a:prstGeom prst="rect">
+            <a:avLst/>
+          </a:prstGeom>
+          <a:noFill/>
+          <a:extLst>
+            <a:ext uri="{909E8E84-426E-40DD-AFC4-6F175D3DCCD1}">
+              <a14:hiddenFill xmlns:a14="http://schemas.microsoft.com/office/drawing/2010/main">
+                <a:solidFill>
+                  <a:srgbClr val="FFFFFF"/>
+                </a:solidFill>
+              </a14:hiddenFill>
+            </a:ext>
+          </a:extLst>
+        </p:spPr>
+      </p:pic>
+      <p:cxnSp>
+        <p:nvCxnSpPr>
+          <p:cNvPr id="3085" name="Straight Connector 3084">
+            <a:extLst>
+              <a:ext uri="{FF2B5EF4-FFF2-40B4-BE49-F238E27FC236}">
+                <a16:creationId xmlns:a16="http://schemas.microsoft.com/office/drawing/2014/main" id="{DB146403-F3D6-484B-B2ED-97F9565D0370}"/>
+              </a:ext>
+              <a:ext uri="{C183D7F6-B498-43B3-948B-1728B52AA6E4}">
+                <adec:decorative xmlns:adec="http://schemas.microsoft.com/office/drawing/2017/decorative" val="1"/>
+              </a:ext>
+            </a:extLst>
+          </p:cNvPr>
+          <p:cNvCxnSpPr>
+            <a:cxnSpLocks noGrp="1" noRot="1" noChangeAspect="1" noMove="1" noResize="1" noEditPoints="1" noAdjustHandles="1" noChangeArrowheads="1" noChangeShapeType="1"/>
+          </p:cNvCxnSpPr>
+          <p:nvPr>
+            <p:extLst>
+              <p:ext uri="{386F3935-93C4-4BCD-93E2-E3B085C9AB24}">
+                <p16:designElem xmlns:p16="http://schemas.microsoft.com/office/powerpoint/2015/main" val="1"/>
+              </p:ext>
+            </p:extLst>
+          </p:nvPr>
+        </p:nvCxnSpPr>
+        <p:spPr>
+          <a:xfrm>
+            <a:off x="6116278" y="2596836"/>
+            <a:ext cx="0" cy="3657600"/>
+          </a:xfrm>
+          <a:prstGeom prst="line">
+            <a:avLst/>
+          </a:prstGeom>
+          <a:ln w="101600" cmpd="dbl">
+            <a:solidFill>
+              <a:srgbClr val="595959"/>
+            </a:solidFill>
+          </a:ln>
+        </p:spPr>
+        <p:style>
+          <a:lnRef idx="1">
+            <a:schemeClr val="accent1"/>
+          </a:lnRef>
+          <a:fillRef idx="0">
+            <a:schemeClr val="accent1"/>
+          </a:fillRef>
+          <a:effectRef idx="0">
+            <a:schemeClr val="accent1"/>
+          </a:effectRef>
+          <a:fontRef idx="minor">
+            <a:schemeClr val="tx1"/>
+          </a:fontRef>
+        </p:style>
+      </p:cxnSp>
+      <p:pic>
+        <p:nvPicPr>
+          <p:cNvPr id="3074" name="Picture 2" descr="What's New in Windows 10's November 2021 Update (21H2)">
+            <a:extLst>
+              <a:ext uri="{FF2B5EF4-FFF2-40B4-BE49-F238E27FC236}">
+                <a16:creationId xmlns:a16="http://schemas.microsoft.com/office/drawing/2014/main" id="{D4475EF1-1E9E-2288-ECEE-CDED987E3003}"/>
+              </a:ext>
+            </a:extLst>
+          </p:cNvPr>
+          <p:cNvPicPr>
+            <a:picLocks noGrp="1" noChangeAspect="1" noChangeArrowheads="1"/>
+          </p:cNvPicPr>
+          <p:nvPr>
+            <p:ph idx="1"/>
+          </p:nvPr>
+        </p:nvPicPr>
+        <p:blipFill>
+          <a:blip r:embed="rId3">
+            <a:extLst>
+              <a:ext uri="{28A0092B-C50C-407E-A947-70E740481C1C}">
+                <a14:useLocalDpi xmlns:a14="http://schemas.microsoft.com/office/drawing/2010/main" val="0"/>
+              </a:ext>
+            </a:extLst>
+          </a:blip>
+          <a:stretch>
+            <a:fillRect/>
+          </a:stretch>
+        </p:blipFill>
+        <p:spPr bwMode="auto">
+          <a:xfrm>
+            <a:off x="6445073" y="2897980"/>
+            <a:ext cx="5455917" cy="3055313"/>
+          </a:xfrm>
+          <a:prstGeom prst="rect">
+            <a:avLst/>
+          </a:prstGeom>
+          <a:noFill/>
+          <a:extLst>
+            <a:ext uri="{909E8E84-426E-40DD-AFC4-6F175D3DCCD1}">
+              <a14:hiddenFill xmlns:a14="http://schemas.microsoft.com/office/drawing/2010/main">
+                <a:solidFill>
+                  <a:srgbClr val="FFFFFF"/>
+                </a:solidFill>
+              </a14:hiddenFill>
+            </a:ext>
+          </a:extLst>
+        </p:spPr>
+      </p:pic>
+      <p:sp>
+        <p:nvSpPr>
+          <p:cNvPr id="4" name="TextBox 3">
+            <a:extLst>
+              <a:ext uri="{FF2B5EF4-FFF2-40B4-BE49-F238E27FC236}">
+                <a16:creationId xmlns:a16="http://schemas.microsoft.com/office/drawing/2014/main" id="{D2D9E115-B89A-F648-5BDA-08A6E1E83E76}"/>
+              </a:ext>
+            </a:extLst>
+          </p:cNvPr>
+          <p:cNvSpPr txBox="1"/>
+          <p:nvPr/>
+        </p:nvSpPr>
+        <p:spPr>
+          <a:xfrm>
+            <a:off x="3009569" y="4805463"/>
+            <a:ext cx="3394949" cy="369332"/>
+          </a:xfrm>
+          <a:prstGeom prst="rect">
+            <a:avLst/>
+          </a:prstGeom>
+          <a:noFill/>
+        </p:spPr>
+        <p:txBody>
+          <a:bodyPr wrap="square" rtlCol="0">
+            <a:spAutoFit/>
+          </a:bodyPr>
+          <a:lstStyle/>
+          <a:p>
+            <a:r>
+              <a:rPr lang="nl-NL" dirty="0">
+                <a:solidFill>
+                  <a:schemeClr val="bg1"/>
+                </a:solidFill>
+              </a:rPr>
+              <a:t>2021.3.2f1</a:t>
+            </a:r>
+          </a:p>
+        </p:txBody>
+      </p:sp>
+    </p:spTree>
+    <p:extLst>
+      <p:ext uri="{BB962C8B-B14F-4D97-AF65-F5344CB8AC3E}">
+        <p14:creationId xmlns:p14="http://schemas.microsoft.com/office/powerpoint/2010/main" val="1292016259"/>
+      </p:ext>
+    </p:extLst>
+  </p:cSld>
+  <p:clrMapOvr>
+    <a:masterClrMapping/>
+  </p:clrMapOvr>
+</p:sld>
+</file>
+
+<file path=ppt/slides/slide7.xml><?xml version="1.0" encoding="utf-8"?>
+<p:sld xmlns:a="http://schemas.openxmlformats.org/drawingml/2006/main" xmlns:r="http://schemas.openxmlformats.org/officeDocument/2006/relationships" xmlns:p="http://schemas.openxmlformats.org/presentationml/2006/main">
+  <p:cSld>
+    <p:bg>
+      <p:bgPr>
+        <a:solidFill>
+          <a:schemeClr val="bg1">
+            <a:tint val="95000"/>
+            <a:satMod val="170000"/>
+          </a:schemeClr>
+        </a:solidFill>
+        <a:effectLst/>
+      </p:bgPr>
+    </p:bg>
+    <p:spTree>
+      <p:nvGrpSpPr>
+        <p:cNvPr id="1" name=""/>
+        <p:cNvGrpSpPr/>
+        <p:nvPr/>
+      </p:nvGrpSpPr>
+      <p:grpSpPr>
+        <a:xfrm>
+          <a:off x="0" y="0"/>
+          <a:ext cx="0" cy="0"/>
+          <a:chOff x="0" y="0"/>
+          <a:chExt cx="0" cy="0"/>
+        </a:xfrm>
+      </p:grpSpPr>
+      <p:sp useBgFill="1">
+        <p:nvSpPr>
+          <p:cNvPr id="21" name="Rectangle 16">
+            <a:extLst>
+              <a:ext uri="{FF2B5EF4-FFF2-40B4-BE49-F238E27FC236}">
+                <a16:creationId xmlns:a16="http://schemas.microsoft.com/office/drawing/2014/main" id="{B0792D4F-247E-46FE-85FC-881DEFA41D94}"/>
+              </a:ext>
+              <a:ext uri="{C183D7F6-B498-43B3-948B-1728B52AA6E4}">
+                <adec:decorative xmlns:adec="http://schemas.microsoft.com/office/drawing/2017/decorative" val="1"/>
+              </a:ext>
+            </a:extLst>
+          </p:cNvPr>
+          <p:cNvSpPr>
+            <a:spLocks noGrp="1" noRot="1" noChangeAspect="1" noMove="1" noResize="1" noEditPoints="1" noAdjustHandles="1" noChangeArrowheads="1" noChangeShapeType="1" noTextEdit="1"/>
+          </p:cNvSpPr>
+          <p:nvPr>
+            <p:extLst>
+              <p:ext uri="{386F3935-93C4-4BCD-93E2-E3B085C9AB24}">
+                <p16:designElem xmlns:p16="http://schemas.microsoft.com/office/powerpoint/2015/main" val="1"/>
+              </p:ext>
+            </p:extLst>
+          </p:nvPr>
+        </p:nvSpPr>
+        <p:spPr>
+          <a:xfrm>
+            <a:off x="0" y="-1"/>
+            <a:ext cx="12188952" cy="6858000"/>
+          </a:xfrm>
+          <a:prstGeom prst="rect">
+            <a:avLst/>
+          </a:prstGeom>
+          <a:ln>
+            <a:noFill/>
+          </a:ln>
+        </p:spPr>
+        <p:style>
+          <a:lnRef idx="2">
+            <a:schemeClr val="accent1">
+              <a:shade val="50000"/>
+            </a:schemeClr>
+          </a:lnRef>
+          <a:fillRef idx="1">
+            <a:schemeClr val="accent1"/>
+          </a:fillRef>
+          <a:effectRef idx="0">
+            <a:schemeClr val="accent1"/>
+          </a:effectRef>
+          <a:fontRef idx="minor">
+            <a:schemeClr val="lt1"/>
+          </a:fontRef>
+        </p:style>
+        <p:txBody>
+          <a:bodyPr rtlCol="0" anchor="ctr"/>
+          <a:lstStyle/>
+          <a:p>
+            <a:pPr marL="0" marR="0" lvl="0" indent="0" algn="ctr" defTabSz="914400" rtl="0" eaLnBrk="1" fontAlgn="auto" latinLnBrk="0" hangingPunct="1">
+              <a:lnSpc>
+                <a:spcPct val="100000"/>
+              </a:lnSpc>
+              <a:spcBef>
+                <a:spcPts val="0"/>
+              </a:spcBef>
+              <a:spcAft>
+                <a:spcPts val="0"/>
+              </a:spcAft>
+              <a:buClrTx/>
+              <a:buSzTx/>
+              <a:buFontTx/>
+              <a:buNone/>
+              <a:tabLst/>
+              <a:defRPr/>
+            </a:pPr>
+            <a:endParaRPr kumimoji="0" lang="en-US" sz="1800" b="0" i="0" u="none" strike="noStrike" kern="1200" cap="none" spc="0" normalizeH="0" baseline="0" noProof="0">
+              <a:ln>
+                <a:noFill/>
+              </a:ln>
+              <a:solidFill>
+                <a:prstClr val="white"/>
+              </a:solidFill>
+              <a:effectLst/>
+              <a:uLnTx/>
+              <a:uFillTx/>
+              <a:latin typeface="Tw Cen MT" panose="020B0602020104020603"/>
+              <a:ea typeface="+mn-ea"/>
+              <a:cs typeface="+mn-cs"/>
+            </a:endParaRPr>
+          </a:p>
+        </p:txBody>
+      </p:sp>
+      <p:sp>
+        <p:nvSpPr>
+          <p:cNvPr id="2" name="Title 1">
+            <a:extLst>
+              <a:ext uri="{FF2B5EF4-FFF2-40B4-BE49-F238E27FC236}">
+                <a16:creationId xmlns:a16="http://schemas.microsoft.com/office/drawing/2014/main" id="{15DE0CAD-3580-3467-9D95-F37A655D457F}"/>
+              </a:ext>
+            </a:extLst>
+          </p:cNvPr>
+          <p:cNvSpPr>
+            <a:spLocks noGrp="1"/>
+          </p:cNvSpPr>
+          <p:nvPr>
+            <p:ph type="title"/>
+          </p:nvPr>
+        </p:nvSpPr>
+        <p:spPr>
+          <a:xfrm>
+            <a:off x="841248" y="475488"/>
+            <a:ext cx="10515600" cy="1197864"/>
+          </a:xfrm>
+        </p:spPr>
+        <p:txBody>
+          <a:bodyPr vert="horz" lIns="91440" tIns="45720" rIns="91440" bIns="45720" rtlCol="0">
+            <a:normAutofit/>
+          </a:bodyPr>
+          <a:lstStyle/>
+          <a:p>
+            <a:r>
+              <a:rPr lang="en-US" kern="1200">
+                <a:latin typeface="+mj-lt"/>
+                <a:ea typeface="+mj-ea"/>
+                <a:cs typeface="+mj-cs"/>
+              </a:rPr>
+              <a:t>Log boek</a:t>
+            </a:r>
+          </a:p>
+        </p:txBody>
+      </p:sp>
+      <p:cxnSp>
+        <p:nvCxnSpPr>
+          <p:cNvPr id="22" name="Straight Connector 18">
+            <a:extLst>
+              <a:ext uri="{FF2B5EF4-FFF2-40B4-BE49-F238E27FC236}">
+                <a16:creationId xmlns:a16="http://schemas.microsoft.com/office/drawing/2014/main" id="{CE272F12-AF86-441A-BC1B-C014BBBF85B5}"/>
+              </a:ext>
+              <a:ext uri="{C183D7F6-B498-43B3-948B-1728B52AA6E4}">
+                <adec:decorative xmlns:adec="http://schemas.microsoft.com/office/drawing/2017/decorative" val="1"/>
+              </a:ext>
+            </a:extLst>
+          </p:cNvPr>
+          <p:cNvCxnSpPr>
+            <a:cxnSpLocks noGrp="1" noRot="1" noChangeAspect="1" noMove="1" noResize="1" noEditPoints="1" noAdjustHandles="1" noChangeArrowheads="1" noChangeShapeType="1"/>
+          </p:cNvCxnSpPr>
+          <p:nvPr>
+            <p:extLst>
+              <p:ext uri="{386F3935-93C4-4BCD-93E2-E3B085C9AB24}">
+                <p16:designElem xmlns:p16="http://schemas.microsoft.com/office/powerpoint/2015/main" val="1"/>
+              </p:ext>
+            </p:extLst>
+          </p:nvPr>
+        </p:nvCxnSpPr>
+        <p:spPr>
+          <a:xfrm flipV="1">
+            <a:off x="475488" y="585216"/>
+            <a:ext cx="0" cy="914400"/>
+          </a:xfrm>
+          <a:prstGeom prst="line">
+            <a:avLst/>
+          </a:prstGeom>
+          <a:ln w="19050">
+            <a:solidFill>
+              <a:schemeClr val="tx1">
+                <a:alpha val="70000"/>
+              </a:schemeClr>
+            </a:solidFill>
+          </a:ln>
+        </p:spPr>
+        <p:style>
+          <a:lnRef idx="1">
+            <a:schemeClr val="accent1"/>
+          </a:lnRef>
+          <a:fillRef idx="0">
+            <a:schemeClr val="accent1"/>
+          </a:fillRef>
+          <a:effectRef idx="0">
+            <a:schemeClr val="accent1"/>
+          </a:effectRef>
+          <a:fontRef idx="minor">
+            <a:schemeClr val="tx1"/>
+          </a:fontRef>
+        </p:style>
+      </p:cxnSp>
+      <p:pic>
+        <p:nvPicPr>
+          <p:cNvPr id="5" name="Content Placeholder 4">
+            <a:extLst>
+              <a:ext uri="{FF2B5EF4-FFF2-40B4-BE49-F238E27FC236}">
+                <a16:creationId xmlns:a16="http://schemas.microsoft.com/office/drawing/2014/main" id="{709AC8CC-F24A-2FFF-825B-7DFB94E9A6D9}"/>
+              </a:ext>
+            </a:extLst>
+          </p:cNvPr>
+          <p:cNvPicPr>
+            <a:picLocks noChangeAspect="1"/>
+          </p:cNvPicPr>
+          <p:nvPr/>
+        </p:nvPicPr>
+        <p:blipFill>
+          <a:blip r:embed="rId2"/>
+          <a:stretch>
+            <a:fillRect/>
+          </a:stretch>
+        </p:blipFill>
+        <p:spPr>
+          <a:xfrm>
+            <a:off x="1239115" y="1319813"/>
+            <a:ext cx="9710721" cy="5535110"/>
+          </a:xfrm>
+          <a:prstGeom prst="rect">
+            <a:avLst/>
+          </a:prstGeom>
+        </p:spPr>
+      </p:pic>
+      <p:sp>
+        <p:nvSpPr>
+          <p:cNvPr id="14" name="Content Placeholder 13">
+            <a:extLst>
+              <a:ext uri="{FF2B5EF4-FFF2-40B4-BE49-F238E27FC236}">
+                <a16:creationId xmlns:a16="http://schemas.microsoft.com/office/drawing/2014/main" id="{FD54AE9A-E7BB-7626-EDF6-BE5BA8DC0641}"/>
+              </a:ext>
+            </a:extLst>
+          </p:cNvPr>
+          <p:cNvSpPr>
+            <a:spLocks noGrp="1"/>
+          </p:cNvSpPr>
+          <p:nvPr>
+            <p:ph idx="1"/>
+          </p:nvPr>
+        </p:nvSpPr>
+        <p:spPr>
+          <a:xfrm>
+            <a:off x="7534656" y="2002536"/>
+            <a:ext cx="3822192" cy="4169664"/>
+          </a:xfrm>
+        </p:spPr>
+        <p:txBody>
+          <a:bodyPr anchor="t">
+            <a:normAutofit/>
+          </a:bodyPr>
+          <a:lstStyle/>
+          <a:p>
+            <a:endParaRPr lang="en-US" sz="2200"/>
+          </a:p>
+        </p:txBody>
+      </p:sp>
+    </p:spTree>
+    <p:extLst>
+      <p:ext uri="{BB962C8B-B14F-4D97-AF65-F5344CB8AC3E}">
+        <p14:creationId xmlns:p14="http://schemas.microsoft.com/office/powerpoint/2010/main" val="3823892441"/>
+      </p:ext>
+    </p:extLst>
+  </p:cSld>
+  <p:clrMapOvr>
+    <a:overrideClrMapping bg1="dk1" tx1="lt1" bg2="dk2" tx2="lt2" accent1="accent1" accent2="accent2" accent3="accent3" accent4="accent4" accent5="accent5" accent6="accent6" hlink="hlink" folHlink="folHlink"/>
+  </p:clrMapOvr>
+</p:sld>
+</file>
+
+<file path=ppt/slides/slide8.xml><?xml version="1.0" encoding="utf-8"?>
+<p:sld xmlns:a="http://schemas.openxmlformats.org/drawingml/2006/main" xmlns:r="http://schemas.openxmlformats.org/officeDocument/2006/relationships" xmlns:p="http://schemas.openxmlformats.org/presentationml/2006/main">
+  <p:cSld>
+    <p:bg>
+      <p:bgPr>
+        <a:solidFill>
+          <a:schemeClr val="bg1"/>
+        </a:solidFill>
+        <a:effectLst/>
+      </p:bgPr>
+    </p:bg>
+    <p:spTree>
+      <p:nvGrpSpPr>
+        <p:cNvPr id="1" name=""/>
+        <p:cNvGrpSpPr/>
+        <p:nvPr/>
+      </p:nvGrpSpPr>
+      <p:grpSpPr>
+        <a:xfrm>
+          <a:off x="0" y="0"/>
+          <a:ext cx="0" cy="0"/>
+          <a:chOff x="0" y="0"/>
+          <a:chExt cx="0" cy="0"/>
+        </a:xfrm>
+      </p:grpSpPr>
+      <p:sp>
+        <p:nvSpPr>
+          <p:cNvPr id="26" name="Rectangle 23">
+            <a:extLst>
+              <a:ext uri="{FF2B5EF4-FFF2-40B4-BE49-F238E27FC236}">
+                <a16:creationId xmlns:a16="http://schemas.microsoft.com/office/drawing/2014/main" id="{96918796-2918-40D6-BE3A-4600C47FCD42}"/>
+              </a:ext>
+              <a:ext uri="{C183D7F6-B498-43B3-948B-1728B52AA6E4}">
+                <adec:decorative xmlns:adec="http://schemas.microsoft.com/office/drawing/2017/decorative" val="1"/>
+              </a:ext>
+            </a:extLst>
+          </p:cNvPr>
+          <p:cNvSpPr>
+            <a:spLocks noGrp="1" noRot="1" noChangeAspect="1" noMove="1" noResize="1" noEditPoints="1" noAdjustHandles="1" noChangeArrowheads="1" noChangeShapeType="1" noTextEdit="1"/>
+          </p:cNvSpPr>
+          <p:nvPr>
+            <p:extLst>
+              <p:ext uri="{386F3935-93C4-4BCD-93E2-E3B085C9AB24}">
+                <p16:designElem xmlns:p16="http://schemas.microsoft.com/office/powerpoint/2015/main" val="1"/>
+              </p:ext>
+            </p:extLst>
+          </p:nvPr>
+        </p:nvSpPr>
+        <p:spPr>
+          <a:xfrm>
+            <a:off x="0" y="651752"/>
+            <a:ext cx="12192000" cy="736551"/>
+          </a:xfrm>
+          <a:prstGeom prst="rect">
+            <a:avLst/>
+          </a:prstGeom>
+          <a:solidFill>
+            <a:schemeClr val="tx1"/>
+          </a:solidFill>
+          <a:ln>
+            <a:noFill/>
+          </a:ln>
+        </p:spPr>
+        <p:style>
+          <a:lnRef idx="2">
+            <a:schemeClr val="accent1">
+              <a:shade val="50000"/>
+            </a:schemeClr>
+          </a:lnRef>
+          <a:fillRef idx="1">
+            <a:schemeClr val="accent1"/>
+          </a:fillRef>
+          <a:effectRef idx="0">
+            <a:schemeClr val="accent1"/>
+          </a:effectRef>
+          <a:fontRef idx="minor">
+            <a:schemeClr val="lt1"/>
+          </a:fontRef>
+        </p:style>
+        <p:txBody>
+          <a:bodyPr rtlCol="0" anchor="ctr"/>
+          <a:lstStyle/>
+          <a:p>
+            <a:pPr marL="0" marR="0" lvl="0" indent="0" algn="ctr" defTabSz="457200" rtl="0" eaLnBrk="1" fontAlgn="auto" latinLnBrk="0" hangingPunct="1">
+              <a:lnSpc>
+                <a:spcPct val="100000"/>
+              </a:lnSpc>
+              <a:spcBef>
+                <a:spcPts val="0"/>
+              </a:spcBef>
+              <a:spcAft>
+                <a:spcPts val="0"/>
+              </a:spcAft>
+              <a:buClrTx/>
+              <a:buSzTx/>
+              <a:buFontTx/>
+              <a:buNone/>
+              <a:tabLst/>
+              <a:defRPr/>
+            </a:pPr>
+            <a:endParaRPr kumimoji="0" lang="en-US" sz="1800" b="0" i="0" u="none" strike="noStrike" kern="1200" cap="none" spc="0" normalizeH="0" baseline="0" noProof="0">
+              <a:ln>
+                <a:noFill/>
+              </a:ln>
+              <a:solidFill>
+                <a:prstClr val="white"/>
+              </a:solidFill>
+              <a:effectLst/>
+              <a:uLnTx/>
+              <a:uFillTx/>
+              <a:latin typeface="Calibri" panose="020F0502020204030204"/>
+              <a:ea typeface="+mn-ea"/>
+              <a:cs typeface="+mn-cs"/>
+            </a:endParaRPr>
+          </a:p>
+        </p:txBody>
+      </p:sp>
+      <p:pic>
+        <p:nvPicPr>
+          <p:cNvPr id="11" name="Picture 10">
+            <a:extLst>
+              <a:ext uri="{FF2B5EF4-FFF2-40B4-BE49-F238E27FC236}">
+                <a16:creationId xmlns:a16="http://schemas.microsoft.com/office/drawing/2014/main" id="{B36EFE8B-D28F-143B-D2A9-6F024C3D8FE1}"/>
+              </a:ext>
+            </a:extLst>
+          </p:cNvPr>
+          <p:cNvPicPr>
+            <a:picLocks noChangeAspect="1"/>
+          </p:cNvPicPr>
+          <p:nvPr/>
+        </p:nvPicPr>
+        <p:blipFill>
+          <a:blip r:embed="rId2"/>
+          <a:stretch>
+            <a:fillRect/>
+          </a:stretch>
+        </p:blipFill>
+        <p:spPr>
+          <a:xfrm>
+            <a:off x="854075" y="2166938"/>
+            <a:ext cx="1443038" cy="3457575"/>
+          </a:xfrm>
+          <a:prstGeom prst="rect">
+            <a:avLst/>
+          </a:prstGeom>
+        </p:spPr>
+      </p:pic>
+      <p:pic>
+        <p:nvPicPr>
+          <p:cNvPr id="7" name="Picture 6">
+            <a:extLst>
+              <a:ext uri="{FF2B5EF4-FFF2-40B4-BE49-F238E27FC236}">
+                <a16:creationId xmlns:a16="http://schemas.microsoft.com/office/drawing/2014/main" id="{93C9CF3E-0DC4-0FF0-5DF9-5672F6FAD568}"/>
+              </a:ext>
+            </a:extLst>
+          </p:cNvPr>
+          <p:cNvPicPr>
+            <a:picLocks noChangeAspect="1"/>
+          </p:cNvPicPr>
+          <p:nvPr/>
+        </p:nvPicPr>
+        <p:blipFill>
+          <a:blip r:embed="rId3"/>
+          <a:stretch>
+            <a:fillRect/>
+          </a:stretch>
+        </p:blipFill>
+        <p:spPr>
+          <a:xfrm>
+            <a:off x="2366963" y="2166938"/>
+            <a:ext cx="2235200" cy="954088"/>
+          </a:xfrm>
+          <a:prstGeom prst="rect">
+            <a:avLst/>
+          </a:prstGeom>
+        </p:spPr>
+      </p:pic>
+      <p:pic>
+        <p:nvPicPr>
+          <p:cNvPr id="5" name="Content Placeholder 4">
+            <a:extLst>
+              <a:ext uri="{FF2B5EF4-FFF2-40B4-BE49-F238E27FC236}">
+                <a16:creationId xmlns:a16="http://schemas.microsoft.com/office/drawing/2014/main" id="{FD8DE7B4-4E99-F9EB-2643-EBB111D6D8F0}"/>
+              </a:ext>
+            </a:extLst>
+          </p:cNvPr>
+          <p:cNvPicPr>
+            <a:picLocks noGrp="1" noChangeAspect="1"/>
+          </p:cNvPicPr>
+          <p:nvPr>
+            <p:ph idx="1"/>
+          </p:nvPr>
+        </p:nvPicPr>
+        <p:blipFill>
+          <a:blip r:embed="rId4"/>
+          <a:stretch>
+            <a:fillRect/>
+          </a:stretch>
+        </p:blipFill>
+        <p:spPr>
+          <a:xfrm>
+            <a:off x="2366963" y="3192463"/>
+            <a:ext cx="2235200" cy="2432050"/>
+          </a:xfrm>
+        </p:spPr>
+      </p:pic>
+      <p:pic>
+        <p:nvPicPr>
+          <p:cNvPr id="19" name="Picture 18">
+            <a:extLst>
+              <a:ext uri="{FF2B5EF4-FFF2-40B4-BE49-F238E27FC236}">
+                <a16:creationId xmlns:a16="http://schemas.microsoft.com/office/drawing/2014/main" id="{AC564683-7E16-8CD5-D9B8-FAF7FF684174}"/>
+              </a:ext>
+            </a:extLst>
+          </p:cNvPr>
+          <p:cNvPicPr>
+            <a:picLocks noChangeAspect="1"/>
+          </p:cNvPicPr>
+          <p:nvPr/>
+        </p:nvPicPr>
+        <p:blipFill>
+          <a:blip r:embed="rId5"/>
+          <a:stretch>
+            <a:fillRect/>
+          </a:stretch>
+        </p:blipFill>
+        <p:spPr>
+          <a:xfrm>
+            <a:off x="4675188" y="2166938"/>
+            <a:ext cx="3589338" cy="2092325"/>
+          </a:xfrm>
+          <a:prstGeom prst="rect">
+            <a:avLst/>
+          </a:prstGeom>
+        </p:spPr>
+      </p:pic>
+      <p:pic>
+        <p:nvPicPr>
+          <p:cNvPr id="9" name="Picture 8">
+            <a:extLst>
+              <a:ext uri="{FF2B5EF4-FFF2-40B4-BE49-F238E27FC236}">
+                <a16:creationId xmlns:a16="http://schemas.microsoft.com/office/drawing/2014/main" id="{B188FA17-CAB7-A1B0-95DC-7FA1E42C55A5}"/>
+              </a:ext>
+            </a:extLst>
+          </p:cNvPr>
+          <p:cNvPicPr>
+            <a:picLocks noChangeAspect="1"/>
+          </p:cNvPicPr>
+          <p:nvPr/>
+        </p:nvPicPr>
+        <p:blipFill>
+          <a:blip r:embed="rId6"/>
+          <a:stretch>
+            <a:fillRect/>
+          </a:stretch>
+        </p:blipFill>
+        <p:spPr>
+          <a:xfrm>
+            <a:off x="4675188" y="4330700"/>
+            <a:ext cx="3589338" cy="601663"/>
+          </a:xfrm>
+          <a:prstGeom prst="rect">
+            <a:avLst/>
+          </a:prstGeom>
+        </p:spPr>
+      </p:pic>
+      <p:pic>
+        <p:nvPicPr>
+          <p:cNvPr id="13" name="Picture 12">
+            <a:extLst>
+              <a:ext uri="{FF2B5EF4-FFF2-40B4-BE49-F238E27FC236}">
+                <a16:creationId xmlns:a16="http://schemas.microsoft.com/office/drawing/2014/main" id="{7249A6C6-B240-2FA2-C7EE-BDB5FC760D47}"/>
+              </a:ext>
+            </a:extLst>
+          </p:cNvPr>
+          <p:cNvPicPr>
+            <a:picLocks noChangeAspect="1"/>
+          </p:cNvPicPr>
+          <p:nvPr/>
+        </p:nvPicPr>
+        <p:blipFill>
+          <a:blip r:embed="rId7"/>
+          <a:stretch>
+            <a:fillRect/>
+          </a:stretch>
+        </p:blipFill>
+        <p:spPr>
+          <a:xfrm>
+            <a:off x="4675188" y="5003800"/>
+            <a:ext cx="3589338" cy="619125"/>
+          </a:xfrm>
+          <a:prstGeom prst="rect">
+            <a:avLst/>
+          </a:prstGeom>
+        </p:spPr>
+      </p:pic>
+      <p:pic>
+        <p:nvPicPr>
+          <p:cNvPr id="17" name="Picture 16">
+            <a:extLst>
+              <a:ext uri="{FF2B5EF4-FFF2-40B4-BE49-F238E27FC236}">
+                <a16:creationId xmlns:a16="http://schemas.microsoft.com/office/drawing/2014/main" id="{E15C01D4-60BF-137F-3BDA-9322091969F1}"/>
+              </a:ext>
+            </a:extLst>
+          </p:cNvPr>
+          <p:cNvPicPr>
+            <a:picLocks noChangeAspect="1"/>
+          </p:cNvPicPr>
+          <p:nvPr/>
+        </p:nvPicPr>
+        <p:blipFill>
+          <a:blip r:embed="rId8"/>
+          <a:stretch>
+            <a:fillRect/>
+          </a:stretch>
+        </p:blipFill>
+        <p:spPr>
+          <a:xfrm>
+            <a:off x="8335963" y="2166938"/>
+            <a:ext cx="3000375" cy="2797175"/>
+          </a:xfrm>
+          <a:prstGeom prst="rect">
+            <a:avLst/>
+          </a:prstGeom>
+        </p:spPr>
+      </p:pic>
+      <p:pic>
+        <p:nvPicPr>
+          <p:cNvPr id="15" name="Picture 14">
+            <a:extLst>
+              <a:ext uri="{FF2B5EF4-FFF2-40B4-BE49-F238E27FC236}">
+                <a16:creationId xmlns:a16="http://schemas.microsoft.com/office/drawing/2014/main" id="{7DAF9E73-B038-C0FE-D025-310358345061}"/>
+              </a:ext>
+            </a:extLst>
+          </p:cNvPr>
+          <p:cNvPicPr>
+            <a:picLocks noChangeAspect="1"/>
+          </p:cNvPicPr>
+          <p:nvPr/>
+        </p:nvPicPr>
+        <p:blipFill>
+          <a:blip r:embed="rId9"/>
+          <a:stretch>
+            <a:fillRect/>
+          </a:stretch>
+        </p:blipFill>
+        <p:spPr>
+          <a:xfrm>
+            <a:off x="8335963" y="5035550"/>
+            <a:ext cx="3000375" cy="588963"/>
+          </a:xfrm>
+          <a:prstGeom prst="rect">
+            <a:avLst/>
+          </a:prstGeom>
+        </p:spPr>
+      </p:pic>
+      <p:sp>
+        <p:nvSpPr>
+          <p:cNvPr id="2" name="Title 1">
+            <a:extLst>
+              <a:ext uri="{FF2B5EF4-FFF2-40B4-BE49-F238E27FC236}">
+                <a16:creationId xmlns:a16="http://schemas.microsoft.com/office/drawing/2014/main" id="{E7E5B483-BF79-0C53-C0E8-196FAA1F3259}"/>
+              </a:ext>
+            </a:extLst>
+          </p:cNvPr>
+          <p:cNvSpPr>
+            <a:spLocks noGrp="1"/>
+          </p:cNvSpPr>
+          <p:nvPr>
+            <p:ph type="title"/>
+          </p:nvPr>
+        </p:nvSpPr>
+        <p:spPr>
+          <a:xfrm>
+            <a:off x="838200" y="672747"/>
+            <a:ext cx="10515600" cy="715556"/>
+          </a:xfrm>
+        </p:spPr>
+        <p:txBody>
+          <a:bodyPr>
+            <a:normAutofit/>
+          </a:bodyPr>
+          <a:lstStyle/>
+          <a:p>
+            <a:pPr algn="ctr"/>
+            <a:r>
+              <a:rPr lang="nl-NL" sz="3200">
+                <a:solidFill>
+                  <a:schemeClr val="bg1"/>
+                </a:solidFill>
+              </a:rPr>
+              <a:t>Github commits </a:t>
+            </a:r>
+          </a:p>
+        </p:txBody>
+      </p:sp>
+    </p:spTree>
+    <p:extLst>
+      <p:ext uri="{BB962C8B-B14F-4D97-AF65-F5344CB8AC3E}">
+        <p14:creationId xmlns:p14="http://schemas.microsoft.com/office/powerpoint/2010/main" val="3248114"/>
+      </p:ext>
+    </p:extLst>
+  </p:cSld>
+  <p:clrMapOvr>
+    <a:masterClrMapping/>
+  </p:clrMapOvr>
+</p:sld>
+</file>
+
+<file path=ppt/slides/slide9.xml><?xml version="1.0" encoding="utf-8"?>
+<p:sld xmlns:a="http://schemas.openxmlformats.org/drawingml/2006/main" xmlns:r="http://schemas.openxmlformats.org/officeDocument/2006/relationships" xmlns:p="http://schemas.openxmlformats.org/presentationml/2006/main">
+  <p:cSld>
+    <p:bg>
+      <p:bgPr>
+        <a:solidFill>
+          <a:schemeClr val="bg1"/>
+        </a:solidFill>
+        <a:effectLst/>
+      </p:bgPr>
+    </p:bg>
+    <p:spTree>
+      <p:nvGrpSpPr>
+        <p:cNvPr id="1" name=""/>
+        <p:cNvGrpSpPr/>
+        <p:nvPr/>
+      </p:nvGrpSpPr>
+      <p:grpSpPr>
+        <a:xfrm>
+          <a:off x="0" y="0"/>
+          <a:ext cx="0" cy="0"/>
+          <a:chOff x="0" y="0"/>
+          <a:chExt cx="0" cy="0"/>
+        </a:xfrm>
+      </p:grpSpPr>
+      <p:sp useBgFill="1">
+        <p:nvSpPr>
+          <p:cNvPr id="16" name="Rectangle 15">
+            <a:extLst>
+              <a:ext uri="{FF2B5EF4-FFF2-40B4-BE49-F238E27FC236}">
+                <a16:creationId xmlns:a16="http://schemas.microsoft.com/office/drawing/2014/main" id="{3B47FC9C-2ED3-4100-A4EF-E8CDFEE106C9}"/>
+              </a:ext>
+              <a:ext uri="{C183D7F6-B498-43B3-948B-1728B52AA6E4}">
+                <adec:decorative xmlns:adec="http://schemas.microsoft.com/office/drawing/2017/decorative" val="1"/>
+              </a:ext>
+            </a:extLst>
+          </p:cNvPr>
+          <p:cNvSpPr>
+            <a:spLocks noGrp="1" noRot="1" noChangeAspect="1" noMove="1" noResize="1" noEditPoints="1" noAdjustHandles="1" noChangeArrowheads="1" noChangeShapeType="1" noTextEdit="1"/>
+          </p:cNvSpPr>
+          <p:nvPr>
+            <p:extLst>
+              <p:ext uri="{386F3935-93C4-4BCD-93E2-E3B085C9AB24}">
+                <p16:designElem xmlns:p16="http://schemas.microsoft.com/office/powerpoint/2015/main" val="1"/>
+              </p:ext>
+            </p:extLst>
+          </p:nvPr>
+        </p:nvSpPr>
+        <p:spPr>
+          <a:xfrm>
+            <a:off x="-1" y="0"/>
+            <a:ext cx="12188952" cy="6858000"/>
+          </a:xfrm>
+          <a:prstGeom prst="rect">
+            <a:avLst/>
+          </a:prstGeom>
+          <a:ln>
+            <a:noFill/>
+          </a:ln>
+        </p:spPr>
+        <p:style>
+          <a:lnRef idx="2">
+            <a:schemeClr val="accent1">
+              <a:shade val="50000"/>
+            </a:schemeClr>
+          </a:lnRef>
+          <a:fillRef idx="1">
+            <a:schemeClr val="accent1"/>
+          </a:fillRef>
+          <a:effectRef idx="0">
+            <a:schemeClr val="accent1"/>
+          </a:effectRef>
+          <a:fontRef idx="minor">
+            <a:schemeClr val="lt1"/>
+          </a:fontRef>
+        </p:style>
+        <p:txBody>
+          <a:bodyPr rtlCol="0" anchor="ctr"/>
+          <a:lstStyle/>
+          <a:p>
+            <a:pPr algn="ctr"/>
+            <a:endParaRPr lang="en-US" dirty="0"/>
+          </a:p>
+        </p:txBody>
+      </p:sp>
+      <p:pic>
+        <p:nvPicPr>
+          <p:cNvPr id="7" name="Picture 6">
+            <a:extLst>
+              <a:ext uri="{FF2B5EF4-FFF2-40B4-BE49-F238E27FC236}">
+                <a16:creationId xmlns:a16="http://schemas.microsoft.com/office/drawing/2014/main" id="{449F11E5-39A0-0446-257B-88FCF93BF3BF}"/>
+              </a:ext>
+            </a:extLst>
+          </p:cNvPr>
+          <p:cNvPicPr>
+            <a:picLocks noChangeAspect="1"/>
+          </p:cNvPicPr>
+          <p:nvPr/>
+        </p:nvPicPr>
+        <p:blipFill>
+          <a:blip r:embed="rId2"/>
+          <a:stretch>
+            <a:fillRect/>
+          </a:stretch>
+        </p:blipFill>
+        <p:spPr>
+          <a:xfrm>
+            <a:off x="708025" y="555625"/>
+            <a:ext cx="6142038" cy="2430463"/>
+          </a:xfrm>
+          <a:prstGeom prst="rect">
+            <a:avLst/>
+          </a:prstGeom>
+        </p:spPr>
+      </p:pic>
+      <p:pic>
+        <p:nvPicPr>
+          <p:cNvPr id="5" name="Content Placeholder 4">
+            <a:extLst>
+              <a:ext uri="{FF2B5EF4-FFF2-40B4-BE49-F238E27FC236}">
+                <a16:creationId xmlns:a16="http://schemas.microsoft.com/office/drawing/2014/main" id="{DE95D2B1-5823-6178-8E5F-E7ADD0C71144}"/>
+              </a:ext>
+            </a:extLst>
+          </p:cNvPr>
+          <p:cNvPicPr>
+            <a:picLocks noGrp="1" noChangeAspect="1"/>
+          </p:cNvPicPr>
+          <p:nvPr>
+            <p:ph idx="1"/>
+          </p:nvPr>
+        </p:nvPicPr>
+        <p:blipFill>
+          <a:blip r:embed="rId3"/>
+          <a:stretch>
+            <a:fillRect/>
+          </a:stretch>
+        </p:blipFill>
+        <p:spPr>
+          <a:xfrm>
+            <a:off x="6923088" y="555625"/>
+            <a:ext cx="4559300" cy="2430463"/>
+          </a:xfrm>
+        </p:spPr>
+      </p:pic>
+      <p:pic>
+        <p:nvPicPr>
+          <p:cNvPr id="11" name="Picture 10">
+            <a:extLst>
+              <a:ext uri="{FF2B5EF4-FFF2-40B4-BE49-F238E27FC236}">
+                <a16:creationId xmlns:a16="http://schemas.microsoft.com/office/drawing/2014/main" id="{28C34D05-F7A5-D46A-FE6A-A4616C6E62CB}"/>
+              </a:ext>
+            </a:extLst>
+          </p:cNvPr>
+          <p:cNvPicPr>
+            <a:picLocks noChangeAspect="1"/>
+          </p:cNvPicPr>
+          <p:nvPr/>
+        </p:nvPicPr>
+        <p:blipFill>
+          <a:blip r:embed="rId4"/>
+          <a:stretch>
+            <a:fillRect/>
+          </a:stretch>
+        </p:blipFill>
+        <p:spPr>
+          <a:xfrm>
+            <a:off x="708025" y="3059113"/>
+            <a:ext cx="6443663" cy="2125663"/>
+          </a:xfrm>
+          <a:prstGeom prst="rect">
+            <a:avLst/>
+          </a:prstGeom>
+        </p:spPr>
+      </p:pic>
+      <p:pic>
+        <p:nvPicPr>
+          <p:cNvPr id="9" name="Picture 8">
+            <a:extLst>
+              <a:ext uri="{FF2B5EF4-FFF2-40B4-BE49-F238E27FC236}">
+                <a16:creationId xmlns:a16="http://schemas.microsoft.com/office/drawing/2014/main" id="{C9CA423A-5299-8A16-9FCE-98CFEBB8A406}"/>
+              </a:ext>
+            </a:extLst>
+          </p:cNvPr>
+          <p:cNvPicPr>
+            <a:picLocks noChangeAspect="1"/>
+          </p:cNvPicPr>
+          <p:nvPr/>
+        </p:nvPicPr>
+        <p:blipFill>
+          <a:blip r:embed="rId5"/>
+          <a:stretch>
+            <a:fillRect/>
+          </a:stretch>
+        </p:blipFill>
+        <p:spPr>
+          <a:xfrm>
+            <a:off x="7224713" y="3059113"/>
+            <a:ext cx="4259263" cy="2125663"/>
+          </a:xfrm>
+          <a:prstGeom prst="rect">
+            <a:avLst/>
+          </a:prstGeom>
+        </p:spPr>
+      </p:pic>
+      <p:sp>
+        <p:nvSpPr>
+          <p:cNvPr id="2" name="Title 1">
+            <a:extLst>
+              <a:ext uri="{FF2B5EF4-FFF2-40B4-BE49-F238E27FC236}">
+                <a16:creationId xmlns:a16="http://schemas.microsoft.com/office/drawing/2014/main" id="{E9AC1B5D-F898-186A-2859-59EE9FA33E78}"/>
+              </a:ext>
+            </a:extLst>
+          </p:cNvPr>
+          <p:cNvSpPr>
+            <a:spLocks noGrp="1"/>
+          </p:cNvSpPr>
+          <p:nvPr>
+            <p:ph type="title"/>
+          </p:nvPr>
+        </p:nvSpPr>
+        <p:spPr>
+          <a:xfrm>
+            <a:off x="838200" y="5358141"/>
+            <a:ext cx="10515600" cy="942664"/>
+          </a:xfrm>
+        </p:spPr>
+        <p:txBody>
+          <a:bodyPr vert="horz" lIns="91440" tIns="45720" rIns="91440" bIns="45720" rtlCol="0" anchor="ctr">
+            <a:normAutofit/>
+          </a:bodyPr>
+          <a:lstStyle/>
+          <a:p>
+            <a:pPr algn="ctr"/>
+            <a:r>
+              <a:rPr lang="en-US" sz="5200" kern="1200">
+                <a:solidFill>
+                  <a:schemeClr val="tx1"/>
+                </a:solidFill>
+                <a:latin typeface="+mj-lt"/>
+                <a:ea typeface="+mj-ea"/>
+                <a:cs typeface="+mj-cs"/>
+              </a:rPr>
+              <a:t>Bron code</a:t>
+            </a:r>
+          </a:p>
+        </p:txBody>
+      </p:sp>
+    </p:spTree>
+    <p:extLst>
+      <p:ext uri="{BB962C8B-B14F-4D97-AF65-F5344CB8AC3E}">
+        <p14:creationId xmlns:p14="http://schemas.microsoft.com/office/powerpoint/2010/main" val="1382559203"/>
       </p:ext>
     </p:extLst>
   </p:cSld>

--- a/game dev examen.pptx
+++ b/game dev examen.pptx
@@ -8,18 +8,19 @@
     <p:sldId id="256" r:id="rId2"/>
     <p:sldId id="257" r:id="rId3"/>
     <p:sldId id="258" r:id="rId4"/>
-    <p:sldId id="259" r:id="rId5"/>
-    <p:sldId id="260" r:id="rId6"/>
-    <p:sldId id="261" r:id="rId7"/>
-    <p:sldId id="262" r:id="rId8"/>
-    <p:sldId id="263" r:id="rId9"/>
-    <p:sldId id="264" r:id="rId10"/>
-    <p:sldId id="265" r:id="rId11"/>
-    <p:sldId id="266" r:id="rId12"/>
-    <p:sldId id="267" r:id="rId13"/>
-    <p:sldId id="268" r:id="rId14"/>
-    <p:sldId id="269" r:id="rId15"/>
-    <p:sldId id="270" r:id="rId16"/>
+    <p:sldId id="271" r:id="rId5"/>
+    <p:sldId id="259" r:id="rId6"/>
+    <p:sldId id="260" r:id="rId7"/>
+    <p:sldId id="261" r:id="rId8"/>
+    <p:sldId id="262" r:id="rId9"/>
+    <p:sldId id="263" r:id="rId10"/>
+    <p:sldId id="264" r:id="rId11"/>
+    <p:sldId id="265" r:id="rId12"/>
+    <p:sldId id="266" r:id="rId13"/>
+    <p:sldId id="267" r:id="rId14"/>
+    <p:sldId id="268" r:id="rId15"/>
+    <p:sldId id="269" r:id="rId16"/>
+    <p:sldId id="270" r:id="rId17"/>
   </p:sldIdLst>
   <p:sldSz cx="12192000" cy="6858000"/>
   <p:notesSz cx="6858000" cy="9144000"/>
@@ -3988,6 +3989,266 @@
 </file>
 
 <file path=ppt/slides/slide10.xml><?xml version="1.0" encoding="utf-8"?>
+<p:sld xmlns:a="http://schemas.openxmlformats.org/drawingml/2006/main" xmlns:r="http://schemas.openxmlformats.org/officeDocument/2006/relationships" xmlns:p="http://schemas.openxmlformats.org/presentationml/2006/main">
+  <p:cSld>
+    <p:bg>
+      <p:bgPr>
+        <a:solidFill>
+          <a:schemeClr val="bg1"/>
+        </a:solidFill>
+        <a:effectLst/>
+      </p:bgPr>
+    </p:bg>
+    <p:spTree>
+      <p:nvGrpSpPr>
+        <p:cNvPr id="1" name=""/>
+        <p:cNvGrpSpPr/>
+        <p:nvPr/>
+      </p:nvGrpSpPr>
+      <p:grpSpPr>
+        <a:xfrm>
+          <a:off x="0" y="0"/>
+          <a:ext cx="0" cy="0"/>
+          <a:chOff x="0" y="0"/>
+          <a:chExt cx="0" cy="0"/>
+        </a:xfrm>
+      </p:grpSpPr>
+      <p:sp useBgFill="1">
+        <p:nvSpPr>
+          <p:cNvPr id="16" name="Rectangle 15">
+            <a:extLst>
+              <a:ext uri="{FF2B5EF4-FFF2-40B4-BE49-F238E27FC236}">
+                <a16:creationId xmlns:a16="http://schemas.microsoft.com/office/drawing/2014/main" id="{3B47FC9C-2ED3-4100-A4EF-E8CDFEE106C9}"/>
+              </a:ext>
+              <a:ext uri="{C183D7F6-B498-43B3-948B-1728B52AA6E4}">
+                <adec:decorative xmlns:adec="http://schemas.microsoft.com/office/drawing/2017/decorative" val="1"/>
+              </a:ext>
+            </a:extLst>
+          </p:cNvPr>
+          <p:cNvSpPr>
+            <a:spLocks noGrp="1" noRot="1" noChangeAspect="1" noMove="1" noResize="1" noEditPoints="1" noAdjustHandles="1" noChangeArrowheads="1" noChangeShapeType="1" noTextEdit="1"/>
+          </p:cNvSpPr>
+          <p:nvPr>
+            <p:extLst>
+              <p:ext uri="{386F3935-93C4-4BCD-93E2-E3B085C9AB24}">
+                <p16:designElem xmlns:p16="http://schemas.microsoft.com/office/powerpoint/2015/main" val="1"/>
+              </p:ext>
+            </p:extLst>
+          </p:nvPr>
+        </p:nvSpPr>
+        <p:spPr>
+          <a:xfrm>
+            <a:off x="-1" y="0"/>
+            <a:ext cx="12188952" cy="6858000"/>
+          </a:xfrm>
+          <a:prstGeom prst="rect">
+            <a:avLst/>
+          </a:prstGeom>
+          <a:ln>
+            <a:noFill/>
+          </a:ln>
+        </p:spPr>
+        <p:style>
+          <a:lnRef idx="2">
+            <a:schemeClr val="accent1">
+              <a:shade val="50000"/>
+            </a:schemeClr>
+          </a:lnRef>
+          <a:fillRef idx="1">
+            <a:schemeClr val="accent1"/>
+          </a:fillRef>
+          <a:effectRef idx="0">
+            <a:schemeClr val="accent1"/>
+          </a:effectRef>
+          <a:fontRef idx="minor">
+            <a:schemeClr val="lt1"/>
+          </a:fontRef>
+        </p:style>
+        <p:txBody>
+          <a:bodyPr rtlCol="0" anchor="ctr"/>
+          <a:lstStyle/>
+          <a:p>
+            <a:pPr algn="ctr"/>
+            <a:endParaRPr lang="en-US" dirty="0"/>
+          </a:p>
+        </p:txBody>
+      </p:sp>
+      <p:pic>
+        <p:nvPicPr>
+          <p:cNvPr id="7" name="Picture 6">
+            <a:extLst>
+              <a:ext uri="{FF2B5EF4-FFF2-40B4-BE49-F238E27FC236}">
+                <a16:creationId xmlns:a16="http://schemas.microsoft.com/office/drawing/2014/main" id="{449F11E5-39A0-0446-257B-88FCF93BF3BF}"/>
+              </a:ext>
+            </a:extLst>
+          </p:cNvPr>
+          <p:cNvPicPr>
+            <a:picLocks noChangeAspect="1"/>
+          </p:cNvPicPr>
+          <p:nvPr/>
+        </p:nvPicPr>
+        <p:blipFill>
+          <a:blip r:embed="rId2"/>
+          <a:stretch>
+            <a:fillRect/>
+          </a:stretch>
+        </p:blipFill>
+        <p:spPr>
+          <a:xfrm>
+            <a:off x="708025" y="555625"/>
+            <a:ext cx="6142038" cy="2430463"/>
+          </a:xfrm>
+          <a:prstGeom prst="rect">
+            <a:avLst/>
+          </a:prstGeom>
+        </p:spPr>
+      </p:pic>
+      <p:pic>
+        <p:nvPicPr>
+          <p:cNvPr id="5" name="Content Placeholder 4">
+            <a:extLst>
+              <a:ext uri="{FF2B5EF4-FFF2-40B4-BE49-F238E27FC236}">
+                <a16:creationId xmlns:a16="http://schemas.microsoft.com/office/drawing/2014/main" id="{DE95D2B1-5823-6178-8E5F-E7ADD0C71144}"/>
+              </a:ext>
+            </a:extLst>
+          </p:cNvPr>
+          <p:cNvPicPr>
+            <a:picLocks noGrp="1" noChangeAspect="1"/>
+          </p:cNvPicPr>
+          <p:nvPr>
+            <p:ph idx="1"/>
+          </p:nvPr>
+        </p:nvPicPr>
+        <p:blipFill>
+          <a:blip r:embed="rId3"/>
+          <a:stretch>
+            <a:fillRect/>
+          </a:stretch>
+        </p:blipFill>
+        <p:spPr>
+          <a:xfrm>
+            <a:off x="6923088" y="555625"/>
+            <a:ext cx="4559300" cy="2430463"/>
+          </a:xfrm>
+        </p:spPr>
+      </p:pic>
+      <p:pic>
+        <p:nvPicPr>
+          <p:cNvPr id="11" name="Picture 10">
+            <a:extLst>
+              <a:ext uri="{FF2B5EF4-FFF2-40B4-BE49-F238E27FC236}">
+                <a16:creationId xmlns:a16="http://schemas.microsoft.com/office/drawing/2014/main" id="{28C34D05-F7A5-D46A-FE6A-A4616C6E62CB}"/>
+              </a:ext>
+            </a:extLst>
+          </p:cNvPr>
+          <p:cNvPicPr>
+            <a:picLocks noChangeAspect="1"/>
+          </p:cNvPicPr>
+          <p:nvPr/>
+        </p:nvPicPr>
+        <p:blipFill>
+          <a:blip r:embed="rId4"/>
+          <a:stretch>
+            <a:fillRect/>
+          </a:stretch>
+        </p:blipFill>
+        <p:spPr>
+          <a:xfrm>
+            <a:off x="708025" y="3059113"/>
+            <a:ext cx="6443663" cy="2125663"/>
+          </a:xfrm>
+          <a:prstGeom prst="rect">
+            <a:avLst/>
+          </a:prstGeom>
+        </p:spPr>
+      </p:pic>
+      <p:pic>
+        <p:nvPicPr>
+          <p:cNvPr id="9" name="Picture 8">
+            <a:extLst>
+              <a:ext uri="{FF2B5EF4-FFF2-40B4-BE49-F238E27FC236}">
+                <a16:creationId xmlns:a16="http://schemas.microsoft.com/office/drawing/2014/main" id="{C9CA423A-5299-8A16-9FCE-98CFEBB8A406}"/>
+              </a:ext>
+            </a:extLst>
+          </p:cNvPr>
+          <p:cNvPicPr>
+            <a:picLocks noChangeAspect="1"/>
+          </p:cNvPicPr>
+          <p:nvPr/>
+        </p:nvPicPr>
+        <p:blipFill>
+          <a:blip r:embed="rId5"/>
+          <a:stretch>
+            <a:fillRect/>
+          </a:stretch>
+        </p:blipFill>
+        <p:spPr>
+          <a:xfrm>
+            <a:off x="7224713" y="3059113"/>
+            <a:ext cx="4259263" cy="2125663"/>
+          </a:xfrm>
+          <a:prstGeom prst="rect">
+            <a:avLst/>
+          </a:prstGeom>
+        </p:spPr>
+      </p:pic>
+      <p:sp>
+        <p:nvSpPr>
+          <p:cNvPr id="2" name="Title 1">
+            <a:extLst>
+              <a:ext uri="{FF2B5EF4-FFF2-40B4-BE49-F238E27FC236}">
+                <a16:creationId xmlns:a16="http://schemas.microsoft.com/office/drawing/2014/main" id="{E9AC1B5D-F898-186A-2859-59EE9FA33E78}"/>
+              </a:ext>
+            </a:extLst>
+          </p:cNvPr>
+          <p:cNvSpPr>
+            <a:spLocks noGrp="1"/>
+          </p:cNvSpPr>
+          <p:nvPr>
+            <p:ph type="title"/>
+          </p:nvPr>
+        </p:nvSpPr>
+        <p:spPr>
+          <a:xfrm>
+            <a:off x="838200" y="5358141"/>
+            <a:ext cx="10515600" cy="942664"/>
+          </a:xfrm>
+        </p:spPr>
+        <p:txBody>
+          <a:bodyPr vert="horz" lIns="91440" tIns="45720" rIns="91440" bIns="45720" rtlCol="0" anchor="ctr">
+            <a:normAutofit/>
+          </a:bodyPr>
+          <a:lstStyle/>
+          <a:p>
+            <a:pPr algn="ctr"/>
+            <a:r>
+              <a:rPr lang="en-US" sz="5200" kern="1200">
+                <a:solidFill>
+                  <a:schemeClr val="tx1"/>
+                </a:solidFill>
+                <a:latin typeface="+mj-lt"/>
+                <a:ea typeface="+mj-ea"/>
+                <a:cs typeface="+mj-cs"/>
+              </a:rPr>
+              <a:t>Bron code</a:t>
+            </a:r>
+          </a:p>
+        </p:txBody>
+      </p:sp>
+    </p:spTree>
+    <p:extLst>
+      <p:ext uri="{BB962C8B-B14F-4D97-AF65-F5344CB8AC3E}">
+        <p14:creationId xmlns:p14="http://schemas.microsoft.com/office/powerpoint/2010/main" val="1382559203"/>
+      </p:ext>
+    </p:extLst>
+  </p:cSld>
+  <p:clrMapOvr>
+    <a:masterClrMapping/>
+  </p:clrMapOvr>
+</p:sld>
+</file>
+
+<file path=ppt/slides/slide11.xml><?xml version="1.0" encoding="utf-8"?>
 <p:sld xmlns:a="http://schemas.openxmlformats.org/drawingml/2006/main" xmlns:r="http://schemas.openxmlformats.org/officeDocument/2006/relationships" xmlns:p="http://schemas.openxmlformats.org/presentationml/2006/main">
   <p:cSld>
     <p:bg>
@@ -6527,7 +6788,7 @@
 </p:sld>
 </file>
 
-<file path=ppt/slides/slide11.xml><?xml version="1.0" encoding="utf-8"?>
+<file path=ppt/slides/slide12.xml><?xml version="1.0" encoding="utf-8"?>
 <p:sld xmlns:a="http://schemas.openxmlformats.org/drawingml/2006/main" xmlns:r="http://schemas.openxmlformats.org/officeDocument/2006/relationships" xmlns:p="http://schemas.openxmlformats.org/presentationml/2006/main">
   <p:cSld>
     <p:bg>
@@ -6793,7 +7054,7 @@
 </p:sld>
 </file>
 
-<file path=ppt/slides/slide12.xml><?xml version="1.0" encoding="utf-8"?>
+<file path=ppt/slides/slide13.xml><?xml version="1.0" encoding="utf-8"?>
 <p:sld xmlns:a="http://schemas.openxmlformats.org/drawingml/2006/main" xmlns:r="http://schemas.openxmlformats.org/officeDocument/2006/relationships" xmlns:p="http://schemas.openxmlformats.org/presentationml/2006/main">
   <p:cSld>
     <p:bg>
@@ -7115,7 +7376,7 @@
 </p:sld>
 </file>
 
-<file path=ppt/slides/slide13.xml><?xml version="1.0" encoding="utf-8"?>
+<file path=ppt/slides/slide14.xml><?xml version="1.0" encoding="utf-8"?>
 <p:sld xmlns:a="http://schemas.openxmlformats.org/drawingml/2006/main" xmlns:r="http://schemas.openxmlformats.org/officeDocument/2006/relationships" xmlns:p="http://schemas.openxmlformats.org/presentationml/2006/main">
   <p:cSld>
     <p:bg>
@@ -8215,7 +8476,7 @@
 </p:sld>
 </file>
 
-<file path=ppt/slides/slide14.xml><?xml version="1.0" encoding="utf-8"?>
+<file path=ppt/slides/slide15.xml><?xml version="1.0" encoding="utf-8"?>
 <p:sld xmlns:a="http://schemas.openxmlformats.org/drawingml/2006/main" xmlns:r="http://schemas.openxmlformats.org/officeDocument/2006/relationships" xmlns:p="http://schemas.openxmlformats.org/presentationml/2006/main">
   <p:cSld>
     <p:bg>
@@ -8647,33 +8908,73 @@
           <a:lstStyle/>
           <a:p>
             <a:r>
-              <a:rPr lang="nl-NL" sz="2200"/>
+              <a:rPr lang="nl-NL" sz="2200" dirty="0"/>
               <a:t>Goed linken</a:t>
             </a:r>
           </a:p>
           <a:p>
             <a:r>
-              <a:rPr lang="nl-NL" sz="2200"/>
+              <a:rPr lang="nl-NL" sz="2200" dirty="0"/>
               <a:t>Geluid</a:t>
             </a:r>
           </a:p>
           <a:p>
             <a:r>
-              <a:rPr lang="nl-NL" sz="2200"/>
-              <a:t>De unity build in particle system</a:t>
+              <a:rPr lang="nl-NL" sz="2200" dirty="0"/>
+              <a:t>De </a:t>
             </a:r>
-          </a:p>
-          <a:p>
             <a:r>
-              <a:rPr lang="nl-NL" sz="2200"/>
+              <a:rPr lang="nl-NL" sz="2200" dirty="0" err="1"/>
+              <a:t>unity</a:t>
+            </a:r>
+            <a:r>
+              <a:rPr lang="nl-NL" sz="2200" dirty="0"/>
+              <a:t> </a:t>
+            </a:r>
+            <a:r>
+              <a:rPr lang="nl-NL" sz="2200" dirty="0" err="1"/>
+              <a:t>build</a:t>
+            </a:r>
+            <a:r>
+              <a:rPr lang="nl-NL" sz="2200" dirty="0"/>
+              <a:t> in </a:t>
+            </a:r>
+            <a:r>
+              <a:rPr lang="nl-NL" sz="2200" dirty="0" err="1"/>
+              <a:t>particle</a:t>
+            </a:r>
+            <a:r>
+              <a:rPr lang="nl-NL" sz="2200" dirty="0"/>
+              <a:t> system</a:t>
+            </a:r>
+          </a:p>
+          <a:p>
+            <a:r>
+              <a:rPr lang="nl-NL" sz="2200" dirty="0" err="1"/>
               <a:t>Raycast</a:t>
             </a:r>
+            <a:endParaRPr lang="nl-NL" sz="2200" dirty="0"/>
           </a:p>
           <a:p>
             <a:r>
-              <a:rPr lang="nl-NL" sz="2200"/>
-              <a:t>Unity asset store</a:t>
+              <a:rPr lang="nl-NL" sz="2200" dirty="0" err="1"/>
+              <a:t>Unity</a:t>
             </a:r>
+            <a:r>
+              <a:rPr lang="nl-NL" sz="2200" dirty="0"/>
+              <a:t> asset store</a:t>
+            </a:r>
+          </a:p>
+          <a:p>
+            <a:r>
+              <a:rPr lang="nl-NL" sz="2200" dirty="0"/>
+              <a:t>Game </a:t>
+            </a:r>
+            <a:r>
+              <a:rPr lang="nl-NL" sz="2200" dirty="0" err="1"/>
+              <a:t>build</a:t>
+            </a:r>
+            <a:endParaRPr lang="nl-NL" sz="2200" dirty="0"/>
           </a:p>
         </p:txBody>
       </p:sp>
@@ -8847,7 +9148,7 @@
 </p:sld>
 </file>
 
-<file path=ppt/slides/slide15.xml><?xml version="1.0" encoding="utf-8"?>
+<file path=ppt/slides/slide16.xml><?xml version="1.0" encoding="utf-8"?>
 <p:sld xmlns:a="http://schemas.openxmlformats.org/drawingml/2006/main" xmlns:r="http://schemas.openxmlformats.org/officeDocument/2006/relationships" xmlns:p="http://schemas.openxmlformats.org/presentationml/2006/main">
   <p:cSld>
     <p:spTree>
@@ -8884,8 +9185,8 @@
             <a:chExt cx="2335320" cy="2996640"/>
           </a:xfrm>
         </p:grpSpPr>
-        <mc:AlternateContent xmlns:mc="http://schemas.openxmlformats.org/markup-compatibility/2006">
-          <mc:Choice xmlns:p14="http://schemas.microsoft.com/office/powerpoint/2010/main" Requires="p14">
+        <mc:AlternateContent xmlns:mc="http://schemas.openxmlformats.org/markup-compatibility/2006" xmlns:p14="http://schemas.microsoft.com/office/powerpoint/2010/main">
+          <mc:Choice Requires="p14">
             <p:contentPart p14:bwMode="auto" r:id="rId2">
               <p14:nvContentPartPr>
                 <p14:cNvPr id="4" name="Ink 3">
@@ -8904,7 +9205,7 @@
               </p14:xfrm>
             </p:contentPart>
           </mc:Choice>
-          <mc:Fallback>
+          <mc:Fallback xmlns="">
             <p:pic>
               <p:nvPicPr>
                 <p:cNvPr id="4" name="Ink 3">
@@ -8935,8 +9236,8 @@
             </p:pic>
           </mc:Fallback>
         </mc:AlternateContent>
-        <mc:AlternateContent xmlns:mc="http://schemas.openxmlformats.org/markup-compatibility/2006">
-          <mc:Choice xmlns:p14="http://schemas.microsoft.com/office/powerpoint/2010/main" Requires="p14">
+        <mc:AlternateContent xmlns:mc="http://schemas.openxmlformats.org/markup-compatibility/2006" xmlns:p14="http://schemas.microsoft.com/office/powerpoint/2010/main">
+          <mc:Choice Requires="p14">
             <p:contentPart p14:bwMode="auto" r:id="rId4">
               <p14:nvContentPartPr>
                 <p14:cNvPr id="5" name="Ink 4">
@@ -8955,7 +9256,7 @@
               </p14:xfrm>
             </p:contentPart>
           </mc:Choice>
-          <mc:Fallback>
+          <mc:Fallback xmlns="">
             <p:pic>
               <p:nvPicPr>
                 <p:cNvPr id="5" name="Ink 4">
@@ -8986,8 +9287,8 @@
             </p:pic>
           </mc:Fallback>
         </mc:AlternateContent>
-        <mc:AlternateContent xmlns:mc="http://schemas.openxmlformats.org/markup-compatibility/2006">
-          <mc:Choice xmlns:p14="http://schemas.microsoft.com/office/powerpoint/2010/main" Requires="p14">
+        <mc:AlternateContent xmlns:mc="http://schemas.openxmlformats.org/markup-compatibility/2006" xmlns:p14="http://schemas.microsoft.com/office/powerpoint/2010/main">
+          <mc:Choice Requires="p14">
             <p:contentPart p14:bwMode="auto" r:id="rId6">
               <p14:nvContentPartPr>
                 <p14:cNvPr id="6" name="Ink 5">
@@ -9006,7 +9307,7 @@
               </p14:xfrm>
             </p:contentPart>
           </mc:Choice>
-          <mc:Fallback>
+          <mc:Fallback xmlns="">
             <p:pic>
               <p:nvPicPr>
                 <p:cNvPr id="6" name="Ink 5">
@@ -9038,8 +9339,8 @@
           </mc:Fallback>
         </mc:AlternateContent>
       </p:grpSp>
-      <mc:AlternateContent xmlns:mc="http://schemas.openxmlformats.org/markup-compatibility/2006">
-        <mc:Choice xmlns:p14="http://schemas.microsoft.com/office/powerpoint/2010/main" Requires="p14">
+      <mc:AlternateContent xmlns:mc="http://schemas.openxmlformats.org/markup-compatibility/2006" xmlns:p14="http://schemas.microsoft.com/office/powerpoint/2010/main">
+        <mc:Choice Requires="p14">
           <p:contentPart p14:bwMode="auto" r:id="rId8">
             <p14:nvContentPartPr>
               <p14:cNvPr id="10" name="Ink 9">
@@ -9058,7 +9359,7 @@
             </p14:xfrm>
           </p:contentPart>
         </mc:Choice>
-        <mc:Fallback>
+        <mc:Fallback xmlns="">
           <p:pic>
             <p:nvPicPr>
               <p:cNvPr id="10" name="Ink 9">
@@ -9109,8 +9410,8 @@
             <a:chExt cx="3123720" cy="2124360"/>
           </a:xfrm>
         </p:grpSpPr>
-        <mc:AlternateContent xmlns:mc="http://schemas.openxmlformats.org/markup-compatibility/2006">
-          <mc:Choice xmlns:p14="http://schemas.microsoft.com/office/powerpoint/2010/main" Requires="p14">
+        <mc:AlternateContent xmlns:mc="http://schemas.openxmlformats.org/markup-compatibility/2006" xmlns:p14="http://schemas.microsoft.com/office/powerpoint/2010/main">
+          <mc:Choice Requires="p14">
             <p:contentPart p14:bwMode="auto" r:id="rId10">
               <p14:nvContentPartPr>
                 <p14:cNvPr id="14" name="Ink 13">
@@ -9129,7 +9430,7 @@
               </p14:xfrm>
             </p:contentPart>
           </mc:Choice>
-          <mc:Fallback>
+          <mc:Fallback xmlns="">
             <p:pic>
               <p:nvPicPr>
                 <p:cNvPr id="14" name="Ink 13">
@@ -9160,8 +9461,8 @@
             </p:pic>
           </mc:Fallback>
         </mc:AlternateContent>
-        <mc:AlternateContent xmlns:mc="http://schemas.openxmlformats.org/markup-compatibility/2006">
-          <mc:Choice xmlns:p14="http://schemas.microsoft.com/office/powerpoint/2010/main" Requires="p14">
+        <mc:AlternateContent xmlns:mc="http://schemas.openxmlformats.org/markup-compatibility/2006" xmlns:p14="http://schemas.microsoft.com/office/powerpoint/2010/main">
+          <mc:Choice Requires="p14">
             <p:contentPart p14:bwMode="auto" r:id="rId12">
               <p14:nvContentPartPr>
                 <p14:cNvPr id="15" name="Ink 14">
@@ -9180,7 +9481,7 @@
               </p14:xfrm>
             </p:contentPart>
           </mc:Choice>
-          <mc:Fallback>
+          <mc:Fallback xmlns="">
             <p:pic>
               <p:nvPicPr>
                 <p:cNvPr id="15" name="Ink 14">
@@ -9212,8 +9513,8 @@
           </mc:Fallback>
         </mc:AlternateContent>
       </p:grpSp>
-      <mc:AlternateContent xmlns:mc="http://schemas.openxmlformats.org/markup-compatibility/2006">
-        <mc:Choice xmlns:p14="http://schemas.microsoft.com/office/powerpoint/2010/main" Requires="p14">
+      <mc:AlternateContent xmlns:mc="http://schemas.openxmlformats.org/markup-compatibility/2006" xmlns:p14="http://schemas.microsoft.com/office/powerpoint/2010/main">
+        <mc:Choice Requires="p14">
           <p:contentPart p14:bwMode="auto" r:id="rId14">
             <p14:nvContentPartPr>
               <p14:cNvPr id="24" name="Ink 23">
@@ -9232,7 +9533,7 @@
             </p14:xfrm>
           </p:contentPart>
         </mc:Choice>
-        <mc:Fallback>
+        <mc:Fallback xmlns="">
           <p:pic>
             <p:nvPicPr>
               <p:cNvPr id="24" name="Ink 23">
@@ -10197,6 +10498,309 @@
       </p:grpSpPr>
       <p:sp>
         <p:nvSpPr>
+          <p:cNvPr id="14" name="Rectangle 13">
+            <a:extLst>
+              <a:ext uri="{FF2B5EF4-FFF2-40B4-BE49-F238E27FC236}">
+                <a16:creationId xmlns:a16="http://schemas.microsoft.com/office/drawing/2014/main" id="{55C01129-3453-464D-A870-ED71C6E89D60}"/>
+              </a:ext>
+              <a:ext uri="{C183D7F6-B498-43B3-948B-1728B52AA6E4}">
+                <adec:decorative xmlns:adec="http://schemas.microsoft.com/office/drawing/2017/decorative" val="1"/>
+              </a:ext>
+            </a:extLst>
+          </p:cNvPr>
+          <p:cNvSpPr>
+            <a:spLocks noGrp="1" noRot="1" noChangeAspect="1" noMove="1" noResize="1" noEditPoints="1" noAdjustHandles="1" noChangeArrowheads="1" noChangeShapeType="1" noTextEdit="1"/>
+          </p:cNvSpPr>
+          <p:nvPr>
+            <p:extLst>
+              <p:ext uri="{386F3935-93C4-4BCD-93E2-E3B085C9AB24}">
+                <p16:designElem xmlns:p16="http://schemas.microsoft.com/office/powerpoint/2015/main" val="1"/>
+              </p:ext>
+            </p:extLst>
+          </p:nvPr>
+        </p:nvSpPr>
+        <p:spPr>
+          <a:xfrm>
+            <a:off x="0" y="0"/>
+            <a:ext cx="12192000" cy="6858000"/>
+          </a:xfrm>
+          <a:prstGeom prst="rect">
+            <a:avLst/>
+          </a:prstGeom>
+          <a:solidFill>
+            <a:schemeClr val="tx1"/>
+          </a:solidFill>
+          <a:ln w="12700" cap="flat" cmpd="sng" algn="ctr">
+            <a:noFill/>
+            <a:prstDash val="solid"/>
+            <a:miter lim="800000"/>
+          </a:ln>
+          <a:effectLst/>
+        </p:spPr>
+        <p:style>
+          <a:lnRef idx="2">
+            <a:schemeClr val="accent1">
+              <a:shade val="50000"/>
+            </a:schemeClr>
+          </a:lnRef>
+          <a:fillRef idx="1">
+            <a:schemeClr val="accent1"/>
+          </a:fillRef>
+          <a:effectRef idx="0">
+            <a:schemeClr val="accent1"/>
+          </a:effectRef>
+          <a:fontRef idx="minor">
+            <a:schemeClr val="lt1"/>
+          </a:fontRef>
+        </p:style>
+        <p:txBody>
+          <a:bodyPr rtlCol="0" anchor="ctr"/>
+          <a:lstStyle/>
+          <a:p>
+            <a:pPr algn="ctr"/>
+            <a:endParaRPr lang="en-US"/>
+          </a:p>
+        </p:txBody>
+      </p:sp>
+      <p:sp>
+        <p:nvSpPr>
+          <p:cNvPr id="16" name="Rectangle 15">
+            <a:extLst>
+              <a:ext uri="{FF2B5EF4-FFF2-40B4-BE49-F238E27FC236}">
+                <a16:creationId xmlns:a16="http://schemas.microsoft.com/office/drawing/2014/main" id="{9D2781A6-5C82-4764-B489-F9A599C0A7EB}"/>
+              </a:ext>
+              <a:ext uri="{C183D7F6-B498-43B3-948B-1728B52AA6E4}">
+                <adec:decorative xmlns:adec="http://schemas.microsoft.com/office/drawing/2017/decorative" val="1"/>
+              </a:ext>
+            </a:extLst>
+          </p:cNvPr>
+          <p:cNvSpPr>
+            <a:spLocks noGrp="1" noRot="1" noChangeAspect="1" noMove="1" noResize="1" noEditPoints="1" noAdjustHandles="1" noChangeArrowheads="1" noChangeShapeType="1" noTextEdit="1"/>
+          </p:cNvSpPr>
+          <p:nvPr>
+            <p:extLst>
+              <p:ext uri="{386F3935-93C4-4BCD-93E2-E3B085C9AB24}">
+                <p16:designElem xmlns:p16="http://schemas.microsoft.com/office/powerpoint/2015/main" val="1"/>
+              </p:ext>
+            </p:extLst>
+          </p:nvPr>
+        </p:nvSpPr>
+        <p:spPr>
+          <a:xfrm>
+            <a:off x="3598833" y="685800"/>
+            <a:ext cx="5004061" cy="5486400"/>
+          </a:xfrm>
+          <a:prstGeom prst="rect">
+            <a:avLst/>
+          </a:prstGeom>
+          <a:solidFill>
+            <a:schemeClr val="tx2">
+              <a:alpha val="40000"/>
+            </a:schemeClr>
+          </a:solidFill>
+          <a:ln>
+            <a:noFill/>
+          </a:ln>
+        </p:spPr>
+        <p:style>
+          <a:lnRef idx="2">
+            <a:schemeClr val="accent1">
+              <a:shade val="50000"/>
+            </a:schemeClr>
+          </a:lnRef>
+          <a:fillRef idx="1">
+            <a:schemeClr val="accent1"/>
+          </a:fillRef>
+          <a:effectRef idx="0">
+            <a:schemeClr val="accent1"/>
+          </a:effectRef>
+          <a:fontRef idx="minor">
+            <a:schemeClr val="lt1"/>
+          </a:fontRef>
+        </p:style>
+        <p:txBody>
+          <a:bodyPr rtlCol="0" anchor="ctr"/>
+          <a:lstStyle/>
+          <a:p>
+            <a:pPr algn="ctr"/>
+            <a:endParaRPr lang="en-US"/>
+          </a:p>
+        </p:txBody>
+      </p:sp>
+      <p:sp>
+        <p:nvSpPr>
+          <p:cNvPr id="2" name="Title 1">
+            <a:extLst>
+              <a:ext uri="{FF2B5EF4-FFF2-40B4-BE49-F238E27FC236}">
+                <a16:creationId xmlns:a16="http://schemas.microsoft.com/office/drawing/2014/main" id="{BFEC422B-45A5-0D6E-74C1-C7610FC63FE3}"/>
+              </a:ext>
+            </a:extLst>
+          </p:cNvPr>
+          <p:cNvSpPr>
+            <a:spLocks noGrp="1"/>
+          </p:cNvSpPr>
+          <p:nvPr>
+            <p:ph type="title"/>
+          </p:nvPr>
+        </p:nvSpPr>
+        <p:spPr>
+          <a:xfrm>
+            <a:off x="4086447" y="1084521"/>
+            <a:ext cx="4019107" cy="1361347"/>
+          </a:xfrm>
+        </p:spPr>
+        <p:txBody>
+          <a:bodyPr anchor="b">
+            <a:normAutofit/>
+          </a:bodyPr>
+          <a:lstStyle/>
+          <a:p>
+            <a:pPr algn="ctr"/>
+            <a:endParaRPr lang="nl-NL" sz="2800">
+              <a:solidFill>
+                <a:schemeClr val="bg1">
+                  <a:alpha val="60000"/>
+                </a:schemeClr>
+              </a:solidFill>
+            </a:endParaRPr>
+          </a:p>
+        </p:txBody>
+      </p:sp>
+      <p:pic>
+        <p:nvPicPr>
+          <p:cNvPr id="7" name="Content Placeholder 6">
+            <a:extLst>
+              <a:ext uri="{FF2B5EF4-FFF2-40B4-BE49-F238E27FC236}">
+                <a16:creationId xmlns:a16="http://schemas.microsoft.com/office/drawing/2014/main" id="{BD005F6C-8BF8-B980-2BC9-E7BF64A23D5A}"/>
+              </a:ext>
+            </a:extLst>
+          </p:cNvPr>
+          <p:cNvPicPr>
+            <a:picLocks noChangeAspect="1"/>
+          </p:cNvPicPr>
+          <p:nvPr/>
+        </p:nvPicPr>
+        <p:blipFill rotWithShape="1">
+          <a:blip r:embed="rId2"/>
+          <a:srcRect t="995" b="17374"/>
+          <a:stretch/>
+        </p:blipFill>
+        <p:spPr>
+          <a:xfrm>
+            <a:off x="680483" y="685795"/>
+            <a:ext cx="2931299" cy="5486400"/>
+          </a:xfrm>
+          <a:prstGeom prst="rect">
+            <a:avLst/>
+          </a:prstGeom>
+        </p:spPr>
+      </p:pic>
+      <p:sp>
+        <p:nvSpPr>
+          <p:cNvPr id="11" name="Content Placeholder 10">
+            <a:extLst>
+              <a:ext uri="{FF2B5EF4-FFF2-40B4-BE49-F238E27FC236}">
+                <a16:creationId xmlns:a16="http://schemas.microsoft.com/office/drawing/2014/main" id="{BA38C5DD-6FFD-29F1-ED5C-9BB268874807}"/>
+              </a:ext>
+            </a:extLst>
+          </p:cNvPr>
+          <p:cNvSpPr>
+            <a:spLocks noGrp="1"/>
+          </p:cNvSpPr>
+          <p:nvPr>
+            <p:ph idx="1"/>
+          </p:nvPr>
+        </p:nvSpPr>
+        <p:spPr>
+          <a:xfrm>
+            <a:off x="4107712" y="2732739"/>
+            <a:ext cx="3976577" cy="3083270"/>
+          </a:xfrm>
+        </p:spPr>
+        <p:txBody>
+          <a:bodyPr anchor="t">
+            <a:normAutofit/>
+          </a:bodyPr>
+          <a:lstStyle/>
+          <a:p>
+            <a:pPr algn="ctr"/>
+            <a:endParaRPr lang="en-US" sz="2000">
+              <a:solidFill>
+                <a:schemeClr val="bg1"/>
+              </a:solidFill>
+            </a:endParaRPr>
+          </a:p>
+        </p:txBody>
+      </p:sp>
+      <p:pic>
+        <p:nvPicPr>
+          <p:cNvPr id="5" name="Picture 4">
+            <a:extLst>
+              <a:ext uri="{FF2B5EF4-FFF2-40B4-BE49-F238E27FC236}">
+                <a16:creationId xmlns:a16="http://schemas.microsoft.com/office/drawing/2014/main" id="{541A7986-B351-C70E-ACA6-D7C66F6943E3}"/>
+              </a:ext>
+            </a:extLst>
+          </p:cNvPr>
+          <p:cNvPicPr>
+            <a:picLocks noChangeAspect="1"/>
+          </p:cNvPicPr>
+          <p:nvPr/>
+        </p:nvPicPr>
+        <p:blipFill rotWithShape="1">
+          <a:blip r:embed="rId3"/>
+          <a:srcRect t="3025" r="-3" b="13973"/>
+          <a:stretch/>
+        </p:blipFill>
+        <p:spPr>
+          <a:xfrm>
+            <a:off x="8606117" y="685805"/>
+            <a:ext cx="2905400" cy="5486399"/>
+          </a:xfrm>
+          <a:prstGeom prst="rect">
+            <a:avLst/>
+          </a:prstGeom>
+        </p:spPr>
+      </p:pic>
+    </p:spTree>
+    <p:extLst>
+      <p:ext uri="{BB962C8B-B14F-4D97-AF65-F5344CB8AC3E}">
+        <p14:creationId xmlns:p14="http://schemas.microsoft.com/office/powerpoint/2010/main" val="189370090"/>
+      </p:ext>
+    </p:extLst>
+  </p:cSld>
+  <p:clrMapOvr>
+    <a:masterClrMapping/>
+  </p:clrMapOvr>
+</p:sld>
+</file>
+
+<file path=ppt/slides/slide5.xml><?xml version="1.0" encoding="utf-8"?>
+<p:sld xmlns:a="http://schemas.openxmlformats.org/drawingml/2006/main" xmlns:r="http://schemas.openxmlformats.org/officeDocument/2006/relationships" xmlns:p="http://schemas.openxmlformats.org/presentationml/2006/main">
+  <p:cSld>
+    <p:bg>
+      <p:bgPr>
+        <a:solidFill>
+          <a:schemeClr val="bg1"/>
+        </a:solidFill>
+        <a:effectLst/>
+      </p:bgPr>
+    </p:bg>
+    <p:spTree>
+      <p:nvGrpSpPr>
+        <p:cNvPr id="1" name=""/>
+        <p:cNvGrpSpPr/>
+        <p:nvPr/>
+      </p:nvGrpSpPr>
+      <p:grpSpPr>
+        <a:xfrm>
+          <a:off x="0" y="0"/>
+          <a:ext cx="0" cy="0"/>
+          <a:chOff x="0" y="0"/>
+          <a:chExt cx="0" cy="0"/>
+        </a:xfrm>
+      </p:grpSpPr>
+      <p:sp>
+        <p:nvSpPr>
           <p:cNvPr id="12" name="Rectangle 11">
             <a:extLst>
               <a:ext uri="{FF2B5EF4-FFF2-40B4-BE49-F238E27FC236}">
@@ -10399,7 +11003,7 @@
 </p:sld>
 </file>
 
-<file path=ppt/slides/slide5.xml><?xml version="1.0" encoding="utf-8"?>
+<file path=ppt/slides/slide6.xml><?xml version="1.0" encoding="utf-8"?>
 <p:sld xmlns:a="http://schemas.openxmlformats.org/drawingml/2006/main" xmlns:r="http://schemas.openxmlformats.org/officeDocument/2006/relationships" xmlns:p="http://schemas.openxmlformats.org/presentationml/2006/main">
   <p:cSld>
     <p:bg>
@@ -10768,7 +11372,7 @@
 </p:sld>
 </file>
 
-<file path=ppt/slides/slide6.xml><?xml version="1.0" encoding="utf-8"?>
+<file path=ppt/slides/slide7.xml><?xml version="1.0" encoding="utf-8"?>
 <p:sld xmlns:a="http://schemas.openxmlformats.org/drawingml/2006/main" xmlns:r="http://schemas.openxmlformats.org/officeDocument/2006/relationships" xmlns:p="http://schemas.openxmlformats.org/presentationml/2006/main">
   <p:cSld>
     <p:bg>
@@ -11148,16 +11752,13 @@
 </p:sld>
 </file>
 
-<file path=ppt/slides/slide7.xml><?xml version="1.0" encoding="utf-8"?>
+<file path=ppt/slides/slide8.xml><?xml version="1.0" encoding="utf-8"?>
 <p:sld xmlns:a="http://schemas.openxmlformats.org/drawingml/2006/main" xmlns:r="http://schemas.openxmlformats.org/officeDocument/2006/relationships" xmlns:p="http://schemas.openxmlformats.org/presentationml/2006/main">
   <p:cSld>
     <p:bg>
       <p:bgPr>
         <a:solidFill>
-          <a:schemeClr val="bg1">
-            <a:tint val="95000"/>
-            <a:satMod val="170000"/>
-          </a:schemeClr>
+          <a:schemeClr val="bg1"/>
         </a:solidFill>
         <a:effectLst/>
       </p:bgPr>
@@ -11178,10 +11779,10 @@
       </p:grpSpPr>
       <p:sp useBgFill="1">
         <p:nvSpPr>
-          <p:cNvPr id="21" name="Rectangle 16">
-            <a:extLst>
-              <a:ext uri="{FF2B5EF4-FFF2-40B4-BE49-F238E27FC236}">
-                <a16:creationId xmlns:a16="http://schemas.microsoft.com/office/drawing/2014/main" id="{B0792D4F-247E-46FE-85FC-881DEFA41D94}"/>
+          <p:cNvPr id="27" name="Rectangle 26">
+            <a:extLst>
+              <a:ext uri="{FF2B5EF4-FFF2-40B4-BE49-F238E27FC236}">
+                <a16:creationId xmlns:a16="http://schemas.microsoft.com/office/drawing/2014/main" id="{0E91F5CA-B392-444C-88E3-BF5BAAEBDEB0}"/>
               </a:ext>
               <a:ext uri="{C183D7F6-B498-43B3-948B-1728B52AA6E4}">
                 <adec:decorative xmlns:adec="http://schemas.microsoft.com/office/drawing/2017/decorative" val="1"/>
@@ -11201,12 +11802,93 @@
         </p:nvSpPr>
         <p:spPr>
           <a:xfrm>
-            <a:off x="0" y="-1"/>
-            <a:ext cx="12188952" cy="6858000"/>
+            <a:off x="0" y="0"/>
+            <a:ext cx="12192000" cy="6858000"/>
           </a:xfrm>
           <a:prstGeom prst="rect">
             <a:avLst/>
           </a:prstGeom>
+          <a:ln w="12700" cap="flat" cmpd="sng" algn="ctr">
+            <a:noFill/>
+            <a:prstDash val="solid"/>
+            <a:miter lim="800000"/>
+          </a:ln>
+          <a:effectLst/>
+          <a:extLst>
+            <a:ext uri="{91240B29-F687-4F45-9708-019B960494DF}">
+              <a14:hiddenLine xmlns:a14="http://schemas.microsoft.com/office/drawing/2010/main" w="12700" cap="flat" cmpd="sng" algn="ctr">
+                <a:solidFill>
+                  <a:schemeClr val="accent1">
+                    <a:shade val="50000"/>
+                  </a:schemeClr>
+                </a:solidFill>
+                <a:prstDash val="solid"/>
+                <a:miter lim="800000"/>
+              </a14:hiddenLine>
+            </a:ext>
+          </a:extLst>
+        </p:spPr>
+        <p:style>
+          <a:lnRef idx="2">
+            <a:schemeClr val="accent1">
+              <a:shade val="50000"/>
+            </a:schemeClr>
+          </a:lnRef>
+          <a:fillRef idx="1">
+            <a:schemeClr val="accent1"/>
+          </a:fillRef>
+          <a:effectRef idx="0">
+            <a:schemeClr val="accent1"/>
+          </a:effectRef>
+          <a:fontRef idx="minor">
+            <a:schemeClr val="lt1"/>
+          </a:fontRef>
+        </p:style>
+        <p:txBody>
+          <a:bodyPr rtlCol="0" anchor="ctr"/>
+          <a:lstStyle/>
+          <a:p>
+            <a:pPr algn="ctr"/>
+            <a:endParaRPr lang="en-US"/>
+          </a:p>
+        </p:txBody>
+      </p:sp>
+      <p:sp>
+        <p:nvSpPr>
+          <p:cNvPr id="29" name="Rectangle 28">
+            <a:extLst>
+              <a:ext uri="{FF2B5EF4-FFF2-40B4-BE49-F238E27FC236}">
+                <a16:creationId xmlns:a16="http://schemas.microsoft.com/office/drawing/2014/main" id="{0459807F-B6FA-44D3-9A53-C55B6B56884A}"/>
+              </a:ext>
+              <a:ext uri="{C183D7F6-B498-43B3-948B-1728B52AA6E4}">
+                <adec:decorative xmlns:adec="http://schemas.microsoft.com/office/drawing/2017/decorative" val="1"/>
+              </a:ext>
+            </a:extLst>
+          </p:cNvPr>
+          <p:cNvSpPr>
+            <a:spLocks noGrp="1" noRot="1" noChangeAspect="1" noMove="1" noResize="1" noEditPoints="1" noAdjustHandles="1" noChangeArrowheads="1" noChangeShapeType="1" noTextEdit="1"/>
+          </p:cNvSpPr>
+          <p:nvPr>
+            <p:extLst>
+              <p:ext uri="{386F3935-93C4-4BCD-93E2-E3B085C9AB24}">
+                <p16:designElem xmlns:p16="http://schemas.microsoft.com/office/powerpoint/2015/main" val="1"/>
+              </p:ext>
+            </p:extLst>
+          </p:nvPr>
+        </p:nvSpPr>
+        <p:spPr>
+          <a:xfrm>
+            <a:off x="0" y="4080681"/>
+            <a:ext cx="12192000" cy="2777318"/>
+          </a:xfrm>
+          <a:prstGeom prst="rect">
+            <a:avLst/>
+          </a:prstGeom>
+          <a:solidFill>
+            <a:srgbClr val="82766A">
+              <a:alpha val="15000"/>
+            </a:srgbClr>
+          </a:solidFill>
           <a:ln>
             <a:noFill/>
           </a:ln>
@@ -11231,37 +11913,8 @@
           <a:bodyPr rtlCol="0" anchor="ctr"/>
           <a:lstStyle/>
           <a:p>
-            <a:pPr marL="0" marR="0" lvl="0" indent="0" algn="ctr" defTabSz="914400" rtl="0" eaLnBrk="1" fontAlgn="auto" latinLnBrk="0" hangingPunct="1">
-              <a:lnSpc>
-                <a:spcPct val="100000"/>
-              </a:lnSpc>
-              <a:spcBef>
-                <a:spcPts val="0"/>
-              </a:spcBef>
-              <a:spcAft>
-                <a:spcPts val="0"/>
-              </a:spcAft>
-              <a:buClrTx/>
-              <a:buSzTx/>
-              <a:buFontTx/>
-              <a:buNone/>
-              <a:tabLst/>
-              <a:defRPr/>
-            </a:pPr>
-            <a:endParaRPr kumimoji="0" lang="en-US" sz="1800" b="0" i="0" u="none" strike="noStrike" kern="1200" cap="none" spc="0" normalizeH="0" baseline="0" noProof="0">
-              <a:ln>
-                <a:noFill/>
-              </a:ln>
-              <a:solidFill>
-                <a:prstClr val="white"/>
-              </a:solidFill>
-              <a:effectLst/>
-              <a:uLnTx/>
-              <a:uFillTx/>
-              <a:latin typeface="Tw Cen MT" panose="020B0602020104020603"/>
-              <a:ea typeface="+mn-ea"/>
-              <a:cs typeface="+mn-cs"/>
-            </a:endParaRPr>
+            <a:pPr algn="ctr"/>
+            <a:endParaRPr lang="en-US"/>
           </a:p>
         </p:txBody>
       </p:sp>
@@ -11283,111 +11936,31 @@
         </p:nvSpPr>
         <p:spPr>
           <a:xfrm>
-            <a:off x="841248" y="475488"/>
-            <a:ext cx="10515600" cy="1197864"/>
+            <a:off x="1255060" y="5279511"/>
+            <a:ext cx="9681882" cy="739880"/>
           </a:xfrm>
         </p:spPr>
         <p:txBody>
-          <a:bodyPr vert="horz" lIns="91440" tIns="45720" rIns="91440" bIns="45720" rtlCol="0">
+          <a:bodyPr vert="horz" lIns="91440" tIns="45720" rIns="91440" bIns="45720" rtlCol="0" anchor="b">
             <a:normAutofit/>
           </a:bodyPr>
           <a:lstStyle/>
           <a:p>
+            <a:pPr algn="ctr"/>
             <a:r>
-              <a:rPr lang="en-US" kern="1200">
-                <a:latin typeface="+mj-lt"/>
-                <a:ea typeface="+mj-ea"/>
-                <a:cs typeface="+mj-cs"/>
+              <a:rPr lang="en-US" sz="3600">
+                <a:solidFill>
+                  <a:schemeClr val="tx1">
+                    <a:lumMod val="85000"/>
+                    <a:lumOff val="15000"/>
+                  </a:schemeClr>
+                </a:solidFill>
               </a:rPr>
               <a:t>Log boek</a:t>
             </a:r>
           </a:p>
         </p:txBody>
       </p:sp>
-      <p:cxnSp>
-        <p:nvCxnSpPr>
-          <p:cNvPr id="22" name="Straight Connector 18">
-            <a:extLst>
-              <a:ext uri="{FF2B5EF4-FFF2-40B4-BE49-F238E27FC236}">
-                <a16:creationId xmlns:a16="http://schemas.microsoft.com/office/drawing/2014/main" id="{CE272F12-AF86-441A-BC1B-C014BBBF85B5}"/>
-              </a:ext>
-              <a:ext uri="{C183D7F6-B498-43B3-948B-1728B52AA6E4}">
-                <adec:decorative xmlns:adec="http://schemas.microsoft.com/office/drawing/2017/decorative" val="1"/>
-              </a:ext>
-            </a:extLst>
-          </p:cNvPr>
-          <p:cNvCxnSpPr>
-            <a:cxnSpLocks noGrp="1" noRot="1" noChangeAspect="1" noMove="1" noResize="1" noEditPoints="1" noAdjustHandles="1" noChangeArrowheads="1" noChangeShapeType="1"/>
-          </p:cNvCxnSpPr>
-          <p:nvPr>
-            <p:extLst>
-              <p:ext uri="{386F3935-93C4-4BCD-93E2-E3B085C9AB24}">
-                <p16:designElem xmlns:p16="http://schemas.microsoft.com/office/powerpoint/2015/main" val="1"/>
-              </p:ext>
-            </p:extLst>
-          </p:nvPr>
-        </p:nvCxnSpPr>
-        <p:spPr>
-          <a:xfrm flipV="1">
-            <a:off x="475488" y="585216"/>
-            <a:ext cx="0" cy="914400"/>
-          </a:xfrm>
-          <a:prstGeom prst="line">
-            <a:avLst/>
-          </a:prstGeom>
-          <a:ln w="19050">
-            <a:solidFill>
-              <a:schemeClr val="tx1">
-                <a:alpha val="70000"/>
-              </a:schemeClr>
-            </a:solidFill>
-          </a:ln>
-        </p:spPr>
-        <p:style>
-          <a:lnRef idx="1">
-            <a:schemeClr val="accent1"/>
-          </a:lnRef>
-          <a:fillRef idx="0">
-            <a:schemeClr val="accent1"/>
-          </a:fillRef>
-          <a:effectRef idx="0">
-            <a:schemeClr val="accent1"/>
-          </a:effectRef>
-          <a:fontRef idx="minor">
-            <a:schemeClr val="tx1"/>
-          </a:fontRef>
-        </p:style>
-      </p:cxnSp>
-      <p:pic>
-        <p:nvPicPr>
-          <p:cNvPr id="5" name="Content Placeholder 4">
-            <a:extLst>
-              <a:ext uri="{FF2B5EF4-FFF2-40B4-BE49-F238E27FC236}">
-                <a16:creationId xmlns:a16="http://schemas.microsoft.com/office/drawing/2014/main" id="{709AC8CC-F24A-2FFF-825B-7DFB94E9A6D9}"/>
-              </a:ext>
-            </a:extLst>
-          </p:cNvPr>
-          <p:cNvPicPr>
-            <a:picLocks noChangeAspect="1"/>
-          </p:cNvPicPr>
-          <p:nvPr/>
-        </p:nvPicPr>
-        <p:blipFill>
-          <a:blip r:embed="rId2"/>
-          <a:stretch>
-            <a:fillRect/>
-          </a:stretch>
-        </p:blipFill>
-        <p:spPr>
-          <a:xfrm>
-            <a:off x="1239115" y="1319813"/>
-            <a:ext cx="9710721" cy="5535110"/>
-          </a:xfrm>
-          <a:prstGeom prst="rect">
-            <a:avLst/>
-          </a:prstGeom>
-        </p:spPr>
-      </p:pic>
       <p:sp>
         <p:nvSpPr>
           <p:cNvPr id="14" name="Content Placeholder 13">
@@ -11406,20 +11979,923 @@
         </p:nvSpPr>
         <p:spPr>
           <a:xfrm>
-            <a:off x="7534656" y="2002536"/>
-            <a:ext cx="3822192" cy="4169664"/>
+            <a:off x="2426447" y="6019391"/>
+            <a:ext cx="7315199" cy="365125"/>
           </a:xfrm>
         </p:spPr>
         <p:txBody>
-          <a:bodyPr anchor="t">
+          <a:bodyPr vert="horz" lIns="91440" tIns="45720" rIns="91440" bIns="45720" rtlCol="0" anchor="t">
             <a:normAutofit/>
           </a:bodyPr>
           <a:lstStyle/>
           <a:p>
-            <a:endParaRPr lang="en-US" sz="2200"/>
+            <a:pPr marL="0" indent="0" algn="ctr">
+              <a:buNone/>
+            </a:pPr>
+            <a:r>
+              <a:rPr lang="en-US" sz="1600" dirty="0" err="1">
+                <a:solidFill>
+                  <a:schemeClr val="tx1">
+                    <a:lumMod val="85000"/>
+                    <a:lumOff val="15000"/>
+                  </a:schemeClr>
+                </a:solidFill>
+              </a:rPr>
+              <a:t>Klanten</a:t>
+            </a:r>
+            <a:r>
+              <a:rPr lang="en-US" sz="1600" dirty="0">
+                <a:solidFill>
+                  <a:schemeClr val="tx1">
+                    <a:lumMod val="85000"/>
+                    <a:lumOff val="15000"/>
+                  </a:schemeClr>
+                </a:solidFill>
+              </a:rPr>
+              <a:t> </a:t>
+            </a:r>
+            <a:r>
+              <a:rPr lang="en-US" sz="1600" dirty="0" err="1">
+                <a:solidFill>
+                  <a:schemeClr val="tx1">
+                    <a:lumMod val="85000"/>
+                    <a:lumOff val="15000"/>
+                  </a:schemeClr>
+                </a:solidFill>
+              </a:rPr>
+              <a:t>gesprek</a:t>
+            </a:r>
+            <a:endParaRPr lang="en-US" sz="1600" dirty="0">
+              <a:solidFill>
+                <a:schemeClr val="tx1">
+                  <a:lumMod val="85000"/>
+                  <a:lumOff val="15000"/>
+                </a:schemeClr>
+              </a:solidFill>
+            </a:endParaRPr>
           </a:p>
         </p:txBody>
       </p:sp>
+      <p:pic>
+        <p:nvPicPr>
+          <p:cNvPr id="5" name="Content Placeholder 4">
+            <a:extLst>
+              <a:ext uri="{FF2B5EF4-FFF2-40B4-BE49-F238E27FC236}">
+                <a16:creationId xmlns:a16="http://schemas.microsoft.com/office/drawing/2014/main" id="{709AC8CC-F24A-2FFF-825B-7DFB94E9A6D9}"/>
+              </a:ext>
+            </a:extLst>
+          </p:cNvPr>
+          <p:cNvPicPr>
+            <a:picLocks noChangeAspect="1"/>
+          </p:cNvPicPr>
+          <p:nvPr/>
+        </p:nvPicPr>
+        <p:blipFill rotWithShape="1">
+          <a:blip r:embed="rId2"/>
+          <a:srcRect t="5619" b="9676"/>
+          <a:stretch/>
+        </p:blipFill>
+        <p:spPr>
+          <a:xfrm>
+            <a:off x="20" y="10"/>
+            <a:ext cx="12191979" cy="5886523"/>
+          </a:xfrm>
+          <a:custGeom>
+            <a:avLst/>
+            <a:gdLst/>
+            <a:ahLst/>
+            <a:cxnLst/>
+            <a:rect l="l" t="t" r="r" b="b"/>
+            <a:pathLst>
+              <a:path w="12191999" h="5886533">
+                <a:moveTo>
+                  <a:pt x="4721173" y="4907914"/>
+                </a:moveTo>
+                <a:lnTo>
+                  <a:pt x="4722109" y="4908125"/>
+                </a:lnTo>
+                <a:cubicBezTo>
+                  <a:pt x="4721143" y="4908767"/>
+                  <a:pt x="4718263" y="4909373"/>
+                  <a:pt x="4717199" y="4909396"/>
+                </a:cubicBezTo>
+                <a:close/>
+                <a:moveTo>
+                  <a:pt x="0" y="0"/>
+                </a:moveTo>
+                <a:lnTo>
+                  <a:pt x="12191999" y="0"/>
+                </a:lnTo>
+                <a:lnTo>
+                  <a:pt x="12191999" y="5751311"/>
+                </a:lnTo>
+                <a:lnTo>
+                  <a:pt x="12140860" y="5770509"/>
+                </a:lnTo>
+                <a:cubicBezTo>
+                  <a:pt x="12126656" y="5772723"/>
+                  <a:pt x="12093589" y="5827925"/>
+                  <a:pt x="12080161" y="5826358"/>
+                </a:cubicBezTo>
+                <a:cubicBezTo>
+                  <a:pt x="11978188" y="5850511"/>
+                  <a:pt x="11967361" y="5873564"/>
+                  <a:pt x="11917885" y="5861578"/>
+                </a:cubicBezTo>
+                <a:cubicBezTo>
+                  <a:pt x="11872779" y="5859863"/>
+                  <a:pt x="11928861" y="5896778"/>
+                  <a:pt x="11894610" y="5883738"/>
+                </a:cubicBezTo>
+                <a:cubicBezTo>
+                  <a:pt x="11860359" y="5870698"/>
+                  <a:pt x="11736091" y="5807232"/>
+                  <a:pt x="11712379" y="5783337"/>
+                </a:cubicBezTo>
+                <a:cubicBezTo>
+                  <a:pt x="11688667" y="5759442"/>
+                  <a:pt x="11627912" y="5782933"/>
+                  <a:pt x="11585366" y="5740371"/>
+                </a:cubicBezTo>
+                <a:lnTo>
+                  <a:pt x="11516470" y="5663679"/>
+                </a:lnTo>
+                <a:cubicBezTo>
+                  <a:pt x="11468274" y="5661847"/>
+                  <a:pt x="11507335" y="5626593"/>
+                  <a:pt x="11462692" y="5610127"/>
+                </a:cubicBezTo>
+                <a:cubicBezTo>
+                  <a:pt x="11417567" y="5608500"/>
+                  <a:pt x="11408021" y="5556613"/>
+                  <a:pt x="11369712" y="5548654"/>
+                </a:cubicBezTo>
+                <a:cubicBezTo>
+                  <a:pt x="11354317" y="5554704"/>
+                  <a:pt x="11288328" y="5499810"/>
+                  <a:pt x="11273969" y="5488986"/>
+                </a:cubicBezTo>
+                <a:cubicBezTo>
+                  <a:pt x="11231913" y="5490378"/>
+                  <a:pt x="11221973" y="5480544"/>
+                  <a:pt x="11195084" y="5467967"/>
+                </a:cubicBezTo>
+                <a:cubicBezTo>
+                  <a:pt x="11164086" y="5497749"/>
+                  <a:pt x="11171649" y="5471790"/>
+                  <a:pt x="11143408" y="5468614"/>
+                </a:cubicBezTo>
+                <a:cubicBezTo>
+                  <a:pt x="11125906" y="5464975"/>
+                  <a:pt x="11102603" y="5460835"/>
+                  <a:pt x="11085935" y="5459365"/>
+                </a:cubicBezTo>
+                <a:cubicBezTo>
+                  <a:pt x="11057493" y="5459661"/>
+                  <a:pt x="11029906" y="5441496"/>
+                  <a:pt x="11030953" y="5456484"/>
+                </a:cubicBezTo>
+                <a:cubicBezTo>
+                  <a:pt x="11007784" y="5459001"/>
+                  <a:pt x="10982005" y="5463178"/>
+                  <a:pt x="10951060" y="5461240"/>
+                </a:cubicBezTo>
+                <a:cubicBezTo>
+                  <a:pt x="10885365" y="5424406"/>
+                  <a:pt x="10915288" y="5460968"/>
+                  <a:pt x="10857721" y="5448157"/>
+                </a:cubicBezTo>
+                <a:cubicBezTo>
+                  <a:pt x="10806646" y="5435790"/>
+                  <a:pt x="10707075" y="5402712"/>
+                  <a:pt x="10644616" y="5387039"/>
+                </a:cubicBezTo>
+                <a:cubicBezTo>
+                  <a:pt x="10616446" y="5382224"/>
+                  <a:pt x="10558603" y="5371613"/>
+                  <a:pt x="10519277" y="5366793"/>
+                </a:cubicBezTo>
+                <a:cubicBezTo>
+                  <a:pt x="10495461" y="5368312"/>
+                  <a:pt x="10473830" y="5354868"/>
+                  <a:pt x="10445981" y="5364735"/>
+                </a:cubicBezTo>
+                <a:cubicBezTo>
+                  <a:pt x="10436536" y="5368773"/>
+                  <a:pt x="10409281" y="5367966"/>
+                  <a:pt x="10383865" y="5360888"/>
+                </a:cubicBezTo>
+                <a:cubicBezTo>
+                  <a:pt x="10374827" y="5369095"/>
+                  <a:pt x="10347864" y="5360432"/>
+                  <a:pt x="10336852" y="5360277"/>
+                </a:cubicBezTo>
+                <a:cubicBezTo>
+                  <a:pt x="10323586" y="5366987"/>
+                  <a:pt x="10274741" y="5357921"/>
+                  <a:pt x="10261098" y="5350526"/>
+                </a:cubicBezTo>
+                <a:lnTo>
+                  <a:pt x="10126497" y="5339011"/>
+                </a:lnTo>
+                <a:lnTo>
+                  <a:pt x="10082166" y="5336916"/>
+                </a:lnTo>
+                <a:cubicBezTo>
+                  <a:pt x="10074567" y="5338985"/>
+                  <a:pt x="10046860" y="5337657"/>
+                  <a:pt x="10039237" y="5338580"/>
+                </a:cubicBezTo>
+                <a:cubicBezTo>
+                  <a:pt x="9998458" y="5328479"/>
+                  <a:pt x="9984394" y="5327989"/>
+                  <a:pt x="9960016" y="5323065"/>
+                </a:cubicBezTo>
+                <a:cubicBezTo>
+                  <a:pt x="9918980" y="5322923"/>
+                  <a:pt x="9888741" y="5326122"/>
+                  <a:pt x="9847789" y="5316297"/>
+                </a:cubicBezTo>
+                <a:lnTo>
+                  <a:pt x="9728306" y="5296090"/>
+                </a:lnTo>
+                <a:cubicBezTo>
+                  <a:pt x="9675056" y="5305676"/>
+                  <a:pt x="9602035" y="5297282"/>
+                  <a:pt x="9584504" y="5284670"/>
+                </a:cubicBezTo>
+                <a:cubicBezTo>
+                  <a:pt x="9518952" y="5270394"/>
+                  <a:pt x="9415429" y="5244268"/>
+                  <a:pt x="9343049" y="5238968"/>
+                </a:cubicBezTo>
+                <a:lnTo>
+                  <a:pt x="9231367" y="5187063"/>
+                </a:lnTo>
+                <a:lnTo>
+                  <a:pt x="9194807" y="5176984"/>
+                </a:lnTo>
+                <a:lnTo>
+                  <a:pt x="9189243" y="5167745"/>
+                </a:lnTo>
+                <a:lnTo>
+                  <a:pt x="9151229" y="5156543"/>
+                </a:lnTo>
+                <a:lnTo>
+                  <a:pt x="9150207" y="5157608"/>
+                </a:lnTo>
+                <a:cubicBezTo>
+                  <a:pt x="9147045" y="5159739"/>
+                  <a:pt x="9143081" y="5160831"/>
+                  <a:pt x="9137315" y="5159777"/>
+                </a:cubicBezTo>
+                <a:cubicBezTo>
+                  <a:pt x="9138862" y="5179261"/>
+                  <a:pt x="9130952" y="5165972"/>
+                  <a:pt x="9113809" y="5161143"/>
+                </a:cubicBezTo>
+                <a:cubicBezTo>
+                  <a:pt x="9112388" y="5190326"/>
+                  <a:pt x="9068114" y="5155892"/>
+                  <a:pt x="9053450" y="5169457"/>
+                </a:cubicBezTo>
+                <a:lnTo>
+                  <a:pt x="9005483" y="5166172"/>
+                </a:lnTo>
+                <a:lnTo>
+                  <a:pt x="9005198" y="5166412"/>
+                </a:lnTo>
+                <a:cubicBezTo>
+                  <a:pt x="9003143" y="5166632"/>
+                  <a:pt x="9000324" y="5166304"/>
+                  <a:pt x="8996229" y="5165201"/>
+                </a:cubicBezTo>
+                <a:lnTo>
+                  <a:pt x="8990391" y="5163140"/>
+                </a:lnTo>
+                <a:lnTo>
+                  <a:pt x="8974334" y="5159914"/>
+                </a:lnTo>
+                <a:lnTo>
+                  <a:pt x="8968008" y="5160614"/>
+                </a:lnTo>
+                <a:lnTo>
+                  <a:pt x="8963045" y="5162839"/>
+                </a:lnTo>
+                <a:cubicBezTo>
+                  <a:pt x="8954690" y="5154888"/>
+                  <a:pt x="8955517" y="5145940"/>
+                  <a:pt x="8928985" y="5166027"/>
+                </a:cubicBezTo>
+                <a:cubicBezTo>
+                  <a:pt x="8898031" y="5165007"/>
+                  <a:pt x="8789300" y="5150352"/>
+                  <a:pt x="8752441" y="5146795"/>
+                </a:cubicBezTo>
+                <a:cubicBezTo>
+                  <a:pt x="8719819" y="5136075"/>
+                  <a:pt x="8748194" y="5149736"/>
+                  <a:pt x="8707844" y="5144694"/>
+                </a:cubicBezTo>
+                <a:cubicBezTo>
+                  <a:pt x="8671606" y="5125159"/>
+                  <a:pt x="8639142" y="5141599"/>
+                  <a:pt x="8596068" y="5136122"/>
+                </a:cubicBezTo>
+                <a:lnTo>
+                  <a:pt x="8525227" y="5150964"/>
+                </a:lnTo>
+                <a:lnTo>
+                  <a:pt x="8510980" y="5145049"/>
+                </a:lnTo>
+                <a:lnTo>
+                  <a:pt x="8506164" y="5142048"/>
+                </a:lnTo>
+                <a:cubicBezTo>
+                  <a:pt x="8502646" y="5140271"/>
+                  <a:pt x="8500045" y="5139460"/>
+                  <a:pt x="8497965" y="5139310"/>
+                </a:cubicBezTo>
+                <a:lnTo>
+                  <a:pt x="8497591" y="5139489"/>
+                </a:lnTo>
+                <a:lnTo>
+                  <a:pt x="8490246" y="5136439"/>
+                </a:lnTo>
+                <a:lnTo>
+                  <a:pt x="8367179" y="5122397"/>
+                </a:lnTo>
+                <a:cubicBezTo>
+                  <a:pt x="8362021" y="5120372"/>
+                  <a:pt x="8357730" y="5120720"/>
+                  <a:pt x="8353796" y="5122203"/>
+                </a:cubicBezTo>
+                <a:lnTo>
+                  <a:pt x="8352369" y="5123043"/>
+                </a:lnTo>
+                <a:lnTo>
+                  <a:pt x="8320101" y="5105625"/>
+                </a:lnTo>
+                <a:lnTo>
+                  <a:pt x="8314429" y="5105299"/>
+                </a:lnTo>
+                <a:lnTo>
+                  <a:pt x="8295170" y="5091404"/>
+                </a:lnTo>
+                <a:lnTo>
+                  <a:pt x="8284273" y="5085581"/>
+                </a:lnTo>
+                <a:lnTo>
+                  <a:pt x="8283146" y="5081138"/>
+                </a:lnTo>
+                <a:cubicBezTo>
+                  <a:pt x="8280842" y="5077893"/>
+                  <a:pt x="8276148" y="5075245"/>
+                  <a:pt x="8266072" y="5073963"/>
+                </a:cubicBezTo>
+                <a:lnTo>
+                  <a:pt x="8263373" y="5074193"/>
+                </a:lnTo>
+                <a:lnTo>
+                  <a:pt x="8252030" y="5064350"/>
+                </a:lnTo>
+                <a:cubicBezTo>
+                  <a:pt x="8248856" y="5060500"/>
+                  <a:pt x="8246644" y="5056218"/>
+                  <a:pt x="8245831" y="5051358"/>
+                </a:cubicBezTo>
+                <a:cubicBezTo>
+                  <a:pt x="8181824" y="5054265"/>
+                  <a:pt x="8147127" y="5020143"/>
+                  <a:pt x="8090268" y="5005197"/>
+                </a:cubicBezTo>
+                <a:cubicBezTo>
+                  <a:pt x="8025464" y="4982055"/>
+                  <a:pt x="7967067" y="4960819"/>
+                  <a:pt x="7905404" y="4963224"/>
+                </a:cubicBezTo>
+                <a:cubicBezTo>
+                  <a:pt x="7835116" y="4948312"/>
+                  <a:pt x="7780962" y="4946081"/>
+                  <a:pt x="7718741" y="4937509"/>
+                </a:cubicBezTo>
+                <a:lnTo>
+                  <a:pt x="7614343" y="4940980"/>
+                </a:lnTo>
+                <a:lnTo>
+                  <a:pt x="7527539" y="4935152"/>
+                </a:lnTo>
+                <a:lnTo>
+                  <a:pt x="7519567" y="4932599"/>
+                </a:lnTo>
+                <a:cubicBezTo>
+                  <a:pt x="7513989" y="4931260"/>
+                  <a:pt x="7510169" y="4930910"/>
+                  <a:pt x="7507408" y="4931264"/>
+                </a:cubicBezTo>
+                <a:lnTo>
+                  <a:pt x="7507036" y="4931591"/>
+                </a:lnTo>
+                <a:lnTo>
+                  <a:pt x="7495791" y="4929639"/>
+                </a:lnTo>
+                <a:cubicBezTo>
+                  <a:pt x="7476982" y="4925521"/>
+                  <a:pt x="7422524" y="4942937"/>
+                  <a:pt x="7405387" y="4937744"/>
+                </a:cubicBezTo>
+                <a:cubicBezTo>
+                  <a:pt x="7374785" y="4940694"/>
+                  <a:pt x="7333986" y="4941799"/>
+                  <a:pt x="7312176" y="4947339"/>
+                </a:cubicBezTo>
+                <a:lnTo>
+                  <a:pt x="7310849" y="4948781"/>
+                </a:lnTo>
+                <a:lnTo>
+                  <a:pt x="7218556" y="4923532"/>
+                </a:lnTo>
+                <a:lnTo>
+                  <a:pt x="7201098" y="4918982"/>
+                </a:lnTo>
+                <a:lnTo>
+                  <a:pt x="7197000" y="4913624"/>
+                </a:lnTo>
+                <a:cubicBezTo>
+                  <a:pt x="7192108" y="4910101"/>
+                  <a:pt x="7184502" y="4907962"/>
+                  <a:pt x="7170804" y="4908976"/>
+                </a:cubicBezTo>
+                <a:lnTo>
+                  <a:pt x="7096984" y="4896748"/>
+                </a:lnTo>
+                <a:cubicBezTo>
+                  <a:pt x="7061144" y="4895770"/>
+                  <a:pt x="7050185" y="4894793"/>
+                  <a:pt x="7018492" y="4897122"/>
+                </a:cubicBezTo>
+                <a:cubicBezTo>
+                  <a:pt x="6937524" y="4886184"/>
+                  <a:pt x="6943641" y="4862018"/>
+                  <a:pt x="6904142" y="4867616"/>
+                </a:cubicBezTo>
+                <a:cubicBezTo>
+                  <a:pt x="6871918" y="4872824"/>
+                  <a:pt x="6787985" y="4853750"/>
+                  <a:pt x="6708218" y="4839661"/>
+                </a:cubicBezTo>
+                <a:cubicBezTo>
+                  <a:pt x="6649102" y="4830206"/>
+                  <a:pt x="6628102" y="4816105"/>
+                  <a:pt x="6549451" y="4810885"/>
+                </a:cubicBezTo>
+                <a:cubicBezTo>
+                  <a:pt x="6472150" y="4766795"/>
+                  <a:pt x="6409692" y="4790518"/>
+                  <a:pt x="6317556" y="4764085"/>
+                </a:cubicBezTo>
+                <a:cubicBezTo>
+                  <a:pt x="6297547" y="4748563"/>
+                  <a:pt x="6209288" y="4765756"/>
+                  <a:pt x="6168670" y="4761998"/>
+                </a:cubicBezTo>
+                <a:cubicBezTo>
+                  <a:pt x="6128052" y="4758240"/>
+                  <a:pt x="6090536" y="4744692"/>
+                  <a:pt x="6073844" y="4741536"/>
+                </a:cubicBezTo>
+                <a:lnTo>
+                  <a:pt x="6068526" y="4743073"/>
+                </a:lnTo>
+                <a:lnTo>
+                  <a:pt x="6048634" y="4742390"/>
+                </a:lnTo>
+                <a:lnTo>
+                  <a:pt x="6041279" y="4750739"/>
+                </a:lnTo>
+                <a:lnTo>
+                  <a:pt x="6010088" y="4755832"/>
+                </a:lnTo>
+                <a:cubicBezTo>
+                  <a:pt x="5998677" y="4756419"/>
+                  <a:pt x="5970124" y="4755506"/>
+                  <a:pt x="5957373" y="4752188"/>
+                </a:cubicBezTo>
+                <a:lnTo>
+                  <a:pt x="5758915" y="4736496"/>
+                </a:lnTo>
+                <a:lnTo>
+                  <a:pt x="5626957" y="4735473"/>
+                </a:lnTo>
+                <a:lnTo>
+                  <a:pt x="5470902" y="4749493"/>
+                </a:lnTo>
+                <a:cubicBezTo>
+                  <a:pt x="5478131" y="4762521"/>
+                  <a:pt x="5439006" y="4748455"/>
+                  <a:pt x="5432757" y="4760746"/>
+                </a:cubicBezTo>
+                <a:cubicBezTo>
+                  <a:pt x="5429365" y="4770778"/>
+                  <a:pt x="5391824" y="4775462"/>
+                  <a:pt x="5381664" y="4778448"/>
+                </a:cubicBezTo>
+                <a:lnTo>
+                  <a:pt x="5261760" y="4798865"/>
+                </a:lnTo>
+                <a:cubicBezTo>
+                  <a:pt x="5251595" y="4799049"/>
+                  <a:pt x="5230547" y="4807359"/>
+                  <a:pt x="5222959" y="4809989"/>
+                </a:cubicBezTo>
+                <a:lnTo>
+                  <a:pt x="5174657" y="4812979"/>
+                </a:lnTo>
+                <a:lnTo>
+                  <a:pt x="5156551" y="4820202"/>
+                </a:lnTo>
+                <a:lnTo>
+                  <a:pt x="5142595" y="4823602"/>
+                </a:lnTo>
+                <a:lnTo>
+                  <a:pt x="5139593" y="4825703"/>
+                </a:lnTo>
+                <a:cubicBezTo>
+                  <a:pt x="5133873" y="4829743"/>
+                  <a:pt x="5128076" y="4833554"/>
+                  <a:pt x="5121656" y="4836556"/>
+                </a:cubicBezTo>
+                <a:cubicBezTo>
+                  <a:pt x="5108317" y="4807937"/>
+                  <a:pt x="5064853" y="4857373"/>
+                  <a:pt x="5065787" y="4829985"/>
+                </a:cubicBezTo>
+                <a:cubicBezTo>
+                  <a:pt x="5028193" y="4841501"/>
+                  <a:pt x="5038944" y="4812412"/>
+                  <a:pt x="5011510" y="4846366"/>
+                </a:cubicBezTo>
+                <a:cubicBezTo>
+                  <a:pt x="4937023" y="4845983"/>
+                  <a:pt x="4916353" y="4832976"/>
+                  <a:pt x="4840437" y="4870383"/>
+                </a:cubicBezTo>
+                <a:cubicBezTo>
+                  <a:pt x="4806739" y="4887025"/>
+                  <a:pt x="4784106" y="4898171"/>
+                  <a:pt x="4762444" y="4898151"/>
+                </a:cubicBezTo>
+                <a:cubicBezTo>
+                  <a:pt x="4741323" y="4902652"/>
+                  <a:pt x="4729481" y="4905474"/>
+                  <a:pt x="4723182" y="4907166"/>
+                </a:cubicBezTo>
+                <a:lnTo>
+                  <a:pt x="4721173" y="4907914"/>
+                </a:lnTo>
+                <a:lnTo>
+                  <a:pt x="4715524" y="4906639"/>
+                </a:lnTo>
+                <a:cubicBezTo>
+                  <a:pt x="4680148" y="4913595"/>
+                  <a:pt x="4524744" y="4914403"/>
+                  <a:pt x="4515810" y="4916541"/>
+                </a:cubicBezTo>
+                <a:cubicBezTo>
+                  <a:pt x="4457819" y="4929653"/>
+                  <a:pt x="4462659" y="4930394"/>
+                  <a:pt x="4428539" y="4927192"/>
+                </a:cubicBezTo>
+                <a:cubicBezTo>
+                  <a:pt x="4423303" y="4923821"/>
+                  <a:pt x="4368974" y="4930115"/>
+                  <a:pt x="4362872" y="4928538"/>
+                </a:cubicBezTo>
+                <a:lnTo>
+                  <a:pt x="4316962" y="4921923"/>
+                </a:lnTo>
+                <a:lnTo>
+                  <a:pt x="4315106" y="4923264"/>
+                </a:lnTo>
+                <a:cubicBezTo>
+                  <a:pt x="4306123" y="4926635"/>
+                  <a:pt x="4299993" y="4926634"/>
+                  <a:pt x="4295140" y="4925143"/>
+                </a:cubicBezTo>
+                <a:lnTo>
+                  <a:pt x="4290059" y="4922226"/>
+                </a:lnTo>
+                <a:lnTo>
+                  <a:pt x="4276138" y="4922472"/>
+                </a:lnTo>
+                <a:lnTo>
+                  <a:pt x="4248113" y="4920148"/>
+                </a:lnTo>
+                <a:lnTo>
+                  <a:pt x="4202046" y="4922943"/>
+                </a:lnTo>
+                <a:cubicBezTo>
+                  <a:pt x="4201945" y="4923363"/>
+                  <a:pt x="4201842" y="4923782"/>
+                  <a:pt x="4201741" y="4924202"/>
+                </a:cubicBezTo>
+                <a:cubicBezTo>
+                  <a:pt x="4200116" y="4927039"/>
+                  <a:pt x="4197140" y="4929158"/>
+                  <a:pt x="4191245" y="4929836"/>
+                </a:cubicBezTo>
+                <a:cubicBezTo>
+                  <a:pt x="4204212" y="4947125"/>
+                  <a:pt x="4161274" y="4945230"/>
+                  <a:pt x="4142742" y="4945701"/>
+                </a:cubicBezTo>
+                <a:cubicBezTo>
+                  <a:pt x="4124717" y="4952767"/>
+                  <a:pt x="4099099" y="4966347"/>
+                  <a:pt x="4083094" y="4972234"/>
+                </a:cubicBezTo>
+                <a:lnTo>
+                  <a:pt x="4074543" y="4973069"/>
+                </a:lnTo>
+                <a:cubicBezTo>
+                  <a:pt x="4074504" y="4973170"/>
+                  <a:pt x="4074463" y="4973269"/>
+                  <a:pt x="4074424" y="4973368"/>
+                </a:cubicBezTo>
+                <a:cubicBezTo>
+                  <a:pt x="4072678" y="4974152"/>
+                  <a:pt x="4069906" y="4974653"/>
+                  <a:pt x="4065507" y="4974812"/>
+                </a:cubicBezTo>
+                <a:lnTo>
+                  <a:pt x="4058951" y="4974594"/>
+                </a:lnTo>
+                <a:lnTo>
+                  <a:pt x="4042361" y="4976215"/>
+                </a:lnTo>
+                <a:lnTo>
+                  <a:pt x="4036993" y="4978649"/>
+                </a:lnTo>
+                <a:lnTo>
+                  <a:pt x="4035360" y="4982316"/>
+                </a:lnTo>
+                <a:lnTo>
+                  <a:pt x="4033775" y="4982081"/>
+                </a:lnTo>
+                <a:cubicBezTo>
+                  <a:pt x="4021424" y="4977217"/>
+                  <a:pt x="4016874" y="4968841"/>
+                  <a:pt x="4004535" y="4994649"/>
+                </a:cubicBezTo>
+                <a:cubicBezTo>
+                  <a:pt x="3976667" y="4987584"/>
+                  <a:pt x="3972977" y="5002913"/>
+                  <a:pt x="3936843" y="5012106"/>
+                </a:cubicBezTo>
+                <a:cubicBezTo>
+                  <a:pt x="3920506" y="5004382"/>
+                  <a:pt x="3908535" y="5009071"/>
+                  <a:pt x="3897272" y="5017761"/>
+                </a:cubicBezTo>
+                <a:cubicBezTo>
+                  <a:pt x="3861092" y="5017265"/>
+                  <a:pt x="3829628" y="5031135"/>
+                  <a:pt x="3789757" y="5037999"/>
+                </a:cubicBezTo>
+                <a:cubicBezTo>
+                  <a:pt x="3741007" y="5052705"/>
+                  <a:pt x="3725129" y="5054682"/>
+                  <a:pt x="3682510" y="5061922"/>
+                </a:cubicBezTo>
+                <a:lnTo>
+                  <a:pt x="3610032" y="5094193"/>
+                </a:lnTo>
+                <a:lnTo>
+                  <a:pt x="3603852" y="5092831"/>
+                </a:lnTo>
+                <a:cubicBezTo>
+                  <a:pt x="3599580" y="5092212"/>
+                  <a:pt x="3596726" y="5092212"/>
+                  <a:pt x="3594733" y="5092667"/>
+                </a:cubicBezTo>
+                <a:lnTo>
+                  <a:pt x="3594498" y="5092936"/>
+                </a:lnTo>
+                <a:lnTo>
+                  <a:pt x="3585975" y="5092246"/>
+                </a:lnTo>
+                <a:cubicBezTo>
+                  <a:pt x="3571623" y="5090455"/>
+                  <a:pt x="3549389" y="5104654"/>
+                  <a:pt x="3536132" y="5101945"/>
+                </a:cubicBezTo>
+                <a:cubicBezTo>
+                  <a:pt x="3513940" y="5106241"/>
+                  <a:pt x="3488622" y="5099976"/>
+                  <a:pt x="3473220" y="5105606"/>
+                </a:cubicBezTo>
+                <a:lnTo>
+                  <a:pt x="3400725" y="5117654"/>
+                </a:lnTo>
+                <a:lnTo>
+                  <a:pt x="3375935" y="5106247"/>
+                </a:lnTo>
+                <a:lnTo>
+                  <a:pt x="3348219" y="5109860"/>
+                </a:lnTo>
+                <a:cubicBezTo>
+                  <a:pt x="3337206" y="5110533"/>
+                  <a:pt x="3327054" y="5111295"/>
+                  <a:pt x="3319639" y="5114795"/>
+                </a:cubicBezTo>
+                <a:lnTo>
+                  <a:pt x="3248529" y="5133347"/>
+                </a:lnTo>
+                <a:lnTo>
+                  <a:pt x="3210308" y="5119794"/>
+                </a:lnTo>
+                <a:cubicBezTo>
+                  <a:pt x="3206088" y="5117870"/>
+                  <a:pt x="3200152" y="5117326"/>
+                  <a:pt x="3190375" y="5119915"/>
+                </a:cubicBezTo>
+                <a:lnTo>
+                  <a:pt x="3188145" y="5121096"/>
+                </a:lnTo>
+                <a:cubicBezTo>
+                  <a:pt x="3182625" y="5119116"/>
+                  <a:pt x="3141856" y="5121682"/>
+                  <a:pt x="3108596" y="5122416"/>
+                </a:cubicBezTo>
+                <a:cubicBezTo>
+                  <a:pt x="3055968" y="5124842"/>
+                  <a:pt x="3048940" y="5117475"/>
+                  <a:pt x="2988584" y="5125502"/>
+                </a:cubicBezTo>
+                <a:cubicBezTo>
+                  <a:pt x="2928853" y="5129690"/>
+                  <a:pt x="2917951" y="5124649"/>
+                  <a:pt x="2876540" y="5133019"/>
+                </a:cubicBezTo>
+                <a:lnTo>
+                  <a:pt x="2626864" y="5133771"/>
+                </a:lnTo>
+                <a:cubicBezTo>
+                  <a:pt x="2562348" y="5111858"/>
+                  <a:pt x="2563422" y="5142456"/>
+                  <a:pt x="2491422" y="5135486"/>
+                </a:cubicBezTo>
+                <a:cubicBezTo>
+                  <a:pt x="2433091" y="5200962"/>
+                  <a:pt x="2455709" y="5160483"/>
+                  <a:pt x="2415617" y="5168715"/>
+                </a:cubicBezTo>
+                <a:lnTo>
+                  <a:pt x="2290098" y="5166151"/>
+                </a:lnTo>
+                <a:cubicBezTo>
+                  <a:pt x="2257057" y="5152522"/>
+                  <a:pt x="2202458" y="5187690"/>
+                  <a:pt x="2161714" y="5169302"/>
+                </a:cubicBezTo>
+                <a:cubicBezTo>
+                  <a:pt x="2122714" y="5172302"/>
+                  <a:pt x="2080450" y="5180350"/>
+                  <a:pt x="2056089" y="5184144"/>
+                </a:cubicBezTo>
+                <a:cubicBezTo>
+                  <a:pt x="2019828" y="5191108"/>
+                  <a:pt x="1978839" y="5203797"/>
+                  <a:pt x="1944153" y="5211084"/>
+                </a:cubicBezTo>
+                <a:cubicBezTo>
+                  <a:pt x="1925867" y="5199079"/>
+                  <a:pt x="1896027" y="5224183"/>
+                  <a:pt x="1847968" y="5227868"/>
+                </a:cubicBezTo>
+                <a:cubicBezTo>
+                  <a:pt x="1827977" y="5213971"/>
+                  <a:pt x="1815570" y="5230544"/>
+                  <a:pt x="1777083" y="5212267"/>
+                </a:cubicBezTo>
+                <a:cubicBezTo>
+                  <a:pt x="1775439" y="5214216"/>
+                  <a:pt x="1773397" y="5216035"/>
+                  <a:pt x="1771025" y="5217668"/>
+                </a:cubicBezTo>
+                <a:cubicBezTo>
+                  <a:pt x="1757251" y="5227146"/>
+                  <a:pt x="1735528" y="5228402"/>
+                  <a:pt x="1722509" y="5220470"/>
+                </a:cubicBezTo>
+                <a:cubicBezTo>
+                  <a:pt x="1691779" y="5208440"/>
+                  <a:pt x="1662321" y="5203305"/>
+                  <a:pt x="1633941" y="5200774"/>
+                </a:cubicBezTo>
+                <a:lnTo>
+                  <a:pt x="1586145" y="5210184"/>
+                </a:lnTo>
+                <a:cubicBezTo>
+                  <a:pt x="1567948" y="5215416"/>
+                  <a:pt x="1545900" y="5226363"/>
+                  <a:pt x="1524748" y="5232173"/>
+                </a:cubicBezTo>
+                <a:cubicBezTo>
+                  <a:pt x="1502586" y="5235395"/>
+                  <a:pt x="1478013" y="5230993"/>
+                  <a:pt x="1459242" y="5245044"/>
+                </a:cubicBezTo>
+                <a:cubicBezTo>
+                  <a:pt x="1421474" y="5260197"/>
+                  <a:pt x="1374524" y="5244220"/>
+                  <a:pt x="1349457" y="5280705"/>
+                </a:cubicBezTo>
+                <a:cubicBezTo>
+                  <a:pt x="1273276" y="5302389"/>
+                  <a:pt x="1121512" y="5336260"/>
+                  <a:pt x="1009212" y="5361227"/>
+                </a:cubicBezTo>
+                <a:cubicBezTo>
+                  <a:pt x="939016" y="5373529"/>
+                  <a:pt x="866895" y="5370149"/>
+                  <a:pt x="808572" y="5377024"/>
+                </a:cubicBezTo>
+                <a:cubicBezTo>
+                  <a:pt x="802823" y="5374184"/>
+                  <a:pt x="726016" y="5397963"/>
+                  <a:pt x="719549" y="5396991"/>
+                </a:cubicBezTo>
+                <a:lnTo>
+                  <a:pt x="698795" y="5397657"/>
+                </a:lnTo>
+                <a:cubicBezTo>
+                  <a:pt x="689833" y="5401894"/>
+                  <a:pt x="683492" y="5402495"/>
+                  <a:pt x="678327" y="5401487"/>
+                </a:cubicBezTo>
+                <a:lnTo>
+                  <a:pt x="672784" y="5399085"/>
+                </a:lnTo>
+                <a:lnTo>
+                  <a:pt x="658406" y="5400696"/>
+                </a:lnTo>
+                <a:lnTo>
+                  <a:pt x="629185" y="5401132"/>
+                </a:lnTo>
+                <a:lnTo>
+                  <a:pt x="624558" y="5403782"/>
+                </a:lnTo>
+                <a:lnTo>
+                  <a:pt x="581798" y="5408438"/>
+                </a:lnTo>
+                <a:cubicBezTo>
+                  <a:pt x="581736" y="5408865"/>
+                  <a:pt x="581671" y="5409294"/>
+                  <a:pt x="581608" y="5409722"/>
+                </a:cubicBezTo>
+                <a:cubicBezTo>
+                  <a:pt x="580204" y="5412704"/>
+                  <a:pt x="577331" y="5415106"/>
+                  <a:pt x="571299" y="5416358"/>
+                </a:cubicBezTo>
+                <a:cubicBezTo>
+                  <a:pt x="551623" y="5426267"/>
+                  <a:pt x="484499" y="5459654"/>
+                  <a:pt x="463549" y="5469173"/>
+                </a:cubicBezTo>
+                <a:cubicBezTo>
+                  <a:pt x="453136" y="5470720"/>
+                  <a:pt x="449731" y="5472678"/>
+                  <a:pt x="445606" y="5473465"/>
+                </a:cubicBezTo>
+                <a:lnTo>
+                  <a:pt x="438799" y="5473893"/>
+                </a:lnTo>
+                <a:cubicBezTo>
+                  <a:pt x="417222" y="5482183"/>
+                  <a:pt x="343312" y="5513407"/>
+                  <a:pt x="316138" y="5523213"/>
+                </a:cubicBezTo>
+                <a:cubicBezTo>
+                  <a:pt x="298481" y="5517132"/>
+                  <a:pt x="286556" y="5522972"/>
+                  <a:pt x="275748" y="5532726"/>
+                </a:cubicBezTo>
+                <a:cubicBezTo>
+                  <a:pt x="238274" y="5535784"/>
+                  <a:pt x="207076" y="5552679"/>
+                  <a:pt x="166496" y="5563424"/>
+                </a:cubicBezTo>
+                <a:lnTo>
+                  <a:pt x="0" y="5629888"/>
+                </a:lnTo>
+                <a:close/>
+              </a:path>
+            </a:pathLst>
+          </a:custGeom>
+        </p:spPr>
+      </p:pic>
     </p:spTree>
     <p:extLst>
       <p:ext uri="{BB962C8B-B14F-4D97-AF65-F5344CB8AC3E}">
@@ -11428,12 +12904,12 @@
     </p:extLst>
   </p:cSld>
   <p:clrMapOvr>
-    <a:overrideClrMapping bg1="dk1" tx1="lt1" bg2="dk2" tx2="lt2" accent1="accent1" accent2="accent2" accent3="accent3" accent4="accent4" accent5="accent5" accent6="accent6" hlink="hlink" folHlink="folHlink"/>
+    <a:masterClrMapping/>
   </p:clrMapOvr>
 </p:sld>
 </file>
 
-<file path=ppt/slides/slide8.xml><?xml version="1.0" encoding="utf-8"?>
+<file path=ppt/slides/slide9.xml><?xml version="1.0" encoding="utf-8"?>
 <p:sld xmlns:a="http://schemas.openxmlformats.org/drawingml/2006/main" xmlns:r="http://schemas.openxmlformats.org/officeDocument/2006/relationships" xmlns:p="http://schemas.openxmlformats.org/presentationml/2006/main">
   <p:cSld>
     <p:bg>
@@ -11833,266 +13309,6 @@
     <p:extLst>
       <p:ext uri="{BB962C8B-B14F-4D97-AF65-F5344CB8AC3E}">
         <p14:creationId xmlns:p14="http://schemas.microsoft.com/office/powerpoint/2010/main" val="3248114"/>
-      </p:ext>
-    </p:extLst>
-  </p:cSld>
-  <p:clrMapOvr>
-    <a:masterClrMapping/>
-  </p:clrMapOvr>
-</p:sld>
-</file>
-
-<file path=ppt/slides/slide9.xml><?xml version="1.0" encoding="utf-8"?>
-<p:sld xmlns:a="http://schemas.openxmlformats.org/drawingml/2006/main" xmlns:r="http://schemas.openxmlformats.org/officeDocument/2006/relationships" xmlns:p="http://schemas.openxmlformats.org/presentationml/2006/main">
-  <p:cSld>
-    <p:bg>
-      <p:bgPr>
-        <a:solidFill>
-          <a:schemeClr val="bg1"/>
-        </a:solidFill>
-        <a:effectLst/>
-      </p:bgPr>
-    </p:bg>
-    <p:spTree>
-      <p:nvGrpSpPr>
-        <p:cNvPr id="1" name=""/>
-        <p:cNvGrpSpPr/>
-        <p:nvPr/>
-      </p:nvGrpSpPr>
-      <p:grpSpPr>
-        <a:xfrm>
-          <a:off x="0" y="0"/>
-          <a:ext cx="0" cy="0"/>
-          <a:chOff x="0" y="0"/>
-          <a:chExt cx="0" cy="0"/>
-        </a:xfrm>
-      </p:grpSpPr>
-      <p:sp useBgFill="1">
-        <p:nvSpPr>
-          <p:cNvPr id="16" name="Rectangle 15">
-            <a:extLst>
-              <a:ext uri="{FF2B5EF4-FFF2-40B4-BE49-F238E27FC236}">
-                <a16:creationId xmlns:a16="http://schemas.microsoft.com/office/drawing/2014/main" id="{3B47FC9C-2ED3-4100-A4EF-E8CDFEE106C9}"/>
-              </a:ext>
-              <a:ext uri="{C183D7F6-B498-43B3-948B-1728B52AA6E4}">
-                <adec:decorative xmlns:adec="http://schemas.microsoft.com/office/drawing/2017/decorative" val="1"/>
-              </a:ext>
-            </a:extLst>
-          </p:cNvPr>
-          <p:cNvSpPr>
-            <a:spLocks noGrp="1" noRot="1" noChangeAspect="1" noMove="1" noResize="1" noEditPoints="1" noAdjustHandles="1" noChangeArrowheads="1" noChangeShapeType="1" noTextEdit="1"/>
-          </p:cNvSpPr>
-          <p:nvPr>
-            <p:extLst>
-              <p:ext uri="{386F3935-93C4-4BCD-93E2-E3B085C9AB24}">
-                <p16:designElem xmlns:p16="http://schemas.microsoft.com/office/powerpoint/2015/main" val="1"/>
-              </p:ext>
-            </p:extLst>
-          </p:nvPr>
-        </p:nvSpPr>
-        <p:spPr>
-          <a:xfrm>
-            <a:off x="-1" y="0"/>
-            <a:ext cx="12188952" cy="6858000"/>
-          </a:xfrm>
-          <a:prstGeom prst="rect">
-            <a:avLst/>
-          </a:prstGeom>
-          <a:ln>
-            <a:noFill/>
-          </a:ln>
-        </p:spPr>
-        <p:style>
-          <a:lnRef idx="2">
-            <a:schemeClr val="accent1">
-              <a:shade val="50000"/>
-            </a:schemeClr>
-          </a:lnRef>
-          <a:fillRef idx="1">
-            <a:schemeClr val="accent1"/>
-          </a:fillRef>
-          <a:effectRef idx="0">
-            <a:schemeClr val="accent1"/>
-          </a:effectRef>
-          <a:fontRef idx="minor">
-            <a:schemeClr val="lt1"/>
-          </a:fontRef>
-        </p:style>
-        <p:txBody>
-          <a:bodyPr rtlCol="0" anchor="ctr"/>
-          <a:lstStyle/>
-          <a:p>
-            <a:pPr algn="ctr"/>
-            <a:endParaRPr lang="en-US" dirty="0"/>
-          </a:p>
-        </p:txBody>
-      </p:sp>
-      <p:pic>
-        <p:nvPicPr>
-          <p:cNvPr id="7" name="Picture 6">
-            <a:extLst>
-              <a:ext uri="{FF2B5EF4-FFF2-40B4-BE49-F238E27FC236}">
-                <a16:creationId xmlns:a16="http://schemas.microsoft.com/office/drawing/2014/main" id="{449F11E5-39A0-0446-257B-88FCF93BF3BF}"/>
-              </a:ext>
-            </a:extLst>
-          </p:cNvPr>
-          <p:cNvPicPr>
-            <a:picLocks noChangeAspect="1"/>
-          </p:cNvPicPr>
-          <p:nvPr/>
-        </p:nvPicPr>
-        <p:blipFill>
-          <a:blip r:embed="rId2"/>
-          <a:stretch>
-            <a:fillRect/>
-          </a:stretch>
-        </p:blipFill>
-        <p:spPr>
-          <a:xfrm>
-            <a:off x="708025" y="555625"/>
-            <a:ext cx="6142038" cy="2430463"/>
-          </a:xfrm>
-          <a:prstGeom prst="rect">
-            <a:avLst/>
-          </a:prstGeom>
-        </p:spPr>
-      </p:pic>
-      <p:pic>
-        <p:nvPicPr>
-          <p:cNvPr id="5" name="Content Placeholder 4">
-            <a:extLst>
-              <a:ext uri="{FF2B5EF4-FFF2-40B4-BE49-F238E27FC236}">
-                <a16:creationId xmlns:a16="http://schemas.microsoft.com/office/drawing/2014/main" id="{DE95D2B1-5823-6178-8E5F-E7ADD0C71144}"/>
-              </a:ext>
-            </a:extLst>
-          </p:cNvPr>
-          <p:cNvPicPr>
-            <a:picLocks noGrp="1" noChangeAspect="1"/>
-          </p:cNvPicPr>
-          <p:nvPr>
-            <p:ph idx="1"/>
-          </p:nvPr>
-        </p:nvPicPr>
-        <p:blipFill>
-          <a:blip r:embed="rId3"/>
-          <a:stretch>
-            <a:fillRect/>
-          </a:stretch>
-        </p:blipFill>
-        <p:spPr>
-          <a:xfrm>
-            <a:off x="6923088" y="555625"/>
-            <a:ext cx="4559300" cy="2430463"/>
-          </a:xfrm>
-        </p:spPr>
-      </p:pic>
-      <p:pic>
-        <p:nvPicPr>
-          <p:cNvPr id="11" name="Picture 10">
-            <a:extLst>
-              <a:ext uri="{FF2B5EF4-FFF2-40B4-BE49-F238E27FC236}">
-                <a16:creationId xmlns:a16="http://schemas.microsoft.com/office/drawing/2014/main" id="{28C34D05-F7A5-D46A-FE6A-A4616C6E62CB}"/>
-              </a:ext>
-            </a:extLst>
-          </p:cNvPr>
-          <p:cNvPicPr>
-            <a:picLocks noChangeAspect="1"/>
-          </p:cNvPicPr>
-          <p:nvPr/>
-        </p:nvPicPr>
-        <p:blipFill>
-          <a:blip r:embed="rId4"/>
-          <a:stretch>
-            <a:fillRect/>
-          </a:stretch>
-        </p:blipFill>
-        <p:spPr>
-          <a:xfrm>
-            <a:off x="708025" y="3059113"/>
-            <a:ext cx="6443663" cy="2125663"/>
-          </a:xfrm>
-          <a:prstGeom prst="rect">
-            <a:avLst/>
-          </a:prstGeom>
-        </p:spPr>
-      </p:pic>
-      <p:pic>
-        <p:nvPicPr>
-          <p:cNvPr id="9" name="Picture 8">
-            <a:extLst>
-              <a:ext uri="{FF2B5EF4-FFF2-40B4-BE49-F238E27FC236}">
-                <a16:creationId xmlns:a16="http://schemas.microsoft.com/office/drawing/2014/main" id="{C9CA423A-5299-8A16-9FCE-98CFEBB8A406}"/>
-              </a:ext>
-            </a:extLst>
-          </p:cNvPr>
-          <p:cNvPicPr>
-            <a:picLocks noChangeAspect="1"/>
-          </p:cNvPicPr>
-          <p:nvPr/>
-        </p:nvPicPr>
-        <p:blipFill>
-          <a:blip r:embed="rId5"/>
-          <a:stretch>
-            <a:fillRect/>
-          </a:stretch>
-        </p:blipFill>
-        <p:spPr>
-          <a:xfrm>
-            <a:off x="7224713" y="3059113"/>
-            <a:ext cx="4259263" cy="2125663"/>
-          </a:xfrm>
-          <a:prstGeom prst="rect">
-            <a:avLst/>
-          </a:prstGeom>
-        </p:spPr>
-      </p:pic>
-      <p:sp>
-        <p:nvSpPr>
-          <p:cNvPr id="2" name="Title 1">
-            <a:extLst>
-              <a:ext uri="{FF2B5EF4-FFF2-40B4-BE49-F238E27FC236}">
-                <a16:creationId xmlns:a16="http://schemas.microsoft.com/office/drawing/2014/main" id="{E9AC1B5D-F898-186A-2859-59EE9FA33E78}"/>
-              </a:ext>
-            </a:extLst>
-          </p:cNvPr>
-          <p:cNvSpPr>
-            <a:spLocks noGrp="1"/>
-          </p:cNvSpPr>
-          <p:nvPr>
-            <p:ph type="title"/>
-          </p:nvPr>
-        </p:nvSpPr>
-        <p:spPr>
-          <a:xfrm>
-            <a:off x="838200" y="5358141"/>
-            <a:ext cx="10515600" cy="942664"/>
-          </a:xfrm>
-        </p:spPr>
-        <p:txBody>
-          <a:bodyPr vert="horz" lIns="91440" tIns="45720" rIns="91440" bIns="45720" rtlCol="0" anchor="ctr">
-            <a:normAutofit/>
-          </a:bodyPr>
-          <a:lstStyle/>
-          <a:p>
-            <a:pPr algn="ctr"/>
-            <a:r>
-              <a:rPr lang="en-US" sz="5200" kern="1200">
-                <a:solidFill>
-                  <a:schemeClr val="tx1"/>
-                </a:solidFill>
-                <a:latin typeface="+mj-lt"/>
-                <a:ea typeface="+mj-ea"/>
-                <a:cs typeface="+mj-cs"/>
-              </a:rPr>
-              <a:t>Bron code</a:t>
-            </a:r>
-          </a:p>
-        </p:txBody>
-      </p:sp>
-    </p:spTree>
-    <p:extLst>
-      <p:ext uri="{BB962C8B-B14F-4D97-AF65-F5344CB8AC3E}">
-        <p14:creationId xmlns:p14="http://schemas.microsoft.com/office/powerpoint/2010/main" val="1382559203"/>
       </p:ext>
     </p:extLst>
   </p:cSld>
